--- a/Lasso_Ridge Regression.pptx
+++ b/Lasso_Ridge Regression.pptx
@@ -1,51 +1,51 @@
 
 <file path=ppt/presentation.xml><?xml version="1.0" encoding="utf-8"?>
-<p:presentation xmlns:a="http://schemas.openxmlformats.org/drawingml/2006/main" xmlns:r="http://schemas.openxmlformats.org/officeDocument/2006/relationships" xmlns:mc="http://schemas.openxmlformats.org/markup-compatibility/2006" xmlns:mv="urn:schemas-microsoft-com:mac:vml" xmlns:p="http://schemas.openxmlformats.org/presentationml/2006/main" xmlns:c="http://schemas.openxmlformats.org/drawingml/2006/chart" xmlns:dgm="http://schemas.openxmlformats.org/drawingml/2006/diagram" xmlns:o="urn:schemas-microsoft-com:office:office" xmlns:v="urn:schemas-microsoft-com:vml" xmlns:pvml="urn:schemas-microsoft-com:office:powerpoint" xmlns:com="http://schemas.openxmlformats.org/drawingml/2006/compatibility" xmlns:p14="http://schemas.microsoft.com/office/powerpoint/2010/main" xmlns:p15="http://schemas.microsoft.com/office/powerpoint/2012/main" xmlns:ahyp="http://schemas.microsoft.com/office/drawing/2018/hyperlinkcolor" autoCompressPictures="0" embedTrueTypeFonts="1" strictFirstAndLastChars="0" saveSubsetFonts="1">
+<p:presentation xmlns:a="http://schemas.openxmlformats.org/drawingml/2006/main" xmlns:r="http://schemas.openxmlformats.org/officeDocument/2006/relationships" xmlns:p="http://schemas.openxmlformats.org/presentationml/2006/main" strictFirstAndLastChars="0" embedTrueTypeFonts="1" saveSubsetFonts="1" autoCompressPictures="0">
   <p:sldMasterIdLst>
-    <p:sldMasterId id="2147483659" r:id="rId5"/>
+    <p:sldMasterId id="2147483659" r:id="rId1"/>
   </p:sldMasterIdLst>
   <p:notesMasterIdLst>
-    <p:notesMasterId r:id="rId6"/>
+    <p:notesMasterId r:id="rId26"/>
   </p:notesMasterIdLst>
   <p:sldIdLst>
-    <p:sldId id="256" r:id="rId7"/>
-    <p:sldId id="257" r:id="rId8"/>
-    <p:sldId id="258" r:id="rId9"/>
-    <p:sldId id="259" r:id="rId10"/>
-    <p:sldId id="260" r:id="rId11"/>
-    <p:sldId id="261" r:id="rId12"/>
-    <p:sldId id="262" r:id="rId13"/>
-    <p:sldId id="263" r:id="rId14"/>
-    <p:sldId id="264" r:id="rId15"/>
-    <p:sldId id="265" r:id="rId16"/>
-    <p:sldId id="266" r:id="rId17"/>
-    <p:sldId id="267" r:id="rId18"/>
-    <p:sldId id="268" r:id="rId19"/>
-    <p:sldId id="269" r:id="rId20"/>
-    <p:sldId id="270" r:id="rId21"/>
-    <p:sldId id="271" r:id="rId22"/>
-    <p:sldId id="272" r:id="rId23"/>
-    <p:sldId id="273" r:id="rId24"/>
-    <p:sldId id="274" r:id="rId25"/>
-    <p:sldId id="275" r:id="rId26"/>
-    <p:sldId id="276" r:id="rId27"/>
-    <p:sldId id="277" r:id="rId28"/>
-    <p:sldId id="278" r:id="rId29"/>
-    <p:sldId id="279" r:id="rId30"/>
+    <p:sldId id="256" r:id="rId2"/>
+    <p:sldId id="257" r:id="rId3"/>
+    <p:sldId id="258" r:id="rId4"/>
+    <p:sldId id="259" r:id="rId5"/>
+    <p:sldId id="260" r:id="rId6"/>
+    <p:sldId id="261" r:id="rId7"/>
+    <p:sldId id="262" r:id="rId8"/>
+    <p:sldId id="263" r:id="rId9"/>
+    <p:sldId id="264" r:id="rId10"/>
+    <p:sldId id="265" r:id="rId11"/>
+    <p:sldId id="266" r:id="rId12"/>
+    <p:sldId id="267" r:id="rId13"/>
+    <p:sldId id="268" r:id="rId14"/>
+    <p:sldId id="269" r:id="rId15"/>
+    <p:sldId id="270" r:id="rId16"/>
+    <p:sldId id="271" r:id="rId17"/>
+    <p:sldId id="272" r:id="rId18"/>
+    <p:sldId id="273" r:id="rId19"/>
+    <p:sldId id="274" r:id="rId20"/>
+    <p:sldId id="275" r:id="rId21"/>
+    <p:sldId id="276" r:id="rId22"/>
+    <p:sldId id="277" r:id="rId23"/>
+    <p:sldId id="278" r:id="rId24"/>
+    <p:sldId id="279" r:id="rId25"/>
   </p:sldIdLst>
-  <p:sldSz cy="5143500" cx="9144000"/>
+  <p:sldSz cx="9144000" cy="5143500" type="screen16x9"/>
   <p:notesSz cx="6858000" cy="9144000"/>
   <p:embeddedFontLst>
     <p:embeddedFont>
-      <p:font typeface="Roboto"/>
-      <p:regular r:id="rId31"/>
-      <p:bold r:id="rId32"/>
-      <p:italic r:id="rId33"/>
-      <p:boldItalic r:id="rId34"/>
+      <p:font typeface="Roboto" panose="020B0604020202020204" pitchFamily="2" charset="0"/>
+      <p:regular r:id="rId27"/>
+      <p:bold r:id="rId28"/>
+      <p:italic r:id="rId29"/>
+      <p:boldItalic r:id="rId30"/>
     </p:embeddedFont>
   </p:embeddedFontLst>
   <p:defaultTextStyle>
-    <a:defPPr lvl="0" marR="0" rtl="0" algn="l">
+    <a:defPPr marR="0" lvl="0" algn="l" rtl="0">
       <a:lnSpc>
         <a:spcPct val="100000"/>
       </a:lnSpc>
@@ -56,7 +56,7 @@
         <a:spcPts val="0"/>
       </a:spcAft>
     </a:defPPr>
-    <a:lvl1pPr lvl="0" marR="0" rtl="0" algn="l">
+    <a:lvl1pPr marR="0" lvl="0" algn="l" rtl="0">
       <a:lnSpc>
         <a:spcPct val="100000"/>
       </a:lnSpc>
@@ -70,7 +70,7 @@
         <a:srgbClr val="000000"/>
       </a:buClr>
       <a:buFont typeface="Arial"/>
-      <a:defRPr b="0" i="0" sz="1400" u="none" cap="none" strike="noStrike">
+      <a:defRPr sz="1400" b="0" i="0" u="none" strike="noStrike" cap="none">
         <a:solidFill>
           <a:srgbClr val="000000"/>
         </a:solidFill>
@@ -80,7 +80,7 @@
         <a:sym typeface="Arial"/>
       </a:defRPr>
     </a:lvl1pPr>
-    <a:lvl2pPr lvl="1" marR="0" rtl="0" algn="l">
+    <a:lvl2pPr marR="0" lvl="1" algn="l" rtl="0">
       <a:lnSpc>
         <a:spcPct val="100000"/>
       </a:lnSpc>
@@ -94,7 +94,7 @@
         <a:srgbClr val="000000"/>
       </a:buClr>
       <a:buFont typeface="Arial"/>
-      <a:defRPr b="0" i="0" sz="1400" u="none" cap="none" strike="noStrike">
+      <a:defRPr sz="1400" b="0" i="0" u="none" strike="noStrike" cap="none">
         <a:solidFill>
           <a:srgbClr val="000000"/>
         </a:solidFill>
@@ -104,7 +104,7 @@
         <a:sym typeface="Arial"/>
       </a:defRPr>
     </a:lvl2pPr>
-    <a:lvl3pPr lvl="2" marR="0" rtl="0" algn="l">
+    <a:lvl3pPr marR="0" lvl="2" algn="l" rtl="0">
       <a:lnSpc>
         <a:spcPct val="100000"/>
       </a:lnSpc>
@@ -118,7 +118,7 @@
         <a:srgbClr val="000000"/>
       </a:buClr>
       <a:buFont typeface="Arial"/>
-      <a:defRPr b="0" i="0" sz="1400" u="none" cap="none" strike="noStrike">
+      <a:defRPr sz="1400" b="0" i="0" u="none" strike="noStrike" cap="none">
         <a:solidFill>
           <a:srgbClr val="000000"/>
         </a:solidFill>
@@ -128,7 +128,7 @@
         <a:sym typeface="Arial"/>
       </a:defRPr>
     </a:lvl3pPr>
-    <a:lvl4pPr lvl="3" marR="0" rtl="0" algn="l">
+    <a:lvl4pPr marR="0" lvl="3" algn="l" rtl="0">
       <a:lnSpc>
         <a:spcPct val="100000"/>
       </a:lnSpc>
@@ -142,7 +142,7 @@
         <a:srgbClr val="000000"/>
       </a:buClr>
       <a:buFont typeface="Arial"/>
-      <a:defRPr b="0" i="0" sz="1400" u="none" cap="none" strike="noStrike">
+      <a:defRPr sz="1400" b="0" i="0" u="none" strike="noStrike" cap="none">
         <a:solidFill>
           <a:srgbClr val="000000"/>
         </a:solidFill>
@@ -152,7 +152,7 @@
         <a:sym typeface="Arial"/>
       </a:defRPr>
     </a:lvl4pPr>
-    <a:lvl5pPr lvl="4" marR="0" rtl="0" algn="l">
+    <a:lvl5pPr marR="0" lvl="4" algn="l" rtl="0">
       <a:lnSpc>
         <a:spcPct val="100000"/>
       </a:lnSpc>
@@ -166,7 +166,7 @@
         <a:srgbClr val="000000"/>
       </a:buClr>
       <a:buFont typeface="Arial"/>
-      <a:defRPr b="0" i="0" sz="1400" u="none" cap="none" strike="noStrike">
+      <a:defRPr sz="1400" b="0" i="0" u="none" strike="noStrike" cap="none">
         <a:solidFill>
           <a:srgbClr val="000000"/>
         </a:solidFill>
@@ -176,7 +176,7 @@
         <a:sym typeface="Arial"/>
       </a:defRPr>
     </a:lvl5pPr>
-    <a:lvl6pPr lvl="5" marR="0" rtl="0" algn="l">
+    <a:lvl6pPr marR="0" lvl="5" algn="l" rtl="0">
       <a:lnSpc>
         <a:spcPct val="100000"/>
       </a:lnSpc>
@@ -190,7 +190,7 @@
         <a:srgbClr val="000000"/>
       </a:buClr>
       <a:buFont typeface="Arial"/>
-      <a:defRPr b="0" i="0" sz="1400" u="none" cap="none" strike="noStrike">
+      <a:defRPr sz="1400" b="0" i="0" u="none" strike="noStrike" cap="none">
         <a:solidFill>
           <a:srgbClr val="000000"/>
         </a:solidFill>
@@ -200,7 +200,7 @@
         <a:sym typeface="Arial"/>
       </a:defRPr>
     </a:lvl6pPr>
-    <a:lvl7pPr lvl="6" marR="0" rtl="0" algn="l">
+    <a:lvl7pPr marR="0" lvl="6" algn="l" rtl="0">
       <a:lnSpc>
         <a:spcPct val="100000"/>
       </a:lnSpc>
@@ -214,7 +214,7 @@
         <a:srgbClr val="000000"/>
       </a:buClr>
       <a:buFont typeface="Arial"/>
-      <a:defRPr b="0" i="0" sz="1400" u="none" cap="none" strike="noStrike">
+      <a:defRPr sz="1400" b="0" i="0" u="none" strike="noStrike" cap="none">
         <a:solidFill>
           <a:srgbClr val="000000"/>
         </a:solidFill>
@@ -224,7 +224,7 @@
         <a:sym typeface="Arial"/>
       </a:defRPr>
     </a:lvl7pPr>
-    <a:lvl8pPr lvl="7" marR="0" rtl="0" algn="l">
+    <a:lvl8pPr marR="0" lvl="7" algn="l" rtl="0">
       <a:lnSpc>
         <a:spcPct val="100000"/>
       </a:lnSpc>
@@ -238,7 +238,7 @@
         <a:srgbClr val="000000"/>
       </a:buClr>
       <a:buFont typeface="Arial"/>
-      <a:defRPr b="0" i="0" sz="1400" u="none" cap="none" strike="noStrike">
+      <a:defRPr sz="1400" b="0" i="0" u="none" strike="noStrike" cap="none">
         <a:solidFill>
           <a:srgbClr val="000000"/>
         </a:solidFill>
@@ -248,7 +248,7 @@
         <a:sym typeface="Arial"/>
       </a:defRPr>
     </a:lvl8pPr>
-    <a:lvl9pPr lvl="8" marR="0" rtl="0" algn="l">
+    <a:lvl9pPr marR="0" lvl="8" algn="l" rtl="0">
       <a:lnSpc>
         <a:spcPct val="100000"/>
       </a:lnSpc>
@@ -262,7 +262,7 @@
         <a:srgbClr val="000000"/>
       </a:buClr>
       <a:buFont typeface="Arial"/>
-      <a:defRPr b="0" i="0" sz="1400" u="none" cap="none" strike="noStrike">
+      <a:defRPr sz="1400" b="0" i="0" u="none" strike="noStrike" cap="none">
         <a:solidFill>
           <a:srgbClr val="000000"/>
         </a:solidFill>
@@ -275,7 +275,7 @@
   </p:defaultTextStyle>
   <p:extLst>
     <p:ext uri="{EFAFB233-063F-42B5-8137-9DF3F51BA10A}">
-      <p15:sldGuideLst>
+      <p15:sldGuideLst xmlns:p15="http://schemas.microsoft.com/office/powerpoint/2012/main">
         <p15:guide id="1" orient="horz" pos="1620">
           <p15:clr>
             <a:srgbClr val="747775"/>
@@ -293,11 +293,16 @@
 </file>
 
 <file path=ppt/notesMasters/notesMaster1.xml><?xml version="1.0" encoding="utf-8"?>
-<p:notesMaster xmlns:a="http://schemas.openxmlformats.org/drawingml/2006/main" xmlns:r="http://schemas.openxmlformats.org/officeDocument/2006/relationships" xmlns:mc="http://schemas.openxmlformats.org/markup-compatibility/2006" xmlns:mv="urn:schemas-microsoft-com:mac:vml" xmlns:p="http://schemas.openxmlformats.org/presentationml/2006/main" xmlns:c="http://schemas.openxmlformats.org/drawingml/2006/chart" xmlns:dgm="http://schemas.openxmlformats.org/drawingml/2006/diagram" xmlns:o="urn:schemas-microsoft-com:office:office" xmlns:v="urn:schemas-microsoft-com:vml" xmlns:pvml="urn:schemas-microsoft-com:office:powerpoint" xmlns:com="http://schemas.openxmlformats.org/drawingml/2006/compatibility" xmlns:p14="http://schemas.microsoft.com/office/powerpoint/2010/main" xmlns:p15="http://schemas.microsoft.com/office/powerpoint/2012/main" xmlns:ahyp="http://schemas.microsoft.com/office/drawing/2018/hyperlinkcolor">
+<p:notesMaster xmlns:a="http://schemas.openxmlformats.org/drawingml/2006/main" xmlns:r="http://schemas.openxmlformats.org/officeDocument/2006/relationships" xmlns:p="http://schemas.openxmlformats.org/presentationml/2006/main">
   <p:cSld>
+    <p:bg>
+      <p:bgRef idx="1001">
+        <a:schemeClr val="bg1"/>
+      </p:bgRef>
+    </p:bg>
     <p:spTree>
       <p:nvGrpSpPr>
-        <p:cNvPr id="2" name="Shape 2"/>
+        <p:cNvPr id="1" name="Shape 2"/>
         <p:cNvGrpSpPr/>
         <p:nvPr/>
       </p:nvGrpSpPr>
@@ -312,9 +317,11 @@
       <p:sp>
         <p:nvSpPr>
           <p:cNvPr id="3" name="Google Shape;3;n"/>
-          <p:cNvSpPr/>
+          <p:cNvSpPr>
+            <a:spLocks noGrp="1" noRot="1" noChangeAspect="1"/>
+          </p:cNvSpPr>
           <p:nvPr>
-            <p:ph idx="2" type="sldImg"/>
+            <p:ph type="sldImg" idx="2"/>
           </p:nvPr>
         </p:nvSpPr>
         <p:spPr>
@@ -323,9 +330,13 @@
             <a:ext cx="6096075" cy="3429000"/>
           </a:xfrm>
           <a:custGeom>
-            <a:rect b="b" l="l" r="r" t="t"/>
+            <a:avLst/>
+            <a:gdLst/>
+            <a:ahLst/>
+            <a:cxnLst/>
+            <a:rect l="l" t="t" r="r" b="b"/>
             <a:pathLst>
-              <a:path extrusionOk="0" h="120000" w="120000">
+              <a:path w="120000" h="120000" extrusionOk="0">
                 <a:moveTo>
                   <a:pt x="0" y="0"/>
                 </a:moveTo>
@@ -343,23 +354,25 @@
             </a:pathLst>
           </a:custGeom>
           <a:noFill/>
-          <a:ln cap="flat" cmpd="sng" w="9525">
+          <a:ln w="9525" cap="flat" cmpd="sng">
             <a:solidFill>
               <a:srgbClr val="000000"/>
             </a:solidFill>
             <a:prstDash val="solid"/>
             <a:round/>
-            <a:headEnd len="sm" w="sm" type="none"/>
-            <a:tailEnd len="sm" w="sm" type="none"/>
+            <a:headEnd type="none" w="sm" len="sm"/>
+            <a:tailEnd type="none" w="sm" len="sm"/>
           </a:ln>
         </p:spPr>
       </p:sp>
       <p:sp>
         <p:nvSpPr>
           <p:cNvPr id="4" name="Google Shape;4;n"/>
-          <p:cNvSpPr txBox="1"/>
+          <p:cNvSpPr txBox="1">
+            <a:spLocks noGrp="1"/>
+          </p:cNvSpPr>
           <p:nvPr>
-            <p:ph idx="1" type="body"/>
+            <p:ph type="body" idx="1"/>
           </p:nvPr>
         </p:nvSpPr>
         <p:spPr>
@@ -376,11 +389,11 @@
           </a:ln>
         </p:spPr>
         <p:txBody>
-          <a:bodyPr anchorCtr="0" anchor="t" bIns="91425" lIns="91425" spcFirstLastPara="1" rIns="91425" wrap="square" tIns="91425">
+          <a:bodyPr spcFirstLastPara="1" wrap="square" lIns="91425" tIns="91425" rIns="91425" bIns="91425" anchor="t" anchorCtr="0">
             <a:noAutofit/>
           </a:bodyPr>
           <a:lstStyle>
-            <a:lvl1pPr indent="-317500" lvl="0" marL="457200">
+            <a:lvl1pPr marL="457200" lvl="0" indent="-317500">
               <a:spcBef>
                 <a:spcPts val="0"/>
               </a:spcBef>
@@ -391,7 +404,7 @@
               <a:buChar char="●"/>
               <a:defRPr sz="1100"/>
             </a:lvl1pPr>
-            <a:lvl2pPr indent="-317500" lvl="1" marL="914400">
+            <a:lvl2pPr marL="914400" lvl="1" indent="-317500">
               <a:spcBef>
                 <a:spcPts val="0"/>
               </a:spcBef>
@@ -402,7 +415,7 @@
               <a:buChar char="○"/>
               <a:defRPr sz="1100"/>
             </a:lvl2pPr>
-            <a:lvl3pPr indent="-317500" lvl="2" marL="1371600">
+            <a:lvl3pPr marL="1371600" lvl="2" indent="-317500">
               <a:spcBef>
                 <a:spcPts val="0"/>
               </a:spcBef>
@@ -413,7 +426,7 @@
               <a:buChar char="■"/>
               <a:defRPr sz="1100"/>
             </a:lvl3pPr>
-            <a:lvl4pPr indent="-317500" lvl="3" marL="1828800">
+            <a:lvl4pPr marL="1828800" lvl="3" indent="-317500">
               <a:spcBef>
                 <a:spcPts val="0"/>
               </a:spcBef>
@@ -424,7 +437,7 @@
               <a:buChar char="●"/>
               <a:defRPr sz="1100"/>
             </a:lvl4pPr>
-            <a:lvl5pPr indent="-317500" lvl="4" marL="2286000">
+            <a:lvl5pPr marL="2286000" lvl="4" indent="-317500">
               <a:spcBef>
                 <a:spcPts val="0"/>
               </a:spcBef>
@@ -435,7 +448,7 @@
               <a:buChar char="○"/>
               <a:defRPr sz="1100"/>
             </a:lvl5pPr>
-            <a:lvl6pPr indent="-317500" lvl="5" marL="2743200">
+            <a:lvl6pPr marL="2743200" lvl="5" indent="-317500">
               <a:spcBef>
                 <a:spcPts val="0"/>
               </a:spcBef>
@@ -446,7 +459,7 @@
               <a:buChar char="■"/>
               <a:defRPr sz="1100"/>
             </a:lvl6pPr>
-            <a:lvl7pPr indent="-317500" lvl="6" marL="3200400">
+            <a:lvl7pPr marL="3200400" lvl="6" indent="-317500">
               <a:spcBef>
                 <a:spcPts val="0"/>
               </a:spcBef>
@@ -457,7 +470,7 @@
               <a:buChar char="●"/>
               <a:defRPr sz="1100"/>
             </a:lvl7pPr>
-            <a:lvl8pPr indent="-317500" lvl="7" marL="3657600">
+            <a:lvl8pPr marL="3657600" lvl="7" indent="-317500">
               <a:spcBef>
                 <a:spcPts val="0"/>
               </a:spcBef>
@@ -468,7 +481,7 @@
               <a:buChar char="○"/>
               <a:defRPr sz="1100"/>
             </a:lvl8pPr>
-            <a:lvl9pPr indent="-317500" lvl="8" marL="4114800">
+            <a:lvl9pPr marL="4114800" lvl="8" indent="-317500">
               <a:spcBef>
                 <a:spcPts val="0"/>
               </a:spcBef>
@@ -480,14 +493,16 @@
               <a:defRPr sz="1100"/>
             </a:lvl9pPr>
           </a:lstStyle>
-          <a:p/>
+          <a:p>
+            <a:endParaRPr/>
+          </a:p>
         </p:txBody>
       </p:sp>
     </p:spTree>
   </p:cSld>
-  <p:clrMap accent1="accent1" accent2="accent2" accent3="accent3" accent4="accent4" accent5="accent5" accent6="accent6" bg1="lt1" bg2="dk2" tx1="dk1" tx2="lt2" folHlink="folHlink" hlink="hlink"/>
+  <p:clrMap bg1="lt1" tx1="dk1" bg2="dk2" tx2="lt2" accent1="accent1" accent2="accent2" accent3="accent3" accent4="accent4" accent5="accent5" accent6="accent6" hlink="hlink" folHlink="folHlink"/>
   <p:notesStyle>
-    <a:defPPr lvl="0" marR="0" rtl="0" algn="l">
+    <a:defPPr marR="0" lvl="0" algn="l" rtl="0">
       <a:lnSpc>
         <a:spcPct val="100000"/>
       </a:lnSpc>
@@ -498,7 +513,7 @@
         <a:spcPts val="0"/>
       </a:spcAft>
     </a:defPPr>
-    <a:lvl1pPr lvl="0" marR="0" rtl="0" algn="l">
+    <a:lvl1pPr marR="0" lvl="0" algn="l" rtl="0">
       <a:lnSpc>
         <a:spcPct val="100000"/>
       </a:lnSpc>
@@ -512,7 +527,7 @@
         <a:srgbClr val="000000"/>
       </a:buClr>
       <a:buFont typeface="Arial"/>
-      <a:defRPr b="0" i="0" sz="1400" u="none" cap="none" strike="noStrike">
+      <a:defRPr sz="1400" b="0" i="0" u="none" strike="noStrike" cap="none">
         <a:solidFill>
           <a:srgbClr val="000000"/>
         </a:solidFill>
@@ -522,7 +537,7 @@
         <a:sym typeface="Arial"/>
       </a:defRPr>
     </a:lvl1pPr>
-    <a:lvl2pPr lvl="1" marR="0" rtl="0" algn="l">
+    <a:lvl2pPr marR="0" lvl="1" algn="l" rtl="0">
       <a:lnSpc>
         <a:spcPct val="100000"/>
       </a:lnSpc>
@@ -536,7 +551,7 @@
         <a:srgbClr val="000000"/>
       </a:buClr>
       <a:buFont typeface="Arial"/>
-      <a:defRPr b="0" i="0" sz="1400" u="none" cap="none" strike="noStrike">
+      <a:defRPr sz="1400" b="0" i="0" u="none" strike="noStrike" cap="none">
         <a:solidFill>
           <a:srgbClr val="000000"/>
         </a:solidFill>
@@ -546,7 +561,7 @@
         <a:sym typeface="Arial"/>
       </a:defRPr>
     </a:lvl2pPr>
-    <a:lvl3pPr lvl="2" marR="0" rtl="0" algn="l">
+    <a:lvl3pPr marR="0" lvl="2" algn="l" rtl="0">
       <a:lnSpc>
         <a:spcPct val="100000"/>
       </a:lnSpc>
@@ -560,7 +575,7 @@
         <a:srgbClr val="000000"/>
       </a:buClr>
       <a:buFont typeface="Arial"/>
-      <a:defRPr b="0" i="0" sz="1400" u="none" cap="none" strike="noStrike">
+      <a:defRPr sz="1400" b="0" i="0" u="none" strike="noStrike" cap="none">
         <a:solidFill>
           <a:srgbClr val="000000"/>
         </a:solidFill>
@@ -570,7 +585,7 @@
         <a:sym typeface="Arial"/>
       </a:defRPr>
     </a:lvl3pPr>
-    <a:lvl4pPr lvl="3" marR="0" rtl="0" algn="l">
+    <a:lvl4pPr marR="0" lvl="3" algn="l" rtl="0">
       <a:lnSpc>
         <a:spcPct val="100000"/>
       </a:lnSpc>
@@ -584,7 +599,7 @@
         <a:srgbClr val="000000"/>
       </a:buClr>
       <a:buFont typeface="Arial"/>
-      <a:defRPr b="0" i="0" sz="1400" u="none" cap="none" strike="noStrike">
+      <a:defRPr sz="1400" b="0" i="0" u="none" strike="noStrike" cap="none">
         <a:solidFill>
           <a:srgbClr val="000000"/>
         </a:solidFill>
@@ -594,7 +609,7 @@
         <a:sym typeface="Arial"/>
       </a:defRPr>
     </a:lvl4pPr>
-    <a:lvl5pPr lvl="4" marR="0" rtl="0" algn="l">
+    <a:lvl5pPr marR="0" lvl="4" algn="l" rtl="0">
       <a:lnSpc>
         <a:spcPct val="100000"/>
       </a:lnSpc>
@@ -608,7 +623,7 @@
         <a:srgbClr val="000000"/>
       </a:buClr>
       <a:buFont typeface="Arial"/>
-      <a:defRPr b="0" i="0" sz="1400" u="none" cap="none" strike="noStrike">
+      <a:defRPr sz="1400" b="0" i="0" u="none" strike="noStrike" cap="none">
         <a:solidFill>
           <a:srgbClr val="000000"/>
         </a:solidFill>
@@ -618,7 +633,7 @@
         <a:sym typeface="Arial"/>
       </a:defRPr>
     </a:lvl5pPr>
-    <a:lvl6pPr lvl="5" marR="0" rtl="0" algn="l">
+    <a:lvl6pPr marR="0" lvl="5" algn="l" rtl="0">
       <a:lnSpc>
         <a:spcPct val="100000"/>
       </a:lnSpc>
@@ -632,7 +647,7 @@
         <a:srgbClr val="000000"/>
       </a:buClr>
       <a:buFont typeface="Arial"/>
-      <a:defRPr b="0" i="0" sz="1400" u="none" cap="none" strike="noStrike">
+      <a:defRPr sz="1400" b="0" i="0" u="none" strike="noStrike" cap="none">
         <a:solidFill>
           <a:srgbClr val="000000"/>
         </a:solidFill>
@@ -642,7 +657,7 @@
         <a:sym typeface="Arial"/>
       </a:defRPr>
     </a:lvl6pPr>
-    <a:lvl7pPr lvl="6" marR="0" rtl="0" algn="l">
+    <a:lvl7pPr marR="0" lvl="6" algn="l" rtl="0">
       <a:lnSpc>
         <a:spcPct val="100000"/>
       </a:lnSpc>
@@ -656,7 +671,7 @@
         <a:srgbClr val="000000"/>
       </a:buClr>
       <a:buFont typeface="Arial"/>
-      <a:defRPr b="0" i="0" sz="1400" u="none" cap="none" strike="noStrike">
+      <a:defRPr sz="1400" b="0" i="0" u="none" strike="noStrike" cap="none">
         <a:solidFill>
           <a:srgbClr val="000000"/>
         </a:solidFill>
@@ -666,7 +681,7 @@
         <a:sym typeface="Arial"/>
       </a:defRPr>
     </a:lvl7pPr>
-    <a:lvl8pPr lvl="7" marR="0" rtl="0" algn="l">
+    <a:lvl8pPr marR="0" lvl="7" algn="l" rtl="0">
       <a:lnSpc>
         <a:spcPct val="100000"/>
       </a:lnSpc>
@@ -680,7 +695,7 @@
         <a:srgbClr val="000000"/>
       </a:buClr>
       <a:buFont typeface="Arial"/>
-      <a:defRPr b="0" i="0" sz="1400" u="none" cap="none" strike="noStrike">
+      <a:defRPr sz="1400" b="0" i="0" u="none" strike="noStrike" cap="none">
         <a:solidFill>
           <a:srgbClr val="000000"/>
         </a:solidFill>
@@ -690,7 +705,7 @@
         <a:sym typeface="Arial"/>
       </a:defRPr>
     </a:lvl8pPr>
-    <a:lvl9pPr lvl="8" marR="0" rtl="0" algn="l">
+    <a:lvl9pPr marR="0" lvl="8" algn="l" rtl="0">
       <a:lnSpc>
         <a:spcPct val="100000"/>
       </a:lnSpc>
@@ -704,7 +719,7 @@
         <a:srgbClr val="000000"/>
       </a:buClr>
       <a:buFont typeface="Arial"/>
-      <a:defRPr b="0" i="0" sz="1400" u="none" cap="none" strike="noStrike">
+      <a:defRPr sz="1400" b="0" i="0" u="none" strike="noStrike" cap="none">
         <a:solidFill>
           <a:srgbClr val="000000"/>
         </a:solidFill>
@@ -719,11 +734,11 @@
 </file>
 
 <file path=ppt/notesSlides/notesSlide1.xml><?xml version="1.0" encoding="utf-8"?>
-<p:notes xmlns:a="http://schemas.openxmlformats.org/drawingml/2006/main" xmlns:r="http://schemas.openxmlformats.org/officeDocument/2006/relationships" xmlns:mc="http://schemas.openxmlformats.org/markup-compatibility/2006" xmlns:mv="urn:schemas-microsoft-com:mac:vml" xmlns:p="http://schemas.openxmlformats.org/presentationml/2006/main" xmlns:c="http://schemas.openxmlformats.org/drawingml/2006/chart" xmlns:dgm="http://schemas.openxmlformats.org/drawingml/2006/diagram" xmlns:o="urn:schemas-microsoft-com:office:office" xmlns:v="urn:schemas-microsoft-com:vml" xmlns:pvml="urn:schemas-microsoft-com:office:powerpoint" xmlns:com="http://schemas.openxmlformats.org/drawingml/2006/compatibility" xmlns:p14="http://schemas.microsoft.com/office/powerpoint/2010/main" xmlns:p15="http://schemas.microsoft.com/office/powerpoint/2012/main" xmlns:ahyp="http://schemas.microsoft.com/office/drawing/2018/hyperlinkcolor" showMasterPhAnim="0" showMasterSp="0">
+<p:notes xmlns:a="http://schemas.openxmlformats.org/drawingml/2006/main" xmlns:r="http://schemas.openxmlformats.org/officeDocument/2006/relationships" xmlns:p="http://schemas.openxmlformats.org/presentationml/2006/main" showMasterSp="0" showMasterPhAnim="0">
   <p:cSld>
     <p:spTree>
       <p:nvGrpSpPr>
-        <p:cNvPr id="63" name="Shape 63"/>
+        <p:cNvPr id="1" name="Shape 63"/>
         <p:cNvGrpSpPr/>
         <p:nvPr/>
       </p:nvGrpSpPr>
@@ -738,9 +753,11 @@
       <p:sp>
         <p:nvSpPr>
           <p:cNvPr id="64" name="Google Shape;64;gc6f73a04f_0_0:notes"/>
-          <p:cNvSpPr/>
+          <p:cNvSpPr>
+            <a:spLocks noGrp="1" noRot="1" noChangeAspect="1"/>
+          </p:cNvSpPr>
           <p:nvPr>
-            <p:ph idx="2" type="sldImg"/>
+            <p:ph type="sldImg" idx="2"/>
           </p:nvPr>
         </p:nvSpPr>
         <p:spPr>
@@ -749,9 +766,13 @@
             <a:ext cx="6096300" cy="3429000"/>
           </a:xfrm>
           <a:custGeom>
-            <a:rect b="b" l="l" r="r" t="t"/>
+            <a:avLst/>
+            <a:gdLst/>
+            <a:ahLst/>
+            <a:cxnLst/>
+            <a:rect l="l" t="t" r="r" b="b"/>
             <a:pathLst>
-              <a:path extrusionOk="0" h="120000" w="120000">
+              <a:path w="120000" h="120000" extrusionOk="0">
                 <a:moveTo>
                   <a:pt x="0" y="0"/>
                 </a:moveTo>
@@ -773,9 +794,11 @@
       <p:sp>
         <p:nvSpPr>
           <p:cNvPr id="65" name="Google Shape;65;gc6f73a04f_0_0:notes"/>
-          <p:cNvSpPr txBox="1"/>
+          <p:cNvSpPr txBox="1">
+            <a:spLocks noGrp="1"/>
+          </p:cNvSpPr>
           <p:nvPr>
-            <p:ph idx="1" type="body"/>
+            <p:ph type="body" idx="1"/>
           </p:nvPr>
         </p:nvSpPr>
         <p:spPr>
@@ -788,12 +811,12 @@
           </a:prstGeom>
         </p:spPr>
         <p:txBody>
-          <a:bodyPr anchorCtr="0" anchor="t" bIns="91425" lIns="91425" spcFirstLastPara="1" rIns="91425" wrap="square" tIns="91425">
+          <a:bodyPr spcFirstLastPara="1" wrap="square" lIns="91425" tIns="91425" rIns="91425" bIns="91425" anchor="t" anchorCtr="0">
             <a:noAutofit/>
           </a:bodyPr>
           <a:lstStyle/>
           <a:p>
-            <a:pPr indent="0" lvl="0" marL="0" rtl="0" algn="l">
+            <a:pPr marL="0" lvl="0" indent="0" algn="l" rtl="0">
               <a:spcBef>
                 <a:spcPts val="0"/>
               </a:spcBef>
@@ -819,11 +842,11 @@
 </file>
 
 <file path=ppt/notesSlides/notesSlide10.xml><?xml version="1.0" encoding="utf-8"?>
-<p:notes xmlns:a="http://schemas.openxmlformats.org/drawingml/2006/main" xmlns:r="http://schemas.openxmlformats.org/officeDocument/2006/relationships" xmlns:mc="http://schemas.openxmlformats.org/markup-compatibility/2006" xmlns:mv="urn:schemas-microsoft-com:mac:vml" xmlns:p="http://schemas.openxmlformats.org/presentationml/2006/main" xmlns:c="http://schemas.openxmlformats.org/drawingml/2006/chart" xmlns:dgm="http://schemas.openxmlformats.org/drawingml/2006/diagram" xmlns:o="urn:schemas-microsoft-com:office:office" xmlns:v="urn:schemas-microsoft-com:vml" xmlns:pvml="urn:schemas-microsoft-com:office:powerpoint" xmlns:com="http://schemas.openxmlformats.org/drawingml/2006/compatibility" xmlns:p14="http://schemas.microsoft.com/office/powerpoint/2010/main" xmlns:p15="http://schemas.microsoft.com/office/powerpoint/2012/main" xmlns:ahyp="http://schemas.microsoft.com/office/drawing/2018/hyperlinkcolor" showMasterPhAnim="0" showMasterSp="0">
+<p:notes xmlns:a="http://schemas.openxmlformats.org/drawingml/2006/main" xmlns:r="http://schemas.openxmlformats.org/officeDocument/2006/relationships" xmlns:p="http://schemas.openxmlformats.org/presentationml/2006/main" showMasterSp="0" showMasterPhAnim="0">
   <p:cSld>
     <p:spTree>
       <p:nvGrpSpPr>
-        <p:cNvPr id="133" name="Shape 133"/>
+        <p:cNvPr id="1" name="Shape 133"/>
         <p:cNvGrpSpPr/>
         <p:nvPr/>
       </p:nvGrpSpPr>
@@ -838,9 +861,11 @@
       <p:sp>
         <p:nvSpPr>
           <p:cNvPr id="134" name="Google Shape;134;g21ebebedeba_0_99:notes"/>
-          <p:cNvSpPr/>
+          <p:cNvSpPr>
+            <a:spLocks noGrp="1" noRot="1" noChangeAspect="1"/>
+          </p:cNvSpPr>
           <p:nvPr>
-            <p:ph idx="2" type="sldImg"/>
+            <p:ph type="sldImg" idx="2"/>
           </p:nvPr>
         </p:nvSpPr>
         <p:spPr>
@@ -849,9 +874,13 @@
             <a:ext cx="6096000" cy="3429000"/>
           </a:xfrm>
           <a:custGeom>
-            <a:rect b="b" l="l" r="r" t="t"/>
+            <a:avLst/>
+            <a:gdLst/>
+            <a:ahLst/>
+            <a:cxnLst/>
+            <a:rect l="l" t="t" r="r" b="b"/>
             <a:pathLst>
-              <a:path extrusionOk="0" h="120000" w="120000">
+              <a:path w="120000" h="120000" extrusionOk="0">
                 <a:moveTo>
                   <a:pt x="0" y="0"/>
                 </a:moveTo>
@@ -873,9 +902,11 @@
       <p:sp>
         <p:nvSpPr>
           <p:cNvPr id="135" name="Google Shape;135;g21ebebedeba_0_99:notes"/>
-          <p:cNvSpPr txBox="1"/>
+          <p:cNvSpPr txBox="1">
+            <a:spLocks noGrp="1"/>
+          </p:cNvSpPr>
           <p:nvPr>
-            <p:ph idx="1" type="body"/>
+            <p:ph type="body" idx="1"/>
           </p:nvPr>
         </p:nvSpPr>
         <p:spPr>
@@ -888,23 +919,20 @@
           </a:prstGeom>
         </p:spPr>
         <p:txBody>
-          <a:bodyPr anchorCtr="0" anchor="t" bIns="91425" lIns="91425" spcFirstLastPara="1" rIns="91425" wrap="square" tIns="91425">
+          <a:bodyPr spcFirstLastPara="1" wrap="square" lIns="91425" tIns="91425" rIns="91425" bIns="91425" anchor="t" anchorCtr="0">
             <a:noAutofit/>
           </a:bodyPr>
           <a:lstStyle/>
           <a:p>
-            <a:pPr indent="0" lvl="0" marL="0" rtl="0" algn="l">
-              <a:spcBef>
-                <a:spcPts val="0"/>
-              </a:spcBef>
-              <a:spcAft>
-                <a:spcPts val="0"/>
-              </a:spcAft>
-              <a:buNone/>
-            </a:pPr>
-            <a:r>
-              <a:t/>
-            </a:r>
+            <a:pPr marL="0" lvl="0" indent="0" algn="l" rtl="0">
+              <a:spcBef>
+                <a:spcPts val="0"/>
+              </a:spcBef>
+              <a:spcAft>
+                <a:spcPts val="0"/>
+              </a:spcAft>
+              <a:buNone/>
+            </a:pPr>
             <a:endParaRPr/>
           </a:p>
         </p:txBody>
@@ -918,11 +946,11 @@
 </file>
 
 <file path=ppt/notesSlides/notesSlide11.xml><?xml version="1.0" encoding="utf-8"?>
-<p:notes xmlns:a="http://schemas.openxmlformats.org/drawingml/2006/main" xmlns:r="http://schemas.openxmlformats.org/officeDocument/2006/relationships" xmlns:mc="http://schemas.openxmlformats.org/markup-compatibility/2006" xmlns:mv="urn:schemas-microsoft-com:mac:vml" xmlns:p="http://schemas.openxmlformats.org/presentationml/2006/main" xmlns:c="http://schemas.openxmlformats.org/drawingml/2006/chart" xmlns:dgm="http://schemas.openxmlformats.org/drawingml/2006/diagram" xmlns:o="urn:schemas-microsoft-com:office:office" xmlns:v="urn:schemas-microsoft-com:vml" xmlns:pvml="urn:schemas-microsoft-com:office:powerpoint" xmlns:com="http://schemas.openxmlformats.org/drawingml/2006/compatibility" xmlns:p14="http://schemas.microsoft.com/office/powerpoint/2010/main" xmlns:p15="http://schemas.microsoft.com/office/powerpoint/2012/main" xmlns:ahyp="http://schemas.microsoft.com/office/drawing/2018/hyperlinkcolor" showMasterPhAnim="0" showMasterSp="0">
+<p:notes xmlns:a="http://schemas.openxmlformats.org/drawingml/2006/main" xmlns:r="http://schemas.openxmlformats.org/officeDocument/2006/relationships" xmlns:p="http://schemas.openxmlformats.org/presentationml/2006/main" showMasterSp="0" showMasterPhAnim="0">
   <p:cSld>
     <p:spTree>
       <p:nvGrpSpPr>
-        <p:cNvPr id="140" name="Shape 140"/>
+        <p:cNvPr id="1" name="Shape 140"/>
         <p:cNvGrpSpPr/>
         <p:nvPr/>
       </p:nvGrpSpPr>
@@ -937,9 +965,11 @@
       <p:sp>
         <p:nvSpPr>
           <p:cNvPr id="141" name="Google Shape;141;g21ebebedeba_0_83:notes"/>
-          <p:cNvSpPr/>
+          <p:cNvSpPr>
+            <a:spLocks noGrp="1" noRot="1" noChangeAspect="1"/>
+          </p:cNvSpPr>
           <p:nvPr>
-            <p:ph idx="2" type="sldImg"/>
+            <p:ph type="sldImg" idx="2"/>
           </p:nvPr>
         </p:nvSpPr>
         <p:spPr>
@@ -948,9 +978,13 @@
             <a:ext cx="6096000" cy="3429000"/>
           </a:xfrm>
           <a:custGeom>
-            <a:rect b="b" l="l" r="r" t="t"/>
+            <a:avLst/>
+            <a:gdLst/>
+            <a:ahLst/>
+            <a:cxnLst/>
+            <a:rect l="l" t="t" r="r" b="b"/>
             <a:pathLst>
-              <a:path extrusionOk="0" h="120000" w="120000">
+              <a:path w="120000" h="120000" extrusionOk="0">
                 <a:moveTo>
                   <a:pt x="0" y="0"/>
                 </a:moveTo>
@@ -972,9 +1006,11 @@
       <p:sp>
         <p:nvSpPr>
           <p:cNvPr id="142" name="Google Shape;142;g21ebebedeba_0_83:notes"/>
-          <p:cNvSpPr txBox="1"/>
+          <p:cNvSpPr txBox="1">
+            <a:spLocks noGrp="1"/>
+          </p:cNvSpPr>
           <p:nvPr>
-            <p:ph idx="1" type="body"/>
+            <p:ph type="body" idx="1"/>
           </p:nvPr>
         </p:nvSpPr>
         <p:spPr>
@@ -987,23 +1023,20 @@
           </a:prstGeom>
         </p:spPr>
         <p:txBody>
-          <a:bodyPr anchorCtr="0" anchor="t" bIns="91425" lIns="91425" spcFirstLastPara="1" rIns="91425" wrap="square" tIns="91425">
+          <a:bodyPr spcFirstLastPara="1" wrap="square" lIns="91425" tIns="91425" rIns="91425" bIns="91425" anchor="t" anchorCtr="0">
             <a:noAutofit/>
           </a:bodyPr>
           <a:lstStyle/>
           <a:p>
-            <a:pPr indent="0" lvl="0" marL="0" rtl="0" algn="l">
-              <a:spcBef>
-                <a:spcPts val="0"/>
-              </a:spcBef>
-              <a:spcAft>
-                <a:spcPts val="0"/>
-              </a:spcAft>
-              <a:buNone/>
-            </a:pPr>
-            <a:r>
-              <a:t/>
-            </a:r>
+            <a:pPr marL="0" lvl="0" indent="0" algn="l" rtl="0">
+              <a:spcBef>
+                <a:spcPts val="0"/>
+              </a:spcBef>
+              <a:spcAft>
+                <a:spcPts val="0"/>
+              </a:spcAft>
+              <a:buNone/>
+            </a:pPr>
             <a:endParaRPr/>
           </a:p>
         </p:txBody>
@@ -1017,11 +1050,11 @@
 </file>
 
 <file path=ppt/notesSlides/notesSlide12.xml><?xml version="1.0" encoding="utf-8"?>
-<p:notes xmlns:a="http://schemas.openxmlformats.org/drawingml/2006/main" xmlns:r="http://schemas.openxmlformats.org/officeDocument/2006/relationships" xmlns:mc="http://schemas.openxmlformats.org/markup-compatibility/2006" xmlns:mv="urn:schemas-microsoft-com:mac:vml" xmlns:p="http://schemas.openxmlformats.org/presentationml/2006/main" xmlns:c="http://schemas.openxmlformats.org/drawingml/2006/chart" xmlns:dgm="http://schemas.openxmlformats.org/drawingml/2006/diagram" xmlns:o="urn:schemas-microsoft-com:office:office" xmlns:v="urn:schemas-microsoft-com:vml" xmlns:pvml="urn:schemas-microsoft-com:office:powerpoint" xmlns:com="http://schemas.openxmlformats.org/drawingml/2006/compatibility" xmlns:p14="http://schemas.microsoft.com/office/powerpoint/2010/main" xmlns:p15="http://schemas.microsoft.com/office/powerpoint/2012/main" xmlns:ahyp="http://schemas.microsoft.com/office/drawing/2018/hyperlinkcolor" showMasterPhAnim="0" showMasterSp="0">
+<p:notes xmlns:a="http://schemas.openxmlformats.org/drawingml/2006/main" xmlns:r="http://schemas.openxmlformats.org/officeDocument/2006/relationships" xmlns:p="http://schemas.openxmlformats.org/presentationml/2006/main" showMasterSp="0" showMasterPhAnim="0">
   <p:cSld>
     <p:spTree>
       <p:nvGrpSpPr>
-        <p:cNvPr id="148" name="Shape 148"/>
+        <p:cNvPr id="1" name="Shape 148"/>
         <p:cNvGrpSpPr/>
         <p:nvPr/>
       </p:nvGrpSpPr>
@@ -1036,9 +1069,11 @@
       <p:sp>
         <p:nvSpPr>
           <p:cNvPr id="149" name="Google Shape;149;g21ebebedeba_0_30:notes"/>
-          <p:cNvSpPr/>
+          <p:cNvSpPr>
+            <a:spLocks noGrp="1" noRot="1" noChangeAspect="1"/>
+          </p:cNvSpPr>
           <p:nvPr>
-            <p:ph idx="2" type="sldImg"/>
+            <p:ph type="sldImg" idx="2"/>
           </p:nvPr>
         </p:nvSpPr>
         <p:spPr>
@@ -1047,9 +1082,13 @@
             <a:ext cx="6096000" cy="3429000"/>
           </a:xfrm>
           <a:custGeom>
-            <a:rect b="b" l="l" r="r" t="t"/>
+            <a:avLst/>
+            <a:gdLst/>
+            <a:ahLst/>
+            <a:cxnLst/>
+            <a:rect l="l" t="t" r="r" b="b"/>
             <a:pathLst>
-              <a:path extrusionOk="0" h="120000" w="120000">
+              <a:path w="120000" h="120000" extrusionOk="0">
                 <a:moveTo>
                   <a:pt x="0" y="0"/>
                 </a:moveTo>
@@ -1071,9 +1110,11 @@
       <p:sp>
         <p:nvSpPr>
           <p:cNvPr id="150" name="Google Shape;150;g21ebebedeba_0_30:notes"/>
-          <p:cNvSpPr txBox="1"/>
+          <p:cNvSpPr txBox="1">
+            <a:spLocks noGrp="1"/>
+          </p:cNvSpPr>
           <p:nvPr>
-            <p:ph idx="1" type="body"/>
+            <p:ph type="body" idx="1"/>
           </p:nvPr>
         </p:nvSpPr>
         <p:spPr>
@@ -1086,23 +1127,20 @@
           </a:prstGeom>
         </p:spPr>
         <p:txBody>
-          <a:bodyPr anchorCtr="0" anchor="t" bIns="91425" lIns="91425" spcFirstLastPara="1" rIns="91425" wrap="square" tIns="91425">
+          <a:bodyPr spcFirstLastPara="1" wrap="square" lIns="91425" tIns="91425" rIns="91425" bIns="91425" anchor="t" anchorCtr="0">
             <a:noAutofit/>
           </a:bodyPr>
           <a:lstStyle/>
           <a:p>
-            <a:pPr indent="0" lvl="0" marL="0" rtl="0" algn="l">
-              <a:spcBef>
-                <a:spcPts val="0"/>
-              </a:spcBef>
-              <a:spcAft>
-                <a:spcPts val="0"/>
-              </a:spcAft>
-              <a:buNone/>
-            </a:pPr>
-            <a:r>
-              <a:t/>
-            </a:r>
+            <a:pPr marL="0" lvl="0" indent="0" algn="l" rtl="0">
+              <a:spcBef>
+                <a:spcPts val="0"/>
+              </a:spcBef>
+              <a:spcAft>
+                <a:spcPts val="0"/>
+              </a:spcAft>
+              <a:buNone/>
+            </a:pPr>
             <a:endParaRPr/>
           </a:p>
         </p:txBody>
@@ -1116,11 +1154,11 @@
 </file>
 
 <file path=ppt/notesSlides/notesSlide13.xml><?xml version="1.0" encoding="utf-8"?>
-<p:notes xmlns:a="http://schemas.openxmlformats.org/drawingml/2006/main" xmlns:r="http://schemas.openxmlformats.org/officeDocument/2006/relationships" xmlns:mc="http://schemas.openxmlformats.org/markup-compatibility/2006" xmlns:mv="urn:schemas-microsoft-com:mac:vml" xmlns:p="http://schemas.openxmlformats.org/presentationml/2006/main" xmlns:c="http://schemas.openxmlformats.org/drawingml/2006/chart" xmlns:dgm="http://schemas.openxmlformats.org/drawingml/2006/diagram" xmlns:o="urn:schemas-microsoft-com:office:office" xmlns:v="urn:schemas-microsoft-com:vml" xmlns:pvml="urn:schemas-microsoft-com:office:powerpoint" xmlns:com="http://schemas.openxmlformats.org/drawingml/2006/compatibility" xmlns:p14="http://schemas.microsoft.com/office/powerpoint/2010/main" xmlns:p15="http://schemas.microsoft.com/office/powerpoint/2012/main" xmlns:ahyp="http://schemas.microsoft.com/office/drawing/2018/hyperlinkcolor" showMasterPhAnim="0" showMasterSp="0">
+<p:notes xmlns:a="http://schemas.openxmlformats.org/drawingml/2006/main" xmlns:r="http://schemas.openxmlformats.org/officeDocument/2006/relationships" xmlns:p="http://schemas.openxmlformats.org/presentationml/2006/main" showMasterSp="0" showMasterPhAnim="0">
   <p:cSld>
     <p:spTree>
       <p:nvGrpSpPr>
-        <p:cNvPr id="154" name="Shape 154"/>
+        <p:cNvPr id="1" name="Shape 154"/>
         <p:cNvGrpSpPr/>
         <p:nvPr/>
       </p:nvGrpSpPr>
@@ -1135,9 +1173,11 @@
       <p:sp>
         <p:nvSpPr>
           <p:cNvPr id="155" name="Google Shape;155;g21ebebedeba_0_68:notes"/>
-          <p:cNvSpPr/>
+          <p:cNvSpPr>
+            <a:spLocks noGrp="1" noRot="1" noChangeAspect="1"/>
+          </p:cNvSpPr>
           <p:nvPr>
-            <p:ph idx="2" type="sldImg"/>
+            <p:ph type="sldImg" idx="2"/>
           </p:nvPr>
         </p:nvSpPr>
         <p:spPr>
@@ -1146,9 +1186,13 @@
             <a:ext cx="6096000" cy="3429000"/>
           </a:xfrm>
           <a:custGeom>
-            <a:rect b="b" l="l" r="r" t="t"/>
+            <a:avLst/>
+            <a:gdLst/>
+            <a:ahLst/>
+            <a:cxnLst/>
+            <a:rect l="l" t="t" r="r" b="b"/>
             <a:pathLst>
-              <a:path extrusionOk="0" h="120000" w="120000">
+              <a:path w="120000" h="120000" extrusionOk="0">
                 <a:moveTo>
                   <a:pt x="0" y="0"/>
                 </a:moveTo>
@@ -1170,9 +1214,11 @@
       <p:sp>
         <p:nvSpPr>
           <p:cNvPr id="156" name="Google Shape;156;g21ebebedeba_0_68:notes"/>
-          <p:cNvSpPr txBox="1"/>
+          <p:cNvSpPr txBox="1">
+            <a:spLocks noGrp="1"/>
+          </p:cNvSpPr>
           <p:nvPr>
-            <p:ph idx="1" type="body"/>
+            <p:ph type="body" idx="1"/>
           </p:nvPr>
         </p:nvSpPr>
         <p:spPr>
@@ -1185,23 +1231,20 @@
           </a:prstGeom>
         </p:spPr>
         <p:txBody>
-          <a:bodyPr anchorCtr="0" anchor="t" bIns="91425" lIns="91425" spcFirstLastPara="1" rIns="91425" wrap="square" tIns="91425">
+          <a:bodyPr spcFirstLastPara="1" wrap="square" lIns="91425" tIns="91425" rIns="91425" bIns="91425" anchor="t" anchorCtr="0">
             <a:noAutofit/>
           </a:bodyPr>
           <a:lstStyle/>
           <a:p>
-            <a:pPr indent="0" lvl="0" marL="0" rtl="0" algn="l">
-              <a:spcBef>
-                <a:spcPts val="0"/>
-              </a:spcBef>
-              <a:spcAft>
-                <a:spcPts val="0"/>
-              </a:spcAft>
-              <a:buNone/>
-            </a:pPr>
-            <a:r>
-              <a:t/>
-            </a:r>
+            <a:pPr marL="0" lvl="0" indent="0" algn="l" rtl="0">
+              <a:spcBef>
+                <a:spcPts val="0"/>
+              </a:spcBef>
+              <a:spcAft>
+                <a:spcPts val="0"/>
+              </a:spcAft>
+              <a:buNone/>
+            </a:pPr>
             <a:endParaRPr/>
           </a:p>
         </p:txBody>
@@ -1215,11 +1258,11 @@
 </file>
 
 <file path=ppt/notesSlides/notesSlide14.xml><?xml version="1.0" encoding="utf-8"?>
-<p:notes xmlns:a="http://schemas.openxmlformats.org/drawingml/2006/main" xmlns:r="http://schemas.openxmlformats.org/officeDocument/2006/relationships" xmlns:mc="http://schemas.openxmlformats.org/markup-compatibility/2006" xmlns:mv="urn:schemas-microsoft-com:mac:vml" xmlns:p="http://schemas.openxmlformats.org/presentationml/2006/main" xmlns:c="http://schemas.openxmlformats.org/drawingml/2006/chart" xmlns:dgm="http://schemas.openxmlformats.org/drawingml/2006/diagram" xmlns:o="urn:schemas-microsoft-com:office:office" xmlns:v="urn:schemas-microsoft-com:vml" xmlns:pvml="urn:schemas-microsoft-com:office:powerpoint" xmlns:com="http://schemas.openxmlformats.org/drawingml/2006/compatibility" xmlns:p14="http://schemas.microsoft.com/office/powerpoint/2010/main" xmlns:p15="http://schemas.microsoft.com/office/powerpoint/2012/main" xmlns:ahyp="http://schemas.microsoft.com/office/drawing/2018/hyperlinkcolor" showMasterPhAnim="0" showMasterSp="0">
+<p:notes xmlns:a="http://schemas.openxmlformats.org/drawingml/2006/main" xmlns:r="http://schemas.openxmlformats.org/officeDocument/2006/relationships" xmlns:p="http://schemas.openxmlformats.org/presentationml/2006/main" showMasterSp="0" showMasterPhAnim="0">
   <p:cSld>
     <p:spTree>
       <p:nvGrpSpPr>
-        <p:cNvPr id="160" name="Shape 160"/>
+        <p:cNvPr id="1" name="Shape 160"/>
         <p:cNvGrpSpPr/>
         <p:nvPr/>
       </p:nvGrpSpPr>
@@ -1234,9 +1277,11 @@
       <p:sp>
         <p:nvSpPr>
           <p:cNvPr id="161" name="Google Shape;161;g21ebebedeba_0_76:notes"/>
-          <p:cNvSpPr/>
+          <p:cNvSpPr>
+            <a:spLocks noGrp="1" noRot="1" noChangeAspect="1"/>
+          </p:cNvSpPr>
           <p:nvPr>
-            <p:ph idx="2" type="sldImg"/>
+            <p:ph type="sldImg" idx="2"/>
           </p:nvPr>
         </p:nvSpPr>
         <p:spPr>
@@ -1245,9 +1290,13 @@
             <a:ext cx="6096000" cy="3429000"/>
           </a:xfrm>
           <a:custGeom>
-            <a:rect b="b" l="l" r="r" t="t"/>
+            <a:avLst/>
+            <a:gdLst/>
+            <a:ahLst/>
+            <a:cxnLst/>
+            <a:rect l="l" t="t" r="r" b="b"/>
             <a:pathLst>
-              <a:path extrusionOk="0" h="120000" w="120000">
+              <a:path w="120000" h="120000" extrusionOk="0">
                 <a:moveTo>
                   <a:pt x="0" y="0"/>
                 </a:moveTo>
@@ -1269,9 +1318,11 @@
       <p:sp>
         <p:nvSpPr>
           <p:cNvPr id="162" name="Google Shape;162;g21ebebedeba_0_76:notes"/>
-          <p:cNvSpPr txBox="1"/>
+          <p:cNvSpPr txBox="1">
+            <a:spLocks noGrp="1"/>
+          </p:cNvSpPr>
           <p:nvPr>
-            <p:ph idx="1" type="body"/>
+            <p:ph type="body" idx="1"/>
           </p:nvPr>
         </p:nvSpPr>
         <p:spPr>
@@ -1284,23 +1335,20 @@
           </a:prstGeom>
         </p:spPr>
         <p:txBody>
-          <a:bodyPr anchorCtr="0" anchor="t" bIns="91425" lIns="91425" spcFirstLastPara="1" rIns="91425" wrap="square" tIns="91425">
+          <a:bodyPr spcFirstLastPara="1" wrap="square" lIns="91425" tIns="91425" rIns="91425" bIns="91425" anchor="t" anchorCtr="0">
             <a:noAutofit/>
           </a:bodyPr>
           <a:lstStyle/>
           <a:p>
-            <a:pPr indent="0" lvl="0" marL="0" rtl="0" algn="l">
-              <a:spcBef>
-                <a:spcPts val="0"/>
-              </a:spcBef>
-              <a:spcAft>
-                <a:spcPts val="0"/>
-              </a:spcAft>
-              <a:buNone/>
-            </a:pPr>
-            <a:r>
-              <a:t/>
-            </a:r>
+            <a:pPr marL="0" lvl="0" indent="0" algn="l" rtl="0">
+              <a:spcBef>
+                <a:spcPts val="0"/>
+              </a:spcBef>
+              <a:spcAft>
+                <a:spcPts val="0"/>
+              </a:spcAft>
+              <a:buNone/>
+            </a:pPr>
             <a:endParaRPr/>
           </a:p>
         </p:txBody>
@@ -1314,11 +1362,11 @@
 </file>
 
 <file path=ppt/notesSlides/notesSlide15.xml><?xml version="1.0" encoding="utf-8"?>
-<p:notes xmlns:a="http://schemas.openxmlformats.org/drawingml/2006/main" xmlns:r="http://schemas.openxmlformats.org/officeDocument/2006/relationships" xmlns:mc="http://schemas.openxmlformats.org/markup-compatibility/2006" xmlns:mv="urn:schemas-microsoft-com:mac:vml" xmlns:p="http://schemas.openxmlformats.org/presentationml/2006/main" xmlns:c="http://schemas.openxmlformats.org/drawingml/2006/chart" xmlns:dgm="http://schemas.openxmlformats.org/drawingml/2006/diagram" xmlns:o="urn:schemas-microsoft-com:office:office" xmlns:v="urn:schemas-microsoft-com:vml" xmlns:pvml="urn:schemas-microsoft-com:office:powerpoint" xmlns:com="http://schemas.openxmlformats.org/drawingml/2006/compatibility" xmlns:p14="http://schemas.microsoft.com/office/powerpoint/2010/main" xmlns:p15="http://schemas.microsoft.com/office/powerpoint/2012/main" xmlns:ahyp="http://schemas.microsoft.com/office/drawing/2018/hyperlinkcolor" showMasterPhAnim="0" showMasterSp="0">
+<p:notes xmlns:a="http://schemas.openxmlformats.org/drawingml/2006/main" xmlns:r="http://schemas.openxmlformats.org/officeDocument/2006/relationships" xmlns:p="http://schemas.openxmlformats.org/presentationml/2006/main" showMasterSp="0" showMasterPhAnim="0">
   <p:cSld>
     <p:spTree>
       <p:nvGrpSpPr>
-        <p:cNvPr id="169" name="Shape 169"/>
+        <p:cNvPr id="1" name="Shape 169"/>
         <p:cNvGrpSpPr/>
         <p:nvPr/>
       </p:nvGrpSpPr>
@@ -1333,9 +1381,11 @@
       <p:sp>
         <p:nvSpPr>
           <p:cNvPr id="170" name="Google Shape;170;g21edbe654ae_1_56:notes"/>
-          <p:cNvSpPr/>
+          <p:cNvSpPr>
+            <a:spLocks noGrp="1" noRot="1" noChangeAspect="1"/>
+          </p:cNvSpPr>
           <p:nvPr>
-            <p:ph idx="2" type="sldImg"/>
+            <p:ph type="sldImg" idx="2"/>
           </p:nvPr>
         </p:nvSpPr>
         <p:spPr>
@@ -1344,9 +1394,13 @@
             <a:ext cx="6096000" cy="3429000"/>
           </a:xfrm>
           <a:custGeom>
-            <a:rect b="b" l="l" r="r" t="t"/>
+            <a:avLst/>
+            <a:gdLst/>
+            <a:ahLst/>
+            <a:cxnLst/>
+            <a:rect l="l" t="t" r="r" b="b"/>
             <a:pathLst>
-              <a:path extrusionOk="0" h="120000" w="120000">
+              <a:path w="120000" h="120000" extrusionOk="0">
                 <a:moveTo>
                   <a:pt x="0" y="0"/>
                 </a:moveTo>
@@ -1368,9 +1422,11 @@
       <p:sp>
         <p:nvSpPr>
           <p:cNvPr id="171" name="Google Shape;171;g21edbe654ae_1_56:notes"/>
-          <p:cNvSpPr txBox="1"/>
+          <p:cNvSpPr txBox="1">
+            <a:spLocks noGrp="1"/>
+          </p:cNvSpPr>
           <p:nvPr>
-            <p:ph idx="1" type="body"/>
+            <p:ph type="body" idx="1"/>
           </p:nvPr>
         </p:nvSpPr>
         <p:spPr>
@@ -1383,23 +1439,20 @@
           </a:prstGeom>
         </p:spPr>
         <p:txBody>
-          <a:bodyPr anchorCtr="0" anchor="t" bIns="91425" lIns="91425" spcFirstLastPara="1" rIns="91425" wrap="square" tIns="91425">
+          <a:bodyPr spcFirstLastPara="1" wrap="square" lIns="91425" tIns="91425" rIns="91425" bIns="91425" anchor="t" anchorCtr="0">
             <a:noAutofit/>
           </a:bodyPr>
           <a:lstStyle/>
           <a:p>
-            <a:pPr indent="0" lvl="0" marL="0" rtl="0" algn="l">
-              <a:spcBef>
-                <a:spcPts val="0"/>
-              </a:spcBef>
-              <a:spcAft>
-                <a:spcPts val="0"/>
-              </a:spcAft>
-              <a:buNone/>
-            </a:pPr>
-            <a:r>
-              <a:t/>
-            </a:r>
+            <a:pPr marL="0" lvl="0" indent="0" algn="l" rtl="0">
+              <a:spcBef>
+                <a:spcPts val="0"/>
+              </a:spcBef>
+              <a:spcAft>
+                <a:spcPts val="0"/>
+              </a:spcAft>
+              <a:buNone/>
+            </a:pPr>
             <a:endParaRPr/>
           </a:p>
         </p:txBody>
@@ -1413,11 +1466,11 @@
 </file>
 
 <file path=ppt/notesSlides/notesSlide16.xml><?xml version="1.0" encoding="utf-8"?>
-<p:notes xmlns:a="http://schemas.openxmlformats.org/drawingml/2006/main" xmlns:r="http://schemas.openxmlformats.org/officeDocument/2006/relationships" xmlns:mc="http://schemas.openxmlformats.org/markup-compatibility/2006" xmlns:mv="urn:schemas-microsoft-com:mac:vml" xmlns:p="http://schemas.openxmlformats.org/presentationml/2006/main" xmlns:c="http://schemas.openxmlformats.org/drawingml/2006/chart" xmlns:dgm="http://schemas.openxmlformats.org/drawingml/2006/diagram" xmlns:o="urn:schemas-microsoft-com:office:office" xmlns:v="urn:schemas-microsoft-com:vml" xmlns:pvml="urn:schemas-microsoft-com:office:powerpoint" xmlns:com="http://schemas.openxmlformats.org/drawingml/2006/compatibility" xmlns:p14="http://schemas.microsoft.com/office/powerpoint/2010/main" xmlns:p15="http://schemas.microsoft.com/office/powerpoint/2012/main" xmlns:ahyp="http://schemas.microsoft.com/office/drawing/2018/hyperlinkcolor" showMasterPhAnim="0" showMasterSp="0">
+<p:notes xmlns:a="http://schemas.openxmlformats.org/drawingml/2006/main" xmlns:r="http://schemas.openxmlformats.org/officeDocument/2006/relationships" xmlns:p="http://schemas.openxmlformats.org/presentationml/2006/main" showMasterSp="0" showMasterPhAnim="0">
   <p:cSld>
     <p:spTree>
       <p:nvGrpSpPr>
-        <p:cNvPr id="179" name="Shape 179"/>
+        <p:cNvPr id="1" name="Shape 179"/>
         <p:cNvGrpSpPr/>
         <p:nvPr/>
       </p:nvGrpSpPr>
@@ -1432,20 +1485,26 @@
       <p:sp>
         <p:nvSpPr>
           <p:cNvPr id="180" name="Google Shape;180;g23c48e6336b_1_4:notes"/>
-          <p:cNvSpPr/>
+          <p:cNvSpPr>
+            <a:spLocks noGrp="1" noRot="1" noChangeAspect="1"/>
+          </p:cNvSpPr>
           <p:nvPr>
-            <p:ph idx="2" type="sldImg"/>
+            <p:ph type="sldImg" idx="2"/>
           </p:nvPr>
         </p:nvSpPr>
         <p:spPr>
           <a:xfrm>
-            <a:off x="381300" y="685800"/>
+            <a:off x="381000" y="685800"/>
             <a:ext cx="6096000" cy="3429000"/>
           </a:xfrm>
           <a:custGeom>
-            <a:rect b="b" l="l" r="r" t="t"/>
+            <a:avLst/>
+            <a:gdLst/>
+            <a:ahLst/>
+            <a:cxnLst/>
+            <a:rect l="l" t="t" r="r" b="b"/>
             <a:pathLst>
-              <a:path extrusionOk="0" h="120000" w="120000">
+              <a:path w="120000" h="120000" extrusionOk="0">
                 <a:moveTo>
                   <a:pt x="0" y="0"/>
                 </a:moveTo>
@@ -1467,9 +1526,11 @@
       <p:sp>
         <p:nvSpPr>
           <p:cNvPr id="181" name="Google Shape;181;g23c48e6336b_1_4:notes"/>
-          <p:cNvSpPr txBox="1"/>
+          <p:cNvSpPr txBox="1">
+            <a:spLocks noGrp="1"/>
+          </p:cNvSpPr>
           <p:nvPr>
-            <p:ph idx="1" type="body"/>
+            <p:ph type="body" idx="1"/>
           </p:nvPr>
         </p:nvSpPr>
         <p:spPr>
@@ -1482,23 +1543,20 @@
           </a:prstGeom>
         </p:spPr>
         <p:txBody>
-          <a:bodyPr anchorCtr="0" anchor="t" bIns="91425" lIns="91425" spcFirstLastPara="1" rIns="91425" wrap="square" tIns="91425">
+          <a:bodyPr spcFirstLastPara="1" wrap="square" lIns="91425" tIns="91425" rIns="91425" bIns="91425" anchor="t" anchorCtr="0">
             <a:noAutofit/>
           </a:bodyPr>
           <a:lstStyle/>
           <a:p>
-            <a:pPr indent="0" lvl="0" marL="0" rtl="0" algn="l">
-              <a:spcBef>
-                <a:spcPts val="0"/>
-              </a:spcBef>
-              <a:spcAft>
-                <a:spcPts val="0"/>
-              </a:spcAft>
-              <a:buNone/>
-            </a:pPr>
-            <a:r>
-              <a:t/>
-            </a:r>
+            <a:pPr marL="0" lvl="0" indent="0" algn="l" rtl="0">
+              <a:spcBef>
+                <a:spcPts val="0"/>
+              </a:spcBef>
+              <a:spcAft>
+                <a:spcPts val="0"/>
+              </a:spcAft>
+              <a:buNone/>
+            </a:pPr>
             <a:endParaRPr/>
           </a:p>
         </p:txBody>
@@ -1512,11 +1570,11 @@
 </file>
 
 <file path=ppt/notesSlides/notesSlide17.xml><?xml version="1.0" encoding="utf-8"?>
-<p:notes xmlns:a="http://schemas.openxmlformats.org/drawingml/2006/main" xmlns:r="http://schemas.openxmlformats.org/officeDocument/2006/relationships" xmlns:mc="http://schemas.openxmlformats.org/markup-compatibility/2006" xmlns:mv="urn:schemas-microsoft-com:mac:vml" xmlns:p="http://schemas.openxmlformats.org/presentationml/2006/main" xmlns:c="http://schemas.openxmlformats.org/drawingml/2006/chart" xmlns:dgm="http://schemas.openxmlformats.org/drawingml/2006/diagram" xmlns:o="urn:schemas-microsoft-com:office:office" xmlns:v="urn:schemas-microsoft-com:vml" xmlns:pvml="urn:schemas-microsoft-com:office:powerpoint" xmlns:com="http://schemas.openxmlformats.org/drawingml/2006/compatibility" xmlns:p14="http://schemas.microsoft.com/office/powerpoint/2010/main" xmlns:p15="http://schemas.microsoft.com/office/powerpoint/2012/main" xmlns:ahyp="http://schemas.microsoft.com/office/drawing/2018/hyperlinkcolor" showMasterPhAnim="0" showMasterSp="0">
+<p:notes xmlns:a="http://schemas.openxmlformats.org/drawingml/2006/main" xmlns:r="http://schemas.openxmlformats.org/officeDocument/2006/relationships" xmlns:p="http://schemas.openxmlformats.org/presentationml/2006/main" showMasterSp="0" showMasterPhAnim="0">
   <p:cSld>
     <p:spTree>
       <p:nvGrpSpPr>
-        <p:cNvPr id="186" name="Shape 186"/>
+        <p:cNvPr id="1" name="Shape 186"/>
         <p:cNvGrpSpPr/>
         <p:nvPr/>
       </p:nvGrpSpPr>
@@ -1531,9 +1589,11 @@
       <p:sp>
         <p:nvSpPr>
           <p:cNvPr id="187" name="Google Shape;187;g23c48e6336b_1_21:notes"/>
-          <p:cNvSpPr/>
+          <p:cNvSpPr>
+            <a:spLocks noGrp="1" noRot="1" noChangeAspect="1"/>
+          </p:cNvSpPr>
           <p:nvPr>
-            <p:ph idx="2" type="sldImg"/>
+            <p:ph type="sldImg" idx="2"/>
           </p:nvPr>
         </p:nvSpPr>
         <p:spPr>
@@ -1542,9 +1602,13 @@
             <a:ext cx="6096000" cy="3429000"/>
           </a:xfrm>
           <a:custGeom>
-            <a:rect b="b" l="l" r="r" t="t"/>
+            <a:avLst/>
+            <a:gdLst/>
+            <a:ahLst/>
+            <a:cxnLst/>
+            <a:rect l="l" t="t" r="r" b="b"/>
             <a:pathLst>
-              <a:path extrusionOk="0" h="120000" w="120000">
+              <a:path w="120000" h="120000" extrusionOk="0">
                 <a:moveTo>
                   <a:pt x="0" y="0"/>
                 </a:moveTo>
@@ -1566,9 +1630,11 @@
       <p:sp>
         <p:nvSpPr>
           <p:cNvPr id="188" name="Google Shape;188;g23c48e6336b_1_21:notes"/>
-          <p:cNvSpPr txBox="1"/>
+          <p:cNvSpPr txBox="1">
+            <a:spLocks noGrp="1"/>
+          </p:cNvSpPr>
           <p:nvPr>
-            <p:ph idx="1" type="body"/>
+            <p:ph type="body" idx="1"/>
           </p:nvPr>
         </p:nvSpPr>
         <p:spPr>
@@ -1581,23 +1647,20 @@
           </a:prstGeom>
         </p:spPr>
         <p:txBody>
-          <a:bodyPr anchorCtr="0" anchor="t" bIns="91425" lIns="91425" spcFirstLastPara="1" rIns="91425" wrap="square" tIns="91425">
+          <a:bodyPr spcFirstLastPara="1" wrap="square" lIns="91425" tIns="91425" rIns="91425" bIns="91425" anchor="t" anchorCtr="0">
             <a:noAutofit/>
           </a:bodyPr>
           <a:lstStyle/>
           <a:p>
-            <a:pPr indent="0" lvl="0" marL="0" rtl="0" algn="l">
-              <a:spcBef>
-                <a:spcPts val="0"/>
-              </a:spcBef>
-              <a:spcAft>
-                <a:spcPts val="0"/>
-              </a:spcAft>
-              <a:buNone/>
-            </a:pPr>
-            <a:r>
-              <a:t/>
-            </a:r>
+            <a:pPr marL="0" lvl="0" indent="0" algn="l" rtl="0">
+              <a:spcBef>
+                <a:spcPts val="0"/>
+              </a:spcBef>
+              <a:spcAft>
+                <a:spcPts val="0"/>
+              </a:spcAft>
+              <a:buNone/>
+            </a:pPr>
             <a:endParaRPr/>
           </a:p>
         </p:txBody>
@@ -1611,11 +1674,11 @@
 </file>
 
 <file path=ppt/notesSlides/notesSlide18.xml><?xml version="1.0" encoding="utf-8"?>
-<p:notes xmlns:a="http://schemas.openxmlformats.org/drawingml/2006/main" xmlns:r="http://schemas.openxmlformats.org/officeDocument/2006/relationships" xmlns:mc="http://schemas.openxmlformats.org/markup-compatibility/2006" xmlns:mv="urn:schemas-microsoft-com:mac:vml" xmlns:p="http://schemas.openxmlformats.org/presentationml/2006/main" xmlns:c="http://schemas.openxmlformats.org/drawingml/2006/chart" xmlns:dgm="http://schemas.openxmlformats.org/drawingml/2006/diagram" xmlns:o="urn:schemas-microsoft-com:office:office" xmlns:v="urn:schemas-microsoft-com:vml" xmlns:pvml="urn:schemas-microsoft-com:office:powerpoint" xmlns:com="http://schemas.openxmlformats.org/drawingml/2006/compatibility" xmlns:p14="http://schemas.microsoft.com/office/powerpoint/2010/main" xmlns:p15="http://schemas.microsoft.com/office/powerpoint/2012/main" xmlns:ahyp="http://schemas.microsoft.com/office/drawing/2018/hyperlinkcolor" showMasterPhAnim="0" showMasterSp="0">
+<p:notes xmlns:a="http://schemas.openxmlformats.org/drawingml/2006/main" xmlns:r="http://schemas.openxmlformats.org/officeDocument/2006/relationships" xmlns:p="http://schemas.openxmlformats.org/presentationml/2006/main" showMasterSp="0" showMasterPhAnim="0">
   <p:cSld>
     <p:spTree>
       <p:nvGrpSpPr>
-        <p:cNvPr id="194" name="Shape 194"/>
+        <p:cNvPr id="1" name="Shape 194"/>
         <p:cNvGrpSpPr/>
         <p:nvPr/>
       </p:nvGrpSpPr>
@@ -1630,9 +1693,11 @@
       <p:sp>
         <p:nvSpPr>
           <p:cNvPr id="195" name="Google Shape;195;g21edbe654ae_1_61:notes"/>
-          <p:cNvSpPr/>
+          <p:cNvSpPr>
+            <a:spLocks noGrp="1" noRot="1" noChangeAspect="1"/>
+          </p:cNvSpPr>
           <p:nvPr>
-            <p:ph idx="2" type="sldImg"/>
+            <p:ph type="sldImg" idx="2"/>
           </p:nvPr>
         </p:nvSpPr>
         <p:spPr>
@@ -1641,9 +1706,13 @@
             <a:ext cx="6096000" cy="3429000"/>
           </a:xfrm>
           <a:custGeom>
-            <a:rect b="b" l="l" r="r" t="t"/>
+            <a:avLst/>
+            <a:gdLst/>
+            <a:ahLst/>
+            <a:cxnLst/>
+            <a:rect l="l" t="t" r="r" b="b"/>
             <a:pathLst>
-              <a:path extrusionOk="0" h="120000" w="120000">
+              <a:path w="120000" h="120000" extrusionOk="0">
                 <a:moveTo>
                   <a:pt x="0" y="0"/>
                 </a:moveTo>
@@ -1665,9 +1734,11 @@
       <p:sp>
         <p:nvSpPr>
           <p:cNvPr id="196" name="Google Shape;196;g21edbe654ae_1_61:notes"/>
-          <p:cNvSpPr txBox="1"/>
+          <p:cNvSpPr txBox="1">
+            <a:spLocks noGrp="1"/>
+          </p:cNvSpPr>
           <p:nvPr>
-            <p:ph idx="1" type="body"/>
+            <p:ph type="body" idx="1"/>
           </p:nvPr>
         </p:nvSpPr>
         <p:spPr>
@@ -1680,12 +1751,12 @@
           </a:prstGeom>
         </p:spPr>
         <p:txBody>
-          <a:bodyPr anchorCtr="0" anchor="t" bIns="91425" lIns="91425" spcFirstLastPara="1" rIns="91425" wrap="square" tIns="91425">
+          <a:bodyPr spcFirstLastPara="1" wrap="square" lIns="91425" tIns="91425" rIns="91425" bIns="91425" anchor="t" anchorCtr="0">
             <a:noAutofit/>
           </a:bodyPr>
           <a:lstStyle/>
           <a:p>
-            <a:pPr indent="0" lvl="0" marL="0" rtl="0" algn="l">
+            <a:pPr marL="0" lvl="0" indent="0" algn="l" rtl="0">
               <a:spcBef>
                 <a:spcPts val="0"/>
               </a:spcBef>
@@ -1711,11 +1782,11 @@
 </file>
 
 <file path=ppt/notesSlides/notesSlide19.xml><?xml version="1.0" encoding="utf-8"?>
-<p:notes xmlns:a="http://schemas.openxmlformats.org/drawingml/2006/main" xmlns:r="http://schemas.openxmlformats.org/officeDocument/2006/relationships" xmlns:mc="http://schemas.openxmlformats.org/markup-compatibility/2006" xmlns:mv="urn:schemas-microsoft-com:mac:vml" xmlns:p="http://schemas.openxmlformats.org/presentationml/2006/main" xmlns:c="http://schemas.openxmlformats.org/drawingml/2006/chart" xmlns:dgm="http://schemas.openxmlformats.org/drawingml/2006/diagram" xmlns:o="urn:schemas-microsoft-com:office:office" xmlns:v="urn:schemas-microsoft-com:vml" xmlns:pvml="urn:schemas-microsoft-com:office:powerpoint" xmlns:com="http://schemas.openxmlformats.org/drawingml/2006/compatibility" xmlns:p14="http://schemas.microsoft.com/office/powerpoint/2010/main" xmlns:p15="http://schemas.microsoft.com/office/powerpoint/2012/main" xmlns:ahyp="http://schemas.microsoft.com/office/drawing/2018/hyperlinkcolor" showMasterPhAnim="0" showMasterSp="0">
+<p:notes xmlns:a="http://schemas.openxmlformats.org/drawingml/2006/main" xmlns:r="http://schemas.openxmlformats.org/officeDocument/2006/relationships" xmlns:p="http://schemas.openxmlformats.org/presentationml/2006/main" showMasterSp="0" showMasterPhAnim="0">
   <p:cSld>
     <p:spTree>
       <p:nvGrpSpPr>
-        <p:cNvPr id="201" name="Shape 201"/>
+        <p:cNvPr id="1" name="Shape 201"/>
         <p:cNvGrpSpPr/>
         <p:nvPr/>
       </p:nvGrpSpPr>
@@ -1730,9 +1801,11 @@
       <p:sp>
         <p:nvSpPr>
           <p:cNvPr id="202" name="Google Shape;202;g23b0cf1b4c0_0_2:notes"/>
-          <p:cNvSpPr/>
+          <p:cNvSpPr>
+            <a:spLocks noGrp="1" noRot="1" noChangeAspect="1"/>
+          </p:cNvSpPr>
           <p:nvPr>
-            <p:ph idx="2" type="sldImg"/>
+            <p:ph type="sldImg" idx="2"/>
           </p:nvPr>
         </p:nvSpPr>
         <p:spPr>
@@ -1741,9 +1814,13 @@
             <a:ext cx="6096000" cy="3429000"/>
           </a:xfrm>
           <a:custGeom>
-            <a:rect b="b" l="l" r="r" t="t"/>
+            <a:avLst/>
+            <a:gdLst/>
+            <a:ahLst/>
+            <a:cxnLst/>
+            <a:rect l="l" t="t" r="r" b="b"/>
             <a:pathLst>
-              <a:path extrusionOk="0" h="120000" w="120000">
+              <a:path w="120000" h="120000" extrusionOk="0">
                 <a:moveTo>
                   <a:pt x="0" y="0"/>
                 </a:moveTo>
@@ -1765,9 +1842,11 @@
       <p:sp>
         <p:nvSpPr>
           <p:cNvPr id="203" name="Google Shape;203;g23b0cf1b4c0_0_2:notes"/>
-          <p:cNvSpPr txBox="1"/>
+          <p:cNvSpPr txBox="1">
+            <a:spLocks noGrp="1"/>
+          </p:cNvSpPr>
           <p:nvPr>
-            <p:ph idx="1" type="body"/>
+            <p:ph type="body" idx="1"/>
           </p:nvPr>
         </p:nvSpPr>
         <p:spPr>
@@ -1780,12 +1859,12 @@
           </a:prstGeom>
         </p:spPr>
         <p:txBody>
-          <a:bodyPr anchorCtr="0" anchor="t" bIns="91425" lIns="91425" spcFirstLastPara="1" rIns="91425" wrap="square" tIns="91425">
+          <a:bodyPr spcFirstLastPara="1" wrap="square" lIns="91425" tIns="91425" rIns="91425" bIns="91425" anchor="t" anchorCtr="0">
             <a:noAutofit/>
           </a:bodyPr>
           <a:lstStyle/>
           <a:p>
-            <a:pPr indent="0" lvl="0" marL="0" rtl="0" algn="l">
+            <a:pPr marL="0" lvl="0" indent="0" algn="l" rtl="0">
               <a:spcBef>
                 <a:spcPts val="0"/>
               </a:spcBef>
@@ -1811,11 +1890,11 @@
 </file>
 
 <file path=ppt/notesSlides/notesSlide2.xml><?xml version="1.0" encoding="utf-8"?>
-<p:notes xmlns:a="http://schemas.openxmlformats.org/drawingml/2006/main" xmlns:r="http://schemas.openxmlformats.org/officeDocument/2006/relationships" xmlns:mc="http://schemas.openxmlformats.org/markup-compatibility/2006" xmlns:mv="urn:schemas-microsoft-com:mac:vml" xmlns:p="http://schemas.openxmlformats.org/presentationml/2006/main" xmlns:c="http://schemas.openxmlformats.org/drawingml/2006/chart" xmlns:dgm="http://schemas.openxmlformats.org/drawingml/2006/diagram" xmlns:o="urn:schemas-microsoft-com:office:office" xmlns:v="urn:schemas-microsoft-com:vml" xmlns:pvml="urn:schemas-microsoft-com:office:powerpoint" xmlns:com="http://schemas.openxmlformats.org/drawingml/2006/compatibility" xmlns:p14="http://schemas.microsoft.com/office/powerpoint/2010/main" xmlns:p15="http://schemas.microsoft.com/office/powerpoint/2012/main" xmlns:ahyp="http://schemas.microsoft.com/office/drawing/2018/hyperlinkcolor" showMasterPhAnim="0" showMasterSp="0">
+<p:notes xmlns:a="http://schemas.openxmlformats.org/drawingml/2006/main" xmlns:r="http://schemas.openxmlformats.org/officeDocument/2006/relationships" xmlns:p="http://schemas.openxmlformats.org/presentationml/2006/main" showMasterSp="0" showMasterPhAnim="0">
   <p:cSld>
     <p:spTree>
       <p:nvGrpSpPr>
-        <p:cNvPr id="69" name="Shape 69"/>
+        <p:cNvPr id="1" name="Shape 69"/>
         <p:cNvGrpSpPr/>
         <p:nvPr/>
       </p:nvGrpSpPr>
@@ -1830,9 +1909,11 @@
       <p:sp>
         <p:nvSpPr>
           <p:cNvPr id="70" name="Google Shape;70;g21edbe654ae_1_0:notes"/>
-          <p:cNvSpPr/>
+          <p:cNvSpPr>
+            <a:spLocks noGrp="1" noRot="1" noChangeAspect="1"/>
+          </p:cNvSpPr>
           <p:nvPr>
-            <p:ph idx="2" type="sldImg"/>
+            <p:ph type="sldImg" idx="2"/>
           </p:nvPr>
         </p:nvSpPr>
         <p:spPr>
@@ -1841,9 +1922,13 @@
             <a:ext cx="6096000" cy="3429000"/>
           </a:xfrm>
           <a:custGeom>
-            <a:rect b="b" l="l" r="r" t="t"/>
+            <a:avLst/>
+            <a:gdLst/>
+            <a:ahLst/>
+            <a:cxnLst/>
+            <a:rect l="l" t="t" r="r" b="b"/>
             <a:pathLst>
-              <a:path extrusionOk="0" h="120000" w="120000">
+              <a:path w="120000" h="120000" extrusionOk="0">
                 <a:moveTo>
                   <a:pt x="0" y="0"/>
                 </a:moveTo>
@@ -1865,9 +1950,11 @@
       <p:sp>
         <p:nvSpPr>
           <p:cNvPr id="71" name="Google Shape;71;g21edbe654ae_1_0:notes"/>
-          <p:cNvSpPr txBox="1"/>
+          <p:cNvSpPr txBox="1">
+            <a:spLocks noGrp="1"/>
+          </p:cNvSpPr>
           <p:nvPr>
-            <p:ph idx="1" type="body"/>
+            <p:ph type="body" idx="1"/>
           </p:nvPr>
         </p:nvSpPr>
         <p:spPr>
@@ -1880,12 +1967,12 @@
           </a:prstGeom>
         </p:spPr>
         <p:txBody>
-          <a:bodyPr anchorCtr="0" anchor="t" bIns="91425" lIns="91425" spcFirstLastPara="1" rIns="91425" wrap="square" tIns="91425">
+          <a:bodyPr spcFirstLastPara="1" wrap="square" lIns="91425" tIns="91425" rIns="91425" bIns="91425" anchor="t" anchorCtr="0">
             <a:noAutofit/>
           </a:bodyPr>
           <a:lstStyle/>
           <a:p>
-            <a:pPr indent="0" lvl="0" marL="0" rtl="0" algn="l">
+            <a:pPr marL="0" lvl="0" indent="0" algn="l" rtl="0">
               <a:spcBef>
                 <a:spcPts val="0"/>
               </a:spcBef>
@@ -1911,11 +1998,11 @@
 </file>
 
 <file path=ppt/notesSlides/notesSlide20.xml><?xml version="1.0" encoding="utf-8"?>
-<p:notes xmlns:a="http://schemas.openxmlformats.org/drawingml/2006/main" xmlns:r="http://schemas.openxmlformats.org/officeDocument/2006/relationships" xmlns:mc="http://schemas.openxmlformats.org/markup-compatibility/2006" xmlns:mv="urn:schemas-microsoft-com:mac:vml" xmlns:p="http://schemas.openxmlformats.org/presentationml/2006/main" xmlns:c="http://schemas.openxmlformats.org/drawingml/2006/chart" xmlns:dgm="http://schemas.openxmlformats.org/drawingml/2006/diagram" xmlns:o="urn:schemas-microsoft-com:office:office" xmlns:v="urn:schemas-microsoft-com:vml" xmlns:pvml="urn:schemas-microsoft-com:office:powerpoint" xmlns:com="http://schemas.openxmlformats.org/drawingml/2006/compatibility" xmlns:p14="http://schemas.microsoft.com/office/powerpoint/2010/main" xmlns:p15="http://schemas.microsoft.com/office/powerpoint/2012/main" xmlns:ahyp="http://schemas.microsoft.com/office/drawing/2018/hyperlinkcolor" showMasterPhAnim="0" showMasterSp="0">
+<p:notes xmlns:a="http://schemas.openxmlformats.org/drawingml/2006/main" xmlns:r="http://schemas.openxmlformats.org/officeDocument/2006/relationships" xmlns:p="http://schemas.openxmlformats.org/presentationml/2006/main" showMasterSp="0" showMasterPhAnim="0">
   <p:cSld>
     <p:spTree>
       <p:nvGrpSpPr>
-        <p:cNvPr id="210" name="Shape 210"/>
+        <p:cNvPr id="1" name="Shape 210"/>
         <p:cNvGrpSpPr/>
         <p:nvPr/>
       </p:nvGrpSpPr>
@@ -1930,9 +2017,11 @@
       <p:sp>
         <p:nvSpPr>
           <p:cNvPr id="211" name="Google Shape;211;g23b0cf1b4c0_0_13:notes"/>
-          <p:cNvSpPr/>
+          <p:cNvSpPr>
+            <a:spLocks noGrp="1" noRot="1" noChangeAspect="1"/>
+          </p:cNvSpPr>
           <p:nvPr>
-            <p:ph idx="2" type="sldImg"/>
+            <p:ph type="sldImg" idx="2"/>
           </p:nvPr>
         </p:nvSpPr>
         <p:spPr>
@@ -1941,9 +2030,13 @@
             <a:ext cx="6096000" cy="3429000"/>
           </a:xfrm>
           <a:custGeom>
-            <a:rect b="b" l="l" r="r" t="t"/>
+            <a:avLst/>
+            <a:gdLst/>
+            <a:ahLst/>
+            <a:cxnLst/>
+            <a:rect l="l" t="t" r="r" b="b"/>
             <a:pathLst>
-              <a:path extrusionOk="0" h="120000" w="120000">
+              <a:path w="120000" h="120000" extrusionOk="0">
                 <a:moveTo>
                   <a:pt x="0" y="0"/>
                 </a:moveTo>
@@ -1965,9 +2058,11 @@
       <p:sp>
         <p:nvSpPr>
           <p:cNvPr id="212" name="Google Shape;212;g23b0cf1b4c0_0_13:notes"/>
-          <p:cNvSpPr txBox="1"/>
+          <p:cNvSpPr txBox="1">
+            <a:spLocks noGrp="1"/>
+          </p:cNvSpPr>
           <p:nvPr>
-            <p:ph idx="1" type="body"/>
+            <p:ph type="body" idx="1"/>
           </p:nvPr>
         </p:nvSpPr>
         <p:spPr>
@@ -1980,12 +2075,12 @@
           </a:prstGeom>
         </p:spPr>
         <p:txBody>
-          <a:bodyPr anchorCtr="0" anchor="t" bIns="91425" lIns="91425" spcFirstLastPara="1" rIns="91425" wrap="square" tIns="91425">
+          <a:bodyPr spcFirstLastPara="1" wrap="square" lIns="91425" tIns="91425" rIns="91425" bIns="91425" anchor="t" anchorCtr="0">
             <a:noAutofit/>
           </a:bodyPr>
           <a:lstStyle/>
           <a:p>
-            <a:pPr indent="0" lvl="0" marL="0" rtl="0" algn="l">
+            <a:pPr marL="0" lvl="0" indent="0" algn="l" rtl="0">
               <a:spcBef>
                 <a:spcPts val="0"/>
               </a:spcBef>
@@ -2011,11 +2106,11 @@
 </file>
 
 <file path=ppt/notesSlides/notesSlide21.xml><?xml version="1.0" encoding="utf-8"?>
-<p:notes xmlns:a="http://schemas.openxmlformats.org/drawingml/2006/main" xmlns:r="http://schemas.openxmlformats.org/officeDocument/2006/relationships" xmlns:mc="http://schemas.openxmlformats.org/markup-compatibility/2006" xmlns:mv="urn:schemas-microsoft-com:mac:vml" xmlns:p="http://schemas.openxmlformats.org/presentationml/2006/main" xmlns:c="http://schemas.openxmlformats.org/drawingml/2006/chart" xmlns:dgm="http://schemas.openxmlformats.org/drawingml/2006/diagram" xmlns:o="urn:schemas-microsoft-com:office:office" xmlns:v="urn:schemas-microsoft-com:vml" xmlns:pvml="urn:schemas-microsoft-com:office:powerpoint" xmlns:com="http://schemas.openxmlformats.org/drawingml/2006/compatibility" xmlns:p14="http://schemas.microsoft.com/office/powerpoint/2010/main" xmlns:p15="http://schemas.microsoft.com/office/powerpoint/2012/main" xmlns:ahyp="http://schemas.microsoft.com/office/drawing/2018/hyperlinkcolor" showMasterPhAnim="0" showMasterSp="0">
+<p:notes xmlns:a="http://schemas.openxmlformats.org/drawingml/2006/main" xmlns:r="http://schemas.openxmlformats.org/officeDocument/2006/relationships" xmlns:p="http://schemas.openxmlformats.org/presentationml/2006/main" showMasterSp="0" showMasterPhAnim="0">
   <p:cSld>
     <p:spTree>
       <p:nvGrpSpPr>
-        <p:cNvPr id="217" name="Shape 217"/>
+        <p:cNvPr id="1" name="Shape 217"/>
         <p:cNvGrpSpPr/>
         <p:nvPr/>
       </p:nvGrpSpPr>
@@ -2030,9 +2125,11 @@
       <p:sp>
         <p:nvSpPr>
           <p:cNvPr id="218" name="Google Shape;218;g23c48e6336b_1_28:notes"/>
-          <p:cNvSpPr/>
+          <p:cNvSpPr>
+            <a:spLocks noGrp="1" noRot="1" noChangeAspect="1"/>
+          </p:cNvSpPr>
           <p:nvPr>
-            <p:ph idx="2" type="sldImg"/>
+            <p:ph type="sldImg" idx="2"/>
           </p:nvPr>
         </p:nvSpPr>
         <p:spPr>
@@ -2041,9 +2138,13 @@
             <a:ext cx="6096000" cy="3429000"/>
           </a:xfrm>
           <a:custGeom>
-            <a:rect b="b" l="l" r="r" t="t"/>
+            <a:avLst/>
+            <a:gdLst/>
+            <a:ahLst/>
+            <a:cxnLst/>
+            <a:rect l="l" t="t" r="r" b="b"/>
             <a:pathLst>
-              <a:path extrusionOk="0" h="120000" w="120000">
+              <a:path w="120000" h="120000" extrusionOk="0">
                 <a:moveTo>
                   <a:pt x="0" y="0"/>
                 </a:moveTo>
@@ -2065,9 +2166,11 @@
       <p:sp>
         <p:nvSpPr>
           <p:cNvPr id="219" name="Google Shape;219;g23c48e6336b_1_28:notes"/>
-          <p:cNvSpPr txBox="1"/>
+          <p:cNvSpPr txBox="1">
+            <a:spLocks noGrp="1"/>
+          </p:cNvSpPr>
           <p:nvPr>
-            <p:ph idx="1" type="body"/>
+            <p:ph type="body" idx="1"/>
           </p:nvPr>
         </p:nvSpPr>
         <p:spPr>
@@ -2080,23 +2183,20 @@
           </a:prstGeom>
         </p:spPr>
         <p:txBody>
-          <a:bodyPr anchorCtr="0" anchor="t" bIns="91425" lIns="91425" spcFirstLastPara="1" rIns="91425" wrap="square" tIns="91425">
+          <a:bodyPr spcFirstLastPara="1" wrap="square" lIns="91425" tIns="91425" rIns="91425" bIns="91425" anchor="t" anchorCtr="0">
             <a:noAutofit/>
           </a:bodyPr>
           <a:lstStyle/>
           <a:p>
-            <a:pPr indent="0" lvl="0" marL="0" rtl="0" algn="l">
-              <a:spcBef>
-                <a:spcPts val="0"/>
-              </a:spcBef>
-              <a:spcAft>
-                <a:spcPts val="0"/>
-              </a:spcAft>
-              <a:buNone/>
-            </a:pPr>
-            <a:r>
-              <a:t/>
-            </a:r>
+            <a:pPr marL="0" lvl="0" indent="0" algn="l" rtl="0">
+              <a:spcBef>
+                <a:spcPts val="0"/>
+              </a:spcBef>
+              <a:spcAft>
+                <a:spcPts val="0"/>
+              </a:spcAft>
+              <a:buNone/>
+            </a:pPr>
             <a:endParaRPr/>
           </a:p>
         </p:txBody>
@@ -2110,11 +2210,11 @@
 </file>
 
 <file path=ppt/notesSlides/notesSlide22.xml><?xml version="1.0" encoding="utf-8"?>
-<p:notes xmlns:a="http://schemas.openxmlformats.org/drawingml/2006/main" xmlns:r="http://schemas.openxmlformats.org/officeDocument/2006/relationships" xmlns:mc="http://schemas.openxmlformats.org/markup-compatibility/2006" xmlns:mv="urn:schemas-microsoft-com:mac:vml" xmlns:p="http://schemas.openxmlformats.org/presentationml/2006/main" xmlns:c="http://schemas.openxmlformats.org/drawingml/2006/chart" xmlns:dgm="http://schemas.openxmlformats.org/drawingml/2006/diagram" xmlns:o="urn:schemas-microsoft-com:office:office" xmlns:v="urn:schemas-microsoft-com:vml" xmlns:pvml="urn:schemas-microsoft-com:office:powerpoint" xmlns:com="http://schemas.openxmlformats.org/drawingml/2006/compatibility" xmlns:p14="http://schemas.microsoft.com/office/powerpoint/2010/main" xmlns:p15="http://schemas.microsoft.com/office/powerpoint/2012/main" xmlns:ahyp="http://schemas.microsoft.com/office/drawing/2018/hyperlinkcolor" showMasterPhAnim="0" showMasterSp="0">
+<p:notes xmlns:a="http://schemas.openxmlformats.org/drawingml/2006/main" xmlns:r="http://schemas.openxmlformats.org/officeDocument/2006/relationships" xmlns:p="http://schemas.openxmlformats.org/presentationml/2006/main" showMasterSp="0" showMasterPhAnim="0">
   <p:cSld>
     <p:spTree>
       <p:nvGrpSpPr>
-        <p:cNvPr id="225" name="Shape 225"/>
+        <p:cNvPr id="1" name="Shape 225"/>
         <p:cNvGrpSpPr/>
         <p:nvPr/>
       </p:nvGrpSpPr>
@@ -2129,20 +2229,26 @@
       <p:sp>
         <p:nvSpPr>
           <p:cNvPr id="226" name="Google Shape;226;gc6f73a04f_0_46:notes"/>
-          <p:cNvSpPr/>
+          <p:cNvSpPr>
+            <a:spLocks noGrp="1" noRot="1" noChangeAspect="1"/>
+          </p:cNvSpPr>
           <p:nvPr>
-            <p:ph idx="2" type="sldImg"/>
+            <p:ph type="sldImg" idx="2"/>
           </p:nvPr>
         </p:nvSpPr>
         <p:spPr>
           <a:xfrm>
-            <a:off x="381188" y="685800"/>
-            <a:ext cx="6096300" cy="3429000"/>
+            <a:off x="381000" y="685800"/>
+            <a:ext cx="6096000" cy="3429000"/>
           </a:xfrm>
           <a:custGeom>
-            <a:rect b="b" l="l" r="r" t="t"/>
+            <a:avLst/>
+            <a:gdLst/>
+            <a:ahLst/>
+            <a:cxnLst/>
+            <a:rect l="l" t="t" r="r" b="b"/>
             <a:pathLst>
-              <a:path extrusionOk="0" h="120000" w="120000">
+              <a:path w="120000" h="120000" extrusionOk="0">
                 <a:moveTo>
                   <a:pt x="0" y="0"/>
                 </a:moveTo>
@@ -2164,9 +2270,11 @@
       <p:sp>
         <p:nvSpPr>
           <p:cNvPr id="227" name="Google Shape;227;gc6f73a04f_0_46:notes"/>
-          <p:cNvSpPr txBox="1"/>
+          <p:cNvSpPr txBox="1">
+            <a:spLocks noGrp="1"/>
+          </p:cNvSpPr>
           <p:nvPr>
-            <p:ph idx="1" type="body"/>
+            <p:ph type="body" idx="1"/>
           </p:nvPr>
         </p:nvSpPr>
         <p:spPr>
@@ -2179,23 +2287,20 @@
           </a:prstGeom>
         </p:spPr>
         <p:txBody>
-          <a:bodyPr anchorCtr="0" anchor="t" bIns="91425" lIns="91425" spcFirstLastPara="1" rIns="91425" wrap="square" tIns="91425">
+          <a:bodyPr spcFirstLastPara="1" wrap="square" lIns="91425" tIns="91425" rIns="91425" bIns="91425" anchor="t" anchorCtr="0">
             <a:noAutofit/>
           </a:bodyPr>
           <a:lstStyle/>
           <a:p>
-            <a:pPr indent="0" lvl="0" marL="0" rtl="0" algn="l">
-              <a:spcBef>
-                <a:spcPts val="0"/>
-              </a:spcBef>
-              <a:spcAft>
-                <a:spcPts val="0"/>
-              </a:spcAft>
-              <a:buNone/>
-            </a:pPr>
-            <a:r>
-              <a:t/>
-            </a:r>
+            <a:pPr marL="0" lvl="0" indent="0" algn="l" rtl="0">
+              <a:spcBef>
+                <a:spcPts val="0"/>
+              </a:spcBef>
+              <a:spcAft>
+                <a:spcPts val="0"/>
+              </a:spcAft>
+              <a:buNone/>
+            </a:pPr>
             <a:endParaRPr/>
           </a:p>
         </p:txBody>
@@ -2209,11 +2314,11 @@
 </file>
 
 <file path=ppt/notesSlides/notesSlide23.xml><?xml version="1.0" encoding="utf-8"?>
-<p:notes xmlns:a="http://schemas.openxmlformats.org/drawingml/2006/main" xmlns:r="http://schemas.openxmlformats.org/officeDocument/2006/relationships" xmlns:mc="http://schemas.openxmlformats.org/markup-compatibility/2006" xmlns:mv="urn:schemas-microsoft-com:mac:vml" xmlns:p="http://schemas.openxmlformats.org/presentationml/2006/main" xmlns:c="http://schemas.openxmlformats.org/drawingml/2006/chart" xmlns:dgm="http://schemas.openxmlformats.org/drawingml/2006/diagram" xmlns:o="urn:schemas-microsoft-com:office:office" xmlns:v="urn:schemas-microsoft-com:vml" xmlns:pvml="urn:schemas-microsoft-com:office:powerpoint" xmlns:com="http://schemas.openxmlformats.org/drawingml/2006/compatibility" xmlns:p14="http://schemas.microsoft.com/office/powerpoint/2010/main" xmlns:p15="http://schemas.microsoft.com/office/powerpoint/2012/main" xmlns:ahyp="http://schemas.microsoft.com/office/drawing/2018/hyperlinkcolor" showMasterPhAnim="0" showMasterSp="0">
+<p:notes xmlns:a="http://schemas.openxmlformats.org/drawingml/2006/main" xmlns:r="http://schemas.openxmlformats.org/officeDocument/2006/relationships" xmlns:p="http://schemas.openxmlformats.org/presentationml/2006/main" showMasterSp="0" showMasterPhAnim="0">
   <p:cSld>
     <p:spTree>
       <p:nvGrpSpPr>
-        <p:cNvPr id="232" name="Shape 232"/>
+        <p:cNvPr id="1" name="Shape 232"/>
         <p:cNvGrpSpPr/>
         <p:nvPr/>
       </p:nvGrpSpPr>
@@ -2228,9 +2333,11 @@
       <p:sp>
         <p:nvSpPr>
           <p:cNvPr id="233" name="Google Shape;233;g23c48e6336b_1_38:notes"/>
-          <p:cNvSpPr/>
+          <p:cNvSpPr>
+            <a:spLocks noGrp="1" noRot="1" noChangeAspect="1"/>
+          </p:cNvSpPr>
           <p:nvPr>
-            <p:ph idx="2" type="sldImg"/>
+            <p:ph type="sldImg" idx="2"/>
           </p:nvPr>
         </p:nvSpPr>
         <p:spPr>
@@ -2239,9 +2346,13 @@
             <a:ext cx="6096000" cy="3429000"/>
           </a:xfrm>
           <a:custGeom>
-            <a:rect b="b" l="l" r="r" t="t"/>
+            <a:avLst/>
+            <a:gdLst/>
+            <a:ahLst/>
+            <a:cxnLst/>
+            <a:rect l="l" t="t" r="r" b="b"/>
             <a:pathLst>
-              <a:path extrusionOk="0" h="120000" w="120000">
+              <a:path w="120000" h="120000" extrusionOk="0">
                 <a:moveTo>
                   <a:pt x="0" y="0"/>
                 </a:moveTo>
@@ -2263,9 +2374,11 @@
       <p:sp>
         <p:nvSpPr>
           <p:cNvPr id="234" name="Google Shape;234;g23c48e6336b_1_38:notes"/>
-          <p:cNvSpPr txBox="1"/>
+          <p:cNvSpPr txBox="1">
+            <a:spLocks noGrp="1"/>
+          </p:cNvSpPr>
           <p:nvPr>
-            <p:ph idx="1" type="body"/>
+            <p:ph type="body" idx="1"/>
           </p:nvPr>
         </p:nvSpPr>
         <p:spPr>
@@ -2278,23 +2391,20 @@
           </a:prstGeom>
         </p:spPr>
         <p:txBody>
-          <a:bodyPr anchorCtr="0" anchor="t" bIns="91425" lIns="91425" spcFirstLastPara="1" rIns="91425" wrap="square" tIns="91425">
+          <a:bodyPr spcFirstLastPara="1" wrap="square" lIns="91425" tIns="91425" rIns="91425" bIns="91425" anchor="t" anchorCtr="0">
             <a:noAutofit/>
           </a:bodyPr>
           <a:lstStyle/>
           <a:p>
-            <a:pPr indent="0" lvl="0" marL="0" rtl="0" algn="l">
-              <a:spcBef>
-                <a:spcPts val="0"/>
-              </a:spcBef>
-              <a:spcAft>
-                <a:spcPts val="0"/>
-              </a:spcAft>
-              <a:buNone/>
-            </a:pPr>
-            <a:r>
-              <a:t/>
-            </a:r>
+            <a:pPr marL="0" lvl="0" indent="0" algn="l" rtl="0">
+              <a:spcBef>
+                <a:spcPts val="0"/>
+              </a:spcBef>
+              <a:spcAft>
+                <a:spcPts val="0"/>
+              </a:spcAft>
+              <a:buNone/>
+            </a:pPr>
             <a:endParaRPr/>
           </a:p>
         </p:txBody>
@@ -2308,11 +2418,11 @@
 </file>
 
 <file path=ppt/notesSlides/notesSlide24.xml><?xml version="1.0" encoding="utf-8"?>
-<p:notes xmlns:a="http://schemas.openxmlformats.org/drawingml/2006/main" xmlns:r="http://schemas.openxmlformats.org/officeDocument/2006/relationships" xmlns:mc="http://schemas.openxmlformats.org/markup-compatibility/2006" xmlns:mv="urn:schemas-microsoft-com:mac:vml" xmlns:p="http://schemas.openxmlformats.org/presentationml/2006/main" xmlns:c="http://schemas.openxmlformats.org/drawingml/2006/chart" xmlns:dgm="http://schemas.openxmlformats.org/drawingml/2006/diagram" xmlns:o="urn:schemas-microsoft-com:office:office" xmlns:v="urn:schemas-microsoft-com:vml" xmlns:pvml="urn:schemas-microsoft-com:office:powerpoint" xmlns:com="http://schemas.openxmlformats.org/drawingml/2006/compatibility" xmlns:p14="http://schemas.microsoft.com/office/powerpoint/2010/main" xmlns:p15="http://schemas.microsoft.com/office/powerpoint/2012/main" xmlns:ahyp="http://schemas.microsoft.com/office/drawing/2018/hyperlinkcolor" showMasterPhAnim="0" showMasterSp="0">
+<p:notes xmlns:a="http://schemas.openxmlformats.org/drawingml/2006/main" xmlns:r="http://schemas.openxmlformats.org/officeDocument/2006/relationships" xmlns:p="http://schemas.openxmlformats.org/presentationml/2006/main" showMasterSp="0" showMasterPhAnim="0">
   <p:cSld>
     <p:spTree>
       <p:nvGrpSpPr>
-        <p:cNvPr id="238" name="Shape 238"/>
+        <p:cNvPr id="1" name="Shape 238"/>
         <p:cNvGrpSpPr/>
         <p:nvPr/>
       </p:nvGrpSpPr>
@@ -2327,9 +2437,11 @@
       <p:sp>
         <p:nvSpPr>
           <p:cNvPr id="239" name="Google Shape;239;g21ed9dc55a5_1_5:notes"/>
-          <p:cNvSpPr/>
+          <p:cNvSpPr>
+            <a:spLocks noGrp="1" noRot="1" noChangeAspect="1"/>
+          </p:cNvSpPr>
           <p:nvPr>
-            <p:ph idx="2" type="sldImg"/>
+            <p:ph type="sldImg" idx="2"/>
           </p:nvPr>
         </p:nvSpPr>
         <p:spPr>
@@ -2338,9 +2450,13 @@
             <a:ext cx="6096000" cy="3429000"/>
           </a:xfrm>
           <a:custGeom>
-            <a:rect b="b" l="l" r="r" t="t"/>
+            <a:avLst/>
+            <a:gdLst/>
+            <a:ahLst/>
+            <a:cxnLst/>
+            <a:rect l="l" t="t" r="r" b="b"/>
             <a:pathLst>
-              <a:path extrusionOk="0" h="120000" w="120000">
+              <a:path w="120000" h="120000" extrusionOk="0">
                 <a:moveTo>
                   <a:pt x="0" y="0"/>
                 </a:moveTo>
@@ -2362,9 +2478,11 @@
       <p:sp>
         <p:nvSpPr>
           <p:cNvPr id="240" name="Google Shape;240;g21ed9dc55a5_1_5:notes"/>
-          <p:cNvSpPr txBox="1"/>
+          <p:cNvSpPr txBox="1">
+            <a:spLocks noGrp="1"/>
+          </p:cNvSpPr>
           <p:nvPr>
-            <p:ph idx="1" type="body"/>
+            <p:ph type="body" idx="1"/>
           </p:nvPr>
         </p:nvSpPr>
         <p:spPr>
@@ -2377,23 +2495,20 @@
           </a:prstGeom>
         </p:spPr>
         <p:txBody>
-          <a:bodyPr anchorCtr="0" anchor="t" bIns="91425" lIns="91425" spcFirstLastPara="1" rIns="91425" wrap="square" tIns="91425">
+          <a:bodyPr spcFirstLastPara="1" wrap="square" lIns="91425" tIns="91425" rIns="91425" bIns="91425" anchor="t" anchorCtr="0">
             <a:noAutofit/>
           </a:bodyPr>
           <a:lstStyle/>
           <a:p>
-            <a:pPr indent="0" lvl="0" marL="0" rtl="0" algn="l">
-              <a:spcBef>
-                <a:spcPts val="0"/>
-              </a:spcBef>
-              <a:spcAft>
-                <a:spcPts val="0"/>
-              </a:spcAft>
-              <a:buNone/>
-            </a:pPr>
-            <a:r>
-              <a:t/>
-            </a:r>
+            <a:pPr marL="0" lvl="0" indent="0" algn="l" rtl="0">
+              <a:spcBef>
+                <a:spcPts val="0"/>
+              </a:spcBef>
+              <a:spcAft>
+                <a:spcPts val="0"/>
+              </a:spcAft>
+              <a:buNone/>
+            </a:pPr>
             <a:endParaRPr/>
           </a:p>
         </p:txBody>
@@ -2407,11 +2522,11 @@
 </file>
 
 <file path=ppt/notesSlides/notesSlide3.xml><?xml version="1.0" encoding="utf-8"?>
-<p:notes xmlns:a="http://schemas.openxmlformats.org/drawingml/2006/main" xmlns:r="http://schemas.openxmlformats.org/officeDocument/2006/relationships" xmlns:mc="http://schemas.openxmlformats.org/markup-compatibility/2006" xmlns:mv="urn:schemas-microsoft-com:mac:vml" xmlns:p="http://schemas.openxmlformats.org/presentationml/2006/main" xmlns:c="http://schemas.openxmlformats.org/drawingml/2006/chart" xmlns:dgm="http://schemas.openxmlformats.org/drawingml/2006/diagram" xmlns:o="urn:schemas-microsoft-com:office:office" xmlns:v="urn:schemas-microsoft-com:vml" xmlns:pvml="urn:schemas-microsoft-com:office:powerpoint" xmlns:com="http://schemas.openxmlformats.org/drawingml/2006/compatibility" xmlns:p14="http://schemas.microsoft.com/office/powerpoint/2010/main" xmlns:p15="http://schemas.microsoft.com/office/powerpoint/2012/main" xmlns:ahyp="http://schemas.microsoft.com/office/drawing/2018/hyperlinkcolor" showMasterPhAnim="0" showMasterSp="0">
+<p:notes xmlns:a="http://schemas.openxmlformats.org/drawingml/2006/main" xmlns:r="http://schemas.openxmlformats.org/officeDocument/2006/relationships" xmlns:p="http://schemas.openxmlformats.org/presentationml/2006/main" showMasterSp="0" showMasterPhAnim="0">
   <p:cSld>
     <p:spTree>
       <p:nvGrpSpPr>
-        <p:cNvPr id="75" name="Shape 75"/>
+        <p:cNvPr id="1" name="Shape 75"/>
         <p:cNvGrpSpPr/>
         <p:nvPr/>
       </p:nvGrpSpPr>
@@ -2426,9 +2541,11 @@
       <p:sp>
         <p:nvSpPr>
           <p:cNvPr id="76" name="Google Shape;76;gc6f73a04f_0_9:notes"/>
-          <p:cNvSpPr/>
+          <p:cNvSpPr>
+            <a:spLocks noGrp="1" noRot="1" noChangeAspect="1"/>
+          </p:cNvSpPr>
           <p:nvPr>
-            <p:ph idx="2" type="sldImg"/>
+            <p:ph type="sldImg" idx="2"/>
           </p:nvPr>
         </p:nvSpPr>
         <p:spPr>
@@ -2437,9 +2554,13 @@
             <a:ext cx="6096300" cy="3429000"/>
           </a:xfrm>
           <a:custGeom>
-            <a:rect b="b" l="l" r="r" t="t"/>
+            <a:avLst/>
+            <a:gdLst/>
+            <a:ahLst/>
+            <a:cxnLst/>
+            <a:rect l="l" t="t" r="r" b="b"/>
             <a:pathLst>
-              <a:path extrusionOk="0" h="120000" w="120000">
+              <a:path w="120000" h="120000" extrusionOk="0">
                 <a:moveTo>
                   <a:pt x="0" y="0"/>
                 </a:moveTo>
@@ -2461,9 +2582,11 @@
       <p:sp>
         <p:nvSpPr>
           <p:cNvPr id="77" name="Google Shape;77;gc6f73a04f_0_9:notes"/>
-          <p:cNvSpPr txBox="1"/>
+          <p:cNvSpPr txBox="1">
+            <a:spLocks noGrp="1"/>
+          </p:cNvSpPr>
           <p:nvPr>
-            <p:ph idx="1" type="body"/>
+            <p:ph type="body" idx="1"/>
           </p:nvPr>
         </p:nvSpPr>
         <p:spPr>
@@ -2476,12 +2599,12 @@
           </a:prstGeom>
         </p:spPr>
         <p:txBody>
-          <a:bodyPr anchorCtr="0" anchor="t" bIns="91425" lIns="91425" spcFirstLastPara="1" rIns="91425" wrap="square" tIns="91425">
+          <a:bodyPr spcFirstLastPara="1" wrap="square" lIns="91425" tIns="91425" rIns="91425" bIns="91425" anchor="t" anchorCtr="0">
             <a:noAutofit/>
           </a:bodyPr>
           <a:lstStyle/>
           <a:p>
-            <a:pPr indent="0" lvl="0" marL="0" rtl="0" algn="l">
+            <a:pPr marL="0" lvl="0" indent="0" algn="l" rtl="0">
               <a:spcBef>
                 <a:spcPts val="0"/>
               </a:spcBef>
@@ -2497,7 +2620,7 @@
             <a:endParaRPr/>
           </a:p>
           <a:p>
-            <a:pPr indent="0" lvl="0" marL="0" rtl="0" algn="l">
+            <a:pPr marL="0" lvl="0" indent="0" algn="l" rtl="0">
               <a:spcBef>
                 <a:spcPts val="0"/>
               </a:spcBef>
@@ -2513,7 +2636,7 @@
             <a:endParaRPr/>
           </a:p>
           <a:p>
-            <a:pPr indent="0" lvl="0" marL="0" rtl="0" algn="l">
+            <a:pPr marL="0" lvl="0" indent="0" algn="l" rtl="0">
               <a:spcBef>
                 <a:spcPts val="0"/>
               </a:spcBef>
@@ -2529,7 +2652,7 @@
             <a:endParaRPr/>
           </a:p>
           <a:p>
-            <a:pPr indent="0" lvl="0" marL="0" rtl="0" algn="l">
+            <a:pPr marL="0" lvl="0" indent="0" algn="l" rtl="0">
               <a:spcBef>
                 <a:spcPts val="0"/>
               </a:spcBef>
@@ -2555,11 +2678,11 @@
 </file>
 
 <file path=ppt/notesSlides/notesSlide4.xml><?xml version="1.0" encoding="utf-8"?>
-<p:notes xmlns:a="http://schemas.openxmlformats.org/drawingml/2006/main" xmlns:r="http://schemas.openxmlformats.org/officeDocument/2006/relationships" xmlns:mc="http://schemas.openxmlformats.org/markup-compatibility/2006" xmlns:mv="urn:schemas-microsoft-com:mac:vml" xmlns:p="http://schemas.openxmlformats.org/presentationml/2006/main" xmlns:c="http://schemas.openxmlformats.org/drawingml/2006/chart" xmlns:dgm="http://schemas.openxmlformats.org/drawingml/2006/diagram" xmlns:o="urn:schemas-microsoft-com:office:office" xmlns:v="urn:schemas-microsoft-com:vml" xmlns:pvml="urn:schemas-microsoft-com:office:powerpoint" xmlns:com="http://schemas.openxmlformats.org/drawingml/2006/compatibility" xmlns:p14="http://schemas.microsoft.com/office/powerpoint/2010/main" xmlns:p15="http://schemas.microsoft.com/office/powerpoint/2012/main" xmlns:ahyp="http://schemas.microsoft.com/office/drawing/2018/hyperlinkcolor" showMasterPhAnim="0" showMasterSp="0">
+<p:notes xmlns:a="http://schemas.openxmlformats.org/drawingml/2006/main" xmlns:r="http://schemas.openxmlformats.org/officeDocument/2006/relationships" xmlns:p="http://schemas.openxmlformats.org/presentationml/2006/main" showMasterSp="0" showMasterPhAnim="0">
   <p:cSld>
     <p:spTree>
       <p:nvGrpSpPr>
-        <p:cNvPr id="81" name="Shape 81"/>
+        <p:cNvPr id="1" name="Shape 81"/>
         <p:cNvGrpSpPr/>
         <p:nvPr/>
       </p:nvGrpSpPr>
@@ -2574,9 +2697,11 @@
       <p:sp>
         <p:nvSpPr>
           <p:cNvPr id="82" name="Google Shape;82;g21edbe654ae_1_5:notes"/>
-          <p:cNvSpPr/>
+          <p:cNvSpPr>
+            <a:spLocks noGrp="1" noRot="1" noChangeAspect="1"/>
+          </p:cNvSpPr>
           <p:nvPr>
-            <p:ph idx="2" type="sldImg"/>
+            <p:ph type="sldImg" idx="2"/>
           </p:nvPr>
         </p:nvSpPr>
         <p:spPr>
@@ -2585,9 +2710,13 @@
             <a:ext cx="6096000" cy="3429000"/>
           </a:xfrm>
           <a:custGeom>
-            <a:rect b="b" l="l" r="r" t="t"/>
+            <a:avLst/>
+            <a:gdLst/>
+            <a:ahLst/>
+            <a:cxnLst/>
+            <a:rect l="l" t="t" r="r" b="b"/>
             <a:pathLst>
-              <a:path extrusionOk="0" h="120000" w="120000">
+              <a:path w="120000" h="120000" extrusionOk="0">
                 <a:moveTo>
                   <a:pt x="0" y="0"/>
                 </a:moveTo>
@@ -2609,9 +2738,11 @@
       <p:sp>
         <p:nvSpPr>
           <p:cNvPr id="83" name="Google Shape;83;g21edbe654ae_1_5:notes"/>
-          <p:cNvSpPr txBox="1"/>
+          <p:cNvSpPr txBox="1">
+            <a:spLocks noGrp="1"/>
+          </p:cNvSpPr>
           <p:nvPr>
-            <p:ph idx="1" type="body"/>
+            <p:ph type="body" idx="1"/>
           </p:nvPr>
         </p:nvSpPr>
         <p:spPr>
@@ -2624,23 +2755,20 @@
           </a:prstGeom>
         </p:spPr>
         <p:txBody>
-          <a:bodyPr anchorCtr="0" anchor="t" bIns="91425" lIns="91425" spcFirstLastPara="1" rIns="91425" wrap="square" tIns="91425">
+          <a:bodyPr spcFirstLastPara="1" wrap="square" lIns="91425" tIns="91425" rIns="91425" bIns="91425" anchor="t" anchorCtr="0">
             <a:noAutofit/>
           </a:bodyPr>
           <a:lstStyle/>
           <a:p>
-            <a:pPr indent="0" lvl="0" marL="0" rtl="0" algn="l">
-              <a:spcBef>
-                <a:spcPts val="0"/>
-              </a:spcBef>
-              <a:spcAft>
-                <a:spcPts val="0"/>
-              </a:spcAft>
-              <a:buNone/>
-            </a:pPr>
-            <a:r>
-              <a:t/>
-            </a:r>
+            <a:pPr marL="0" lvl="0" indent="0" algn="l" rtl="0">
+              <a:spcBef>
+                <a:spcPts val="0"/>
+              </a:spcBef>
+              <a:spcAft>
+                <a:spcPts val="0"/>
+              </a:spcAft>
+              <a:buNone/>
+            </a:pPr>
             <a:endParaRPr/>
           </a:p>
         </p:txBody>
@@ -2654,11 +2782,11 @@
 </file>
 
 <file path=ppt/notesSlides/notesSlide5.xml><?xml version="1.0" encoding="utf-8"?>
-<p:notes xmlns:a="http://schemas.openxmlformats.org/drawingml/2006/main" xmlns:r="http://schemas.openxmlformats.org/officeDocument/2006/relationships" xmlns:mc="http://schemas.openxmlformats.org/markup-compatibility/2006" xmlns:mv="urn:schemas-microsoft-com:mac:vml" xmlns:p="http://schemas.openxmlformats.org/presentationml/2006/main" xmlns:c="http://schemas.openxmlformats.org/drawingml/2006/chart" xmlns:dgm="http://schemas.openxmlformats.org/drawingml/2006/diagram" xmlns:o="urn:schemas-microsoft-com:office:office" xmlns:v="urn:schemas-microsoft-com:vml" xmlns:pvml="urn:schemas-microsoft-com:office:powerpoint" xmlns:com="http://schemas.openxmlformats.org/drawingml/2006/compatibility" xmlns:p14="http://schemas.microsoft.com/office/powerpoint/2010/main" xmlns:p15="http://schemas.microsoft.com/office/powerpoint/2012/main" xmlns:ahyp="http://schemas.microsoft.com/office/drawing/2018/hyperlinkcolor" showMasterPhAnim="0" showMasterSp="0">
+<p:notes xmlns:a="http://schemas.openxmlformats.org/drawingml/2006/main" xmlns:r="http://schemas.openxmlformats.org/officeDocument/2006/relationships" xmlns:p="http://schemas.openxmlformats.org/presentationml/2006/main" showMasterSp="0" showMasterPhAnim="0">
   <p:cSld>
     <p:spTree>
       <p:nvGrpSpPr>
-        <p:cNvPr id="89" name="Shape 89"/>
+        <p:cNvPr id="1" name="Shape 89"/>
         <p:cNvGrpSpPr/>
         <p:nvPr/>
       </p:nvGrpSpPr>
@@ -2673,9 +2801,11 @@
       <p:sp>
         <p:nvSpPr>
           <p:cNvPr id="90" name="Google Shape;90;g23c48e6336b_3_0:notes"/>
-          <p:cNvSpPr/>
+          <p:cNvSpPr>
+            <a:spLocks noGrp="1" noRot="1" noChangeAspect="1"/>
+          </p:cNvSpPr>
           <p:nvPr>
-            <p:ph idx="2" type="sldImg"/>
+            <p:ph type="sldImg" idx="2"/>
           </p:nvPr>
         </p:nvSpPr>
         <p:spPr>
@@ -2684,9 +2814,13 @@
             <a:ext cx="6096000" cy="3429000"/>
           </a:xfrm>
           <a:custGeom>
-            <a:rect b="b" l="l" r="r" t="t"/>
+            <a:avLst/>
+            <a:gdLst/>
+            <a:ahLst/>
+            <a:cxnLst/>
+            <a:rect l="l" t="t" r="r" b="b"/>
             <a:pathLst>
-              <a:path extrusionOk="0" h="120000" w="120000">
+              <a:path w="120000" h="120000" extrusionOk="0">
                 <a:moveTo>
                   <a:pt x="0" y="0"/>
                 </a:moveTo>
@@ -2708,9 +2842,11 @@
       <p:sp>
         <p:nvSpPr>
           <p:cNvPr id="91" name="Google Shape;91;g23c48e6336b_3_0:notes"/>
-          <p:cNvSpPr txBox="1"/>
+          <p:cNvSpPr txBox="1">
+            <a:spLocks noGrp="1"/>
+          </p:cNvSpPr>
           <p:nvPr>
-            <p:ph idx="1" type="body"/>
+            <p:ph type="body" idx="1"/>
           </p:nvPr>
         </p:nvSpPr>
         <p:spPr>
@@ -2723,23 +2859,20 @@
           </a:prstGeom>
         </p:spPr>
         <p:txBody>
-          <a:bodyPr anchorCtr="0" anchor="t" bIns="91425" lIns="91425" spcFirstLastPara="1" rIns="91425" wrap="square" tIns="91425">
+          <a:bodyPr spcFirstLastPara="1" wrap="square" lIns="91425" tIns="91425" rIns="91425" bIns="91425" anchor="t" anchorCtr="0">
             <a:noAutofit/>
           </a:bodyPr>
           <a:lstStyle/>
           <a:p>
-            <a:pPr indent="0" lvl="0" marL="0" rtl="0" algn="l">
-              <a:spcBef>
-                <a:spcPts val="0"/>
-              </a:spcBef>
-              <a:spcAft>
-                <a:spcPts val="0"/>
-              </a:spcAft>
-              <a:buNone/>
-            </a:pPr>
-            <a:r>
-              <a:t/>
-            </a:r>
+            <a:pPr marL="0" lvl="0" indent="0" algn="l" rtl="0">
+              <a:spcBef>
+                <a:spcPts val="0"/>
+              </a:spcBef>
+              <a:spcAft>
+                <a:spcPts val="0"/>
+              </a:spcAft>
+              <a:buNone/>
+            </a:pPr>
             <a:endParaRPr/>
           </a:p>
         </p:txBody>
@@ -2753,11 +2886,11 @@
 </file>
 
 <file path=ppt/notesSlides/notesSlide6.xml><?xml version="1.0" encoding="utf-8"?>
-<p:notes xmlns:a="http://schemas.openxmlformats.org/drawingml/2006/main" xmlns:r="http://schemas.openxmlformats.org/officeDocument/2006/relationships" xmlns:mc="http://schemas.openxmlformats.org/markup-compatibility/2006" xmlns:mv="urn:schemas-microsoft-com:mac:vml" xmlns:p="http://schemas.openxmlformats.org/presentationml/2006/main" xmlns:c="http://schemas.openxmlformats.org/drawingml/2006/chart" xmlns:dgm="http://schemas.openxmlformats.org/drawingml/2006/diagram" xmlns:o="urn:schemas-microsoft-com:office:office" xmlns:v="urn:schemas-microsoft-com:vml" xmlns:pvml="urn:schemas-microsoft-com:office:powerpoint" xmlns:com="http://schemas.openxmlformats.org/drawingml/2006/compatibility" xmlns:p14="http://schemas.microsoft.com/office/powerpoint/2010/main" xmlns:p15="http://schemas.microsoft.com/office/powerpoint/2012/main" xmlns:ahyp="http://schemas.microsoft.com/office/drawing/2018/hyperlinkcolor" showMasterPhAnim="0" showMasterSp="0">
+<p:notes xmlns:a="http://schemas.openxmlformats.org/drawingml/2006/main" xmlns:r="http://schemas.openxmlformats.org/officeDocument/2006/relationships" xmlns:p="http://schemas.openxmlformats.org/presentationml/2006/main" showMasterSp="0" showMasterPhAnim="0">
   <p:cSld>
     <p:spTree>
       <p:nvGrpSpPr>
-        <p:cNvPr id="96" name="Shape 96"/>
+        <p:cNvPr id="1" name="Shape 96"/>
         <p:cNvGrpSpPr/>
         <p:nvPr/>
       </p:nvGrpSpPr>
@@ -2772,9 +2905,11 @@
       <p:sp>
         <p:nvSpPr>
           <p:cNvPr id="97" name="Google Shape;97;g21edbe654ae_1_36:notes"/>
-          <p:cNvSpPr/>
+          <p:cNvSpPr>
+            <a:spLocks noGrp="1" noRot="1" noChangeAspect="1"/>
+          </p:cNvSpPr>
           <p:nvPr>
-            <p:ph idx="2" type="sldImg"/>
+            <p:ph type="sldImg" idx="2"/>
           </p:nvPr>
         </p:nvSpPr>
         <p:spPr>
@@ -2783,9 +2918,13 @@
             <a:ext cx="6096000" cy="3429000"/>
           </a:xfrm>
           <a:custGeom>
-            <a:rect b="b" l="l" r="r" t="t"/>
+            <a:avLst/>
+            <a:gdLst/>
+            <a:ahLst/>
+            <a:cxnLst/>
+            <a:rect l="l" t="t" r="r" b="b"/>
             <a:pathLst>
-              <a:path extrusionOk="0" h="120000" w="120000">
+              <a:path w="120000" h="120000" extrusionOk="0">
                 <a:moveTo>
                   <a:pt x="0" y="0"/>
                 </a:moveTo>
@@ -2807,9 +2946,11 @@
       <p:sp>
         <p:nvSpPr>
           <p:cNvPr id="98" name="Google Shape;98;g21edbe654ae_1_36:notes"/>
-          <p:cNvSpPr txBox="1"/>
+          <p:cNvSpPr txBox="1">
+            <a:spLocks noGrp="1"/>
+          </p:cNvSpPr>
           <p:nvPr>
-            <p:ph idx="1" type="body"/>
+            <p:ph type="body" idx="1"/>
           </p:nvPr>
         </p:nvSpPr>
         <p:spPr>
@@ -2822,12 +2963,12 @@
           </a:prstGeom>
         </p:spPr>
         <p:txBody>
-          <a:bodyPr anchorCtr="0" anchor="t" bIns="91425" lIns="91425" spcFirstLastPara="1" rIns="91425" wrap="square" tIns="91425">
+          <a:bodyPr spcFirstLastPara="1" wrap="square" lIns="91425" tIns="91425" rIns="91425" bIns="91425" anchor="t" anchorCtr="0">
             <a:noAutofit/>
           </a:bodyPr>
           <a:lstStyle/>
           <a:p>
-            <a:pPr indent="0" lvl="0" marL="0" rtl="0" algn="l">
+            <a:pPr marL="0" lvl="0" indent="0" algn="l" rtl="0">
               <a:lnSpc>
                 <a:spcPct val="115000"/>
               </a:lnSpc>
@@ -2840,7 +2981,7 @@
               <a:buNone/>
             </a:pPr>
             <a:r>
-              <a:rPr b="1" lang="en">
+              <a:rPr lang="en" b="1">
                 <a:solidFill>
                   <a:schemeClr val="dk1"/>
                 </a:solidFill>
@@ -2862,7 +3003,7 @@
             </a:endParaRPr>
           </a:p>
           <a:p>
-            <a:pPr indent="0" lvl="0" marL="0" rtl="0" algn="l">
+            <a:pPr marL="0" lvl="0" indent="0" algn="l" rtl="0">
               <a:lnSpc>
                 <a:spcPct val="115000"/>
               </a:lnSpc>
@@ -2897,7 +3038,7 @@
             </a:endParaRPr>
           </a:p>
           <a:p>
-            <a:pPr indent="0" lvl="0" marL="0" rtl="0" algn="l">
+            <a:pPr marL="0" lvl="0" indent="0" algn="l" rtl="0">
               <a:lnSpc>
                 <a:spcPct val="115000"/>
               </a:lnSpc>
@@ -2932,7 +3073,7 @@
             </a:endParaRPr>
           </a:p>
           <a:p>
-            <a:pPr indent="0" lvl="0" marL="0" rtl="0" algn="l">
+            <a:pPr marL="0" lvl="0" indent="0" algn="l" rtl="0">
               <a:lnSpc>
                 <a:spcPct val="115000"/>
               </a:lnSpc>
@@ -2958,7 +3099,7 @@
               <a:t>L1 and L2 regularisation owes its name to L1 and L2 norm of a vector </a:t>
             </a:r>
             <a:r>
-              <a:rPr b="1" i="1" lang="en">
+              <a:rPr lang="en" b="1" i="1">
                 <a:solidFill>
                   <a:schemeClr val="dk1"/>
                 </a:solidFill>
@@ -2994,11 +3135,11 @@
 </file>
 
 <file path=ppt/notesSlides/notesSlide7.xml><?xml version="1.0" encoding="utf-8"?>
-<p:notes xmlns:a="http://schemas.openxmlformats.org/drawingml/2006/main" xmlns:r="http://schemas.openxmlformats.org/officeDocument/2006/relationships" xmlns:mc="http://schemas.openxmlformats.org/markup-compatibility/2006" xmlns:mv="urn:schemas-microsoft-com:mac:vml" xmlns:p="http://schemas.openxmlformats.org/presentationml/2006/main" xmlns:c="http://schemas.openxmlformats.org/drawingml/2006/chart" xmlns:dgm="http://schemas.openxmlformats.org/drawingml/2006/diagram" xmlns:o="urn:schemas-microsoft-com:office:office" xmlns:v="urn:schemas-microsoft-com:vml" xmlns:pvml="urn:schemas-microsoft-com:office:powerpoint" xmlns:com="http://schemas.openxmlformats.org/drawingml/2006/compatibility" xmlns:p14="http://schemas.microsoft.com/office/powerpoint/2010/main" xmlns:p15="http://schemas.microsoft.com/office/powerpoint/2012/main" xmlns:ahyp="http://schemas.microsoft.com/office/drawing/2018/hyperlinkcolor" showMasterPhAnim="0" showMasterSp="0">
+<p:notes xmlns:a="http://schemas.openxmlformats.org/drawingml/2006/main" xmlns:r="http://schemas.openxmlformats.org/officeDocument/2006/relationships" xmlns:p="http://schemas.openxmlformats.org/presentationml/2006/main" showMasterSp="0" showMasterPhAnim="0">
   <p:cSld>
     <p:spTree>
       <p:nvGrpSpPr>
-        <p:cNvPr id="108" name="Shape 108"/>
+        <p:cNvPr id="1" name="Shape 108"/>
         <p:cNvGrpSpPr/>
         <p:nvPr/>
       </p:nvGrpSpPr>
@@ -3013,9 +3154,11 @@
       <p:sp>
         <p:nvSpPr>
           <p:cNvPr id="109" name="Google Shape;109;g21ebebedeba_0_44:notes"/>
-          <p:cNvSpPr/>
+          <p:cNvSpPr>
+            <a:spLocks noGrp="1" noRot="1" noChangeAspect="1"/>
+          </p:cNvSpPr>
           <p:nvPr>
-            <p:ph idx="2" type="sldImg"/>
+            <p:ph type="sldImg" idx="2"/>
           </p:nvPr>
         </p:nvSpPr>
         <p:spPr>
@@ -3024,9 +3167,13 @@
             <a:ext cx="6096000" cy="3429000"/>
           </a:xfrm>
           <a:custGeom>
-            <a:rect b="b" l="l" r="r" t="t"/>
+            <a:avLst/>
+            <a:gdLst/>
+            <a:ahLst/>
+            <a:cxnLst/>
+            <a:rect l="l" t="t" r="r" b="b"/>
             <a:pathLst>
-              <a:path extrusionOk="0" h="120000" w="120000">
+              <a:path w="120000" h="120000" extrusionOk="0">
                 <a:moveTo>
                   <a:pt x="0" y="0"/>
                 </a:moveTo>
@@ -3048,9 +3195,11 @@
       <p:sp>
         <p:nvSpPr>
           <p:cNvPr id="110" name="Google Shape;110;g21ebebedeba_0_44:notes"/>
-          <p:cNvSpPr txBox="1"/>
+          <p:cNvSpPr txBox="1">
+            <a:spLocks noGrp="1"/>
+          </p:cNvSpPr>
           <p:nvPr>
-            <p:ph idx="1" type="body"/>
+            <p:ph type="body" idx="1"/>
           </p:nvPr>
         </p:nvSpPr>
         <p:spPr>
@@ -3063,23 +3212,20 @@
           </a:prstGeom>
         </p:spPr>
         <p:txBody>
-          <a:bodyPr anchorCtr="0" anchor="t" bIns="91425" lIns="91425" spcFirstLastPara="1" rIns="91425" wrap="square" tIns="91425">
+          <a:bodyPr spcFirstLastPara="1" wrap="square" lIns="91425" tIns="91425" rIns="91425" bIns="91425" anchor="t" anchorCtr="0">
             <a:noAutofit/>
           </a:bodyPr>
           <a:lstStyle/>
           <a:p>
-            <a:pPr indent="0" lvl="0" marL="0" rtl="0" algn="l">
-              <a:spcBef>
-                <a:spcPts val="0"/>
-              </a:spcBef>
-              <a:spcAft>
-                <a:spcPts val="0"/>
-              </a:spcAft>
-              <a:buNone/>
-            </a:pPr>
-            <a:r>
-              <a:t/>
-            </a:r>
+            <a:pPr marL="0" lvl="0" indent="0" algn="l" rtl="0">
+              <a:spcBef>
+                <a:spcPts val="0"/>
+              </a:spcBef>
+              <a:spcAft>
+                <a:spcPts val="0"/>
+              </a:spcAft>
+              <a:buNone/>
+            </a:pPr>
             <a:endParaRPr/>
           </a:p>
         </p:txBody>
@@ -3093,11 +3239,11 @@
 </file>
 
 <file path=ppt/notesSlides/notesSlide8.xml><?xml version="1.0" encoding="utf-8"?>
-<p:notes xmlns:a="http://schemas.openxmlformats.org/drawingml/2006/main" xmlns:r="http://schemas.openxmlformats.org/officeDocument/2006/relationships" xmlns:mc="http://schemas.openxmlformats.org/markup-compatibility/2006" xmlns:mv="urn:schemas-microsoft-com:mac:vml" xmlns:p="http://schemas.openxmlformats.org/presentationml/2006/main" xmlns:c="http://schemas.openxmlformats.org/drawingml/2006/chart" xmlns:dgm="http://schemas.openxmlformats.org/drawingml/2006/diagram" xmlns:o="urn:schemas-microsoft-com:office:office" xmlns:v="urn:schemas-microsoft-com:vml" xmlns:pvml="urn:schemas-microsoft-com:office:powerpoint" xmlns:com="http://schemas.openxmlformats.org/drawingml/2006/compatibility" xmlns:p14="http://schemas.microsoft.com/office/powerpoint/2010/main" xmlns:p15="http://schemas.microsoft.com/office/powerpoint/2012/main" xmlns:ahyp="http://schemas.microsoft.com/office/drawing/2018/hyperlinkcolor" showMasterPhAnim="0" showMasterSp="0">
+<p:notes xmlns:a="http://schemas.openxmlformats.org/drawingml/2006/main" xmlns:r="http://schemas.openxmlformats.org/officeDocument/2006/relationships" xmlns:p="http://schemas.openxmlformats.org/presentationml/2006/main" showMasterSp="0" showMasterPhAnim="0">
   <p:cSld>
     <p:spTree>
       <p:nvGrpSpPr>
-        <p:cNvPr id="117" name="Shape 117"/>
+        <p:cNvPr id="1" name="Shape 117"/>
         <p:cNvGrpSpPr/>
         <p:nvPr/>
       </p:nvGrpSpPr>
@@ -3112,9 +3258,11 @@
       <p:sp>
         <p:nvSpPr>
           <p:cNvPr id="118" name="Google Shape;118;g21edbe654ae_1_20:notes"/>
-          <p:cNvSpPr/>
+          <p:cNvSpPr>
+            <a:spLocks noGrp="1" noRot="1" noChangeAspect="1"/>
+          </p:cNvSpPr>
           <p:nvPr>
-            <p:ph idx="2" type="sldImg"/>
+            <p:ph type="sldImg" idx="2"/>
           </p:nvPr>
         </p:nvSpPr>
         <p:spPr>
@@ -3123,9 +3271,13 @@
             <a:ext cx="6096000" cy="3429000"/>
           </a:xfrm>
           <a:custGeom>
-            <a:rect b="b" l="l" r="r" t="t"/>
+            <a:avLst/>
+            <a:gdLst/>
+            <a:ahLst/>
+            <a:cxnLst/>
+            <a:rect l="l" t="t" r="r" b="b"/>
             <a:pathLst>
-              <a:path extrusionOk="0" h="120000" w="120000">
+              <a:path w="120000" h="120000" extrusionOk="0">
                 <a:moveTo>
                   <a:pt x="0" y="0"/>
                 </a:moveTo>
@@ -3147,9 +3299,11 @@
       <p:sp>
         <p:nvSpPr>
           <p:cNvPr id="119" name="Google Shape;119;g21edbe654ae_1_20:notes"/>
-          <p:cNvSpPr txBox="1"/>
+          <p:cNvSpPr txBox="1">
+            <a:spLocks noGrp="1"/>
+          </p:cNvSpPr>
           <p:nvPr>
-            <p:ph idx="1" type="body"/>
+            <p:ph type="body" idx="1"/>
           </p:nvPr>
         </p:nvSpPr>
         <p:spPr>
@@ -3162,23 +3316,20 @@
           </a:prstGeom>
         </p:spPr>
         <p:txBody>
-          <a:bodyPr anchorCtr="0" anchor="t" bIns="91425" lIns="91425" spcFirstLastPara="1" rIns="91425" wrap="square" tIns="91425">
+          <a:bodyPr spcFirstLastPara="1" wrap="square" lIns="91425" tIns="91425" rIns="91425" bIns="91425" anchor="t" anchorCtr="0">
             <a:noAutofit/>
           </a:bodyPr>
           <a:lstStyle/>
           <a:p>
-            <a:pPr indent="0" lvl="0" marL="0" rtl="0" algn="l">
-              <a:spcBef>
-                <a:spcPts val="0"/>
-              </a:spcBef>
-              <a:spcAft>
-                <a:spcPts val="0"/>
-              </a:spcAft>
-              <a:buNone/>
-            </a:pPr>
-            <a:r>
-              <a:t/>
-            </a:r>
+            <a:pPr marL="0" lvl="0" indent="0" algn="l" rtl="0">
+              <a:spcBef>
+                <a:spcPts val="0"/>
+              </a:spcBef>
+              <a:spcAft>
+                <a:spcPts val="0"/>
+              </a:spcAft>
+              <a:buNone/>
+            </a:pPr>
             <a:endParaRPr/>
           </a:p>
         </p:txBody>
@@ -3192,11 +3343,11 @@
 </file>
 
 <file path=ppt/notesSlides/notesSlide9.xml><?xml version="1.0" encoding="utf-8"?>
-<p:notes xmlns:a="http://schemas.openxmlformats.org/drawingml/2006/main" xmlns:r="http://schemas.openxmlformats.org/officeDocument/2006/relationships" xmlns:mc="http://schemas.openxmlformats.org/markup-compatibility/2006" xmlns:mv="urn:schemas-microsoft-com:mac:vml" xmlns:p="http://schemas.openxmlformats.org/presentationml/2006/main" xmlns:c="http://schemas.openxmlformats.org/drawingml/2006/chart" xmlns:dgm="http://schemas.openxmlformats.org/drawingml/2006/diagram" xmlns:o="urn:schemas-microsoft-com:office:office" xmlns:v="urn:schemas-microsoft-com:vml" xmlns:pvml="urn:schemas-microsoft-com:office:powerpoint" xmlns:com="http://schemas.openxmlformats.org/drawingml/2006/compatibility" xmlns:p14="http://schemas.microsoft.com/office/powerpoint/2010/main" xmlns:p15="http://schemas.microsoft.com/office/powerpoint/2012/main" xmlns:ahyp="http://schemas.microsoft.com/office/drawing/2018/hyperlinkcolor" showMasterPhAnim="0" showMasterSp="0">
+<p:notes xmlns:a="http://schemas.openxmlformats.org/drawingml/2006/main" xmlns:r="http://schemas.openxmlformats.org/officeDocument/2006/relationships" xmlns:p="http://schemas.openxmlformats.org/presentationml/2006/main" showMasterSp="0" showMasterPhAnim="0">
   <p:cSld>
     <p:spTree>
       <p:nvGrpSpPr>
-        <p:cNvPr id="126" name="Shape 126"/>
+        <p:cNvPr id="1" name="Shape 126"/>
         <p:cNvGrpSpPr/>
         <p:nvPr/>
       </p:nvGrpSpPr>
@@ -3211,9 +3362,11 @@
       <p:sp>
         <p:nvSpPr>
           <p:cNvPr id="127" name="Google Shape;127;g21edbe654ae_1_51:notes"/>
-          <p:cNvSpPr/>
+          <p:cNvSpPr>
+            <a:spLocks noGrp="1" noRot="1" noChangeAspect="1"/>
+          </p:cNvSpPr>
           <p:nvPr>
-            <p:ph idx="2" type="sldImg"/>
+            <p:ph type="sldImg" idx="2"/>
           </p:nvPr>
         </p:nvSpPr>
         <p:spPr>
@@ -3222,9 +3375,13 @@
             <a:ext cx="6096000" cy="3429000"/>
           </a:xfrm>
           <a:custGeom>
-            <a:rect b="b" l="l" r="r" t="t"/>
+            <a:avLst/>
+            <a:gdLst/>
+            <a:ahLst/>
+            <a:cxnLst/>
+            <a:rect l="l" t="t" r="r" b="b"/>
             <a:pathLst>
-              <a:path extrusionOk="0" h="120000" w="120000">
+              <a:path w="120000" h="120000" extrusionOk="0">
                 <a:moveTo>
                   <a:pt x="0" y="0"/>
                 </a:moveTo>
@@ -3246,9 +3403,11 @@
       <p:sp>
         <p:nvSpPr>
           <p:cNvPr id="128" name="Google Shape;128;g21edbe654ae_1_51:notes"/>
-          <p:cNvSpPr txBox="1"/>
+          <p:cNvSpPr txBox="1">
+            <a:spLocks noGrp="1"/>
+          </p:cNvSpPr>
           <p:nvPr>
-            <p:ph idx="1" type="body"/>
+            <p:ph type="body" idx="1"/>
           </p:nvPr>
         </p:nvSpPr>
         <p:spPr>
@@ -3261,23 +3420,20 @@
           </a:prstGeom>
         </p:spPr>
         <p:txBody>
-          <a:bodyPr anchorCtr="0" anchor="t" bIns="91425" lIns="91425" spcFirstLastPara="1" rIns="91425" wrap="square" tIns="91425">
+          <a:bodyPr spcFirstLastPara="1" wrap="square" lIns="91425" tIns="91425" rIns="91425" bIns="91425" anchor="t" anchorCtr="0">
             <a:noAutofit/>
           </a:bodyPr>
           <a:lstStyle/>
           <a:p>
-            <a:pPr indent="0" lvl="0" marL="0" rtl="0" algn="l">
-              <a:spcBef>
-                <a:spcPts val="0"/>
-              </a:spcBef>
-              <a:spcAft>
-                <a:spcPts val="0"/>
-              </a:spcAft>
-              <a:buNone/>
-            </a:pPr>
-            <a:r>
-              <a:t/>
-            </a:r>
+            <a:pPr marL="0" lvl="0" indent="0" algn="l" rtl="0">
+              <a:spcBef>
+                <a:spcPts val="0"/>
+              </a:spcBef>
+              <a:spcAft>
+                <a:spcPts val="0"/>
+              </a:spcAft>
+              <a:buNone/>
+            </a:pPr>
             <a:endParaRPr/>
           </a:p>
         </p:txBody>
@@ -3291,11 +3447,11 @@
 </file>
 
 <file path=ppt/slideLayouts/slideLayout1.xml><?xml version="1.0" encoding="utf-8"?>
-<p:sldLayout xmlns:a="http://schemas.openxmlformats.org/drawingml/2006/main" xmlns:r="http://schemas.openxmlformats.org/officeDocument/2006/relationships" xmlns:mc="http://schemas.openxmlformats.org/markup-compatibility/2006" xmlns:mv="urn:schemas-microsoft-com:mac:vml" xmlns:p="http://schemas.openxmlformats.org/presentationml/2006/main" xmlns:c="http://schemas.openxmlformats.org/drawingml/2006/chart" xmlns:dgm="http://schemas.openxmlformats.org/drawingml/2006/diagram" xmlns:o="urn:schemas-microsoft-com:office:office" xmlns:v="urn:schemas-microsoft-com:vml" xmlns:pvml="urn:schemas-microsoft-com:office:powerpoint" xmlns:com="http://schemas.openxmlformats.org/drawingml/2006/compatibility" xmlns:p14="http://schemas.microsoft.com/office/powerpoint/2010/main" xmlns:p15="http://schemas.microsoft.com/office/powerpoint/2012/main" xmlns:ahyp="http://schemas.microsoft.com/office/drawing/2018/hyperlinkcolor" matchingName="Title slide" type="title">
+<p:sldLayout xmlns:a="http://schemas.openxmlformats.org/drawingml/2006/main" xmlns:r="http://schemas.openxmlformats.org/officeDocument/2006/relationships" xmlns:p="http://schemas.openxmlformats.org/presentationml/2006/main" matchingName="Title slide" type="title">
   <p:cSld name="TITLE">
     <p:spTree>
       <p:nvGrpSpPr>
-        <p:cNvPr id="9" name="Shape 9"/>
+        <p:cNvPr id="1" name="Shape 9"/>
         <p:cNvGrpSpPr/>
         <p:nvPr/>
       </p:nvGrpSpPr>
@@ -3329,23 +3485,20 @@
           </a:ln>
         </p:spPr>
         <p:txBody>
-          <a:bodyPr anchorCtr="0" anchor="ctr" bIns="91425" lIns="91425" spcFirstLastPara="1" rIns="91425" wrap="square" tIns="91425">
+          <a:bodyPr spcFirstLastPara="1" wrap="square" lIns="91425" tIns="91425" rIns="91425" bIns="91425" anchor="ctr" anchorCtr="0">
             <a:noAutofit/>
           </a:bodyPr>
           <a:lstStyle/>
           <a:p>
-            <a:pPr indent="0" lvl="0" marL="0" rtl="0" algn="l">
-              <a:spcBef>
-                <a:spcPts val="0"/>
-              </a:spcBef>
-              <a:spcAft>
-                <a:spcPts val="0"/>
-              </a:spcAft>
-              <a:buNone/>
-            </a:pPr>
-            <a:r>
-              <a:t/>
-            </a:r>
+            <a:pPr marL="0" lvl="0" indent="0" algn="l" rtl="0">
+              <a:spcBef>
+                <a:spcPts val="0"/>
+              </a:spcBef>
+              <a:spcAft>
+                <a:spcPts val="0"/>
+              </a:spcAft>
+              <a:buNone/>
+            </a:pPr>
             <a:endParaRPr/>
           </a:p>
         </p:txBody>
@@ -3363,7 +3516,7 @@
           </a:xfrm>
           <a:prstGeom prst="round1Rect">
             <a:avLst>
-              <a:gd fmla="val 16667" name="adj"/>
+              <a:gd name="adj" fmla="val 16667"/>
             </a:avLst>
           </a:prstGeom>
           <a:solidFill>
@@ -3376,23 +3529,20 @@
           </a:ln>
         </p:spPr>
         <p:txBody>
-          <a:bodyPr anchorCtr="0" anchor="ctr" bIns="91425" lIns="91425" spcFirstLastPara="1" rIns="91425" wrap="square" tIns="91425">
+          <a:bodyPr spcFirstLastPara="1" wrap="square" lIns="91425" tIns="91425" rIns="91425" bIns="91425" anchor="ctr" anchorCtr="0">
             <a:noAutofit/>
           </a:bodyPr>
           <a:lstStyle/>
           <a:p>
-            <a:pPr indent="0" lvl="0" marL="0" rtl="0" algn="l">
-              <a:spcBef>
-                <a:spcPts val="0"/>
-              </a:spcBef>
-              <a:spcAft>
-                <a:spcPts val="0"/>
-              </a:spcAft>
-              <a:buNone/>
-            </a:pPr>
-            <a:r>
-              <a:t/>
-            </a:r>
+            <a:pPr marL="0" lvl="0" indent="0" algn="l" rtl="0">
+              <a:spcBef>
+                <a:spcPts val="0"/>
+              </a:spcBef>
+              <a:spcAft>
+                <a:spcPts val="0"/>
+              </a:spcAft>
+              <a:buNone/>
+            </a:pPr>
             <a:endParaRPr/>
           </a:p>
         </p:txBody>
@@ -3400,7 +3550,9 @@
       <p:sp>
         <p:nvSpPr>
           <p:cNvPr id="12" name="Google Shape;12;p2"/>
-          <p:cNvSpPr txBox="1"/>
+          <p:cNvSpPr txBox="1">
+            <a:spLocks noGrp="1"/>
+          </p:cNvSpPr>
           <p:nvPr>
             <p:ph type="ctrTitle"/>
           </p:nvPr>
@@ -3415,7 +3567,7 @@
           </a:prstGeom>
         </p:spPr>
         <p:txBody>
-          <a:bodyPr anchorCtr="0" anchor="b" bIns="91425" lIns="91425" spcFirstLastPara="1" rIns="91425" wrap="square" tIns="91425">
+          <a:bodyPr spcFirstLastPara="1" wrap="square" lIns="91425" tIns="91425" rIns="91425" bIns="91425" anchor="b" anchorCtr="0">
             <a:noAutofit/>
           </a:bodyPr>
           <a:lstStyle>
@@ -3519,15 +3671,19 @@
               <a:defRPr sz="4800"/>
             </a:lvl9pPr>
           </a:lstStyle>
-          <a:p/>
+          <a:p>
+            <a:endParaRPr/>
+          </a:p>
         </p:txBody>
       </p:sp>
       <p:sp>
         <p:nvSpPr>
           <p:cNvPr id="13" name="Google Shape;13;p2"/>
-          <p:cNvSpPr txBox="1"/>
+          <p:cNvSpPr txBox="1">
+            <a:spLocks noGrp="1"/>
+          </p:cNvSpPr>
           <p:nvPr>
-            <p:ph idx="1" type="subTitle"/>
+            <p:ph type="subTitle" idx="1"/>
           </p:nvPr>
         </p:nvSpPr>
         <p:spPr>
@@ -3540,7 +3696,7 @@
           </a:prstGeom>
         </p:spPr>
         <p:txBody>
-          <a:bodyPr anchorCtr="0" anchor="t" bIns="91425" lIns="91425" spcFirstLastPara="1" rIns="91425" wrap="square" tIns="91425">
+          <a:bodyPr spcFirstLastPara="1" wrap="square" lIns="91425" tIns="91425" rIns="91425" bIns="91425" anchor="t" anchorCtr="0">
             <a:noAutofit/>
           </a:bodyPr>
           <a:lstStyle>
@@ -3734,15 +3890,19 @@
               </a:defRPr>
             </a:lvl9pPr>
           </a:lstStyle>
-          <a:p/>
+          <a:p>
+            <a:endParaRPr/>
+          </a:p>
         </p:txBody>
       </p:sp>
       <p:sp>
         <p:nvSpPr>
           <p:cNvPr id="14" name="Google Shape;14;p2"/>
-          <p:cNvSpPr txBox="1"/>
+          <p:cNvSpPr txBox="1">
+            <a:spLocks noGrp="1"/>
+          </p:cNvSpPr>
           <p:nvPr>
-            <p:ph idx="12" type="sldNum"/>
+            <p:ph type="sldNum" idx="12"/>
           </p:nvPr>
         </p:nvSpPr>
         <p:spPr>
@@ -3755,7 +3915,7 @@
           </a:prstGeom>
         </p:spPr>
         <p:txBody>
-          <a:bodyPr anchorCtr="0" anchor="ctr" bIns="91425" lIns="91425" spcFirstLastPara="1" rIns="91425" wrap="square" tIns="91425">
+          <a:bodyPr spcFirstLastPara="1" wrap="square" lIns="91425" tIns="91425" rIns="91425" bIns="91425" anchor="ctr" anchorCtr="0">
             <a:noAutofit/>
           </a:bodyPr>
           <a:lstStyle>
@@ -3797,7 +3957,7 @@
             </a:lvl9pPr>
           </a:lstStyle>
           <a:p>
-            <a:pPr indent="0" lvl="0" marL="0" rtl="0" algn="r">
+            <a:pPr marL="0" lvl="0" indent="0" algn="r" rtl="0">
               <a:spcBef>
                 <a:spcPts val="0"/>
               </a:spcBef>
@@ -3823,18 +3983,19 @@
 </file>
 
 <file path=ppt/slideLayouts/slideLayout10.xml><?xml version="1.0" encoding="utf-8"?>
-<p:sldLayout xmlns:a="http://schemas.openxmlformats.org/drawingml/2006/main" xmlns:r="http://schemas.openxmlformats.org/officeDocument/2006/relationships" xmlns:mc="http://schemas.openxmlformats.org/markup-compatibility/2006" xmlns:mv="urn:schemas-microsoft-com:mac:vml" xmlns:p="http://schemas.openxmlformats.org/presentationml/2006/main" xmlns:c="http://schemas.openxmlformats.org/drawingml/2006/chart" xmlns:dgm="http://schemas.openxmlformats.org/drawingml/2006/diagram" xmlns:o="urn:schemas-microsoft-com:office:office" xmlns:v="urn:schemas-microsoft-com:vml" xmlns:pvml="urn:schemas-microsoft-com:office:powerpoint" xmlns:com="http://schemas.openxmlformats.org/drawingml/2006/compatibility" xmlns:p14="http://schemas.microsoft.com/office/powerpoint/2010/main" xmlns:p15="http://schemas.microsoft.com/office/powerpoint/2012/main" xmlns:ahyp="http://schemas.microsoft.com/office/drawing/2018/hyperlinkcolor" matchingName="Big number">
+<p:sldLayout xmlns:a="http://schemas.openxmlformats.org/drawingml/2006/main" xmlns:r="http://schemas.openxmlformats.org/officeDocument/2006/relationships" xmlns:p="http://schemas.openxmlformats.org/presentationml/2006/main" matchingName="Big number">
   <p:cSld name="BIG_NUMBER">
     <p:bg>
       <p:bgPr>
         <a:solidFill>
           <a:schemeClr val="accent4"/>
         </a:solidFill>
+        <a:effectLst/>
       </p:bgPr>
     </p:bg>
     <p:spTree>
       <p:nvGrpSpPr>
-        <p:cNvPr id="57" name="Shape 57"/>
+        <p:cNvPr id="1" name="Shape 57"/>
         <p:cNvGrpSpPr/>
         <p:nvPr/>
       </p:nvGrpSpPr>
@@ -3849,9 +4010,11 @@
       <p:sp>
         <p:nvSpPr>
           <p:cNvPr id="58" name="Google Shape;58;p11"/>
-          <p:cNvSpPr txBox="1"/>
+          <p:cNvSpPr txBox="1">
+            <a:spLocks noGrp="1"/>
+          </p:cNvSpPr>
           <p:nvPr>
-            <p:ph hasCustomPrompt="1" type="title"/>
+            <p:ph type="title" hasCustomPrompt="1"/>
           </p:nvPr>
         </p:nvSpPr>
         <p:spPr>
@@ -3864,11 +4027,11 @@
           </a:prstGeom>
         </p:spPr>
         <p:txBody>
-          <a:bodyPr anchorCtr="0" anchor="b" bIns="91425" lIns="91425" spcFirstLastPara="1" rIns="91425" wrap="square" tIns="91425">
+          <a:bodyPr spcFirstLastPara="1" wrap="square" lIns="91425" tIns="91425" rIns="91425" bIns="91425" anchor="b" anchorCtr="0">
             <a:noAutofit/>
           </a:bodyPr>
           <a:lstStyle>
-            <a:lvl1pPr lvl="0" rtl="0" algn="ctr">
+            <a:lvl1pPr lvl="0" algn="ctr" rtl="0">
               <a:spcBef>
                 <a:spcPts val="0"/>
               </a:spcBef>
@@ -3886,7 +4049,7 @@
                 </a:solidFill>
               </a:defRPr>
             </a:lvl1pPr>
-            <a:lvl2pPr lvl="1" rtl="0" algn="ctr">
+            <a:lvl2pPr lvl="1" algn="ctr" rtl="0">
               <a:spcBef>
                 <a:spcPts val="0"/>
               </a:spcBef>
@@ -3904,7 +4067,7 @@
                 </a:solidFill>
               </a:defRPr>
             </a:lvl2pPr>
-            <a:lvl3pPr lvl="2" rtl="0" algn="ctr">
+            <a:lvl3pPr lvl="2" algn="ctr" rtl="0">
               <a:spcBef>
                 <a:spcPts val="0"/>
               </a:spcBef>
@@ -3922,7 +4085,7 @@
                 </a:solidFill>
               </a:defRPr>
             </a:lvl3pPr>
-            <a:lvl4pPr lvl="3" rtl="0" algn="ctr">
+            <a:lvl4pPr lvl="3" algn="ctr" rtl="0">
               <a:spcBef>
                 <a:spcPts val="0"/>
               </a:spcBef>
@@ -3940,7 +4103,7 @@
                 </a:solidFill>
               </a:defRPr>
             </a:lvl4pPr>
-            <a:lvl5pPr lvl="4" rtl="0" algn="ctr">
+            <a:lvl5pPr lvl="4" algn="ctr" rtl="0">
               <a:spcBef>
                 <a:spcPts val="0"/>
               </a:spcBef>
@@ -3958,7 +4121,7 @@
                 </a:solidFill>
               </a:defRPr>
             </a:lvl5pPr>
-            <a:lvl6pPr lvl="5" rtl="0" algn="ctr">
+            <a:lvl6pPr lvl="5" algn="ctr" rtl="0">
               <a:spcBef>
                 <a:spcPts val="0"/>
               </a:spcBef>
@@ -3976,7 +4139,7 @@
                 </a:solidFill>
               </a:defRPr>
             </a:lvl6pPr>
-            <a:lvl7pPr lvl="6" rtl="0" algn="ctr">
+            <a:lvl7pPr lvl="6" algn="ctr" rtl="0">
               <a:spcBef>
                 <a:spcPts val="0"/>
               </a:spcBef>
@@ -3994,7 +4157,7 @@
                 </a:solidFill>
               </a:defRPr>
             </a:lvl7pPr>
-            <a:lvl8pPr lvl="7" rtl="0" algn="ctr">
+            <a:lvl8pPr lvl="7" algn="ctr" rtl="0">
               <a:spcBef>
                 <a:spcPts val="0"/>
               </a:spcBef>
@@ -4012,7 +4175,7 @@
                 </a:solidFill>
               </a:defRPr>
             </a:lvl8pPr>
-            <a:lvl9pPr lvl="8" rtl="0" algn="ctr">
+            <a:lvl9pPr lvl="8" algn="ctr" rtl="0">
               <a:spcBef>
                 <a:spcPts val="0"/>
               </a:spcBef>
@@ -4041,9 +4204,11 @@
       <p:sp>
         <p:nvSpPr>
           <p:cNvPr id="59" name="Google Shape;59;p11"/>
-          <p:cNvSpPr txBox="1"/>
+          <p:cNvSpPr txBox="1">
+            <a:spLocks noGrp="1"/>
+          </p:cNvSpPr>
           <p:nvPr>
-            <p:ph idx="1" type="body"/>
+            <p:ph type="body" idx="1"/>
           </p:nvPr>
         </p:nvSpPr>
         <p:spPr>
@@ -4056,11 +4221,11 @@
           </a:prstGeom>
         </p:spPr>
         <p:txBody>
-          <a:bodyPr anchorCtr="0" anchor="t" bIns="91425" lIns="91425" spcFirstLastPara="1" rIns="91425" wrap="square" tIns="91425">
+          <a:bodyPr spcFirstLastPara="1" wrap="square" lIns="91425" tIns="91425" rIns="91425" bIns="91425" anchor="t" anchorCtr="0">
             <a:noAutofit/>
           </a:bodyPr>
           <a:lstStyle>
-            <a:lvl1pPr indent="-342900" lvl="0" marL="457200" rtl="0" algn="ctr">
+            <a:lvl1pPr marL="457200" lvl="0" indent="-342900" algn="ctr" rtl="0">
               <a:spcBef>
                 <a:spcPts val="0"/>
               </a:spcBef>
@@ -4071,7 +4236,7 @@
               <a:buChar char="●"/>
               <a:defRPr/>
             </a:lvl1pPr>
-            <a:lvl2pPr indent="-317500" lvl="1" marL="914400" rtl="0" algn="ctr">
+            <a:lvl2pPr marL="914400" lvl="1" indent="-317500" algn="ctr" rtl="0">
               <a:spcBef>
                 <a:spcPts val="1600"/>
               </a:spcBef>
@@ -4082,7 +4247,7 @@
               <a:buChar char="○"/>
               <a:defRPr/>
             </a:lvl2pPr>
-            <a:lvl3pPr indent="-317500" lvl="2" marL="1371600" rtl="0" algn="ctr">
+            <a:lvl3pPr marL="1371600" lvl="2" indent="-317500" algn="ctr" rtl="0">
               <a:spcBef>
                 <a:spcPts val="1600"/>
               </a:spcBef>
@@ -4093,7 +4258,7 @@
               <a:buChar char="■"/>
               <a:defRPr/>
             </a:lvl3pPr>
-            <a:lvl4pPr indent="-317500" lvl="3" marL="1828800" rtl="0" algn="ctr">
+            <a:lvl4pPr marL="1828800" lvl="3" indent="-317500" algn="ctr" rtl="0">
               <a:spcBef>
                 <a:spcPts val="1600"/>
               </a:spcBef>
@@ -4104,7 +4269,7 @@
               <a:buChar char="●"/>
               <a:defRPr/>
             </a:lvl4pPr>
-            <a:lvl5pPr indent="-317500" lvl="4" marL="2286000" rtl="0" algn="ctr">
+            <a:lvl5pPr marL="2286000" lvl="4" indent="-317500" algn="ctr" rtl="0">
               <a:spcBef>
                 <a:spcPts val="1600"/>
               </a:spcBef>
@@ -4115,7 +4280,7 @@
               <a:buChar char="○"/>
               <a:defRPr/>
             </a:lvl5pPr>
-            <a:lvl6pPr indent="-317500" lvl="5" marL="2743200" rtl="0" algn="ctr">
+            <a:lvl6pPr marL="2743200" lvl="5" indent="-317500" algn="ctr" rtl="0">
               <a:spcBef>
                 <a:spcPts val="1600"/>
               </a:spcBef>
@@ -4126,7 +4291,7 @@
               <a:buChar char="■"/>
               <a:defRPr/>
             </a:lvl6pPr>
-            <a:lvl7pPr indent="-317500" lvl="6" marL="3200400" rtl="0" algn="ctr">
+            <a:lvl7pPr marL="3200400" lvl="6" indent="-317500" algn="ctr" rtl="0">
               <a:spcBef>
                 <a:spcPts val="1600"/>
               </a:spcBef>
@@ -4137,7 +4302,7 @@
               <a:buChar char="●"/>
               <a:defRPr/>
             </a:lvl7pPr>
-            <a:lvl8pPr indent="-317500" lvl="7" marL="3657600" rtl="0" algn="ctr">
+            <a:lvl8pPr marL="3657600" lvl="7" indent="-317500" algn="ctr" rtl="0">
               <a:spcBef>
                 <a:spcPts val="1600"/>
               </a:spcBef>
@@ -4148,7 +4313,7 @@
               <a:buChar char="○"/>
               <a:defRPr/>
             </a:lvl8pPr>
-            <a:lvl9pPr indent="-317500" lvl="8" marL="4114800" rtl="0" algn="ctr">
+            <a:lvl9pPr marL="4114800" lvl="8" indent="-317500" algn="ctr" rtl="0">
               <a:spcBef>
                 <a:spcPts val="1600"/>
               </a:spcBef>
@@ -4160,15 +4325,19 @@
               <a:defRPr/>
             </a:lvl9pPr>
           </a:lstStyle>
-          <a:p/>
+          <a:p>
+            <a:endParaRPr/>
+          </a:p>
         </p:txBody>
       </p:sp>
       <p:sp>
         <p:nvSpPr>
           <p:cNvPr id="60" name="Google Shape;60;p11"/>
-          <p:cNvSpPr txBox="1"/>
+          <p:cNvSpPr txBox="1">
+            <a:spLocks noGrp="1"/>
+          </p:cNvSpPr>
           <p:nvPr>
-            <p:ph idx="12" type="sldNum"/>
+            <p:ph type="sldNum" idx="12"/>
           </p:nvPr>
         </p:nvSpPr>
         <p:spPr>
@@ -4181,7 +4350,7 @@
           </a:prstGeom>
         </p:spPr>
         <p:txBody>
-          <a:bodyPr anchorCtr="0" anchor="ctr" bIns="91425" lIns="91425" spcFirstLastPara="1" rIns="91425" wrap="square" tIns="91425">
+          <a:bodyPr spcFirstLastPara="1" wrap="square" lIns="91425" tIns="91425" rIns="91425" bIns="91425" anchor="ctr" anchorCtr="0">
             <a:noAutofit/>
           </a:bodyPr>
           <a:lstStyle>
@@ -4223,7 +4392,7 @@
             </a:lvl9pPr>
           </a:lstStyle>
           <a:p>
-            <a:pPr indent="0" lvl="0" marL="0" rtl="0" algn="r">
+            <a:pPr marL="0" lvl="0" indent="0" algn="r" rtl="0">
               <a:spcBef>
                 <a:spcPts val="0"/>
               </a:spcBef>
@@ -4249,18 +4418,19 @@
 </file>
 
 <file path=ppt/slideLayouts/slideLayout11.xml><?xml version="1.0" encoding="utf-8"?>
-<p:sldLayout xmlns:a="http://schemas.openxmlformats.org/drawingml/2006/main" xmlns:r="http://schemas.openxmlformats.org/officeDocument/2006/relationships" xmlns:mc="http://schemas.openxmlformats.org/markup-compatibility/2006" xmlns:mv="urn:schemas-microsoft-com:mac:vml" xmlns:p="http://schemas.openxmlformats.org/presentationml/2006/main" xmlns:c="http://schemas.openxmlformats.org/drawingml/2006/chart" xmlns:dgm="http://schemas.openxmlformats.org/drawingml/2006/diagram" xmlns:o="urn:schemas-microsoft-com:office:office" xmlns:v="urn:schemas-microsoft-com:vml" xmlns:pvml="urn:schemas-microsoft-com:office:powerpoint" xmlns:com="http://schemas.openxmlformats.org/drawingml/2006/compatibility" xmlns:p14="http://schemas.microsoft.com/office/powerpoint/2010/main" xmlns:p15="http://schemas.microsoft.com/office/powerpoint/2012/main" xmlns:ahyp="http://schemas.microsoft.com/office/drawing/2018/hyperlinkcolor" matchingName="Blank" type="blank">
+<p:sldLayout xmlns:a="http://schemas.openxmlformats.org/drawingml/2006/main" xmlns:r="http://schemas.openxmlformats.org/officeDocument/2006/relationships" xmlns:p="http://schemas.openxmlformats.org/presentationml/2006/main" matchingName="Blank" type="blank">
   <p:cSld name="BLANK">
     <p:bg>
       <p:bgPr>
         <a:solidFill>
           <a:schemeClr val="accent4"/>
         </a:solidFill>
+        <a:effectLst/>
       </p:bgPr>
     </p:bg>
     <p:spTree>
       <p:nvGrpSpPr>
-        <p:cNvPr id="61" name="Shape 61"/>
+        <p:cNvPr id="1" name="Shape 61"/>
         <p:cNvGrpSpPr/>
         <p:nvPr/>
       </p:nvGrpSpPr>
@@ -4275,9 +4445,11 @@
       <p:sp>
         <p:nvSpPr>
           <p:cNvPr id="62" name="Google Shape;62;p12"/>
-          <p:cNvSpPr txBox="1"/>
+          <p:cNvSpPr txBox="1">
+            <a:spLocks noGrp="1"/>
+          </p:cNvSpPr>
           <p:nvPr>
-            <p:ph idx="12" type="sldNum"/>
+            <p:ph type="sldNum" idx="12"/>
           </p:nvPr>
         </p:nvSpPr>
         <p:spPr>
@@ -4290,7 +4462,7 @@
           </a:prstGeom>
         </p:spPr>
         <p:txBody>
-          <a:bodyPr anchorCtr="0" anchor="ctr" bIns="91425" lIns="91425" spcFirstLastPara="1" rIns="91425" wrap="square" tIns="91425">
+          <a:bodyPr spcFirstLastPara="1" wrap="square" lIns="91425" tIns="91425" rIns="91425" bIns="91425" anchor="ctr" anchorCtr="0">
             <a:noAutofit/>
           </a:bodyPr>
           <a:lstStyle>
@@ -4332,7 +4504,7 @@
             </a:lvl9pPr>
           </a:lstStyle>
           <a:p>
-            <a:pPr indent="0" lvl="0" marL="0" rtl="0" algn="r">
+            <a:pPr marL="0" lvl="0" indent="0" algn="r" rtl="0">
               <a:spcBef>
                 <a:spcPts val="0"/>
               </a:spcBef>
@@ -4358,11 +4530,11 @@
 </file>
 
 <file path=ppt/slideLayouts/slideLayout2.xml><?xml version="1.0" encoding="utf-8"?>
-<p:sldLayout xmlns:a="http://schemas.openxmlformats.org/drawingml/2006/main" xmlns:r="http://schemas.openxmlformats.org/officeDocument/2006/relationships" xmlns:mc="http://schemas.openxmlformats.org/markup-compatibility/2006" xmlns:mv="urn:schemas-microsoft-com:mac:vml" xmlns:p="http://schemas.openxmlformats.org/presentationml/2006/main" xmlns:c="http://schemas.openxmlformats.org/drawingml/2006/chart" xmlns:dgm="http://schemas.openxmlformats.org/drawingml/2006/diagram" xmlns:o="urn:schemas-microsoft-com:office:office" xmlns:v="urn:schemas-microsoft-com:vml" xmlns:pvml="urn:schemas-microsoft-com:office:powerpoint" xmlns:com="http://schemas.openxmlformats.org/drawingml/2006/compatibility" xmlns:p14="http://schemas.microsoft.com/office/powerpoint/2010/main" xmlns:p15="http://schemas.microsoft.com/office/powerpoint/2012/main" xmlns:ahyp="http://schemas.microsoft.com/office/drawing/2018/hyperlinkcolor" matchingName="Section header" type="secHead">
+<p:sldLayout xmlns:a="http://schemas.openxmlformats.org/drawingml/2006/main" xmlns:r="http://schemas.openxmlformats.org/officeDocument/2006/relationships" xmlns:p="http://schemas.openxmlformats.org/presentationml/2006/main" matchingName="Section header" type="secHead">
   <p:cSld name="SECTION_HEADER">
     <p:spTree>
       <p:nvGrpSpPr>
-        <p:cNvPr id="15" name="Shape 15"/>
+        <p:cNvPr id="1" name="Shape 15"/>
         <p:cNvGrpSpPr/>
         <p:nvPr/>
       </p:nvGrpSpPr>
@@ -4377,7 +4549,9 @@
       <p:sp>
         <p:nvSpPr>
           <p:cNvPr id="16" name="Google Shape;16;p3"/>
-          <p:cNvSpPr txBox="1"/>
+          <p:cNvSpPr txBox="1">
+            <a:spLocks noGrp="1"/>
+          </p:cNvSpPr>
           <p:nvPr>
             <p:ph type="title"/>
           </p:nvPr>
@@ -4392,7 +4566,7 @@
           </a:prstGeom>
         </p:spPr>
         <p:txBody>
-          <a:bodyPr anchorCtr="0" anchor="ctr" bIns="91425" lIns="91425" spcFirstLastPara="1" rIns="91425" wrap="square" tIns="91425">
+          <a:bodyPr spcFirstLastPara="1" wrap="square" lIns="91425" tIns="91425" rIns="91425" bIns="91425" anchor="ctr" anchorCtr="0">
             <a:noAutofit/>
           </a:bodyPr>
           <a:lstStyle>
@@ -4496,15 +4670,19 @@
               <a:defRPr sz="4200"/>
             </a:lvl9pPr>
           </a:lstStyle>
-          <a:p/>
+          <a:p>
+            <a:endParaRPr/>
+          </a:p>
         </p:txBody>
       </p:sp>
       <p:sp>
         <p:nvSpPr>
           <p:cNvPr id="17" name="Google Shape;17;p3"/>
-          <p:cNvSpPr txBox="1"/>
+          <p:cNvSpPr txBox="1">
+            <a:spLocks noGrp="1"/>
+          </p:cNvSpPr>
           <p:nvPr>
-            <p:ph idx="12" type="sldNum"/>
+            <p:ph type="sldNum" idx="12"/>
           </p:nvPr>
         </p:nvSpPr>
         <p:spPr>
@@ -4517,7 +4695,7 @@
           </a:prstGeom>
         </p:spPr>
         <p:txBody>
-          <a:bodyPr anchorCtr="0" anchor="ctr" bIns="91425" lIns="91425" spcFirstLastPara="1" rIns="91425" wrap="square" tIns="91425">
+          <a:bodyPr spcFirstLastPara="1" wrap="square" lIns="91425" tIns="91425" rIns="91425" bIns="91425" anchor="ctr" anchorCtr="0">
             <a:noAutofit/>
           </a:bodyPr>
           <a:lstStyle>
@@ -4595,7 +4773,7 @@
             </a:lvl9pPr>
           </a:lstStyle>
           <a:p>
-            <a:pPr indent="0" lvl="0" marL="0" rtl="0" algn="r">
+            <a:pPr marL="0" lvl="0" indent="0" algn="r" rtl="0">
               <a:spcBef>
                 <a:spcPts val="0"/>
               </a:spcBef>
@@ -4621,11 +4799,11 @@
 </file>
 
 <file path=ppt/slideLayouts/slideLayout3.xml><?xml version="1.0" encoding="utf-8"?>
-<p:sldLayout xmlns:a="http://schemas.openxmlformats.org/drawingml/2006/main" xmlns:r="http://schemas.openxmlformats.org/officeDocument/2006/relationships" xmlns:mc="http://schemas.openxmlformats.org/markup-compatibility/2006" xmlns:mv="urn:schemas-microsoft-com:mac:vml" xmlns:p="http://schemas.openxmlformats.org/presentationml/2006/main" xmlns:c="http://schemas.openxmlformats.org/drawingml/2006/chart" xmlns:dgm="http://schemas.openxmlformats.org/drawingml/2006/diagram" xmlns:o="urn:schemas-microsoft-com:office:office" xmlns:v="urn:schemas-microsoft-com:vml" xmlns:pvml="urn:schemas-microsoft-com:office:powerpoint" xmlns:com="http://schemas.openxmlformats.org/drawingml/2006/compatibility" xmlns:p14="http://schemas.microsoft.com/office/powerpoint/2010/main" xmlns:p15="http://schemas.microsoft.com/office/powerpoint/2012/main" xmlns:ahyp="http://schemas.microsoft.com/office/drawing/2018/hyperlinkcolor" matchingName="Title and body" type="tx">
+<p:sldLayout xmlns:a="http://schemas.openxmlformats.org/drawingml/2006/main" xmlns:r="http://schemas.openxmlformats.org/officeDocument/2006/relationships" xmlns:p="http://schemas.openxmlformats.org/presentationml/2006/main" matchingName="Title and body" type="tx">
   <p:cSld name="TITLE_AND_BODY">
     <p:spTree>
       <p:nvGrpSpPr>
-        <p:cNvPr id="18" name="Shape 18"/>
+        <p:cNvPr id="1" name="Shape 18"/>
         <p:cNvGrpSpPr/>
         <p:nvPr/>
       </p:nvGrpSpPr>
@@ -4644,7 +4822,7 @@
           <p:nvPr/>
         </p:nvSpPr>
         <p:spPr>
-          <a:xfrm flipH="1" rot="10800000">
+          <a:xfrm rot="10800000" flipH="1">
             <a:off x="0" y="1686000"/>
             <a:ext cx="9144000" cy="3457500"/>
           </a:xfrm>
@@ -4659,23 +4837,20 @@
           </a:ln>
         </p:spPr>
         <p:txBody>
-          <a:bodyPr anchorCtr="0" anchor="ctr" bIns="91425" lIns="91425" spcFirstLastPara="1" rIns="91425" wrap="square" tIns="91425">
+          <a:bodyPr spcFirstLastPara="1" wrap="square" lIns="91425" tIns="91425" rIns="91425" bIns="91425" anchor="ctr" anchorCtr="0">
             <a:noAutofit/>
           </a:bodyPr>
           <a:lstStyle/>
           <a:p>
-            <a:pPr indent="0" lvl="0" marL="0" rtl="0" algn="l">
-              <a:spcBef>
-                <a:spcPts val="0"/>
-              </a:spcBef>
-              <a:spcAft>
-                <a:spcPts val="0"/>
-              </a:spcAft>
-              <a:buNone/>
-            </a:pPr>
-            <a:r>
-              <a:t/>
-            </a:r>
+            <a:pPr marL="0" lvl="0" indent="0" algn="l" rtl="0">
+              <a:spcBef>
+                <a:spcPts val="0"/>
+              </a:spcBef>
+              <a:spcAft>
+                <a:spcPts val="0"/>
+              </a:spcAft>
+              <a:buNone/>
+            </a:pPr>
             <a:endParaRPr/>
           </a:p>
         </p:txBody>
@@ -4716,23 +4891,20 @@
           </a:ln>
         </p:spPr>
         <p:txBody>
-          <a:bodyPr anchorCtr="0" anchor="ctr" bIns="91425" lIns="91425" spcFirstLastPara="1" rIns="91425" wrap="square" tIns="91425">
+          <a:bodyPr spcFirstLastPara="1" wrap="square" lIns="91425" tIns="91425" rIns="91425" bIns="91425" anchor="ctr" anchorCtr="0">
             <a:noAutofit/>
           </a:bodyPr>
           <a:lstStyle/>
           <a:p>
-            <a:pPr indent="0" lvl="0" marL="0" rtl="0" algn="l">
-              <a:spcBef>
-                <a:spcPts val="0"/>
-              </a:spcBef>
-              <a:spcAft>
-                <a:spcPts val="0"/>
-              </a:spcAft>
-              <a:buNone/>
-            </a:pPr>
-            <a:r>
-              <a:t/>
-            </a:r>
+            <a:pPr marL="0" lvl="0" indent="0" algn="l" rtl="0">
+              <a:spcBef>
+                <a:spcPts val="0"/>
+              </a:spcBef>
+              <a:spcAft>
+                <a:spcPts val="0"/>
+              </a:spcAft>
+              <a:buNone/>
+            </a:pPr>
             <a:endParaRPr/>
           </a:p>
         </p:txBody>
@@ -4740,7 +4912,9 @@
       <p:sp>
         <p:nvSpPr>
           <p:cNvPr id="21" name="Google Shape;21;p4"/>
-          <p:cNvSpPr txBox="1"/>
+          <p:cNvSpPr txBox="1">
+            <a:spLocks noGrp="1"/>
+          </p:cNvSpPr>
           <p:nvPr>
             <p:ph type="title"/>
           </p:nvPr>
@@ -4755,7 +4929,7 @@
           </a:prstGeom>
         </p:spPr>
         <p:txBody>
-          <a:bodyPr anchorCtr="0" anchor="b" bIns="91425" lIns="91425" spcFirstLastPara="1" rIns="91425" wrap="square" tIns="91425">
+          <a:bodyPr spcFirstLastPara="1" wrap="square" lIns="91425" tIns="91425" rIns="91425" bIns="91425" anchor="b" anchorCtr="0">
             <a:noAutofit/>
           </a:bodyPr>
           <a:lstStyle>
@@ -4859,15 +5033,19 @@
               <a:defRPr/>
             </a:lvl9pPr>
           </a:lstStyle>
-          <a:p/>
+          <a:p>
+            <a:endParaRPr/>
+          </a:p>
         </p:txBody>
       </p:sp>
       <p:sp>
         <p:nvSpPr>
           <p:cNvPr id="22" name="Google Shape;22;p4"/>
-          <p:cNvSpPr txBox="1"/>
+          <p:cNvSpPr txBox="1">
+            <a:spLocks noGrp="1"/>
+          </p:cNvSpPr>
           <p:nvPr>
-            <p:ph idx="1" type="body"/>
+            <p:ph type="body" idx="1"/>
           </p:nvPr>
         </p:nvSpPr>
         <p:spPr>
@@ -4880,11 +5058,11 @@
           </a:prstGeom>
         </p:spPr>
         <p:txBody>
-          <a:bodyPr anchorCtr="0" anchor="t" bIns="91425" lIns="91425" spcFirstLastPara="1" rIns="91425" wrap="square" tIns="91425">
+          <a:bodyPr spcFirstLastPara="1" wrap="square" lIns="91425" tIns="91425" rIns="91425" bIns="91425" anchor="t" anchorCtr="0">
             <a:noAutofit/>
           </a:bodyPr>
           <a:lstStyle>
-            <a:lvl1pPr indent="-342900" lvl="0" marL="457200" rtl="0">
+            <a:lvl1pPr marL="457200" lvl="0" indent="-342900" rtl="0">
               <a:spcBef>
                 <a:spcPts val="0"/>
               </a:spcBef>
@@ -4895,7 +5073,7 @@
               <a:buChar char="●"/>
               <a:defRPr/>
             </a:lvl1pPr>
-            <a:lvl2pPr indent="-317500" lvl="1" marL="914400" rtl="0">
+            <a:lvl2pPr marL="914400" lvl="1" indent="-317500" rtl="0">
               <a:spcBef>
                 <a:spcPts val="1600"/>
               </a:spcBef>
@@ -4906,7 +5084,7 @@
               <a:buChar char="○"/>
               <a:defRPr/>
             </a:lvl2pPr>
-            <a:lvl3pPr indent="-317500" lvl="2" marL="1371600" rtl="0">
+            <a:lvl3pPr marL="1371600" lvl="2" indent="-317500" rtl="0">
               <a:spcBef>
                 <a:spcPts val="1600"/>
               </a:spcBef>
@@ -4917,7 +5095,7 @@
               <a:buChar char="■"/>
               <a:defRPr/>
             </a:lvl3pPr>
-            <a:lvl4pPr indent="-317500" lvl="3" marL="1828800" rtl="0">
+            <a:lvl4pPr marL="1828800" lvl="3" indent="-317500" rtl="0">
               <a:spcBef>
                 <a:spcPts val="1600"/>
               </a:spcBef>
@@ -4928,7 +5106,7 @@
               <a:buChar char="●"/>
               <a:defRPr/>
             </a:lvl4pPr>
-            <a:lvl5pPr indent="-317500" lvl="4" marL="2286000" rtl="0">
+            <a:lvl5pPr marL="2286000" lvl="4" indent="-317500" rtl="0">
               <a:spcBef>
                 <a:spcPts val="1600"/>
               </a:spcBef>
@@ -4939,7 +5117,7 @@
               <a:buChar char="○"/>
               <a:defRPr/>
             </a:lvl5pPr>
-            <a:lvl6pPr indent="-317500" lvl="5" marL="2743200" rtl="0">
+            <a:lvl6pPr marL="2743200" lvl="5" indent="-317500" rtl="0">
               <a:spcBef>
                 <a:spcPts val="1600"/>
               </a:spcBef>
@@ -4950,7 +5128,7 @@
               <a:buChar char="■"/>
               <a:defRPr/>
             </a:lvl6pPr>
-            <a:lvl7pPr indent="-317500" lvl="6" marL="3200400" rtl="0">
+            <a:lvl7pPr marL="3200400" lvl="6" indent="-317500" rtl="0">
               <a:spcBef>
                 <a:spcPts val="1600"/>
               </a:spcBef>
@@ -4961,7 +5139,7 @@
               <a:buChar char="●"/>
               <a:defRPr/>
             </a:lvl7pPr>
-            <a:lvl8pPr indent="-317500" lvl="7" marL="3657600" rtl="0">
+            <a:lvl8pPr marL="3657600" lvl="7" indent="-317500" rtl="0">
               <a:spcBef>
                 <a:spcPts val="1600"/>
               </a:spcBef>
@@ -4972,7 +5150,7 @@
               <a:buChar char="○"/>
               <a:defRPr/>
             </a:lvl8pPr>
-            <a:lvl9pPr indent="-317500" lvl="8" marL="4114800" rtl="0">
+            <a:lvl9pPr marL="4114800" lvl="8" indent="-317500" rtl="0">
               <a:spcBef>
                 <a:spcPts val="1600"/>
               </a:spcBef>
@@ -4984,15 +5162,19 @@
               <a:defRPr/>
             </a:lvl9pPr>
           </a:lstStyle>
-          <a:p/>
+          <a:p>
+            <a:endParaRPr/>
+          </a:p>
         </p:txBody>
       </p:sp>
       <p:sp>
         <p:nvSpPr>
           <p:cNvPr id="23" name="Google Shape;23;p4"/>
-          <p:cNvSpPr txBox="1"/>
+          <p:cNvSpPr txBox="1">
+            <a:spLocks noGrp="1"/>
+          </p:cNvSpPr>
           <p:nvPr>
-            <p:ph idx="12" type="sldNum"/>
+            <p:ph type="sldNum" idx="12"/>
           </p:nvPr>
         </p:nvSpPr>
         <p:spPr>
@@ -5005,7 +5187,7 @@
           </a:prstGeom>
         </p:spPr>
         <p:txBody>
-          <a:bodyPr anchorCtr="0" anchor="ctr" bIns="91425" lIns="91425" spcFirstLastPara="1" rIns="91425" wrap="square" tIns="91425">
+          <a:bodyPr spcFirstLastPara="1" wrap="square" lIns="91425" tIns="91425" rIns="91425" bIns="91425" anchor="ctr" anchorCtr="0">
             <a:noAutofit/>
           </a:bodyPr>
           <a:lstStyle>
@@ -5047,7 +5229,7 @@
             </a:lvl9pPr>
           </a:lstStyle>
           <a:p>
-            <a:pPr indent="0" lvl="0" marL="0" rtl="0" algn="r">
+            <a:pPr marL="0" lvl="0" indent="0" algn="r" rtl="0">
               <a:spcBef>
                 <a:spcPts val="0"/>
               </a:spcBef>
@@ -5073,11 +5255,11 @@
 </file>
 
 <file path=ppt/slideLayouts/slideLayout4.xml><?xml version="1.0" encoding="utf-8"?>
-<p:sldLayout xmlns:a="http://schemas.openxmlformats.org/drawingml/2006/main" xmlns:r="http://schemas.openxmlformats.org/officeDocument/2006/relationships" xmlns:mc="http://schemas.openxmlformats.org/markup-compatibility/2006" xmlns:mv="urn:schemas-microsoft-com:mac:vml" xmlns:p="http://schemas.openxmlformats.org/presentationml/2006/main" xmlns:c="http://schemas.openxmlformats.org/drawingml/2006/chart" xmlns:dgm="http://schemas.openxmlformats.org/drawingml/2006/diagram" xmlns:o="urn:schemas-microsoft-com:office:office" xmlns:v="urn:schemas-microsoft-com:vml" xmlns:pvml="urn:schemas-microsoft-com:office:powerpoint" xmlns:com="http://schemas.openxmlformats.org/drawingml/2006/compatibility" xmlns:p14="http://schemas.microsoft.com/office/powerpoint/2010/main" xmlns:p15="http://schemas.microsoft.com/office/powerpoint/2012/main" xmlns:ahyp="http://schemas.microsoft.com/office/drawing/2018/hyperlinkcolor" matchingName="Title and two columns" type="twoColTx">
+<p:sldLayout xmlns:a="http://schemas.openxmlformats.org/drawingml/2006/main" xmlns:r="http://schemas.openxmlformats.org/officeDocument/2006/relationships" xmlns:p="http://schemas.openxmlformats.org/presentationml/2006/main" matchingName="Title and two columns" type="twoColTx">
   <p:cSld name="TITLE_AND_TWO_COLUMNS">
     <p:spTree>
       <p:nvGrpSpPr>
-        <p:cNvPr id="24" name="Shape 24"/>
+        <p:cNvPr id="1" name="Shape 24"/>
         <p:cNvGrpSpPr/>
         <p:nvPr/>
       </p:nvGrpSpPr>
@@ -5096,7 +5278,7 @@
           <p:nvPr/>
         </p:nvSpPr>
         <p:spPr>
-          <a:xfrm flipH="1" rot="10800000">
+          <a:xfrm rot="10800000" flipH="1">
             <a:off x="0" y="1686000"/>
             <a:ext cx="9144000" cy="3457500"/>
           </a:xfrm>
@@ -5111,23 +5293,20 @@
           </a:ln>
         </p:spPr>
         <p:txBody>
-          <a:bodyPr anchorCtr="0" anchor="ctr" bIns="91425" lIns="91425" spcFirstLastPara="1" rIns="91425" wrap="square" tIns="91425">
+          <a:bodyPr spcFirstLastPara="1" wrap="square" lIns="91425" tIns="91425" rIns="91425" bIns="91425" anchor="ctr" anchorCtr="0">
             <a:noAutofit/>
           </a:bodyPr>
           <a:lstStyle/>
           <a:p>
-            <a:pPr indent="0" lvl="0" marL="0" rtl="0" algn="l">
-              <a:spcBef>
-                <a:spcPts val="0"/>
-              </a:spcBef>
-              <a:spcAft>
-                <a:spcPts val="0"/>
-              </a:spcAft>
-              <a:buNone/>
-            </a:pPr>
-            <a:r>
-              <a:t/>
-            </a:r>
+            <a:pPr marL="0" lvl="0" indent="0" algn="l" rtl="0">
+              <a:spcBef>
+                <a:spcPts val="0"/>
+              </a:spcBef>
+              <a:spcAft>
+                <a:spcPts val="0"/>
+              </a:spcAft>
+              <a:buNone/>
+            </a:pPr>
             <a:endParaRPr/>
           </a:p>
         </p:txBody>
@@ -5168,23 +5347,20 @@
           </a:ln>
         </p:spPr>
         <p:txBody>
-          <a:bodyPr anchorCtr="0" anchor="ctr" bIns="91425" lIns="91425" spcFirstLastPara="1" rIns="91425" wrap="square" tIns="91425">
+          <a:bodyPr spcFirstLastPara="1" wrap="square" lIns="91425" tIns="91425" rIns="91425" bIns="91425" anchor="ctr" anchorCtr="0">
             <a:noAutofit/>
           </a:bodyPr>
           <a:lstStyle/>
           <a:p>
-            <a:pPr indent="0" lvl="0" marL="0" rtl="0" algn="l">
-              <a:spcBef>
-                <a:spcPts val="0"/>
-              </a:spcBef>
-              <a:spcAft>
-                <a:spcPts val="0"/>
-              </a:spcAft>
-              <a:buNone/>
-            </a:pPr>
-            <a:r>
-              <a:t/>
-            </a:r>
+            <a:pPr marL="0" lvl="0" indent="0" algn="l" rtl="0">
+              <a:spcBef>
+                <a:spcPts val="0"/>
+              </a:spcBef>
+              <a:spcAft>
+                <a:spcPts val="0"/>
+              </a:spcAft>
+              <a:buNone/>
+            </a:pPr>
             <a:endParaRPr/>
           </a:p>
         </p:txBody>
@@ -5192,7 +5368,9 @@
       <p:sp>
         <p:nvSpPr>
           <p:cNvPr id="27" name="Google Shape;27;p5"/>
-          <p:cNvSpPr txBox="1"/>
+          <p:cNvSpPr txBox="1">
+            <a:spLocks noGrp="1"/>
+          </p:cNvSpPr>
           <p:nvPr>
             <p:ph type="title"/>
           </p:nvPr>
@@ -5207,7 +5385,7 @@
           </a:prstGeom>
         </p:spPr>
         <p:txBody>
-          <a:bodyPr anchorCtr="0" anchor="b" bIns="91425" lIns="91425" spcFirstLastPara="1" rIns="91425" wrap="square" tIns="91425">
+          <a:bodyPr spcFirstLastPara="1" wrap="square" lIns="91425" tIns="91425" rIns="91425" bIns="91425" anchor="b" anchorCtr="0">
             <a:noAutofit/>
           </a:bodyPr>
           <a:lstStyle>
@@ -5311,15 +5489,19 @@
               <a:defRPr/>
             </a:lvl9pPr>
           </a:lstStyle>
-          <a:p/>
+          <a:p>
+            <a:endParaRPr/>
+          </a:p>
         </p:txBody>
       </p:sp>
       <p:sp>
         <p:nvSpPr>
           <p:cNvPr id="28" name="Google Shape;28;p5"/>
-          <p:cNvSpPr txBox="1"/>
+          <p:cNvSpPr txBox="1">
+            <a:spLocks noGrp="1"/>
+          </p:cNvSpPr>
           <p:nvPr>
-            <p:ph idx="1" type="body"/>
+            <p:ph type="body" idx="1"/>
           </p:nvPr>
         </p:nvSpPr>
         <p:spPr>
@@ -5332,11 +5514,11 @@
           </a:prstGeom>
         </p:spPr>
         <p:txBody>
-          <a:bodyPr anchorCtr="0" anchor="t" bIns="91425" lIns="91425" spcFirstLastPara="1" rIns="91425" wrap="square" tIns="91425">
+          <a:bodyPr spcFirstLastPara="1" wrap="square" lIns="91425" tIns="91425" rIns="91425" bIns="91425" anchor="t" anchorCtr="0">
             <a:noAutofit/>
           </a:bodyPr>
           <a:lstStyle>
-            <a:lvl1pPr indent="-317500" lvl="0" marL="457200" rtl="0">
+            <a:lvl1pPr marL="457200" lvl="0" indent="-317500" rtl="0">
               <a:spcBef>
                 <a:spcPts val="0"/>
               </a:spcBef>
@@ -5347,7 +5529,7 @@
               <a:buChar char="●"/>
               <a:defRPr sz="1400"/>
             </a:lvl1pPr>
-            <a:lvl2pPr indent="-304800" lvl="1" marL="914400" rtl="0">
+            <a:lvl2pPr marL="914400" lvl="1" indent="-304800" rtl="0">
               <a:spcBef>
                 <a:spcPts val="1600"/>
               </a:spcBef>
@@ -5358,7 +5540,7 @@
               <a:buChar char="○"/>
               <a:defRPr sz="1200"/>
             </a:lvl2pPr>
-            <a:lvl3pPr indent="-304800" lvl="2" marL="1371600" rtl="0">
+            <a:lvl3pPr marL="1371600" lvl="2" indent="-304800" rtl="0">
               <a:spcBef>
                 <a:spcPts val="1600"/>
               </a:spcBef>
@@ -5369,7 +5551,7 @@
               <a:buChar char="■"/>
               <a:defRPr sz="1200"/>
             </a:lvl3pPr>
-            <a:lvl4pPr indent="-304800" lvl="3" marL="1828800" rtl="0">
+            <a:lvl4pPr marL="1828800" lvl="3" indent="-304800" rtl="0">
               <a:spcBef>
                 <a:spcPts val="1600"/>
               </a:spcBef>
@@ -5380,7 +5562,7 @@
               <a:buChar char="●"/>
               <a:defRPr sz="1200"/>
             </a:lvl4pPr>
-            <a:lvl5pPr indent="-304800" lvl="4" marL="2286000" rtl="0">
+            <a:lvl5pPr marL="2286000" lvl="4" indent="-304800" rtl="0">
               <a:spcBef>
                 <a:spcPts val="1600"/>
               </a:spcBef>
@@ -5391,7 +5573,7 @@
               <a:buChar char="○"/>
               <a:defRPr sz="1200"/>
             </a:lvl5pPr>
-            <a:lvl6pPr indent="-304800" lvl="5" marL="2743200" rtl="0">
+            <a:lvl6pPr marL="2743200" lvl="5" indent="-304800" rtl="0">
               <a:spcBef>
                 <a:spcPts val="1600"/>
               </a:spcBef>
@@ -5402,7 +5584,7 @@
               <a:buChar char="■"/>
               <a:defRPr sz="1200"/>
             </a:lvl6pPr>
-            <a:lvl7pPr indent="-304800" lvl="6" marL="3200400" rtl="0">
+            <a:lvl7pPr marL="3200400" lvl="6" indent="-304800" rtl="0">
               <a:spcBef>
                 <a:spcPts val="1600"/>
               </a:spcBef>
@@ -5413,7 +5595,7 @@
               <a:buChar char="●"/>
               <a:defRPr sz="1200"/>
             </a:lvl7pPr>
-            <a:lvl8pPr indent="-304800" lvl="7" marL="3657600" rtl="0">
+            <a:lvl8pPr marL="3657600" lvl="7" indent="-304800" rtl="0">
               <a:spcBef>
                 <a:spcPts val="1600"/>
               </a:spcBef>
@@ -5424,7 +5606,7 @@
               <a:buChar char="○"/>
               <a:defRPr sz="1200"/>
             </a:lvl8pPr>
-            <a:lvl9pPr indent="-304800" lvl="8" marL="4114800" rtl="0">
+            <a:lvl9pPr marL="4114800" lvl="8" indent="-304800" rtl="0">
               <a:spcBef>
                 <a:spcPts val="1600"/>
               </a:spcBef>
@@ -5436,15 +5618,19 @@
               <a:defRPr sz="1200"/>
             </a:lvl9pPr>
           </a:lstStyle>
-          <a:p/>
+          <a:p>
+            <a:endParaRPr/>
+          </a:p>
         </p:txBody>
       </p:sp>
       <p:sp>
         <p:nvSpPr>
           <p:cNvPr id="29" name="Google Shape;29;p5"/>
-          <p:cNvSpPr txBox="1"/>
+          <p:cNvSpPr txBox="1">
+            <a:spLocks noGrp="1"/>
+          </p:cNvSpPr>
           <p:nvPr>
-            <p:ph idx="2" type="body"/>
+            <p:ph type="body" idx="2"/>
           </p:nvPr>
         </p:nvSpPr>
         <p:spPr>
@@ -5457,11 +5643,11 @@
           </a:prstGeom>
         </p:spPr>
         <p:txBody>
-          <a:bodyPr anchorCtr="0" anchor="t" bIns="91425" lIns="91425" spcFirstLastPara="1" rIns="91425" wrap="square" tIns="91425">
+          <a:bodyPr spcFirstLastPara="1" wrap="square" lIns="91425" tIns="91425" rIns="91425" bIns="91425" anchor="t" anchorCtr="0">
             <a:noAutofit/>
           </a:bodyPr>
           <a:lstStyle>
-            <a:lvl1pPr indent="-317500" lvl="0" marL="457200" rtl="0">
+            <a:lvl1pPr marL="457200" lvl="0" indent="-317500" rtl="0">
               <a:spcBef>
                 <a:spcPts val="0"/>
               </a:spcBef>
@@ -5472,7 +5658,7 @@
               <a:buChar char="●"/>
               <a:defRPr sz="1400"/>
             </a:lvl1pPr>
-            <a:lvl2pPr indent="-304800" lvl="1" marL="914400" rtl="0">
+            <a:lvl2pPr marL="914400" lvl="1" indent="-304800" rtl="0">
               <a:spcBef>
                 <a:spcPts val="1600"/>
               </a:spcBef>
@@ -5483,7 +5669,7 @@
               <a:buChar char="○"/>
               <a:defRPr sz="1200"/>
             </a:lvl2pPr>
-            <a:lvl3pPr indent="-304800" lvl="2" marL="1371600" rtl="0">
+            <a:lvl3pPr marL="1371600" lvl="2" indent="-304800" rtl="0">
               <a:spcBef>
                 <a:spcPts val="1600"/>
               </a:spcBef>
@@ -5494,7 +5680,7 @@
               <a:buChar char="■"/>
               <a:defRPr sz="1200"/>
             </a:lvl3pPr>
-            <a:lvl4pPr indent="-304800" lvl="3" marL="1828800" rtl="0">
+            <a:lvl4pPr marL="1828800" lvl="3" indent="-304800" rtl="0">
               <a:spcBef>
                 <a:spcPts val="1600"/>
               </a:spcBef>
@@ -5505,7 +5691,7 @@
               <a:buChar char="●"/>
               <a:defRPr sz="1200"/>
             </a:lvl4pPr>
-            <a:lvl5pPr indent="-304800" lvl="4" marL="2286000" rtl="0">
+            <a:lvl5pPr marL="2286000" lvl="4" indent="-304800" rtl="0">
               <a:spcBef>
                 <a:spcPts val="1600"/>
               </a:spcBef>
@@ -5516,7 +5702,7 @@
               <a:buChar char="○"/>
               <a:defRPr sz="1200"/>
             </a:lvl5pPr>
-            <a:lvl6pPr indent="-304800" lvl="5" marL="2743200" rtl="0">
+            <a:lvl6pPr marL="2743200" lvl="5" indent="-304800" rtl="0">
               <a:spcBef>
                 <a:spcPts val="1600"/>
               </a:spcBef>
@@ -5527,7 +5713,7 @@
               <a:buChar char="■"/>
               <a:defRPr sz="1200"/>
             </a:lvl6pPr>
-            <a:lvl7pPr indent="-304800" lvl="6" marL="3200400" rtl="0">
+            <a:lvl7pPr marL="3200400" lvl="6" indent="-304800" rtl="0">
               <a:spcBef>
                 <a:spcPts val="1600"/>
               </a:spcBef>
@@ -5538,7 +5724,7 @@
               <a:buChar char="●"/>
               <a:defRPr sz="1200"/>
             </a:lvl7pPr>
-            <a:lvl8pPr indent="-304800" lvl="7" marL="3657600" rtl="0">
+            <a:lvl8pPr marL="3657600" lvl="7" indent="-304800" rtl="0">
               <a:spcBef>
                 <a:spcPts val="1600"/>
               </a:spcBef>
@@ -5549,7 +5735,7 @@
               <a:buChar char="○"/>
               <a:defRPr sz="1200"/>
             </a:lvl8pPr>
-            <a:lvl9pPr indent="-304800" lvl="8" marL="4114800" rtl="0">
+            <a:lvl9pPr marL="4114800" lvl="8" indent="-304800" rtl="0">
               <a:spcBef>
                 <a:spcPts val="1600"/>
               </a:spcBef>
@@ -5561,15 +5747,19 @@
               <a:defRPr sz="1200"/>
             </a:lvl9pPr>
           </a:lstStyle>
-          <a:p/>
+          <a:p>
+            <a:endParaRPr/>
+          </a:p>
         </p:txBody>
       </p:sp>
       <p:sp>
         <p:nvSpPr>
           <p:cNvPr id="30" name="Google Shape;30;p5"/>
-          <p:cNvSpPr txBox="1"/>
+          <p:cNvSpPr txBox="1">
+            <a:spLocks noGrp="1"/>
+          </p:cNvSpPr>
           <p:nvPr>
-            <p:ph idx="12" type="sldNum"/>
+            <p:ph type="sldNum" idx="12"/>
           </p:nvPr>
         </p:nvSpPr>
         <p:spPr>
@@ -5582,7 +5772,7 @@
           </a:prstGeom>
         </p:spPr>
         <p:txBody>
-          <a:bodyPr anchorCtr="0" anchor="ctr" bIns="91425" lIns="91425" spcFirstLastPara="1" rIns="91425" wrap="square" tIns="91425">
+          <a:bodyPr spcFirstLastPara="1" wrap="square" lIns="91425" tIns="91425" rIns="91425" bIns="91425" anchor="ctr" anchorCtr="0">
             <a:noAutofit/>
           </a:bodyPr>
           <a:lstStyle>
@@ -5624,7 +5814,7 @@
             </a:lvl9pPr>
           </a:lstStyle>
           <a:p>
-            <a:pPr indent="0" lvl="0" marL="0" rtl="0" algn="r">
+            <a:pPr marL="0" lvl="0" indent="0" algn="r" rtl="0">
               <a:spcBef>
                 <a:spcPts val="0"/>
               </a:spcBef>
@@ -5650,11 +5840,11 @@
 </file>
 
 <file path=ppt/slideLayouts/slideLayout5.xml><?xml version="1.0" encoding="utf-8"?>
-<p:sldLayout xmlns:a="http://schemas.openxmlformats.org/drawingml/2006/main" xmlns:r="http://schemas.openxmlformats.org/officeDocument/2006/relationships" xmlns:mc="http://schemas.openxmlformats.org/markup-compatibility/2006" xmlns:mv="urn:schemas-microsoft-com:mac:vml" xmlns:p="http://schemas.openxmlformats.org/presentationml/2006/main" xmlns:c="http://schemas.openxmlformats.org/drawingml/2006/chart" xmlns:dgm="http://schemas.openxmlformats.org/drawingml/2006/diagram" xmlns:o="urn:schemas-microsoft-com:office:office" xmlns:v="urn:schemas-microsoft-com:vml" xmlns:pvml="urn:schemas-microsoft-com:office:powerpoint" xmlns:com="http://schemas.openxmlformats.org/drawingml/2006/compatibility" xmlns:p14="http://schemas.microsoft.com/office/powerpoint/2010/main" xmlns:p15="http://schemas.microsoft.com/office/powerpoint/2012/main" xmlns:ahyp="http://schemas.microsoft.com/office/drawing/2018/hyperlinkcolor" matchingName="Title only" type="titleOnly">
+<p:sldLayout xmlns:a="http://schemas.openxmlformats.org/drawingml/2006/main" xmlns:r="http://schemas.openxmlformats.org/officeDocument/2006/relationships" xmlns:p="http://schemas.openxmlformats.org/presentationml/2006/main" matchingName="Title only" type="titleOnly">
   <p:cSld name="TITLE_ONLY">
     <p:spTree>
       <p:nvGrpSpPr>
-        <p:cNvPr id="31" name="Shape 31"/>
+        <p:cNvPr id="1" name="Shape 31"/>
         <p:cNvGrpSpPr/>
         <p:nvPr/>
       </p:nvGrpSpPr>
@@ -5673,7 +5863,7 @@
           <p:nvPr/>
         </p:nvSpPr>
         <p:spPr>
-          <a:xfrm flipH="1" rot="10800000">
+          <a:xfrm rot="10800000" flipH="1">
             <a:off x="0" y="656400"/>
             <a:ext cx="9144000" cy="4487100"/>
           </a:xfrm>
@@ -5688,23 +5878,20 @@
           </a:ln>
         </p:spPr>
         <p:txBody>
-          <a:bodyPr anchorCtr="0" anchor="ctr" bIns="91425" lIns="91425" spcFirstLastPara="1" rIns="91425" wrap="square" tIns="91425">
+          <a:bodyPr spcFirstLastPara="1" wrap="square" lIns="91425" tIns="91425" rIns="91425" bIns="91425" anchor="ctr" anchorCtr="0">
             <a:noAutofit/>
           </a:bodyPr>
           <a:lstStyle/>
           <a:p>
-            <a:pPr indent="0" lvl="0" marL="0" rtl="0" algn="l">
-              <a:spcBef>
-                <a:spcPts val="0"/>
-              </a:spcBef>
-              <a:spcAft>
-                <a:spcPts val="0"/>
-              </a:spcAft>
-              <a:buNone/>
-            </a:pPr>
-            <a:r>
-              <a:t/>
-            </a:r>
+            <a:pPr marL="0" lvl="0" indent="0" algn="l" rtl="0">
+              <a:spcBef>
+                <a:spcPts val="0"/>
+              </a:spcBef>
+              <a:spcAft>
+                <a:spcPts val="0"/>
+              </a:spcAft>
+              <a:buNone/>
+            </a:pPr>
             <a:endParaRPr/>
           </a:p>
         </p:txBody>
@@ -5745,23 +5932,20 @@
           </a:ln>
         </p:spPr>
         <p:txBody>
-          <a:bodyPr anchorCtr="0" anchor="ctr" bIns="91425" lIns="91425" spcFirstLastPara="1" rIns="91425" wrap="square" tIns="91425">
+          <a:bodyPr spcFirstLastPara="1" wrap="square" lIns="91425" tIns="91425" rIns="91425" bIns="91425" anchor="ctr" anchorCtr="0">
             <a:noAutofit/>
           </a:bodyPr>
           <a:lstStyle/>
           <a:p>
-            <a:pPr indent="0" lvl="0" marL="0" rtl="0" algn="l">
-              <a:spcBef>
-                <a:spcPts val="0"/>
-              </a:spcBef>
-              <a:spcAft>
-                <a:spcPts val="0"/>
-              </a:spcAft>
-              <a:buNone/>
-            </a:pPr>
-            <a:r>
-              <a:t/>
-            </a:r>
+            <a:pPr marL="0" lvl="0" indent="0" algn="l" rtl="0">
+              <a:spcBef>
+                <a:spcPts val="0"/>
+              </a:spcBef>
+              <a:spcAft>
+                <a:spcPts val="0"/>
+              </a:spcAft>
+              <a:buNone/>
+            </a:pPr>
             <a:endParaRPr/>
           </a:p>
         </p:txBody>
@@ -5769,7 +5953,9 @@
       <p:sp>
         <p:nvSpPr>
           <p:cNvPr id="34" name="Google Shape;34;p6"/>
-          <p:cNvSpPr txBox="1"/>
+          <p:cNvSpPr txBox="1">
+            <a:spLocks noGrp="1"/>
+          </p:cNvSpPr>
           <p:nvPr>
             <p:ph type="title"/>
           </p:nvPr>
@@ -5784,7 +5970,7 @@
           </a:prstGeom>
         </p:spPr>
         <p:txBody>
-          <a:bodyPr anchorCtr="0" anchor="ctr" bIns="91425" lIns="91425" spcFirstLastPara="1" rIns="91425" wrap="square" tIns="91425">
+          <a:bodyPr spcFirstLastPara="1" wrap="square" lIns="91425" tIns="91425" rIns="91425" bIns="91425" anchor="ctr" anchorCtr="0">
             <a:noAutofit/>
           </a:bodyPr>
           <a:lstStyle>
@@ -5888,15 +6074,19 @@
               <a:defRPr sz="1800"/>
             </a:lvl9pPr>
           </a:lstStyle>
-          <a:p/>
+          <a:p>
+            <a:endParaRPr/>
+          </a:p>
         </p:txBody>
       </p:sp>
       <p:sp>
         <p:nvSpPr>
           <p:cNvPr id="35" name="Google Shape;35;p6"/>
-          <p:cNvSpPr txBox="1"/>
+          <p:cNvSpPr txBox="1">
+            <a:spLocks noGrp="1"/>
+          </p:cNvSpPr>
           <p:nvPr>
-            <p:ph idx="12" type="sldNum"/>
+            <p:ph type="sldNum" idx="12"/>
           </p:nvPr>
         </p:nvSpPr>
         <p:spPr>
@@ -5909,7 +6099,7 @@
           </a:prstGeom>
         </p:spPr>
         <p:txBody>
-          <a:bodyPr anchorCtr="0" anchor="ctr" bIns="91425" lIns="91425" spcFirstLastPara="1" rIns="91425" wrap="square" tIns="91425">
+          <a:bodyPr spcFirstLastPara="1" wrap="square" lIns="91425" tIns="91425" rIns="91425" bIns="91425" anchor="ctr" anchorCtr="0">
             <a:noAutofit/>
           </a:bodyPr>
           <a:lstStyle>
@@ -5951,7 +6141,7 @@
             </a:lvl9pPr>
           </a:lstStyle>
           <a:p>
-            <a:pPr indent="0" lvl="0" marL="0" rtl="0" algn="r">
+            <a:pPr marL="0" lvl="0" indent="0" algn="r" rtl="0">
               <a:spcBef>
                 <a:spcPts val="0"/>
               </a:spcBef>
@@ -5977,11 +6167,11 @@
 </file>
 
 <file path=ppt/slideLayouts/slideLayout6.xml><?xml version="1.0" encoding="utf-8"?>
-<p:sldLayout xmlns:a="http://schemas.openxmlformats.org/drawingml/2006/main" xmlns:r="http://schemas.openxmlformats.org/officeDocument/2006/relationships" xmlns:mc="http://schemas.openxmlformats.org/markup-compatibility/2006" xmlns:mv="urn:schemas-microsoft-com:mac:vml" xmlns:p="http://schemas.openxmlformats.org/presentationml/2006/main" xmlns:c="http://schemas.openxmlformats.org/drawingml/2006/chart" xmlns:dgm="http://schemas.openxmlformats.org/drawingml/2006/diagram" xmlns:o="urn:schemas-microsoft-com:office:office" xmlns:v="urn:schemas-microsoft-com:vml" xmlns:pvml="urn:schemas-microsoft-com:office:powerpoint" xmlns:com="http://schemas.openxmlformats.org/drawingml/2006/compatibility" xmlns:p14="http://schemas.microsoft.com/office/powerpoint/2010/main" xmlns:p15="http://schemas.microsoft.com/office/powerpoint/2012/main" xmlns:ahyp="http://schemas.microsoft.com/office/drawing/2018/hyperlinkcolor" matchingName="One column text">
+<p:sldLayout xmlns:a="http://schemas.openxmlformats.org/drawingml/2006/main" xmlns:r="http://schemas.openxmlformats.org/officeDocument/2006/relationships" xmlns:p="http://schemas.openxmlformats.org/presentationml/2006/main" matchingName="One column text">
   <p:cSld name="ONE_COLUMN_TEXT">
     <p:spTree>
       <p:nvGrpSpPr>
-        <p:cNvPr id="36" name="Shape 36"/>
+        <p:cNvPr id="1" name="Shape 36"/>
         <p:cNvGrpSpPr/>
         <p:nvPr/>
       </p:nvGrpSpPr>
@@ -6000,7 +6190,7 @@
           <p:nvPr/>
         </p:nvSpPr>
         <p:spPr>
-          <a:xfrm flipH="1" rot="10800000">
+          <a:xfrm rot="10800000" flipH="1">
             <a:off x="3276600" y="25"/>
             <a:ext cx="5867400" cy="5143500"/>
           </a:xfrm>
@@ -6015,23 +6205,20 @@
           </a:ln>
         </p:spPr>
         <p:txBody>
-          <a:bodyPr anchorCtr="0" anchor="ctr" bIns="91425" lIns="91425" spcFirstLastPara="1" rIns="91425" wrap="square" tIns="91425">
+          <a:bodyPr spcFirstLastPara="1" wrap="square" lIns="91425" tIns="91425" rIns="91425" bIns="91425" anchor="ctr" anchorCtr="0">
             <a:noAutofit/>
           </a:bodyPr>
           <a:lstStyle/>
           <a:p>
-            <a:pPr indent="0" lvl="0" marL="0" rtl="0" algn="l">
-              <a:spcBef>
-                <a:spcPts val="0"/>
-              </a:spcBef>
-              <a:spcAft>
-                <a:spcPts val="0"/>
-              </a:spcAft>
-              <a:buNone/>
-            </a:pPr>
-            <a:r>
-              <a:t/>
-            </a:r>
+            <a:pPr marL="0" lvl="0" indent="0" algn="l" rtl="0">
+              <a:spcBef>
+                <a:spcPts val="0"/>
+              </a:spcBef>
+              <a:spcAft>
+                <a:spcPts val="0"/>
+              </a:spcAft>
+              <a:buNone/>
+            </a:pPr>
             <a:endParaRPr/>
           </a:p>
         </p:txBody>
@@ -6072,23 +6259,20 @@
           </a:ln>
         </p:spPr>
         <p:txBody>
-          <a:bodyPr anchorCtr="0" anchor="ctr" bIns="91425" lIns="91425" spcFirstLastPara="1" rIns="91425" wrap="square" tIns="91425">
+          <a:bodyPr spcFirstLastPara="1" wrap="square" lIns="91425" tIns="91425" rIns="91425" bIns="91425" anchor="ctr" anchorCtr="0">
             <a:noAutofit/>
           </a:bodyPr>
           <a:lstStyle/>
           <a:p>
-            <a:pPr indent="0" lvl="0" marL="0" rtl="0" algn="l">
-              <a:spcBef>
-                <a:spcPts val="0"/>
-              </a:spcBef>
-              <a:spcAft>
-                <a:spcPts val="0"/>
-              </a:spcAft>
-              <a:buNone/>
-            </a:pPr>
-            <a:r>
-              <a:t/>
-            </a:r>
+            <a:pPr marL="0" lvl="0" indent="0" algn="l" rtl="0">
+              <a:spcBef>
+                <a:spcPts val="0"/>
+              </a:spcBef>
+              <a:spcAft>
+                <a:spcPts val="0"/>
+              </a:spcAft>
+              <a:buNone/>
+            </a:pPr>
             <a:endParaRPr/>
           </a:p>
         </p:txBody>
@@ -6096,7 +6280,9 @@
       <p:sp>
         <p:nvSpPr>
           <p:cNvPr id="39" name="Google Shape;39;p7"/>
-          <p:cNvSpPr txBox="1"/>
+          <p:cNvSpPr txBox="1">
+            <a:spLocks noGrp="1"/>
+          </p:cNvSpPr>
           <p:nvPr>
             <p:ph type="title"/>
           </p:nvPr>
@@ -6111,7 +6297,7 @@
           </a:prstGeom>
         </p:spPr>
         <p:txBody>
-          <a:bodyPr anchorCtr="0" anchor="b" bIns="91425" lIns="91425" spcFirstLastPara="1" rIns="91425" wrap="square" tIns="91425">
+          <a:bodyPr spcFirstLastPara="1" wrap="square" lIns="91425" tIns="91425" rIns="91425" bIns="91425" anchor="b" anchorCtr="0">
             <a:noAutofit/>
           </a:bodyPr>
           <a:lstStyle>
@@ -6215,15 +6401,19 @@
               <a:defRPr sz="2400"/>
             </a:lvl9pPr>
           </a:lstStyle>
-          <a:p/>
+          <a:p>
+            <a:endParaRPr/>
+          </a:p>
         </p:txBody>
       </p:sp>
       <p:sp>
         <p:nvSpPr>
           <p:cNvPr id="40" name="Google Shape;40;p7"/>
-          <p:cNvSpPr txBox="1"/>
+          <p:cNvSpPr txBox="1">
+            <a:spLocks noGrp="1"/>
+          </p:cNvSpPr>
           <p:nvPr>
-            <p:ph idx="1" type="body"/>
+            <p:ph type="body" idx="1"/>
           </p:nvPr>
         </p:nvSpPr>
         <p:spPr>
@@ -6236,11 +6426,11 @@
           </a:prstGeom>
         </p:spPr>
         <p:txBody>
-          <a:bodyPr anchorCtr="0" anchor="t" bIns="91425" lIns="91425" spcFirstLastPara="1" rIns="91425" wrap="square" tIns="91425">
+          <a:bodyPr spcFirstLastPara="1" wrap="square" lIns="91425" tIns="91425" rIns="91425" bIns="91425" anchor="t" anchorCtr="0">
             <a:noAutofit/>
           </a:bodyPr>
           <a:lstStyle>
-            <a:lvl1pPr indent="-304800" lvl="0" marL="457200" rtl="0">
+            <a:lvl1pPr marL="457200" lvl="0" indent="-304800" rtl="0">
               <a:spcBef>
                 <a:spcPts val="0"/>
               </a:spcBef>
@@ -6258,7 +6448,7 @@
                 </a:solidFill>
               </a:defRPr>
             </a:lvl1pPr>
-            <a:lvl2pPr indent="-304800" lvl="1" marL="914400" rtl="0">
+            <a:lvl2pPr marL="914400" lvl="1" indent="-304800" rtl="0">
               <a:spcBef>
                 <a:spcPts val="1600"/>
               </a:spcBef>
@@ -6276,7 +6466,7 @@
                 </a:solidFill>
               </a:defRPr>
             </a:lvl2pPr>
-            <a:lvl3pPr indent="-304800" lvl="2" marL="1371600" rtl="0">
+            <a:lvl3pPr marL="1371600" lvl="2" indent="-304800" rtl="0">
               <a:spcBef>
                 <a:spcPts val="1600"/>
               </a:spcBef>
@@ -6294,7 +6484,7 @@
                 </a:solidFill>
               </a:defRPr>
             </a:lvl3pPr>
-            <a:lvl4pPr indent="-304800" lvl="3" marL="1828800" rtl="0">
+            <a:lvl4pPr marL="1828800" lvl="3" indent="-304800" rtl="0">
               <a:spcBef>
                 <a:spcPts val="1600"/>
               </a:spcBef>
@@ -6312,7 +6502,7 @@
                 </a:solidFill>
               </a:defRPr>
             </a:lvl4pPr>
-            <a:lvl5pPr indent="-304800" lvl="4" marL="2286000" rtl="0">
+            <a:lvl5pPr marL="2286000" lvl="4" indent="-304800" rtl="0">
               <a:spcBef>
                 <a:spcPts val="1600"/>
               </a:spcBef>
@@ -6330,7 +6520,7 @@
                 </a:solidFill>
               </a:defRPr>
             </a:lvl5pPr>
-            <a:lvl6pPr indent="-304800" lvl="5" marL="2743200" rtl="0">
+            <a:lvl6pPr marL="2743200" lvl="5" indent="-304800" rtl="0">
               <a:spcBef>
                 <a:spcPts val="1600"/>
               </a:spcBef>
@@ -6348,7 +6538,7 @@
                 </a:solidFill>
               </a:defRPr>
             </a:lvl6pPr>
-            <a:lvl7pPr indent="-304800" lvl="6" marL="3200400" rtl="0">
+            <a:lvl7pPr marL="3200400" lvl="6" indent="-304800" rtl="0">
               <a:spcBef>
                 <a:spcPts val="1600"/>
               </a:spcBef>
@@ -6366,7 +6556,7 @@
                 </a:solidFill>
               </a:defRPr>
             </a:lvl7pPr>
-            <a:lvl8pPr indent="-304800" lvl="7" marL="3657600" rtl="0">
+            <a:lvl8pPr marL="3657600" lvl="7" indent="-304800" rtl="0">
               <a:spcBef>
                 <a:spcPts val="1600"/>
               </a:spcBef>
@@ -6384,7 +6574,7 @@
                 </a:solidFill>
               </a:defRPr>
             </a:lvl8pPr>
-            <a:lvl9pPr indent="-304800" lvl="8" marL="4114800" rtl="0">
+            <a:lvl9pPr marL="4114800" lvl="8" indent="-304800" rtl="0">
               <a:spcBef>
                 <a:spcPts val="1600"/>
               </a:spcBef>
@@ -6403,15 +6593,19 @@
               </a:defRPr>
             </a:lvl9pPr>
           </a:lstStyle>
-          <a:p/>
+          <a:p>
+            <a:endParaRPr/>
+          </a:p>
         </p:txBody>
       </p:sp>
       <p:sp>
         <p:nvSpPr>
           <p:cNvPr id="41" name="Google Shape;41;p7"/>
-          <p:cNvSpPr txBox="1"/>
+          <p:cNvSpPr txBox="1">
+            <a:spLocks noGrp="1"/>
+          </p:cNvSpPr>
           <p:nvPr>
-            <p:ph idx="12" type="sldNum"/>
+            <p:ph type="sldNum" idx="12"/>
           </p:nvPr>
         </p:nvSpPr>
         <p:spPr>
@@ -6424,7 +6618,7 @@
           </a:prstGeom>
         </p:spPr>
         <p:txBody>
-          <a:bodyPr anchorCtr="0" anchor="ctr" bIns="91425" lIns="91425" spcFirstLastPara="1" rIns="91425" wrap="square" tIns="91425">
+          <a:bodyPr spcFirstLastPara="1" wrap="square" lIns="91425" tIns="91425" rIns="91425" bIns="91425" anchor="ctr" anchorCtr="0">
             <a:noAutofit/>
           </a:bodyPr>
           <a:lstStyle>
@@ -6466,7 +6660,7 @@
             </a:lvl9pPr>
           </a:lstStyle>
           <a:p>
-            <a:pPr indent="0" lvl="0" marL="0" rtl="0" algn="r">
+            <a:pPr marL="0" lvl="0" indent="0" algn="r" rtl="0">
               <a:spcBef>
                 <a:spcPts val="0"/>
               </a:spcBef>
@@ -6492,11 +6686,11 @@
 </file>
 
 <file path=ppt/slideLayouts/slideLayout7.xml><?xml version="1.0" encoding="utf-8"?>
-<p:sldLayout xmlns:a="http://schemas.openxmlformats.org/drawingml/2006/main" xmlns:r="http://schemas.openxmlformats.org/officeDocument/2006/relationships" xmlns:mc="http://schemas.openxmlformats.org/markup-compatibility/2006" xmlns:mv="urn:schemas-microsoft-com:mac:vml" xmlns:p="http://schemas.openxmlformats.org/presentationml/2006/main" xmlns:c="http://schemas.openxmlformats.org/drawingml/2006/chart" xmlns:dgm="http://schemas.openxmlformats.org/drawingml/2006/diagram" xmlns:o="urn:schemas-microsoft-com:office:office" xmlns:v="urn:schemas-microsoft-com:vml" xmlns:pvml="urn:schemas-microsoft-com:office:powerpoint" xmlns:com="http://schemas.openxmlformats.org/drawingml/2006/compatibility" xmlns:p14="http://schemas.microsoft.com/office/powerpoint/2010/main" xmlns:p15="http://schemas.microsoft.com/office/powerpoint/2012/main" xmlns:ahyp="http://schemas.microsoft.com/office/drawing/2018/hyperlinkcolor" matchingName="Main point">
+<p:sldLayout xmlns:a="http://schemas.openxmlformats.org/drawingml/2006/main" xmlns:r="http://schemas.openxmlformats.org/officeDocument/2006/relationships" xmlns:p="http://schemas.openxmlformats.org/presentationml/2006/main" matchingName="Main point">
   <p:cSld name="MAIN_POINT">
     <p:spTree>
       <p:nvGrpSpPr>
-        <p:cNvPr id="42" name="Shape 42"/>
+        <p:cNvPr id="1" name="Shape 42"/>
         <p:cNvGrpSpPr/>
         <p:nvPr/>
       </p:nvGrpSpPr>
@@ -6511,7 +6705,9 @@
       <p:sp>
         <p:nvSpPr>
           <p:cNvPr id="43" name="Google Shape;43;p8"/>
-          <p:cNvSpPr txBox="1"/>
+          <p:cNvSpPr txBox="1">
+            <a:spLocks noGrp="1"/>
+          </p:cNvSpPr>
           <p:nvPr>
             <p:ph type="title"/>
           </p:nvPr>
@@ -6526,7 +6722,7 @@
           </a:prstGeom>
         </p:spPr>
         <p:txBody>
-          <a:bodyPr anchorCtr="0" anchor="ctr" bIns="91425" lIns="91425" spcFirstLastPara="1" rIns="91425" wrap="square" tIns="91425">
+          <a:bodyPr spcFirstLastPara="1" wrap="square" lIns="91425" tIns="91425" rIns="91425" bIns="91425" anchor="ctr" anchorCtr="0">
             <a:noAutofit/>
           </a:bodyPr>
           <a:lstStyle>
@@ -6630,15 +6826,19 @@
               <a:defRPr sz="6000"/>
             </a:lvl9pPr>
           </a:lstStyle>
-          <a:p/>
+          <a:p>
+            <a:endParaRPr/>
+          </a:p>
         </p:txBody>
       </p:sp>
       <p:sp>
         <p:nvSpPr>
           <p:cNvPr id="44" name="Google Shape;44;p8"/>
-          <p:cNvSpPr txBox="1"/>
+          <p:cNvSpPr txBox="1">
+            <a:spLocks noGrp="1"/>
+          </p:cNvSpPr>
           <p:nvPr>
-            <p:ph idx="12" type="sldNum"/>
+            <p:ph type="sldNum" idx="12"/>
           </p:nvPr>
         </p:nvSpPr>
         <p:spPr>
@@ -6651,7 +6851,7 @@
           </a:prstGeom>
         </p:spPr>
         <p:txBody>
-          <a:bodyPr anchorCtr="0" anchor="ctr" bIns="91425" lIns="91425" spcFirstLastPara="1" rIns="91425" wrap="square" tIns="91425">
+          <a:bodyPr spcFirstLastPara="1" wrap="square" lIns="91425" tIns="91425" rIns="91425" bIns="91425" anchor="ctr" anchorCtr="0">
             <a:noAutofit/>
           </a:bodyPr>
           <a:lstStyle>
@@ -6729,7 +6929,7 @@
             </a:lvl9pPr>
           </a:lstStyle>
           <a:p>
-            <a:pPr indent="0" lvl="0" marL="0" rtl="0" algn="r">
+            <a:pPr marL="0" lvl="0" indent="0" algn="r" rtl="0">
               <a:spcBef>
                 <a:spcPts val="0"/>
               </a:spcBef>
@@ -6755,11 +6955,11 @@
 </file>
 
 <file path=ppt/slideLayouts/slideLayout8.xml><?xml version="1.0" encoding="utf-8"?>
-<p:sldLayout xmlns:a="http://schemas.openxmlformats.org/drawingml/2006/main" xmlns:r="http://schemas.openxmlformats.org/officeDocument/2006/relationships" xmlns:mc="http://schemas.openxmlformats.org/markup-compatibility/2006" xmlns:mv="urn:schemas-microsoft-com:mac:vml" xmlns:p="http://schemas.openxmlformats.org/presentationml/2006/main" xmlns:c="http://schemas.openxmlformats.org/drawingml/2006/chart" xmlns:dgm="http://schemas.openxmlformats.org/drawingml/2006/diagram" xmlns:o="urn:schemas-microsoft-com:office:office" xmlns:v="urn:schemas-microsoft-com:vml" xmlns:pvml="urn:schemas-microsoft-com:office:powerpoint" xmlns:com="http://schemas.openxmlformats.org/drawingml/2006/compatibility" xmlns:p14="http://schemas.microsoft.com/office/powerpoint/2010/main" xmlns:p15="http://schemas.microsoft.com/office/powerpoint/2012/main" xmlns:ahyp="http://schemas.microsoft.com/office/drawing/2018/hyperlinkcolor" matchingName="Section title and description">
+<p:sldLayout xmlns:a="http://schemas.openxmlformats.org/drawingml/2006/main" xmlns:r="http://schemas.openxmlformats.org/officeDocument/2006/relationships" xmlns:p="http://schemas.openxmlformats.org/presentationml/2006/main" matchingName="Section title and description">
   <p:cSld name="SECTION_TITLE_AND_DESCRIPTION">
     <p:spTree>
       <p:nvGrpSpPr>
-        <p:cNvPr id="45" name="Shape 45"/>
+        <p:cNvPr id="1" name="Shape 45"/>
         <p:cNvGrpSpPr/>
         <p:nvPr/>
       </p:nvGrpSpPr>
@@ -6793,23 +6993,20 @@
           </a:ln>
         </p:spPr>
         <p:txBody>
-          <a:bodyPr anchorCtr="0" anchor="ctr" bIns="91425" lIns="91425" spcFirstLastPara="1" rIns="91425" wrap="square" tIns="91425">
+          <a:bodyPr spcFirstLastPara="1" wrap="square" lIns="91425" tIns="91425" rIns="91425" bIns="91425" anchor="ctr" anchorCtr="0">
             <a:noAutofit/>
           </a:bodyPr>
           <a:lstStyle/>
           <a:p>
-            <a:pPr indent="0" lvl="0" marL="0" rtl="0" algn="l">
-              <a:spcBef>
-                <a:spcPts val="0"/>
-              </a:spcBef>
-              <a:spcAft>
-                <a:spcPts val="0"/>
-              </a:spcAft>
-              <a:buNone/>
-            </a:pPr>
-            <a:r>
-              <a:t/>
-            </a:r>
+            <a:pPr marL="0" lvl="0" indent="0" algn="l" rtl="0">
+              <a:spcBef>
+                <a:spcPts val="0"/>
+              </a:spcBef>
+              <a:spcAft>
+                <a:spcPts val="0"/>
+              </a:spcAft>
+              <a:buNone/>
+            </a:pPr>
             <a:endParaRPr/>
           </a:p>
         </p:txBody>
@@ -6850,23 +7047,20 @@
           </a:ln>
         </p:spPr>
         <p:txBody>
-          <a:bodyPr anchorCtr="0" anchor="ctr" bIns="91425" lIns="91425" spcFirstLastPara="1" rIns="91425" wrap="square" tIns="91425">
+          <a:bodyPr spcFirstLastPara="1" wrap="square" lIns="91425" tIns="91425" rIns="91425" bIns="91425" anchor="ctr" anchorCtr="0">
             <a:noAutofit/>
           </a:bodyPr>
           <a:lstStyle/>
           <a:p>
-            <a:pPr indent="0" lvl="0" marL="0" rtl="0" algn="l">
-              <a:spcBef>
-                <a:spcPts val="0"/>
-              </a:spcBef>
-              <a:spcAft>
-                <a:spcPts val="0"/>
-              </a:spcAft>
-              <a:buNone/>
-            </a:pPr>
-            <a:r>
-              <a:t/>
-            </a:r>
+            <a:pPr marL="0" lvl="0" indent="0" algn="l" rtl="0">
+              <a:spcBef>
+                <a:spcPts val="0"/>
+              </a:spcBef>
+              <a:spcAft>
+                <a:spcPts val="0"/>
+              </a:spcAft>
+              <a:buNone/>
+            </a:pPr>
             <a:endParaRPr/>
           </a:p>
         </p:txBody>
@@ -6874,7 +7068,9 @@
       <p:sp>
         <p:nvSpPr>
           <p:cNvPr id="48" name="Google Shape;48;p9"/>
-          <p:cNvSpPr txBox="1"/>
+          <p:cNvSpPr txBox="1">
+            <a:spLocks noGrp="1"/>
+          </p:cNvSpPr>
           <p:nvPr>
             <p:ph type="title"/>
           </p:nvPr>
@@ -6889,11 +7085,11 @@
           </a:prstGeom>
         </p:spPr>
         <p:txBody>
-          <a:bodyPr anchorCtr="0" anchor="b" bIns="91425" lIns="91425" spcFirstLastPara="1" rIns="91425" wrap="square" tIns="91425">
+          <a:bodyPr spcFirstLastPara="1" wrap="square" lIns="91425" tIns="91425" rIns="91425" bIns="91425" anchor="b" anchorCtr="0">
             <a:noAutofit/>
           </a:bodyPr>
           <a:lstStyle>
-            <a:lvl1pPr lvl="0" rtl="0" algn="ctr">
+            <a:lvl1pPr lvl="0" algn="ctr" rtl="0">
               <a:spcBef>
                 <a:spcPts val="0"/>
               </a:spcBef>
@@ -6911,7 +7107,7 @@
                 </a:solidFill>
               </a:defRPr>
             </a:lvl1pPr>
-            <a:lvl2pPr lvl="1" rtl="0" algn="ctr">
+            <a:lvl2pPr lvl="1" algn="ctr" rtl="0">
               <a:spcBef>
                 <a:spcPts val="0"/>
               </a:spcBef>
@@ -6929,7 +7125,7 @@
                 </a:solidFill>
               </a:defRPr>
             </a:lvl2pPr>
-            <a:lvl3pPr lvl="2" rtl="0" algn="ctr">
+            <a:lvl3pPr lvl="2" algn="ctr" rtl="0">
               <a:spcBef>
                 <a:spcPts val="0"/>
               </a:spcBef>
@@ -6947,7 +7143,7 @@
                 </a:solidFill>
               </a:defRPr>
             </a:lvl3pPr>
-            <a:lvl4pPr lvl="3" rtl="0" algn="ctr">
+            <a:lvl4pPr lvl="3" algn="ctr" rtl="0">
               <a:spcBef>
                 <a:spcPts val="0"/>
               </a:spcBef>
@@ -6965,7 +7161,7 @@
                 </a:solidFill>
               </a:defRPr>
             </a:lvl4pPr>
-            <a:lvl5pPr lvl="4" rtl="0" algn="ctr">
+            <a:lvl5pPr lvl="4" algn="ctr" rtl="0">
               <a:spcBef>
                 <a:spcPts val="0"/>
               </a:spcBef>
@@ -6983,7 +7179,7 @@
                 </a:solidFill>
               </a:defRPr>
             </a:lvl5pPr>
-            <a:lvl6pPr lvl="5" rtl="0" algn="ctr">
+            <a:lvl6pPr lvl="5" algn="ctr" rtl="0">
               <a:spcBef>
                 <a:spcPts val="0"/>
               </a:spcBef>
@@ -7001,7 +7197,7 @@
                 </a:solidFill>
               </a:defRPr>
             </a:lvl6pPr>
-            <a:lvl7pPr lvl="6" rtl="0" algn="ctr">
+            <a:lvl7pPr lvl="6" algn="ctr" rtl="0">
               <a:spcBef>
                 <a:spcPts val="0"/>
               </a:spcBef>
@@ -7019,7 +7215,7 @@
                 </a:solidFill>
               </a:defRPr>
             </a:lvl7pPr>
-            <a:lvl8pPr lvl="7" rtl="0" algn="ctr">
+            <a:lvl8pPr lvl="7" algn="ctr" rtl="0">
               <a:spcBef>
                 <a:spcPts val="0"/>
               </a:spcBef>
@@ -7037,7 +7233,7 @@
                 </a:solidFill>
               </a:defRPr>
             </a:lvl8pPr>
-            <a:lvl9pPr lvl="8" rtl="0" algn="ctr">
+            <a:lvl9pPr lvl="8" algn="ctr" rtl="0">
               <a:spcBef>
                 <a:spcPts val="0"/>
               </a:spcBef>
@@ -7056,15 +7252,19 @@
               </a:defRPr>
             </a:lvl9pPr>
           </a:lstStyle>
-          <a:p/>
+          <a:p>
+            <a:endParaRPr/>
+          </a:p>
         </p:txBody>
       </p:sp>
       <p:sp>
         <p:nvSpPr>
           <p:cNvPr id="49" name="Google Shape;49;p9"/>
-          <p:cNvSpPr txBox="1"/>
+          <p:cNvSpPr txBox="1">
+            <a:spLocks noGrp="1"/>
+          </p:cNvSpPr>
           <p:nvPr>
-            <p:ph idx="1" type="subTitle"/>
+            <p:ph type="subTitle" idx="1"/>
           </p:nvPr>
         </p:nvSpPr>
         <p:spPr>
@@ -7077,11 +7277,11 @@
           </a:prstGeom>
         </p:spPr>
         <p:txBody>
-          <a:bodyPr anchorCtr="0" anchor="t" bIns="91425" lIns="91425" spcFirstLastPara="1" rIns="91425" wrap="square" tIns="91425">
+          <a:bodyPr spcFirstLastPara="1" wrap="square" lIns="91425" tIns="91425" rIns="91425" bIns="91425" anchor="t" anchorCtr="0">
             <a:noAutofit/>
           </a:bodyPr>
           <a:lstStyle>
-            <a:lvl1pPr lvl="0" rtl="0" algn="ctr">
+            <a:lvl1pPr lvl="0" algn="ctr" rtl="0">
               <a:lnSpc>
                 <a:spcPct val="100000"/>
               </a:lnSpc>
@@ -7095,7 +7295,7 @@
               <a:buNone/>
               <a:defRPr sz="2100"/>
             </a:lvl1pPr>
-            <a:lvl2pPr lvl="1" rtl="0" algn="ctr">
+            <a:lvl2pPr lvl="1" algn="ctr" rtl="0">
               <a:lnSpc>
                 <a:spcPct val="100000"/>
               </a:lnSpc>
@@ -7109,7 +7309,7 @@
               <a:buNone/>
               <a:defRPr sz="2100"/>
             </a:lvl2pPr>
-            <a:lvl3pPr lvl="2" rtl="0" algn="ctr">
+            <a:lvl3pPr lvl="2" algn="ctr" rtl="0">
               <a:lnSpc>
                 <a:spcPct val="100000"/>
               </a:lnSpc>
@@ -7123,7 +7323,7 @@
               <a:buNone/>
               <a:defRPr sz="2100"/>
             </a:lvl3pPr>
-            <a:lvl4pPr lvl="3" rtl="0" algn="ctr">
+            <a:lvl4pPr lvl="3" algn="ctr" rtl="0">
               <a:lnSpc>
                 <a:spcPct val="100000"/>
               </a:lnSpc>
@@ -7137,7 +7337,7 @@
               <a:buNone/>
               <a:defRPr sz="2100"/>
             </a:lvl4pPr>
-            <a:lvl5pPr lvl="4" rtl="0" algn="ctr">
+            <a:lvl5pPr lvl="4" algn="ctr" rtl="0">
               <a:lnSpc>
                 <a:spcPct val="100000"/>
               </a:lnSpc>
@@ -7151,7 +7351,7 @@
               <a:buNone/>
               <a:defRPr sz="2100"/>
             </a:lvl5pPr>
-            <a:lvl6pPr lvl="5" rtl="0" algn="ctr">
+            <a:lvl6pPr lvl="5" algn="ctr" rtl="0">
               <a:lnSpc>
                 <a:spcPct val="100000"/>
               </a:lnSpc>
@@ -7165,7 +7365,7 @@
               <a:buNone/>
               <a:defRPr sz="2100"/>
             </a:lvl6pPr>
-            <a:lvl7pPr lvl="6" rtl="0" algn="ctr">
+            <a:lvl7pPr lvl="6" algn="ctr" rtl="0">
               <a:lnSpc>
                 <a:spcPct val="100000"/>
               </a:lnSpc>
@@ -7179,7 +7379,7 @@
               <a:buNone/>
               <a:defRPr sz="2100"/>
             </a:lvl7pPr>
-            <a:lvl8pPr lvl="7" rtl="0" algn="ctr">
+            <a:lvl8pPr lvl="7" algn="ctr" rtl="0">
               <a:lnSpc>
                 <a:spcPct val="100000"/>
               </a:lnSpc>
@@ -7193,7 +7393,7 @@
               <a:buNone/>
               <a:defRPr sz="2100"/>
             </a:lvl8pPr>
-            <a:lvl9pPr lvl="8" rtl="0" algn="ctr">
+            <a:lvl9pPr lvl="8" algn="ctr" rtl="0">
               <a:lnSpc>
                 <a:spcPct val="100000"/>
               </a:lnSpc>
@@ -7208,15 +7408,19 @@
               <a:defRPr sz="2100"/>
             </a:lvl9pPr>
           </a:lstStyle>
-          <a:p/>
+          <a:p>
+            <a:endParaRPr/>
+          </a:p>
         </p:txBody>
       </p:sp>
       <p:sp>
         <p:nvSpPr>
           <p:cNvPr id="50" name="Google Shape;50;p9"/>
-          <p:cNvSpPr txBox="1"/>
+          <p:cNvSpPr txBox="1">
+            <a:spLocks noGrp="1"/>
+          </p:cNvSpPr>
           <p:nvPr>
-            <p:ph idx="2" type="body"/>
+            <p:ph type="body" idx="2"/>
           </p:nvPr>
         </p:nvSpPr>
         <p:spPr>
@@ -7229,11 +7433,11 @@
           </a:prstGeom>
         </p:spPr>
         <p:txBody>
-          <a:bodyPr anchorCtr="0" anchor="ctr" bIns="91425" lIns="91425" spcFirstLastPara="1" rIns="91425" wrap="square" tIns="91425">
+          <a:bodyPr spcFirstLastPara="1" wrap="square" lIns="91425" tIns="91425" rIns="91425" bIns="91425" anchor="ctr" anchorCtr="0">
             <a:noAutofit/>
           </a:bodyPr>
           <a:lstStyle>
-            <a:lvl1pPr indent="-342900" lvl="0" marL="457200" rtl="0">
+            <a:lvl1pPr marL="457200" lvl="0" indent="-342900" rtl="0">
               <a:spcBef>
                 <a:spcPts val="0"/>
               </a:spcBef>
@@ -7251,7 +7455,7 @@
                 </a:solidFill>
               </a:defRPr>
             </a:lvl1pPr>
-            <a:lvl2pPr indent="-317500" lvl="1" marL="914400" rtl="0">
+            <a:lvl2pPr marL="914400" lvl="1" indent="-317500" rtl="0">
               <a:spcBef>
                 <a:spcPts val="1600"/>
               </a:spcBef>
@@ -7269,7 +7473,7 @@
                 </a:solidFill>
               </a:defRPr>
             </a:lvl2pPr>
-            <a:lvl3pPr indent="-317500" lvl="2" marL="1371600" rtl="0">
+            <a:lvl3pPr marL="1371600" lvl="2" indent="-317500" rtl="0">
               <a:spcBef>
                 <a:spcPts val="1600"/>
               </a:spcBef>
@@ -7287,7 +7491,7 @@
                 </a:solidFill>
               </a:defRPr>
             </a:lvl3pPr>
-            <a:lvl4pPr indent="-317500" lvl="3" marL="1828800" rtl="0">
+            <a:lvl4pPr marL="1828800" lvl="3" indent="-317500" rtl="0">
               <a:spcBef>
                 <a:spcPts val="1600"/>
               </a:spcBef>
@@ -7305,7 +7509,7 @@
                 </a:solidFill>
               </a:defRPr>
             </a:lvl4pPr>
-            <a:lvl5pPr indent="-317500" lvl="4" marL="2286000" rtl="0">
+            <a:lvl5pPr marL="2286000" lvl="4" indent="-317500" rtl="0">
               <a:spcBef>
                 <a:spcPts val="1600"/>
               </a:spcBef>
@@ -7323,7 +7527,7 @@
                 </a:solidFill>
               </a:defRPr>
             </a:lvl5pPr>
-            <a:lvl6pPr indent="-317500" lvl="5" marL="2743200" rtl="0">
+            <a:lvl6pPr marL="2743200" lvl="5" indent="-317500" rtl="0">
               <a:spcBef>
                 <a:spcPts val="1600"/>
               </a:spcBef>
@@ -7341,7 +7545,7 @@
                 </a:solidFill>
               </a:defRPr>
             </a:lvl6pPr>
-            <a:lvl7pPr indent="-317500" lvl="6" marL="3200400" rtl="0">
+            <a:lvl7pPr marL="3200400" lvl="6" indent="-317500" rtl="0">
               <a:spcBef>
                 <a:spcPts val="1600"/>
               </a:spcBef>
@@ -7359,7 +7563,7 @@
                 </a:solidFill>
               </a:defRPr>
             </a:lvl7pPr>
-            <a:lvl8pPr indent="-317500" lvl="7" marL="3657600" rtl="0">
+            <a:lvl8pPr marL="3657600" lvl="7" indent="-317500" rtl="0">
               <a:spcBef>
                 <a:spcPts val="1600"/>
               </a:spcBef>
@@ -7377,7 +7581,7 @@
                 </a:solidFill>
               </a:defRPr>
             </a:lvl8pPr>
-            <a:lvl9pPr indent="-317500" lvl="8" marL="4114800" rtl="0">
+            <a:lvl9pPr marL="4114800" lvl="8" indent="-317500" rtl="0">
               <a:spcBef>
                 <a:spcPts val="1600"/>
               </a:spcBef>
@@ -7396,15 +7600,19 @@
               </a:defRPr>
             </a:lvl9pPr>
           </a:lstStyle>
-          <a:p/>
+          <a:p>
+            <a:endParaRPr/>
+          </a:p>
         </p:txBody>
       </p:sp>
       <p:sp>
         <p:nvSpPr>
           <p:cNvPr id="51" name="Google Shape;51;p9"/>
-          <p:cNvSpPr txBox="1"/>
+          <p:cNvSpPr txBox="1">
+            <a:spLocks noGrp="1"/>
+          </p:cNvSpPr>
           <p:nvPr>
-            <p:ph idx="12" type="sldNum"/>
+            <p:ph type="sldNum" idx="12"/>
           </p:nvPr>
         </p:nvSpPr>
         <p:spPr>
@@ -7417,7 +7625,7 @@
           </a:prstGeom>
         </p:spPr>
         <p:txBody>
-          <a:bodyPr anchorCtr="0" anchor="ctr" bIns="91425" lIns="91425" spcFirstLastPara="1" rIns="91425" wrap="square" tIns="91425">
+          <a:bodyPr spcFirstLastPara="1" wrap="square" lIns="91425" tIns="91425" rIns="91425" bIns="91425" anchor="ctr" anchorCtr="0">
             <a:noAutofit/>
           </a:bodyPr>
           <a:lstStyle>
@@ -7495,7 +7703,7 @@
             </a:lvl9pPr>
           </a:lstStyle>
           <a:p>
-            <a:pPr indent="0" lvl="0" marL="0" rtl="0" algn="r">
+            <a:pPr marL="0" lvl="0" indent="0" algn="r" rtl="0">
               <a:spcBef>
                 <a:spcPts val="0"/>
               </a:spcBef>
@@ -7521,11 +7729,11 @@
 </file>
 
 <file path=ppt/slideLayouts/slideLayout9.xml><?xml version="1.0" encoding="utf-8"?>
-<p:sldLayout xmlns:a="http://schemas.openxmlformats.org/drawingml/2006/main" xmlns:r="http://schemas.openxmlformats.org/officeDocument/2006/relationships" xmlns:mc="http://schemas.openxmlformats.org/markup-compatibility/2006" xmlns:mv="urn:schemas-microsoft-com:mac:vml" xmlns:p="http://schemas.openxmlformats.org/presentationml/2006/main" xmlns:c="http://schemas.openxmlformats.org/drawingml/2006/chart" xmlns:dgm="http://schemas.openxmlformats.org/drawingml/2006/diagram" xmlns:o="urn:schemas-microsoft-com:office:office" xmlns:v="urn:schemas-microsoft-com:vml" xmlns:pvml="urn:schemas-microsoft-com:office:powerpoint" xmlns:com="http://schemas.openxmlformats.org/drawingml/2006/compatibility" xmlns:p14="http://schemas.microsoft.com/office/powerpoint/2010/main" xmlns:p15="http://schemas.microsoft.com/office/powerpoint/2012/main" xmlns:ahyp="http://schemas.microsoft.com/office/drawing/2018/hyperlinkcolor" matchingName="Caption">
+<p:sldLayout xmlns:a="http://schemas.openxmlformats.org/drawingml/2006/main" xmlns:r="http://schemas.openxmlformats.org/officeDocument/2006/relationships" xmlns:p="http://schemas.openxmlformats.org/presentationml/2006/main" matchingName="Caption">
   <p:cSld name="CAPTION_ONLY">
     <p:spTree>
       <p:nvGrpSpPr>
-        <p:cNvPr id="52" name="Shape 52"/>
+        <p:cNvPr id="1" name="Shape 52"/>
         <p:cNvGrpSpPr/>
         <p:nvPr/>
       </p:nvGrpSpPr>
@@ -7544,7 +7752,7 @@
           <p:nvPr/>
         </p:nvSpPr>
         <p:spPr>
-          <a:xfrm flipH="1" rot="10800000">
+          <a:xfrm rot="10800000" flipH="1">
             <a:off x="0" y="0"/>
             <a:ext cx="9144000" cy="4695900"/>
           </a:xfrm>
@@ -7559,23 +7767,20 @@
           </a:ln>
         </p:spPr>
         <p:txBody>
-          <a:bodyPr anchorCtr="0" anchor="ctr" bIns="91425" lIns="91425" spcFirstLastPara="1" rIns="91425" wrap="square" tIns="91425">
+          <a:bodyPr spcFirstLastPara="1" wrap="square" lIns="91425" tIns="91425" rIns="91425" bIns="91425" anchor="ctr" anchorCtr="0">
             <a:noAutofit/>
           </a:bodyPr>
           <a:lstStyle/>
           <a:p>
-            <a:pPr indent="0" lvl="0" marL="0" rtl="0" algn="l">
-              <a:spcBef>
-                <a:spcPts val="0"/>
-              </a:spcBef>
-              <a:spcAft>
-                <a:spcPts val="0"/>
-              </a:spcAft>
-              <a:buNone/>
-            </a:pPr>
-            <a:r>
-              <a:t/>
-            </a:r>
+            <a:pPr marL="0" lvl="0" indent="0" algn="l" rtl="0">
+              <a:spcBef>
+                <a:spcPts val="0"/>
+              </a:spcBef>
+              <a:spcAft>
+                <a:spcPts val="0"/>
+              </a:spcAft>
+              <a:buNone/>
+            </a:pPr>
             <a:endParaRPr/>
           </a:p>
         </p:txBody>
@@ -7587,7 +7792,7 @@
           <p:nvPr/>
         </p:nvSpPr>
         <p:spPr>
-          <a:xfrm flipH="1" rot="10800000">
+          <a:xfrm rot="10800000" flipH="1">
             <a:off x="0" y="4622725"/>
             <a:ext cx="9144000" cy="74100"/>
           </a:xfrm>
@@ -7616,23 +7821,20 @@
           </a:ln>
         </p:spPr>
         <p:txBody>
-          <a:bodyPr anchorCtr="0" anchor="ctr" bIns="91425" lIns="91425" spcFirstLastPara="1" rIns="91425" wrap="square" tIns="91425">
+          <a:bodyPr spcFirstLastPara="1" wrap="square" lIns="91425" tIns="91425" rIns="91425" bIns="91425" anchor="ctr" anchorCtr="0">
             <a:noAutofit/>
           </a:bodyPr>
           <a:lstStyle/>
           <a:p>
-            <a:pPr indent="0" lvl="0" marL="0" rtl="0" algn="l">
-              <a:spcBef>
-                <a:spcPts val="0"/>
-              </a:spcBef>
-              <a:spcAft>
-                <a:spcPts val="0"/>
-              </a:spcAft>
-              <a:buNone/>
-            </a:pPr>
-            <a:r>
-              <a:t/>
-            </a:r>
+            <a:pPr marL="0" lvl="0" indent="0" algn="l" rtl="0">
+              <a:spcBef>
+                <a:spcPts val="0"/>
+              </a:spcBef>
+              <a:spcAft>
+                <a:spcPts val="0"/>
+              </a:spcAft>
+              <a:buNone/>
+            </a:pPr>
             <a:endParaRPr/>
           </a:p>
         </p:txBody>
@@ -7640,9 +7842,11 @@
       <p:sp>
         <p:nvSpPr>
           <p:cNvPr id="55" name="Google Shape;55;p10"/>
-          <p:cNvSpPr txBox="1"/>
+          <p:cNvSpPr txBox="1">
+            <a:spLocks noGrp="1"/>
+          </p:cNvSpPr>
           <p:nvPr>
-            <p:ph idx="1" type="body"/>
+            <p:ph type="body" idx="1"/>
           </p:nvPr>
         </p:nvSpPr>
         <p:spPr>
@@ -7655,11 +7859,11 @@
           </a:prstGeom>
         </p:spPr>
         <p:txBody>
-          <a:bodyPr anchorCtr="0" anchor="ctr" bIns="91425" lIns="91425" spcFirstLastPara="1" rIns="91425" wrap="square" tIns="91425">
+          <a:bodyPr spcFirstLastPara="1" wrap="square" lIns="91425" tIns="91425" rIns="91425" bIns="91425" anchor="ctr" anchorCtr="0">
             <a:noAutofit/>
           </a:bodyPr>
           <a:lstStyle>
-            <a:lvl1pPr indent="-228600" lvl="0" marL="457200" rtl="0">
+            <a:lvl1pPr marL="457200" lvl="0" indent="-228600" rtl="0">
               <a:lnSpc>
                 <a:spcPct val="100000"/>
               </a:lnSpc>
@@ -7681,15 +7885,19 @@
               </a:defRPr>
             </a:lvl1pPr>
           </a:lstStyle>
-          <a:p/>
+          <a:p>
+            <a:endParaRPr/>
+          </a:p>
         </p:txBody>
       </p:sp>
       <p:sp>
         <p:nvSpPr>
           <p:cNvPr id="56" name="Google Shape;56;p10"/>
-          <p:cNvSpPr txBox="1"/>
+          <p:cNvSpPr txBox="1">
+            <a:spLocks noGrp="1"/>
+          </p:cNvSpPr>
           <p:nvPr>
-            <p:ph idx="12" type="sldNum"/>
+            <p:ph type="sldNum" idx="12"/>
           </p:nvPr>
         </p:nvSpPr>
         <p:spPr>
@@ -7702,7 +7910,7 @@
           </a:prstGeom>
         </p:spPr>
         <p:txBody>
-          <a:bodyPr anchorCtr="0" anchor="ctr" bIns="91425" lIns="91425" spcFirstLastPara="1" rIns="91425" wrap="square" tIns="91425">
+          <a:bodyPr spcFirstLastPara="1" wrap="square" lIns="91425" tIns="91425" rIns="91425" bIns="91425" anchor="ctr" anchorCtr="0">
             <a:noAutofit/>
           </a:bodyPr>
           <a:lstStyle>
@@ -7780,7 +7988,7 @@
             </a:lvl9pPr>
           </a:lstStyle>
           <a:p>
-            <a:pPr indent="0" lvl="0" marL="0" rtl="0" algn="r">
+            <a:pPr marL="0" lvl="0" indent="0" algn="r" rtl="0">
               <a:spcBef>
                 <a:spcPts val="0"/>
               </a:spcBef>
@@ -7806,18 +8014,19 @@
 </file>
 
 <file path=ppt/slideMasters/slideMaster1.xml><?xml version="1.0" encoding="utf-8"?>
-<p:sldMaster xmlns:a="http://schemas.openxmlformats.org/drawingml/2006/main" xmlns:r="http://schemas.openxmlformats.org/officeDocument/2006/relationships" xmlns:mc="http://schemas.openxmlformats.org/markup-compatibility/2006" xmlns:mv="urn:schemas-microsoft-com:mac:vml" xmlns:p="http://schemas.openxmlformats.org/presentationml/2006/main" xmlns:c="http://schemas.openxmlformats.org/drawingml/2006/chart" xmlns:dgm="http://schemas.openxmlformats.org/drawingml/2006/diagram" xmlns:o="urn:schemas-microsoft-com:office:office" xmlns:v="urn:schemas-microsoft-com:vml" xmlns:pvml="urn:schemas-microsoft-com:office:powerpoint" xmlns:com="http://schemas.openxmlformats.org/drawingml/2006/compatibility" xmlns:p14="http://schemas.microsoft.com/office/powerpoint/2010/main" xmlns:p15="http://schemas.microsoft.com/office/powerpoint/2012/main" xmlns:ahyp="http://schemas.microsoft.com/office/drawing/2018/hyperlinkcolor">
+<p:sldMaster xmlns:a="http://schemas.openxmlformats.org/drawingml/2006/main" xmlns:r="http://schemas.openxmlformats.org/officeDocument/2006/relationships" xmlns:p="http://schemas.openxmlformats.org/presentationml/2006/main">
   <p:cSld name="material">
     <p:bg>
       <p:bgPr>
         <a:solidFill>
           <a:schemeClr val="dk1"/>
         </a:solidFill>
+        <a:effectLst/>
       </p:bgPr>
     </p:bg>
     <p:spTree>
       <p:nvGrpSpPr>
-        <p:cNvPr id="5" name="Shape 5"/>
+        <p:cNvPr id="1" name="Shape 5"/>
         <p:cNvGrpSpPr/>
         <p:nvPr/>
       </p:nvGrpSpPr>
@@ -7832,7 +8041,9 @@
       <p:sp>
         <p:nvSpPr>
           <p:cNvPr id="6" name="Google Shape;6;p1"/>
-          <p:cNvSpPr txBox="1"/>
+          <p:cNvSpPr txBox="1">
+            <a:spLocks noGrp="1"/>
+          </p:cNvSpPr>
           <p:nvPr>
             <p:ph type="title"/>
           </p:nvPr>
@@ -7851,7 +8062,7 @@
           </a:ln>
         </p:spPr>
         <p:txBody>
-          <a:bodyPr anchorCtr="0" anchor="b" bIns="91425" lIns="91425" spcFirstLastPara="1" rIns="91425" wrap="square" tIns="91425">
+          <a:bodyPr spcFirstLastPara="1" wrap="square" lIns="91425" tIns="91425" rIns="91425" bIns="91425" anchor="b" anchorCtr="0">
             <a:noAutofit/>
           </a:bodyPr>
           <a:lstStyle>
@@ -8063,15 +8274,19 @@
               </a:defRPr>
             </a:lvl9pPr>
           </a:lstStyle>
-          <a:p/>
+          <a:p>
+            <a:endParaRPr/>
+          </a:p>
         </p:txBody>
       </p:sp>
       <p:sp>
         <p:nvSpPr>
           <p:cNvPr id="7" name="Google Shape;7;p1"/>
-          <p:cNvSpPr txBox="1"/>
+          <p:cNvSpPr txBox="1">
+            <a:spLocks noGrp="1"/>
+          </p:cNvSpPr>
           <p:nvPr>
-            <p:ph idx="1" type="body"/>
+            <p:ph type="body" idx="1"/>
           </p:nvPr>
         </p:nvSpPr>
         <p:spPr>
@@ -8088,11 +8303,11 @@
           </a:ln>
         </p:spPr>
         <p:txBody>
-          <a:bodyPr anchorCtr="0" anchor="t" bIns="91425" lIns="91425" spcFirstLastPara="1" rIns="91425" wrap="square" tIns="91425">
+          <a:bodyPr spcFirstLastPara="1" wrap="square" lIns="91425" tIns="91425" rIns="91425" bIns="91425" anchor="t" anchorCtr="0">
             <a:noAutofit/>
           </a:bodyPr>
           <a:lstStyle>
-            <a:lvl1pPr indent="-342900" lvl="0" marL="457200" rtl="0">
+            <a:lvl1pPr marL="457200" lvl="0" indent="-342900" rtl="0">
               <a:lnSpc>
                 <a:spcPct val="115000"/>
               </a:lnSpc>
@@ -8118,7 +8333,7 @@
                 <a:sym typeface="Roboto"/>
               </a:defRPr>
             </a:lvl1pPr>
-            <a:lvl2pPr indent="-317500" lvl="1" marL="914400" rtl="0">
+            <a:lvl2pPr marL="914400" lvl="1" indent="-317500" rtl="0">
               <a:lnSpc>
                 <a:spcPct val="115000"/>
               </a:lnSpc>
@@ -8144,7 +8359,7 @@
                 <a:sym typeface="Roboto"/>
               </a:defRPr>
             </a:lvl2pPr>
-            <a:lvl3pPr indent="-317500" lvl="2" marL="1371600" rtl="0">
+            <a:lvl3pPr marL="1371600" lvl="2" indent="-317500" rtl="0">
               <a:lnSpc>
                 <a:spcPct val="115000"/>
               </a:lnSpc>
@@ -8170,7 +8385,7 @@
                 <a:sym typeface="Roboto"/>
               </a:defRPr>
             </a:lvl3pPr>
-            <a:lvl4pPr indent="-317500" lvl="3" marL="1828800" rtl="0">
+            <a:lvl4pPr marL="1828800" lvl="3" indent="-317500" rtl="0">
               <a:lnSpc>
                 <a:spcPct val="115000"/>
               </a:lnSpc>
@@ -8196,7 +8411,7 @@
                 <a:sym typeface="Roboto"/>
               </a:defRPr>
             </a:lvl4pPr>
-            <a:lvl5pPr indent="-317500" lvl="4" marL="2286000" rtl="0">
+            <a:lvl5pPr marL="2286000" lvl="4" indent="-317500" rtl="0">
               <a:lnSpc>
                 <a:spcPct val="115000"/>
               </a:lnSpc>
@@ -8222,7 +8437,7 @@
                 <a:sym typeface="Roboto"/>
               </a:defRPr>
             </a:lvl5pPr>
-            <a:lvl6pPr indent="-317500" lvl="5" marL="2743200" rtl="0">
+            <a:lvl6pPr marL="2743200" lvl="5" indent="-317500" rtl="0">
               <a:lnSpc>
                 <a:spcPct val="115000"/>
               </a:lnSpc>
@@ -8248,7 +8463,7 @@
                 <a:sym typeface="Roboto"/>
               </a:defRPr>
             </a:lvl6pPr>
-            <a:lvl7pPr indent="-317500" lvl="6" marL="3200400" rtl="0">
+            <a:lvl7pPr marL="3200400" lvl="6" indent="-317500" rtl="0">
               <a:lnSpc>
                 <a:spcPct val="115000"/>
               </a:lnSpc>
@@ -8274,7 +8489,7 @@
                 <a:sym typeface="Roboto"/>
               </a:defRPr>
             </a:lvl7pPr>
-            <a:lvl8pPr indent="-317500" lvl="7" marL="3657600" rtl="0">
+            <a:lvl8pPr marL="3657600" lvl="7" indent="-317500" rtl="0">
               <a:lnSpc>
                 <a:spcPct val="115000"/>
               </a:lnSpc>
@@ -8300,7 +8515,7 @@
                 <a:sym typeface="Roboto"/>
               </a:defRPr>
             </a:lvl8pPr>
-            <a:lvl9pPr indent="-317500" lvl="8" marL="4114800" rtl="0">
+            <a:lvl9pPr marL="4114800" lvl="8" indent="-317500" rtl="0">
               <a:lnSpc>
                 <a:spcPct val="115000"/>
               </a:lnSpc>
@@ -8327,15 +8542,19 @@
               </a:defRPr>
             </a:lvl9pPr>
           </a:lstStyle>
-          <a:p/>
+          <a:p>
+            <a:endParaRPr/>
+          </a:p>
         </p:txBody>
       </p:sp>
       <p:sp>
         <p:nvSpPr>
           <p:cNvPr id="8" name="Google Shape;8;p1"/>
-          <p:cNvSpPr txBox="1"/>
+          <p:cNvSpPr txBox="1">
+            <a:spLocks noGrp="1"/>
+          </p:cNvSpPr>
           <p:nvPr>
-            <p:ph idx="12" type="sldNum"/>
+            <p:ph type="sldNum" idx="12"/>
           </p:nvPr>
         </p:nvSpPr>
         <p:spPr>
@@ -8352,11 +8571,11 @@
           </a:ln>
         </p:spPr>
         <p:txBody>
-          <a:bodyPr anchorCtr="0" anchor="ctr" bIns="91425" lIns="91425" spcFirstLastPara="1" rIns="91425" wrap="square" tIns="91425">
+          <a:bodyPr spcFirstLastPara="1" wrap="square" lIns="91425" tIns="91425" rIns="91425" bIns="91425" anchor="ctr" anchorCtr="0">
             <a:noAutofit/>
           </a:bodyPr>
           <a:lstStyle>
-            <a:lvl1pPr lvl="0" rtl="0" algn="r">
+            <a:lvl1pPr lvl="0" algn="r" rtl="0">
               <a:buNone/>
               <a:defRPr sz="1000">
                 <a:solidFill>
@@ -8368,7 +8587,7 @@
                 <a:sym typeface="Roboto"/>
               </a:defRPr>
             </a:lvl1pPr>
-            <a:lvl2pPr lvl="1" rtl="0" algn="r">
+            <a:lvl2pPr lvl="1" algn="r" rtl="0">
               <a:buNone/>
               <a:defRPr sz="1000">
                 <a:solidFill>
@@ -8380,7 +8599,7 @@
                 <a:sym typeface="Roboto"/>
               </a:defRPr>
             </a:lvl2pPr>
-            <a:lvl3pPr lvl="2" rtl="0" algn="r">
+            <a:lvl3pPr lvl="2" algn="r" rtl="0">
               <a:buNone/>
               <a:defRPr sz="1000">
                 <a:solidFill>
@@ -8392,7 +8611,7 @@
                 <a:sym typeface="Roboto"/>
               </a:defRPr>
             </a:lvl3pPr>
-            <a:lvl4pPr lvl="3" rtl="0" algn="r">
+            <a:lvl4pPr lvl="3" algn="r" rtl="0">
               <a:buNone/>
               <a:defRPr sz="1000">
                 <a:solidFill>
@@ -8404,7 +8623,7 @@
                 <a:sym typeface="Roboto"/>
               </a:defRPr>
             </a:lvl4pPr>
-            <a:lvl5pPr lvl="4" rtl="0" algn="r">
+            <a:lvl5pPr lvl="4" algn="r" rtl="0">
               <a:buNone/>
               <a:defRPr sz="1000">
                 <a:solidFill>
@@ -8416,7 +8635,7 @@
                 <a:sym typeface="Roboto"/>
               </a:defRPr>
             </a:lvl5pPr>
-            <a:lvl6pPr lvl="5" rtl="0" algn="r">
+            <a:lvl6pPr lvl="5" algn="r" rtl="0">
               <a:buNone/>
               <a:defRPr sz="1000">
                 <a:solidFill>
@@ -8428,7 +8647,7 @@
                 <a:sym typeface="Roboto"/>
               </a:defRPr>
             </a:lvl6pPr>
-            <a:lvl7pPr lvl="6" rtl="0" algn="r">
+            <a:lvl7pPr lvl="6" algn="r" rtl="0">
               <a:buNone/>
               <a:defRPr sz="1000">
                 <a:solidFill>
@@ -8440,7 +8659,7 @@
                 <a:sym typeface="Roboto"/>
               </a:defRPr>
             </a:lvl7pPr>
-            <a:lvl8pPr lvl="7" rtl="0" algn="r">
+            <a:lvl8pPr lvl="7" algn="r" rtl="0">
               <a:buNone/>
               <a:defRPr sz="1000">
                 <a:solidFill>
@@ -8452,7 +8671,7 @@
                 <a:sym typeface="Roboto"/>
               </a:defRPr>
             </a:lvl8pPr>
-            <a:lvl9pPr lvl="8" rtl="0" algn="r">
+            <a:lvl9pPr lvl="8" algn="r" rtl="0">
               <a:buNone/>
               <a:defRPr sz="1000">
                 <a:solidFill>
@@ -8466,7 +8685,7 @@
             </a:lvl9pPr>
           </a:lstStyle>
           <a:p>
-            <a:pPr indent="0" lvl="0" marL="0" rtl="0" algn="r">
+            <a:pPr marL="0" lvl="0" indent="0" algn="r" rtl="0">
               <a:spcBef>
                 <a:spcPts val="0"/>
               </a:spcBef>
@@ -8485,7 +8704,7 @@
       </p:sp>
     </p:spTree>
   </p:cSld>
-  <p:clrMap accent1="accent1" accent2="accent2" accent3="accent3" accent4="accent4" accent5="accent5" accent6="accent6" bg1="lt1" bg2="dk2" tx1="dk1" tx2="lt2" folHlink="folHlink" hlink="hlink"/>
+  <p:clrMap bg1="lt1" tx1="dk1" bg2="dk2" tx2="lt2" accent1="accent1" accent2="accent2" accent3="accent3" accent4="accent4" accent5="accent5" accent6="accent6" hlink="hlink" folHlink="folHlink"/>
   <p:sldLayoutIdLst>
     <p:sldLayoutId id="2147483648" r:id="rId1"/>
     <p:sldLayoutId id="2147483649" r:id="rId2"/>
@@ -8499,10 +8718,10 @@
     <p:sldLayoutId id="2147483657" r:id="rId10"/>
     <p:sldLayoutId id="2147483658" r:id="rId11"/>
   </p:sldLayoutIdLst>
-  <p:hf dt="0" ftr="0" hdr="0" sldNum="0"/>
+  <p:hf sldNum="0" hdr="0" ftr="0" dt="0"/>
   <p:txStyles>
     <p:titleStyle>
-      <a:defPPr lvl="0" marR="0" rtl="0" algn="l">
+      <a:defPPr marR="0" lvl="0" algn="l" rtl="0">
         <a:lnSpc>
           <a:spcPct val="100000"/>
         </a:lnSpc>
@@ -8513,7 +8732,7 @@
           <a:spcPts val="0"/>
         </a:spcAft>
       </a:defPPr>
-      <a:lvl1pPr lvl="0" marR="0" rtl="0" algn="l">
+      <a:lvl1pPr marR="0" lvl="0" algn="l" rtl="0">
         <a:lnSpc>
           <a:spcPct val="100000"/>
         </a:lnSpc>
@@ -8527,7 +8746,7 @@
           <a:srgbClr val="000000"/>
         </a:buClr>
         <a:buFont typeface="Arial"/>
-        <a:defRPr b="0" i="0" sz="1400" u="none" cap="none" strike="noStrike">
+        <a:defRPr sz="1400" b="0" i="0" u="none" strike="noStrike" cap="none">
           <a:solidFill>
             <a:srgbClr val="000000"/>
           </a:solidFill>
@@ -8537,7 +8756,7 @@
           <a:sym typeface="Arial"/>
         </a:defRPr>
       </a:lvl1pPr>
-      <a:lvl2pPr lvl="1" marR="0" rtl="0" algn="l">
+      <a:lvl2pPr marR="0" lvl="1" algn="l" rtl="0">
         <a:lnSpc>
           <a:spcPct val="100000"/>
         </a:lnSpc>
@@ -8551,7 +8770,7 @@
           <a:srgbClr val="000000"/>
         </a:buClr>
         <a:buFont typeface="Arial"/>
-        <a:defRPr b="0" i="0" sz="1400" u="none" cap="none" strike="noStrike">
+        <a:defRPr sz="1400" b="0" i="0" u="none" strike="noStrike" cap="none">
           <a:solidFill>
             <a:srgbClr val="000000"/>
           </a:solidFill>
@@ -8561,7 +8780,7 @@
           <a:sym typeface="Arial"/>
         </a:defRPr>
       </a:lvl2pPr>
-      <a:lvl3pPr lvl="2" marR="0" rtl="0" algn="l">
+      <a:lvl3pPr marR="0" lvl="2" algn="l" rtl="0">
         <a:lnSpc>
           <a:spcPct val="100000"/>
         </a:lnSpc>
@@ -8575,7 +8794,7 @@
           <a:srgbClr val="000000"/>
         </a:buClr>
         <a:buFont typeface="Arial"/>
-        <a:defRPr b="0" i="0" sz="1400" u="none" cap="none" strike="noStrike">
+        <a:defRPr sz="1400" b="0" i="0" u="none" strike="noStrike" cap="none">
           <a:solidFill>
             <a:srgbClr val="000000"/>
           </a:solidFill>
@@ -8585,7 +8804,7 @@
           <a:sym typeface="Arial"/>
         </a:defRPr>
       </a:lvl3pPr>
-      <a:lvl4pPr lvl="3" marR="0" rtl="0" algn="l">
+      <a:lvl4pPr marR="0" lvl="3" algn="l" rtl="0">
         <a:lnSpc>
           <a:spcPct val="100000"/>
         </a:lnSpc>
@@ -8599,7 +8818,7 @@
           <a:srgbClr val="000000"/>
         </a:buClr>
         <a:buFont typeface="Arial"/>
-        <a:defRPr b="0" i="0" sz="1400" u="none" cap="none" strike="noStrike">
+        <a:defRPr sz="1400" b="0" i="0" u="none" strike="noStrike" cap="none">
           <a:solidFill>
             <a:srgbClr val="000000"/>
           </a:solidFill>
@@ -8609,7 +8828,7 @@
           <a:sym typeface="Arial"/>
         </a:defRPr>
       </a:lvl4pPr>
-      <a:lvl5pPr lvl="4" marR="0" rtl="0" algn="l">
+      <a:lvl5pPr marR="0" lvl="4" algn="l" rtl="0">
         <a:lnSpc>
           <a:spcPct val="100000"/>
         </a:lnSpc>
@@ -8623,7 +8842,7 @@
           <a:srgbClr val="000000"/>
         </a:buClr>
         <a:buFont typeface="Arial"/>
-        <a:defRPr b="0" i="0" sz="1400" u="none" cap="none" strike="noStrike">
+        <a:defRPr sz="1400" b="0" i="0" u="none" strike="noStrike" cap="none">
           <a:solidFill>
             <a:srgbClr val="000000"/>
           </a:solidFill>
@@ -8633,7 +8852,7 @@
           <a:sym typeface="Arial"/>
         </a:defRPr>
       </a:lvl5pPr>
-      <a:lvl6pPr lvl="5" marR="0" rtl="0" algn="l">
+      <a:lvl6pPr marR="0" lvl="5" algn="l" rtl="0">
         <a:lnSpc>
           <a:spcPct val="100000"/>
         </a:lnSpc>
@@ -8647,7 +8866,7 @@
           <a:srgbClr val="000000"/>
         </a:buClr>
         <a:buFont typeface="Arial"/>
-        <a:defRPr b="0" i="0" sz="1400" u="none" cap="none" strike="noStrike">
+        <a:defRPr sz="1400" b="0" i="0" u="none" strike="noStrike" cap="none">
           <a:solidFill>
             <a:srgbClr val="000000"/>
           </a:solidFill>
@@ -8657,7 +8876,7 @@
           <a:sym typeface="Arial"/>
         </a:defRPr>
       </a:lvl6pPr>
-      <a:lvl7pPr lvl="6" marR="0" rtl="0" algn="l">
+      <a:lvl7pPr marR="0" lvl="6" algn="l" rtl="0">
         <a:lnSpc>
           <a:spcPct val="100000"/>
         </a:lnSpc>
@@ -8671,7 +8890,7 @@
           <a:srgbClr val="000000"/>
         </a:buClr>
         <a:buFont typeface="Arial"/>
-        <a:defRPr b="0" i="0" sz="1400" u="none" cap="none" strike="noStrike">
+        <a:defRPr sz="1400" b="0" i="0" u="none" strike="noStrike" cap="none">
           <a:solidFill>
             <a:srgbClr val="000000"/>
           </a:solidFill>
@@ -8681,7 +8900,7 @@
           <a:sym typeface="Arial"/>
         </a:defRPr>
       </a:lvl7pPr>
-      <a:lvl8pPr lvl="7" marR="0" rtl="0" algn="l">
+      <a:lvl8pPr marR="0" lvl="7" algn="l" rtl="0">
         <a:lnSpc>
           <a:spcPct val="100000"/>
         </a:lnSpc>
@@ -8695,7 +8914,7 @@
           <a:srgbClr val="000000"/>
         </a:buClr>
         <a:buFont typeface="Arial"/>
-        <a:defRPr b="0" i="0" sz="1400" u="none" cap="none" strike="noStrike">
+        <a:defRPr sz="1400" b="0" i="0" u="none" strike="noStrike" cap="none">
           <a:solidFill>
             <a:srgbClr val="000000"/>
           </a:solidFill>
@@ -8705,7 +8924,7 @@
           <a:sym typeface="Arial"/>
         </a:defRPr>
       </a:lvl8pPr>
-      <a:lvl9pPr lvl="8" marR="0" rtl="0" algn="l">
+      <a:lvl9pPr marR="0" lvl="8" algn="l" rtl="0">
         <a:lnSpc>
           <a:spcPct val="100000"/>
         </a:lnSpc>
@@ -8719,7 +8938,7 @@
           <a:srgbClr val="000000"/>
         </a:buClr>
         <a:buFont typeface="Arial"/>
-        <a:defRPr b="0" i="0" sz="1400" u="none" cap="none" strike="noStrike">
+        <a:defRPr sz="1400" b="0" i="0" u="none" strike="noStrike" cap="none">
           <a:solidFill>
             <a:srgbClr val="000000"/>
           </a:solidFill>
@@ -8731,7 +8950,7 @@
       </a:lvl9pPr>
     </p:titleStyle>
     <p:bodyStyle>
-      <a:defPPr lvl="0" marR="0" rtl="0" algn="l">
+      <a:defPPr marR="0" lvl="0" algn="l" rtl="0">
         <a:lnSpc>
           <a:spcPct val="100000"/>
         </a:lnSpc>
@@ -8742,7 +8961,7 @@
           <a:spcPts val="0"/>
         </a:spcAft>
       </a:defPPr>
-      <a:lvl1pPr lvl="0" marR="0" rtl="0" algn="l">
+      <a:lvl1pPr marR="0" lvl="0" algn="l" rtl="0">
         <a:lnSpc>
           <a:spcPct val="100000"/>
         </a:lnSpc>
@@ -8756,7 +8975,7 @@
           <a:srgbClr val="000000"/>
         </a:buClr>
         <a:buFont typeface="Arial"/>
-        <a:defRPr b="0" i="0" sz="1400" u="none" cap="none" strike="noStrike">
+        <a:defRPr sz="1400" b="0" i="0" u="none" strike="noStrike" cap="none">
           <a:solidFill>
             <a:srgbClr val="000000"/>
           </a:solidFill>
@@ -8766,7 +8985,7 @@
           <a:sym typeface="Arial"/>
         </a:defRPr>
       </a:lvl1pPr>
-      <a:lvl2pPr lvl="1" marR="0" rtl="0" algn="l">
+      <a:lvl2pPr marR="0" lvl="1" algn="l" rtl="0">
         <a:lnSpc>
           <a:spcPct val="100000"/>
         </a:lnSpc>
@@ -8780,7 +8999,7 @@
           <a:srgbClr val="000000"/>
         </a:buClr>
         <a:buFont typeface="Arial"/>
-        <a:defRPr b="0" i="0" sz="1400" u="none" cap="none" strike="noStrike">
+        <a:defRPr sz="1400" b="0" i="0" u="none" strike="noStrike" cap="none">
           <a:solidFill>
             <a:srgbClr val="000000"/>
           </a:solidFill>
@@ -8790,7 +9009,7 @@
           <a:sym typeface="Arial"/>
         </a:defRPr>
       </a:lvl2pPr>
-      <a:lvl3pPr lvl="2" marR="0" rtl="0" algn="l">
+      <a:lvl3pPr marR="0" lvl="2" algn="l" rtl="0">
         <a:lnSpc>
           <a:spcPct val="100000"/>
         </a:lnSpc>
@@ -8804,7 +9023,7 @@
           <a:srgbClr val="000000"/>
         </a:buClr>
         <a:buFont typeface="Arial"/>
-        <a:defRPr b="0" i="0" sz="1400" u="none" cap="none" strike="noStrike">
+        <a:defRPr sz="1400" b="0" i="0" u="none" strike="noStrike" cap="none">
           <a:solidFill>
             <a:srgbClr val="000000"/>
           </a:solidFill>
@@ -8814,7 +9033,7 @@
           <a:sym typeface="Arial"/>
         </a:defRPr>
       </a:lvl3pPr>
-      <a:lvl4pPr lvl="3" marR="0" rtl="0" algn="l">
+      <a:lvl4pPr marR="0" lvl="3" algn="l" rtl="0">
         <a:lnSpc>
           <a:spcPct val="100000"/>
         </a:lnSpc>
@@ -8828,7 +9047,7 @@
           <a:srgbClr val="000000"/>
         </a:buClr>
         <a:buFont typeface="Arial"/>
-        <a:defRPr b="0" i="0" sz="1400" u="none" cap="none" strike="noStrike">
+        <a:defRPr sz="1400" b="0" i="0" u="none" strike="noStrike" cap="none">
           <a:solidFill>
             <a:srgbClr val="000000"/>
           </a:solidFill>
@@ -8838,7 +9057,7 @@
           <a:sym typeface="Arial"/>
         </a:defRPr>
       </a:lvl4pPr>
-      <a:lvl5pPr lvl="4" marR="0" rtl="0" algn="l">
+      <a:lvl5pPr marR="0" lvl="4" algn="l" rtl="0">
         <a:lnSpc>
           <a:spcPct val="100000"/>
         </a:lnSpc>
@@ -8852,7 +9071,7 @@
           <a:srgbClr val="000000"/>
         </a:buClr>
         <a:buFont typeface="Arial"/>
-        <a:defRPr b="0" i="0" sz="1400" u="none" cap="none" strike="noStrike">
+        <a:defRPr sz="1400" b="0" i="0" u="none" strike="noStrike" cap="none">
           <a:solidFill>
             <a:srgbClr val="000000"/>
           </a:solidFill>
@@ -8862,7 +9081,7 @@
           <a:sym typeface="Arial"/>
         </a:defRPr>
       </a:lvl5pPr>
-      <a:lvl6pPr lvl="5" marR="0" rtl="0" algn="l">
+      <a:lvl6pPr marR="0" lvl="5" algn="l" rtl="0">
         <a:lnSpc>
           <a:spcPct val="100000"/>
         </a:lnSpc>
@@ -8876,7 +9095,7 @@
           <a:srgbClr val="000000"/>
         </a:buClr>
         <a:buFont typeface="Arial"/>
-        <a:defRPr b="0" i="0" sz="1400" u="none" cap="none" strike="noStrike">
+        <a:defRPr sz="1400" b="0" i="0" u="none" strike="noStrike" cap="none">
           <a:solidFill>
             <a:srgbClr val="000000"/>
           </a:solidFill>
@@ -8886,7 +9105,7 @@
           <a:sym typeface="Arial"/>
         </a:defRPr>
       </a:lvl6pPr>
-      <a:lvl7pPr lvl="6" marR="0" rtl="0" algn="l">
+      <a:lvl7pPr marR="0" lvl="6" algn="l" rtl="0">
         <a:lnSpc>
           <a:spcPct val="100000"/>
         </a:lnSpc>
@@ -8900,7 +9119,7 @@
           <a:srgbClr val="000000"/>
         </a:buClr>
         <a:buFont typeface="Arial"/>
-        <a:defRPr b="0" i="0" sz="1400" u="none" cap="none" strike="noStrike">
+        <a:defRPr sz="1400" b="0" i="0" u="none" strike="noStrike" cap="none">
           <a:solidFill>
             <a:srgbClr val="000000"/>
           </a:solidFill>
@@ -8910,7 +9129,7 @@
           <a:sym typeface="Arial"/>
         </a:defRPr>
       </a:lvl7pPr>
-      <a:lvl8pPr lvl="7" marR="0" rtl="0" algn="l">
+      <a:lvl8pPr marR="0" lvl="7" algn="l" rtl="0">
         <a:lnSpc>
           <a:spcPct val="100000"/>
         </a:lnSpc>
@@ -8924,7 +9143,7 @@
           <a:srgbClr val="000000"/>
         </a:buClr>
         <a:buFont typeface="Arial"/>
-        <a:defRPr b="0" i="0" sz="1400" u="none" cap="none" strike="noStrike">
+        <a:defRPr sz="1400" b="0" i="0" u="none" strike="noStrike" cap="none">
           <a:solidFill>
             <a:srgbClr val="000000"/>
           </a:solidFill>
@@ -8934,7 +9153,7 @@
           <a:sym typeface="Arial"/>
         </a:defRPr>
       </a:lvl8pPr>
-      <a:lvl9pPr lvl="8" marR="0" rtl="0" algn="l">
+      <a:lvl9pPr marR="0" lvl="8" algn="l" rtl="0">
         <a:lnSpc>
           <a:spcPct val="100000"/>
         </a:lnSpc>
@@ -8948,7 +9167,7 @@
           <a:srgbClr val="000000"/>
         </a:buClr>
         <a:buFont typeface="Arial"/>
-        <a:defRPr b="0" i="0" sz="1400" u="none" cap="none" strike="noStrike">
+        <a:defRPr sz="1400" b="0" i="0" u="none" strike="noStrike" cap="none">
           <a:solidFill>
             <a:srgbClr val="000000"/>
           </a:solidFill>
@@ -8960,7 +9179,7 @@
       </a:lvl9pPr>
     </p:bodyStyle>
     <p:otherStyle>
-      <a:defPPr lvl="0" marR="0" rtl="0" algn="l">
+      <a:defPPr marR="0" lvl="0" algn="l" rtl="0">
         <a:lnSpc>
           <a:spcPct val="100000"/>
         </a:lnSpc>
@@ -8971,7 +9190,7 @@
           <a:spcPts val="0"/>
         </a:spcAft>
       </a:defPPr>
-      <a:lvl1pPr lvl="0" marR="0" rtl="0" algn="l">
+      <a:lvl1pPr marR="0" lvl="0" algn="l" rtl="0">
         <a:lnSpc>
           <a:spcPct val="100000"/>
         </a:lnSpc>
@@ -8985,7 +9204,7 @@
           <a:srgbClr val="000000"/>
         </a:buClr>
         <a:buFont typeface="Arial"/>
-        <a:defRPr b="0" i="0" sz="1400" u="none" cap="none" strike="noStrike">
+        <a:defRPr sz="1400" b="0" i="0" u="none" strike="noStrike" cap="none">
           <a:solidFill>
             <a:srgbClr val="000000"/>
           </a:solidFill>
@@ -8995,7 +9214,7 @@
           <a:sym typeface="Arial"/>
         </a:defRPr>
       </a:lvl1pPr>
-      <a:lvl2pPr lvl="1" marR="0" rtl="0" algn="l">
+      <a:lvl2pPr marR="0" lvl="1" algn="l" rtl="0">
         <a:lnSpc>
           <a:spcPct val="100000"/>
         </a:lnSpc>
@@ -9009,7 +9228,7 @@
           <a:srgbClr val="000000"/>
         </a:buClr>
         <a:buFont typeface="Arial"/>
-        <a:defRPr b="0" i="0" sz="1400" u="none" cap="none" strike="noStrike">
+        <a:defRPr sz="1400" b="0" i="0" u="none" strike="noStrike" cap="none">
           <a:solidFill>
             <a:srgbClr val="000000"/>
           </a:solidFill>
@@ -9019,7 +9238,7 @@
           <a:sym typeface="Arial"/>
         </a:defRPr>
       </a:lvl2pPr>
-      <a:lvl3pPr lvl="2" marR="0" rtl="0" algn="l">
+      <a:lvl3pPr marR="0" lvl="2" algn="l" rtl="0">
         <a:lnSpc>
           <a:spcPct val="100000"/>
         </a:lnSpc>
@@ -9033,7 +9252,7 @@
           <a:srgbClr val="000000"/>
         </a:buClr>
         <a:buFont typeface="Arial"/>
-        <a:defRPr b="0" i="0" sz="1400" u="none" cap="none" strike="noStrike">
+        <a:defRPr sz="1400" b="0" i="0" u="none" strike="noStrike" cap="none">
           <a:solidFill>
             <a:srgbClr val="000000"/>
           </a:solidFill>
@@ -9043,7 +9262,7 @@
           <a:sym typeface="Arial"/>
         </a:defRPr>
       </a:lvl3pPr>
-      <a:lvl4pPr lvl="3" marR="0" rtl="0" algn="l">
+      <a:lvl4pPr marR="0" lvl="3" algn="l" rtl="0">
         <a:lnSpc>
           <a:spcPct val="100000"/>
         </a:lnSpc>
@@ -9057,7 +9276,7 @@
           <a:srgbClr val="000000"/>
         </a:buClr>
         <a:buFont typeface="Arial"/>
-        <a:defRPr b="0" i="0" sz="1400" u="none" cap="none" strike="noStrike">
+        <a:defRPr sz="1400" b="0" i="0" u="none" strike="noStrike" cap="none">
           <a:solidFill>
             <a:srgbClr val="000000"/>
           </a:solidFill>
@@ -9067,7 +9286,7 @@
           <a:sym typeface="Arial"/>
         </a:defRPr>
       </a:lvl4pPr>
-      <a:lvl5pPr lvl="4" marR="0" rtl="0" algn="l">
+      <a:lvl5pPr marR="0" lvl="4" algn="l" rtl="0">
         <a:lnSpc>
           <a:spcPct val="100000"/>
         </a:lnSpc>
@@ -9081,7 +9300,7 @@
           <a:srgbClr val="000000"/>
         </a:buClr>
         <a:buFont typeface="Arial"/>
-        <a:defRPr b="0" i="0" sz="1400" u="none" cap="none" strike="noStrike">
+        <a:defRPr sz="1400" b="0" i="0" u="none" strike="noStrike" cap="none">
           <a:solidFill>
             <a:srgbClr val="000000"/>
           </a:solidFill>
@@ -9091,7 +9310,7 @@
           <a:sym typeface="Arial"/>
         </a:defRPr>
       </a:lvl5pPr>
-      <a:lvl6pPr lvl="5" marR="0" rtl="0" algn="l">
+      <a:lvl6pPr marR="0" lvl="5" algn="l" rtl="0">
         <a:lnSpc>
           <a:spcPct val="100000"/>
         </a:lnSpc>
@@ -9105,7 +9324,7 @@
           <a:srgbClr val="000000"/>
         </a:buClr>
         <a:buFont typeface="Arial"/>
-        <a:defRPr b="0" i="0" sz="1400" u="none" cap="none" strike="noStrike">
+        <a:defRPr sz="1400" b="0" i="0" u="none" strike="noStrike" cap="none">
           <a:solidFill>
             <a:srgbClr val="000000"/>
           </a:solidFill>
@@ -9115,7 +9334,7 @@
           <a:sym typeface="Arial"/>
         </a:defRPr>
       </a:lvl6pPr>
-      <a:lvl7pPr lvl="6" marR="0" rtl="0" algn="l">
+      <a:lvl7pPr marR="0" lvl="6" algn="l" rtl="0">
         <a:lnSpc>
           <a:spcPct val="100000"/>
         </a:lnSpc>
@@ -9129,7 +9348,7 @@
           <a:srgbClr val="000000"/>
         </a:buClr>
         <a:buFont typeface="Arial"/>
-        <a:defRPr b="0" i="0" sz="1400" u="none" cap="none" strike="noStrike">
+        <a:defRPr sz="1400" b="0" i="0" u="none" strike="noStrike" cap="none">
           <a:solidFill>
             <a:srgbClr val="000000"/>
           </a:solidFill>
@@ -9139,7 +9358,7 @@
           <a:sym typeface="Arial"/>
         </a:defRPr>
       </a:lvl7pPr>
-      <a:lvl8pPr lvl="7" marR="0" rtl="0" algn="l">
+      <a:lvl8pPr marR="0" lvl="7" algn="l" rtl="0">
         <a:lnSpc>
           <a:spcPct val="100000"/>
         </a:lnSpc>
@@ -9153,7 +9372,7 @@
           <a:srgbClr val="000000"/>
         </a:buClr>
         <a:buFont typeface="Arial"/>
-        <a:defRPr b="0" i="0" sz="1400" u="none" cap="none" strike="noStrike">
+        <a:defRPr sz="1400" b="0" i="0" u="none" strike="noStrike" cap="none">
           <a:solidFill>
             <a:srgbClr val="000000"/>
           </a:solidFill>
@@ -9163,7 +9382,7 @@
           <a:sym typeface="Arial"/>
         </a:defRPr>
       </a:lvl8pPr>
-      <a:lvl9pPr lvl="8" marR="0" rtl="0" algn="l">
+      <a:lvl9pPr marR="0" lvl="8" algn="l" rtl="0">
         <a:lnSpc>
           <a:spcPct val="100000"/>
         </a:lnSpc>
@@ -9177,7 +9396,7 @@
           <a:srgbClr val="000000"/>
         </a:buClr>
         <a:buFont typeface="Arial"/>
-        <a:defRPr b="0" i="0" sz="1400" u="none" cap="none" strike="noStrike">
+        <a:defRPr sz="1400" b="0" i="0" u="none" strike="noStrike" cap="none">
           <a:solidFill>
             <a:srgbClr val="000000"/>
           </a:solidFill>
@@ -9193,11 +9412,11 @@
 </file>
 
 <file path=ppt/slides/slide1.xml><?xml version="1.0" encoding="utf-8"?>
-<p:sld xmlns:a="http://schemas.openxmlformats.org/drawingml/2006/main" xmlns:r="http://schemas.openxmlformats.org/officeDocument/2006/relationships" xmlns:mc="http://schemas.openxmlformats.org/markup-compatibility/2006" xmlns:mv="urn:schemas-microsoft-com:mac:vml" xmlns:p="http://schemas.openxmlformats.org/presentationml/2006/main" xmlns:c="http://schemas.openxmlformats.org/drawingml/2006/chart" xmlns:dgm="http://schemas.openxmlformats.org/drawingml/2006/diagram" xmlns:o="urn:schemas-microsoft-com:office:office" xmlns:v="urn:schemas-microsoft-com:vml" xmlns:pvml="urn:schemas-microsoft-com:office:powerpoint" xmlns:com="http://schemas.openxmlformats.org/drawingml/2006/compatibility" xmlns:p14="http://schemas.microsoft.com/office/powerpoint/2010/main" xmlns:p15="http://schemas.microsoft.com/office/powerpoint/2012/main" xmlns:ahyp="http://schemas.microsoft.com/office/drawing/2018/hyperlinkcolor">
+<p:sld xmlns:a="http://schemas.openxmlformats.org/drawingml/2006/main" xmlns:r="http://schemas.openxmlformats.org/officeDocument/2006/relationships" xmlns:p="http://schemas.openxmlformats.org/presentationml/2006/main">
   <p:cSld>
     <p:spTree>
       <p:nvGrpSpPr>
-        <p:cNvPr id="66" name="Shape 66"/>
+        <p:cNvPr id="1" name="Shape 66"/>
         <p:cNvGrpSpPr/>
         <p:nvPr/>
       </p:nvGrpSpPr>
@@ -9212,7 +9431,9 @@
       <p:sp>
         <p:nvSpPr>
           <p:cNvPr id="67" name="Google Shape;67;p13"/>
-          <p:cNvSpPr txBox="1"/>
+          <p:cNvSpPr txBox="1">
+            <a:spLocks noGrp="1"/>
+          </p:cNvSpPr>
           <p:nvPr>
             <p:ph type="ctrTitle"/>
           </p:nvPr>
@@ -9227,12 +9448,12 @@
           </a:prstGeom>
         </p:spPr>
         <p:txBody>
-          <a:bodyPr anchorCtr="0" anchor="b" bIns="91425" lIns="91425" spcFirstLastPara="1" rIns="91425" wrap="square" tIns="91425">
+          <a:bodyPr spcFirstLastPara="1" wrap="square" lIns="91425" tIns="91425" rIns="91425" bIns="91425" anchor="b" anchorCtr="0">
             <a:noAutofit/>
           </a:bodyPr>
           <a:lstStyle/>
           <a:p>
-            <a:pPr indent="0" lvl="0" marL="0" rtl="0" algn="l">
+            <a:pPr marL="0" lvl="0" indent="0" algn="l" rtl="0">
               <a:spcBef>
                 <a:spcPts val="0"/>
               </a:spcBef>
@@ -9252,9 +9473,11 @@
       <p:sp>
         <p:nvSpPr>
           <p:cNvPr id="68" name="Google Shape;68;p13"/>
-          <p:cNvSpPr txBox="1"/>
+          <p:cNvSpPr txBox="1">
+            <a:spLocks noGrp="1"/>
+          </p:cNvSpPr>
           <p:nvPr>
-            <p:ph idx="1" type="subTitle"/>
+            <p:ph type="subTitle" idx="1"/>
           </p:nvPr>
         </p:nvSpPr>
         <p:spPr>
@@ -9267,12 +9490,12 @@
           </a:prstGeom>
         </p:spPr>
         <p:txBody>
-          <a:bodyPr anchorCtr="0" anchor="t" bIns="91425" lIns="91425" spcFirstLastPara="1" rIns="91425" wrap="square" tIns="91425">
+          <a:bodyPr spcFirstLastPara="1" wrap="square" lIns="91425" tIns="91425" rIns="91425" bIns="91425" anchor="t" anchorCtr="0">
             <a:noAutofit/>
           </a:bodyPr>
           <a:lstStyle/>
           <a:p>
-            <a:pPr indent="0" lvl="0" marL="0" rtl="0" algn="l">
+            <a:pPr marL="0" lvl="0" indent="0" algn="l" rtl="0">
               <a:spcBef>
                 <a:spcPts val="0"/>
               </a:spcBef>
@@ -9298,11 +9521,11 @@
 </file>
 
 <file path=ppt/slides/slide10.xml><?xml version="1.0" encoding="utf-8"?>
-<p:sld xmlns:a="http://schemas.openxmlformats.org/drawingml/2006/main" xmlns:r="http://schemas.openxmlformats.org/officeDocument/2006/relationships" xmlns:mc="http://schemas.openxmlformats.org/markup-compatibility/2006" xmlns:mv="urn:schemas-microsoft-com:mac:vml" xmlns:p="http://schemas.openxmlformats.org/presentationml/2006/main" xmlns:c="http://schemas.openxmlformats.org/drawingml/2006/chart" xmlns:dgm="http://schemas.openxmlformats.org/drawingml/2006/diagram" xmlns:o="urn:schemas-microsoft-com:office:office" xmlns:v="urn:schemas-microsoft-com:vml" xmlns:pvml="urn:schemas-microsoft-com:office:powerpoint" xmlns:com="http://schemas.openxmlformats.org/drawingml/2006/compatibility" xmlns:p14="http://schemas.microsoft.com/office/powerpoint/2010/main" xmlns:p15="http://schemas.microsoft.com/office/powerpoint/2012/main" xmlns:ahyp="http://schemas.microsoft.com/office/drawing/2018/hyperlinkcolor">
+<p:sld xmlns:a="http://schemas.openxmlformats.org/drawingml/2006/main" xmlns:r="http://schemas.openxmlformats.org/officeDocument/2006/relationships" xmlns:p="http://schemas.openxmlformats.org/presentationml/2006/main">
   <p:cSld>
     <p:spTree>
       <p:nvGrpSpPr>
-        <p:cNvPr id="136" name="Shape 136"/>
+        <p:cNvPr id="1" name="Shape 136"/>
         <p:cNvGrpSpPr/>
         <p:nvPr/>
       </p:nvGrpSpPr>
@@ -9317,7 +9540,9 @@
       <p:sp>
         <p:nvSpPr>
           <p:cNvPr id="137" name="Google Shape;137;p22"/>
-          <p:cNvSpPr txBox="1"/>
+          <p:cNvSpPr txBox="1">
+            <a:spLocks noGrp="1"/>
+          </p:cNvSpPr>
           <p:nvPr>
             <p:ph type="title"/>
           </p:nvPr>
@@ -9332,12 +9557,12 @@
           </a:prstGeom>
         </p:spPr>
         <p:txBody>
-          <a:bodyPr anchorCtr="0" anchor="b" bIns="91425" lIns="91425" spcFirstLastPara="1" rIns="91425" wrap="square" tIns="91425">
+          <a:bodyPr spcFirstLastPara="1" wrap="square" lIns="91425" tIns="91425" rIns="91425" bIns="91425" anchor="b" anchorCtr="0">
             <a:noAutofit/>
           </a:bodyPr>
           <a:lstStyle/>
           <a:p>
-            <a:pPr indent="0" lvl="0" marL="0" rtl="0" algn="l">
+            <a:pPr marL="0" lvl="0" indent="0" algn="l" rtl="0">
               <a:spcBef>
                 <a:spcPts val="0"/>
               </a:spcBef>
@@ -9419,11 +9644,11 @@
 </file>
 
 <file path=ppt/slides/slide11.xml><?xml version="1.0" encoding="utf-8"?>
-<p:sld xmlns:a="http://schemas.openxmlformats.org/drawingml/2006/main" xmlns:r="http://schemas.openxmlformats.org/officeDocument/2006/relationships" xmlns:mc="http://schemas.openxmlformats.org/markup-compatibility/2006" xmlns:mv="urn:schemas-microsoft-com:mac:vml" xmlns:p="http://schemas.openxmlformats.org/presentationml/2006/main" xmlns:c="http://schemas.openxmlformats.org/drawingml/2006/chart" xmlns:dgm="http://schemas.openxmlformats.org/drawingml/2006/diagram" xmlns:o="urn:schemas-microsoft-com:office:office" xmlns:v="urn:schemas-microsoft-com:vml" xmlns:pvml="urn:schemas-microsoft-com:office:powerpoint" xmlns:com="http://schemas.openxmlformats.org/drawingml/2006/compatibility" xmlns:p14="http://schemas.microsoft.com/office/powerpoint/2010/main" xmlns:p15="http://schemas.microsoft.com/office/powerpoint/2012/main" xmlns:ahyp="http://schemas.microsoft.com/office/drawing/2018/hyperlinkcolor">
+<p:sld xmlns:a="http://schemas.openxmlformats.org/drawingml/2006/main" xmlns:r="http://schemas.openxmlformats.org/officeDocument/2006/relationships" xmlns:p="http://schemas.openxmlformats.org/presentationml/2006/main">
   <p:cSld>
     <p:spTree>
       <p:nvGrpSpPr>
-        <p:cNvPr id="143" name="Shape 143"/>
+        <p:cNvPr id="1" name="Shape 143"/>
         <p:cNvGrpSpPr/>
         <p:nvPr/>
       </p:nvGrpSpPr>
@@ -9438,7 +9663,9 @@
       <p:sp>
         <p:nvSpPr>
           <p:cNvPr id="144" name="Google Shape;144;p23"/>
-          <p:cNvSpPr txBox="1"/>
+          <p:cNvSpPr txBox="1">
+            <a:spLocks noGrp="1"/>
+          </p:cNvSpPr>
           <p:nvPr>
             <p:ph type="title"/>
           </p:nvPr>
@@ -9453,12 +9680,12 @@
           </a:prstGeom>
         </p:spPr>
         <p:txBody>
-          <a:bodyPr anchorCtr="0" anchor="b" bIns="91425" lIns="91425" spcFirstLastPara="1" rIns="91425" wrap="square" tIns="91425">
+          <a:bodyPr spcFirstLastPara="1" wrap="square" lIns="91425" tIns="91425" rIns="91425" bIns="91425" anchor="b" anchorCtr="0">
             <a:noAutofit/>
           </a:bodyPr>
           <a:lstStyle/>
           <a:p>
-            <a:pPr indent="0" lvl="0" marL="0" rtl="0" algn="l">
+            <a:pPr marL="0" lvl="0" indent="0" algn="l" rtl="0">
               <a:spcBef>
                 <a:spcPts val="0"/>
               </a:spcBef>
@@ -9568,11 +9795,11 @@
 </file>
 
 <file path=ppt/slides/slide12.xml><?xml version="1.0" encoding="utf-8"?>
-<p:sld xmlns:a="http://schemas.openxmlformats.org/drawingml/2006/main" xmlns:r="http://schemas.openxmlformats.org/officeDocument/2006/relationships" xmlns:mc="http://schemas.openxmlformats.org/markup-compatibility/2006" xmlns:mv="urn:schemas-microsoft-com:mac:vml" xmlns:p="http://schemas.openxmlformats.org/presentationml/2006/main" xmlns:c="http://schemas.openxmlformats.org/drawingml/2006/chart" xmlns:dgm="http://schemas.openxmlformats.org/drawingml/2006/diagram" xmlns:o="urn:schemas-microsoft-com:office:office" xmlns:v="urn:schemas-microsoft-com:vml" xmlns:pvml="urn:schemas-microsoft-com:office:powerpoint" xmlns:com="http://schemas.openxmlformats.org/drawingml/2006/compatibility" xmlns:p14="http://schemas.microsoft.com/office/powerpoint/2010/main" xmlns:p15="http://schemas.microsoft.com/office/powerpoint/2012/main" xmlns:ahyp="http://schemas.microsoft.com/office/drawing/2018/hyperlinkcolor">
+<p:sld xmlns:a="http://schemas.openxmlformats.org/drawingml/2006/main" xmlns:r="http://schemas.openxmlformats.org/officeDocument/2006/relationships" xmlns:p="http://schemas.openxmlformats.org/presentationml/2006/main">
   <p:cSld>
     <p:spTree>
       <p:nvGrpSpPr>
-        <p:cNvPr id="151" name="Shape 151"/>
+        <p:cNvPr id="1" name="Shape 151"/>
         <p:cNvGrpSpPr/>
         <p:nvPr/>
       </p:nvGrpSpPr>
@@ -9587,7 +9814,9 @@
       <p:sp>
         <p:nvSpPr>
           <p:cNvPr id="152" name="Google Shape;152;p24"/>
-          <p:cNvSpPr txBox="1"/>
+          <p:cNvSpPr txBox="1">
+            <a:spLocks noGrp="1"/>
+          </p:cNvSpPr>
           <p:nvPr>
             <p:ph type="title"/>
           </p:nvPr>
@@ -9602,12 +9831,12 @@
           </a:prstGeom>
         </p:spPr>
         <p:txBody>
-          <a:bodyPr anchorCtr="0" anchor="b" bIns="91425" lIns="91425" spcFirstLastPara="1" rIns="91425" wrap="square" tIns="91425">
+          <a:bodyPr spcFirstLastPara="1" wrap="square" lIns="91425" tIns="91425" rIns="91425" bIns="91425" anchor="b" anchorCtr="0">
             <a:noAutofit/>
           </a:bodyPr>
           <a:lstStyle/>
           <a:p>
-            <a:pPr indent="0" lvl="0" marL="0" rtl="0" algn="l">
+            <a:pPr marL="0" lvl="0" indent="0" algn="l" rtl="0">
               <a:spcBef>
                 <a:spcPts val="0"/>
               </a:spcBef>
@@ -9661,11 +9890,11 @@
 </file>
 
 <file path=ppt/slides/slide13.xml><?xml version="1.0" encoding="utf-8"?>
-<p:sld xmlns:a="http://schemas.openxmlformats.org/drawingml/2006/main" xmlns:r="http://schemas.openxmlformats.org/officeDocument/2006/relationships" xmlns:mc="http://schemas.openxmlformats.org/markup-compatibility/2006" xmlns:mv="urn:schemas-microsoft-com:mac:vml" xmlns:p="http://schemas.openxmlformats.org/presentationml/2006/main" xmlns:c="http://schemas.openxmlformats.org/drawingml/2006/chart" xmlns:dgm="http://schemas.openxmlformats.org/drawingml/2006/diagram" xmlns:o="urn:schemas-microsoft-com:office:office" xmlns:v="urn:schemas-microsoft-com:vml" xmlns:pvml="urn:schemas-microsoft-com:office:powerpoint" xmlns:com="http://schemas.openxmlformats.org/drawingml/2006/compatibility" xmlns:p14="http://schemas.microsoft.com/office/powerpoint/2010/main" xmlns:p15="http://schemas.microsoft.com/office/powerpoint/2012/main" xmlns:ahyp="http://schemas.microsoft.com/office/drawing/2018/hyperlinkcolor">
+<p:sld xmlns:a="http://schemas.openxmlformats.org/drawingml/2006/main" xmlns:r="http://schemas.openxmlformats.org/officeDocument/2006/relationships" xmlns:p="http://schemas.openxmlformats.org/presentationml/2006/main">
   <p:cSld>
     <p:spTree>
       <p:nvGrpSpPr>
-        <p:cNvPr id="157" name="Shape 157"/>
+        <p:cNvPr id="1" name="Shape 157"/>
         <p:cNvGrpSpPr/>
         <p:nvPr/>
       </p:nvGrpSpPr>
@@ -9680,7 +9909,9 @@
       <p:sp>
         <p:nvSpPr>
           <p:cNvPr id="158" name="Google Shape;158;p25"/>
-          <p:cNvSpPr txBox="1"/>
+          <p:cNvSpPr txBox="1">
+            <a:spLocks noGrp="1"/>
+          </p:cNvSpPr>
           <p:nvPr>
             <p:ph type="title"/>
           </p:nvPr>
@@ -9695,12 +9926,12 @@
           </a:prstGeom>
         </p:spPr>
         <p:txBody>
-          <a:bodyPr anchorCtr="0" anchor="b" bIns="91425" lIns="91425" spcFirstLastPara="1" rIns="91425" wrap="square" tIns="91425">
+          <a:bodyPr spcFirstLastPara="1" wrap="square" lIns="91425" tIns="91425" rIns="91425" bIns="91425" anchor="b" anchorCtr="0">
             <a:noAutofit/>
           </a:bodyPr>
           <a:lstStyle/>
           <a:p>
-            <a:pPr indent="0" lvl="0" marL="0" rtl="0" algn="l">
+            <a:pPr marL="0" lvl="0" indent="0" algn="l" rtl="0">
               <a:spcBef>
                 <a:spcPts val="0"/>
               </a:spcBef>
@@ -9754,11 +9985,11 @@
 </file>
 
 <file path=ppt/slides/slide14.xml><?xml version="1.0" encoding="utf-8"?>
-<p:sld xmlns:a="http://schemas.openxmlformats.org/drawingml/2006/main" xmlns:r="http://schemas.openxmlformats.org/officeDocument/2006/relationships" xmlns:mc="http://schemas.openxmlformats.org/markup-compatibility/2006" xmlns:mv="urn:schemas-microsoft-com:mac:vml" xmlns:p="http://schemas.openxmlformats.org/presentationml/2006/main" xmlns:c="http://schemas.openxmlformats.org/drawingml/2006/chart" xmlns:dgm="http://schemas.openxmlformats.org/drawingml/2006/diagram" xmlns:o="urn:schemas-microsoft-com:office:office" xmlns:v="urn:schemas-microsoft-com:vml" xmlns:pvml="urn:schemas-microsoft-com:office:powerpoint" xmlns:com="http://schemas.openxmlformats.org/drawingml/2006/compatibility" xmlns:p14="http://schemas.microsoft.com/office/powerpoint/2010/main" xmlns:p15="http://schemas.microsoft.com/office/powerpoint/2012/main" xmlns:ahyp="http://schemas.microsoft.com/office/drawing/2018/hyperlinkcolor">
+<p:sld xmlns:a="http://schemas.openxmlformats.org/drawingml/2006/main" xmlns:r="http://schemas.openxmlformats.org/officeDocument/2006/relationships" xmlns:p="http://schemas.openxmlformats.org/presentationml/2006/main">
   <p:cSld>
     <p:spTree>
       <p:nvGrpSpPr>
-        <p:cNvPr id="163" name="Shape 163"/>
+        <p:cNvPr id="1" name="Shape 163"/>
         <p:cNvGrpSpPr/>
         <p:nvPr/>
       </p:nvGrpSpPr>
@@ -9773,7 +10004,9 @@
       <p:sp>
         <p:nvSpPr>
           <p:cNvPr id="164" name="Google Shape;164;p26"/>
-          <p:cNvSpPr txBox="1"/>
+          <p:cNvSpPr txBox="1">
+            <a:spLocks noGrp="1"/>
+          </p:cNvSpPr>
           <p:nvPr>
             <p:ph type="title"/>
           </p:nvPr>
@@ -9788,12 +10021,12 @@
           </a:prstGeom>
         </p:spPr>
         <p:txBody>
-          <a:bodyPr anchorCtr="0" anchor="b" bIns="91425" lIns="91425" spcFirstLastPara="1" rIns="91425" wrap="square" tIns="91425">
+          <a:bodyPr spcFirstLastPara="1" wrap="square" lIns="91425" tIns="91425" rIns="91425" bIns="91425" anchor="b" anchorCtr="0">
             <a:noAutofit/>
           </a:bodyPr>
           <a:lstStyle/>
           <a:p>
-            <a:pPr indent="0" lvl="0" marL="0" rtl="0" algn="l">
+            <a:pPr marL="0" lvl="0" indent="0" algn="l" rtl="0">
               <a:spcBef>
                 <a:spcPts val="0"/>
               </a:spcBef>
@@ -9813,9 +10046,11 @@
       <p:sp>
         <p:nvSpPr>
           <p:cNvPr id="165" name="Google Shape;165;p26"/>
-          <p:cNvSpPr txBox="1"/>
+          <p:cNvSpPr txBox="1">
+            <a:spLocks noGrp="1"/>
+          </p:cNvSpPr>
           <p:nvPr>
-            <p:ph idx="1" type="body"/>
+            <p:ph type="body" idx="1"/>
           </p:nvPr>
         </p:nvSpPr>
         <p:spPr>
@@ -9828,12 +10063,12 @@
           </a:prstGeom>
         </p:spPr>
         <p:txBody>
-          <a:bodyPr anchorCtr="0" anchor="t" bIns="91425" lIns="91425" spcFirstLastPara="1" rIns="91425" wrap="square" tIns="91425">
+          <a:bodyPr spcFirstLastPara="1" wrap="square" lIns="91425" tIns="91425" rIns="91425" bIns="91425" anchor="t" anchorCtr="0">
             <a:noAutofit/>
           </a:bodyPr>
           <a:lstStyle/>
           <a:p>
-            <a:pPr indent="0" lvl="0" marL="0" rtl="0" algn="l">
+            <a:pPr marL="0" lvl="0" indent="0" algn="l" rtl="0">
               <a:spcBef>
                 <a:spcPts val="0"/>
               </a:spcBef>
@@ -9842,9 +10077,6 @@
               </a:spcAft>
               <a:buNone/>
             </a:pPr>
-            <a:r>
-              <a:t/>
-            </a:r>
             <a:endParaRPr/>
           </a:p>
         </p:txBody>
@@ -9859,7 +10091,7 @@
           <a:blip r:embed="rId3">
             <a:alphaModFix/>
           </a:blip>
-          <a:srcRect b="56036" l="0" r="0" t="0"/>
+          <a:srcRect b="56036"/>
           <a:stretch/>
         </p:blipFill>
         <p:spPr>
@@ -9886,7 +10118,7 @@
           <a:blip r:embed="rId3">
             <a:alphaModFix/>
           </a:blip>
-          <a:srcRect b="1670" l="-620" r="619" t="79258"/>
+          <a:srcRect l="-620" t="79258" r="619" b="1670"/>
           <a:stretch/>
         </p:blipFill>
         <p:spPr>
@@ -9940,11 +10172,11 @@
 </file>
 
 <file path=ppt/slides/slide15.xml><?xml version="1.0" encoding="utf-8"?>
-<p:sld xmlns:a="http://schemas.openxmlformats.org/drawingml/2006/main" xmlns:r="http://schemas.openxmlformats.org/officeDocument/2006/relationships" xmlns:mc="http://schemas.openxmlformats.org/markup-compatibility/2006" xmlns:mv="urn:schemas-microsoft-com:mac:vml" xmlns:p="http://schemas.openxmlformats.org/presentationml/2006/main" xmlns:c="http://schemas.openxmlformats.org/drawingml/2006/chart" xmlns:dgm="http://schemas.openxmlformats.org/drawingml/2006/diagram" xmlns:o="urn:schemas-microsoft-com:office:office" xmlns:v="urn:schemas-microsoft-com:vml" xmlns:pvml="urn:schemas-microsoft-com:office:powerpoint" xmlns:com="http://schemas.openxmlformats.org/drawingml/2006/compatibility" xmlns:p14="http://schemas.microsoft.com/office/powerpoint/2010/main" xmlns:p15="http://schemas.microsoft.com/office/powerpoint/2012/main" xmlns:ahyp="http://schemas.microsoft.com/office/drawing/2018/hyperlinkcolor">
+<p:sld xmlns:a="http://schemas.openxmlformats.org/drawingml/2006/main" xmlns:r="http://schemas.openxmlformats.org/officeDocument/2006/relationships" xmlns:p="http://schemas.openxmlformats.org/presentationml/2006/main">
   <p:cSld>
     <p:spTree>
       <p:nvGrpSpPr>
-        <p:cNvPr id="172" name="Shape 172"/>
+        <p:cNvPr id="1" name="Shape 172"/>
         <p:cNvGrpSpPr/>
         <p:nvPr/>
       </p:nvGrpSpPr>
@@ -9959,7 +10191,9 @@
       <p:sp>
         <p:nvSpPr>
           <p:cNvPr id="173" name="Google Shape;173;p27"/>
-          <p:cNvSpPr txBox="1"/>
+          <p:cNvSpPr txBox="1">
+            <a:spLocks noGrp="1"/>
+          </p:cNvSpPr>
           <p:nvPr>
             <p:ph type="title"/>
           </p:nvPr>
@@ -9974,12 +10208,12 @@
           </a:prstGeom>
         </p:spPr>
         <p:txBody>
-          <a:bodyPr anchorCtr="0" anchor="b" bIns="91425" lIns="91425" spcFirstLastPara="1" rIns="91425" wrap="square" tIns="91425">
+          <a:bodyPr spcFirstLastPara="1" wrap="square" lIns="91425" tIns="91425" rIns="91425" bIns="91425" anchor="b" anchorCtr="0">
             <a:noAutofit/>
           </a:bodyPr>
           <a:lstStyle/>
           <a:p>
-            <a:pPr indent="0" lvl="0" marL="0" rtl="0" algn="ctr">
+            <a:pPr marL="0" lvl="0" indent="0" algn="ctr" rtl="0">
               <a:spcBef>
                 <a:spcPts val="0"/>
               </a:spcBef>
@@ -9999,9 +10233,11 @@
       <p:sp>
         <p:nvSpPr>
           <p:cNvPr id="174" name="Google Shape;174;p27"/>
-          <p:cNvSpPr txBox="1"/>
+          <p:cNvSpPr txBox="1">
+            <a:spLocks noGrp="1"/>
+          </p:cNvSpPr>
           <p:nvPr>
-            <p:ph idx="1" type="body"/>
+            <p:ph type="body" idx="1"/>
           </p:nvPr>
         </p:nvSpPr>
         <p:spPr>
@@ -10014,12 +10250,12 @@
           </a:prstGeom>
         </p:spPr>
         <p:txBody>
-          <a:bodyPr anchorCtr="0" anchor="t" bIns="91425" lIns="91425" spcFirstLastPara="1" rIns="91425" wrap="square" tIns="91425">
+          <a:bodyPr spcFirstLastPara="1" wrap="square" lIns="91425" tIns="91425" rIns="91425" bIns="91425" anchor="t" anchorCtr="0">
             <a:noAutofit/>
           </a:bodyPr>
           <a:lstStyle/>
           <a:p>
-            <a:pPr indent="-342900" lvl="0" marL="457200" rtl="0" algn="l">
+            <a:pPr marL="457200" lvl="0" indent="-342900" algn="l" rtl="0">
               <a:spcBef>
                 <a:spcPts val="0"/>
               </a:spcBef>
@@ -10036,7 +10272,7 @@
             <a:endParaRPr/>
           </a:p>
           <a:p>
-            <a:pPr indent="-342900" lvl="0" marL="457200" rtl="0" algn="l">
+            <a:pPr marL="457200" lvl="0" indent="-342900" algn="l" rtl="0">
               <a:spcBef>
                 <a:spcPts val="0"/>
               </a:spcBef>
@@ -10175,11 +10411,11 @@
 </file>
 
 <file path=ppt/slides/slide16.xml><?xml version="1.0" encoding="utf-8"?>
-<p:sld xmlns:a="http://schemas.openxmlformats.org/drawingml/2006/main" xmlns:r="http://schemas.openxmlformats.org/officeDocument/2006/relationships" xmlns:mc="http://schemas.openxmlformats.org/markup-compatibility/2006" xmlns:mv="urn:schemas-microsoft-com:mac:vml" xmlns:p="http://schemas.openxmlformats.org/presentationml/2006/main" xmlns:c="http://schemas.openxmlformats.org/drawingml/2006/chart" xmlns:dgm="http://schemas.openxmlformats.org/drawingml/2006/diagram" xmlns:o="urn:schemas-microsoft-com:office:office" xmlns:v="urn:schemas-microsoft-com:vml" xmlns:pvml="urn:schemas-microsoft-com:office:powerpoint" xmlns:com="http://schemas.openxmlformats.org/drawingml/2006/compatibility" xmlns:p14="http://schemas.microsoft.com/office/powerpoint/2010/main" xmlns:p15="http://schemas.microsoft.com/office/powerpoint/2012/main" xmlns:ahyp="http://schemas.microsoft.com/office/drawing/2018/hyperlinkcolor">
+<p:sld xmlns:a="http://schemas.openxmlformats.org/drawingml/2006/main" xmlns:r="http://schemas.openxmlformats.org/officeDocument/2006/relationships" xmlns:p="http://schemas.openxmlformats.org/presentationml/2006/main">
   <p:cSld>
     <p:spTree>
       <p:nvGrpSpPr>
-        <p:cNvPr id="182" name="Shape 182"/>
+        <p:cNvPr id="1" name="Shape 182"/>
         <p:cNvGrpSpPr/>
         <p:nvPr/>
       </p:nvGrpSpPr>
@@ -10194,7 +10430,9 @@
       <p:sp>
         <p:nvSpPr>
           <p:cNvPr id="183" name="Google Shape;183;p28"/>
-          <p:cNvSpPr txBox="1"/>
+          <p:cNvSpPr txBox="1">
+            <a:spLocks noGrp="1"/>
+          </p:cNvSpPr>
           <p:nvPr>
             <p:ph type="title"/>
           </p:nvPr>
@@ -10209,12 +10447,12 @@
           </a:prstGeom>
         </p:spPr>
         <p:txBody>
-          <a:bodyPr anchorCtr="0" anchor="b" bIns="91425" lIns="91425" spcFirstLastPara="1" rIns="91425" wrap="square" tIns="91425">
+          <a:bodyPr spcFirstLastPara="1" wrap="square" lIns="91425" tIns="91425" rIns="91425" bIns="91425" anchor="b" anchorCtr="0">
             <a:noAutofit/>
           </a:bodyPr>
           <a:lstStyle/>
           <a:p>
-            <a:pPr indent="0" lvl="0" marL="0" rtl="0" algn="ctr">
+            <a:pPr marL="0" lvl="0" indent="0" algn="ctr" rtl="0">
               <a:spcBef>
                 <a:spcPts val="0"/>
               </a:spcBef>
@@ -10234,9 +10472,11 @@
       <p:sp>
         <p:nvSpPr>
           <p:cNvPr id="184" name="Google Shape;184;p28"/>
-          <p:cNvSpPr txBox="1"/>
+          <p:cNvSpPr txBox="1">
+            <a:spLocks noGrp="1"/>
+          </p:cNvSpPr>
           <p:nvPr>
-            <p:ph idx="1" type="body"/>
+            <p:ph type="body" idx="1"/>
           </p:nvPr>
         </p:nvSpPr>
         <p:spPr>
@@ -10249,12 +10489,12 @@
           </a:prstGeom>
         </p:spPr>
         <p:txBody>
-          <a:bodyPr anchorCtr="0" anchor="t" bIns="91425" lIns="91425" spcFirstLastPara="1" rIns="91425" wrap="square" tIns="91425">
+          <a:bodyPr spcFirstLastPara="1" wrap="square" lIns="91425" tIns="91425" rIns="91425" bIns="91425" anchor="t" anchorCtr="0">
             <a:noAutofit/>
           </a:bodyPr>
           <a:lstStyle/>
           <a:p>
-            <a:pPr indent="0" lvl="0" marL="0" rtl="0" algn="l">
+            <a:pPr marL="0" lvl="0" indent="0" algn="l" rtl="0">
               <a:spcBef>
                 <a:spcPts val="0"/>
               </a:spcBef>
@@ -10279,7 +10519,7 @@
         </p:nvGraphicFramePr>
         <p:xfrm>
           <a:off x="712200" y="2571750"/>
-          <a:ext cx="3000000" cy="3000000"/>
+          <a:ext cx="7717525" cy="2209220"/>
         </p:xfrm>
         <a:graphic>
           <a:graphicData uri="http://schemas.openxmlformats.org/drawingml/2006/table">
@@ -10289,10 +10529,34 @@
                 <a:tableStyleId>{2504DD49-B459-4124-B7F3-5B864C954585}</a:tableStyleId>
               </a:tblPr>
               <a:tblGrid>
-                <a:gridCol w="993950"/>
-                <a:gridCol w="2196425"/>
-                <a:gridCol w="2293350"/>
-                <a:gridCol w="2233800"/>
+                <a:gridCol w="993950">
+                  <a:extLst>
+                    <a:ext uri="{9D8B030D-6E8A-4147-A177-3AD203B41FA5}">
+                      <a16:colId xmlns:a16="http://schemas.microsoft.com/office/drawing/2014/main" val="20000"/>
+                    </a:ext>
+                  </a:extLst>
+                </a:gridCol>
+                <a:gridCol w="2196425">
+                  <a:extLst>
+                    <a:ext uri="{9D8B030D-6E8A-4147-A177-3AD203B41FA5}">
+                      <a16:colId xmlns:a16="http://schemas.microsoft.com/office/drawing/2014/main" val="20001"/>
+                    </a:ext>
+                  </a:extLst>
+                </a:gridCol>
+                <a:gridCol w="2293350">
+                  <a:extLst>
+                    <a:ext uri="{9D8B030D-6E8A-4147-A177-3AD203B41FA5}">
+                      <a16:colId xmlns:a16="http://schemas.microsoft.com/office/drawing/2014/main" val="20002"/>
+                    </a:ext>
+                  </a:extLst>
+                </a:gridCol>
+                <a:gridCol w="2233800">
+                  <a:extLst>
+                    <a:ext uri="{9D8B030D-6E8A-4147-A177-3AD203B41FA5}">
+                      <a16:colId xmlns:a16="http://schemas.microsoft.com/office/drawing/2014/main" val="20003"/>
+                    </a:ext>
+                  </a:extLst>
+                </a:gridCol>
               </a:tblGrid>
               <a:tr h="479800">
                 <a:tc>
@@ -10300,7 +10564,7 @@
                     <a:bodyPr/>
                     <a:lstStyle/>
                     <a:p>
-                      <a:pPr indent="0" lvl="0" marL="0" rtl="0" algn="ctr">
+                      <a:pPr marL="0" lvl="0" indent="0" algn="ctr" rtl="0">
                         <a:spcBef>
                           <a:spcPts val="0"/>
                         </a:spcBef>
@@ -10316,14 +10580,14 @@
                       <a:endParaRPr/>
                     </a:p>
                   </a:txBody>
-                  <a:tcPr marT="91425" marB="91425" marR="91425" marL="91425"/>
+                  <a:tcPr marL="91425" marR="91425" marT="91425" marB="91425"/>
                 </a:tc>
                 <a:tc>
                   <a:txBody>
                     <a:bodyPr/>
                     <a:lstStyle/>
                     <a:p>
-                      <a:pPr indent="0" lvl="0" marL="0" rtl="0" algn="ctr">
+                      <a:pPr marL="0" lvl="0" indent="0" algn="ctr" rtl="0">
                         <a:spcBef>
                           <a:spcPts val="0"/>
                         </a:spcBef>
@@ -10337,7 +10601,7 @@
                         <a:t>R</a:t>
                       </a:r>
                       <a:r>
-                        <a:rPr baseline="30000" lang="en"/>
+                        <a:rPr lang="en" baseline="30000"/>
                         <a:t>2 </a:t>
                       </a:r>
                       <a:r>
@@ -10347,14 +10611,14 @@
                       <a:endParaRPr/>
                     </a:p>
                   </a:txBody>
-                  <a:tcPr marT="91425" marB="91425" marR="91425" marL="91425"/>
+                  <a:tcPr marL="91425" marR="91425" marT="91425" marB="91425"/>
                 </a:tc>
                 <a:tc>
                   <a:txBody>
                     <a:bodyPr/>
                     <a:lstStyle/>
                     <a:p>
-                      <a:pPr indent="0" lvl="0" marL="0" rtl="0" algn="ctr">
+                      <a:pPr marL="0" lvl="0" indent="0" algn="ctr" rtl="0">
                         <a:spcBef>
                           <a:spcPts val="0"/>
                         </a:spcBef>
@@ -10368,7 +10632,7 @@
                         <a:t>R</a:t>
                       </a:r>
                       <a:r>
-                        <a:rPr baseline="30000" lang="en"/>
+                        <a:rPr lang="en" baseline="30000"/>
                         <a:t>2 </a:t>
                       </a:r>
                       <a:r>
@@ -10378,14 +10642,14 @@
                       <a:endParaRPr/>
                     </a:p>
                   </a:txBody>
-                  <a:tcPr marT="91425" marB="91425" marR="91425" marL="91425"/>
+                  <a:tcPr marL="91425" marR="91425" marT="91425" marB="91425"/>
                 </a:tc>
                 <a:tc>
                   <a:txBody>
                     <a:bodyPr/>
                     <a:lstStyle/>
                     <a:p>
-                      <a:pPr indent="0" lvl="0" marL="0" rtl="0" algn="ctr">
+                      <a:pPr marL="0" lvl="0" indent="0" algn="ctr" rtl="0">
                         <a:spcBef>
                           <a:spcPts val="0"/>
                         </a:spcBef>
@@ -10401,8 +10665,13 @@
                       <a:endParaRPr/>
                     </a:p>
                   </a:txBody>
-                  <a:tcPr marT="91425" marB="91425" marR="91425" marL="91425"/>
+                  <a:tcPr marL="91425" marR="91425" marT="91425" marB="91425"/>
                 </a:tc>
+                <a:extLst>
+                  <a:ext uri="{0D108BD9-81ED-4DB2-BD59-A6C34878D82A}">
+                    <a16:rowId xmlns:a16="http://schemas.microsoft.com/office/drawing/2014/main" val="10000"/>
+                  </a:ext>
+                </a:extLst>
               </a:tr>
               <a:tr h="479800">
                 <a:tc>
@@ -10410,7 +10679,7 @@
                     <a:bodyPr/>
                     <a:lstStyle/>
                     <a:p>
-                      <a:pPr indent="0" lvl="0" marL="0" rtl="0" algn="ctr">
+                      <a:pPr marL="0" lvl="0" indent="0" algn="ctr" rtl="0">
                         <a:spcBef>
                           <a:spcPts val="0"/>
                         </a:spcBef>
@@ -10426,14 +10695,14 @@
                       <a:endParaRPr/>
                     </a:p>
                   </a:txBody>
-                  <a:tcPr marT="91425" marB="91425" marR="91425" marL="91425"/>
+                  <a:tcPr marL="91425" marR="91425" marT="91425" marB="91425"/>
                 </a:tc>
                 <a:tc>
                   <a:txBody>
                     <a:bodyPr/>
                     <a:lstStyle/>
                     <a:p>
-                      <a:pPr indent="0" lvl="0" marL="0" rtl="0" algn="ctr">
+                      <a:pPr marL="0" lvl="0" indent="0" algn="ctr" rtl="0">
                         <a:spcBef>
                           <a:spcPts val="0"/>
                         </a:spcBef>
@@ -10461,14 +10730,14 @@
                       </a:endParaRPr>
                     </a:p>
                   </a:txBody>
-                  <a:tcPr marT="91425" marB="91425" marR="91425" marL="91425"/>
+                  <a:tcPr marL="91425" marR="91425" marT="91425" marB="91425"/>
                 </a:tc>
                 <a:tc>
                   <a:txBody>
                     <a:bodyPr/>
                     <a:lstStyle/>
                     <a:p>
-                      <a:pPr indent="0" lvl="0" marL="0" rtl="0" algn="ctr">
+                      <a:pPr marL="0" lvl="0" indent="0" algn="ctr" rtl="0">
                         <a:spcBef>
                           <a:spcPts val="0"/>
                         </a:spcBef>
@@ -10496,14 +10765,14 @@
                       </a:endParaRPr>
                     </a:p>
                   </a:txBody>
-                  <a:tcPr marT="91425" marB="91425" marR="91425" marL="91425"/>
+                  <a:tcPr marL="91425" marR="91425" marT="91425" marB="91425"/>
                 </a:tc>
                 <a:tc>
                   <a:txBody>
                     <a:bodyPr/>
                     <a:lstStyle/>
                     <a:p>
-                      <a:pPr indent="0" lvl="0" marL="0" rtl="0" algn="ctr">
+                      <a:pPr marL="0" lvl="0" indent="0" algn="ctr" rtl="0">
                         <a:spcBef>
                           <a:spcPts val="0"/>
                         </a:spcBef>
@@ -10535,8 +10804,13 @@
                       </a:endParaRPr>
                     </a:p>
                   </a:txBody>
-                  <a:tcPr marT="91425" marB="91425" marR="91425" marL="91425"/>
+                  <a:tcPr marL="91425" marR="91425" marT="91425" marB="91425"/>
                 </a:tc>
+                <a:extLst>
+                  <a:ext uri="{0D108BD9-81ED-4DB2-BD59-A6C34878D82A}">
+                    <a16:rowId xmlns:a16="http://schemas.microsoft.com/office/drawing/2014/main" val="10001"/>
+                  </a:ext>
+                </a:extLst>
               </a:tr>
               <a:tr h="479800">
                 <a:tc>
@@ -10544,7 +10818,7 @@
                     <a:bodyPr/>
                     <a:lstStyle/>
                     <a:p>
-                      <a:pPr indent="0" lvl="0" marL="0" rtl="0" algn="ctr">
+                      <a:pPr marL="0" lvl="0" indent="0" algn="ctr" rtl="0">
                         <a:spcBef>
                           <a:spcPts val="0"/>
                         </a:spcBef>
@@ -10560,14 +10834,14 @@
                       <a:endParaRPr/>
                     </a:p>
                   </a:txBody>
-                  <a:tcPr marT="91425" marB="91425" marR="91425" marL="91425"/>
+                  <a:tcPr marL="91425" marR="91425" marT="91425" marB="91425"/>
                 </a:tc>
                 <a:tc>
                   <a:txBody>
                     <a:bodyPr/>
                     <a:lstStyle/>
                     <a:p>
-                      <a:pPr indent="0" lvl="0" marL="0" rtl="0" algn="ctr">
+                      <a:pPr marL="0" lvl="0" indent="0" algn="ctr" rtl="0">
                         <a:spcBef>
                           <a:spcPts val="0"/>
                         </a:spcBef>
@@ -10595,14 +10869,14 @@
                       </a:endParaRPr>
                     </a:p>
                   </a:txBody>
-                  <a:tcPr marT="91425" marB="91425" marR="91425" marL="91425"/>
+                  <a:tcPr marL="91425" marR="91425" marT="91425" marB="91425"/>
                 </a:tc>
                 <a:tc>
                   <a:txBody>
                     <a:bodyPr/>
                     <a:lstStyle/>
                     <a:p>
-                      <a:pPr indent="0" lvl="0" marL="0" rtl="0" algn="ctr">
+                      <a:pPr marL="0" lvl="0" indent="0" algn="ctr" rtl="0">
                         <a:spcBef>
                           <a:spcPts val="0"/>
                         </a:spcBef>
@@ -10630,14 +10904,14 @@
                       </a:endParaRPr>
                     </a:p>
                   </a:txBody>
-                  <a:tcPr marT="91425" marB="91425" marR="91425" marL="91425"/>
+                  <a:tcPr marL="91425" marR="91425" marT="91425" marB="91425"/>
                 </a:tc>
                 <a:tc>
                   <a:txBody>
                     <a:bodyPr/>
                     <a:lstStyle/>
                     <a:p>
-                      <a:pPr indent="0" lvl="0" marL="0" rtl="0" algn="ctr">
+                      <a:pPr marL="0" lvl="0" indent="0" algn="ctr" rtl="0">
                         <a:spcBef>
                           <a:spcPts val="0"/>
                         </a:spcBef>
@@ -10665,8 +10939,13 @@
                       </a:endParaRPr>
                     </a:p>
                   </a:txBody>
-                  <a:tcPr marT="91425" marB="91425" marR="91425" marL="91425"/>
+                  <a:tcPr marL="91425" marR="91425" marT="91425" marB="91425"/>
                 </a:tc>
+                <a:extLst>
+                  <a:ext uri="{0D108BD9-81ED-4DB2-BD59-A6C34878D82A}">
+                    <a16:rowId xmlns:a16="http://schemas.microsoft.com/office/drawing/2014/main" val="10002"/>
+                  </a:ext>
+                </a:extLst>
               </a:tr>
               <a:tr h="479800">
                 <a:tc>
@@ -10674,7 +10953,7 @@
                     <a:bodyPr/>
                     <a:lstStyle/>
                     <a:p>
-                      <a:pPr indent="0" lvl="0" marL="0" rtl="0" algn="ctr">
+                      <a:pPr marL="0" lvl="0" indent="0" algn="ctr" rtl="0">
                         <a:spcBef>
                           <a:spcPts val="0"/>
                         </a:spcBef>
@@ -10690,14 +10969,14 @@
                       <a:endParaRPr/>
                     </a:p>
                   </a:txBody>
-                  <a:tcPr marT="91425" marB="91425" marR="91425" marL="91425"/>
+                  <a:tcPr marL="91425" marR="91425" marT="91425" marB="91425"/>
                 </a:tc>
                 <a:tc>
                   <a:txBody>
                     <a:bodyPr/>
                     <a:lstStyle/>
                     <a:p>
-                      <a:pPr indent="0" lvl="0" marL="0" rtl="0" algn="ctr">
+                      <a:pPr marL="0" lvl="0" indent="0" algn="ctr" rtl="0">
                         <a:spcBef>
                           <a:spcPts val="0"/>
                         </a:spcBef>
@@ -10725,14 +11004,14 @@
                       </a:endParaRPr>
                     </a:p>
                   </a:txBody>
-                  <a:tcPr marT="91425" marB="91425" marR="91425" marL="91425"/>
+                  <a:tcPr marL="91425" marR="91425" marT="91425" marB="91425"/>
                 </a:tc>
                 <a:tc>
                   <a:txBody>
                     <a:bodyPr/>
                     <a:lstStyle/>
                     <a:p>
-                      <a:pPr indent="0" lvl="0" marL="0" rtl="0" algn="ctr">
+                      <a:pPr marL="0" lvl="0" indent="0" algn="ctr" rtl="0">
                         <a:spcBef>
                           <a:spcPts val="0"/>
                         </a:spcBef>
@@ -10760,14 +11039,14 @@
                       </a:endParaRPr>
                     </a:p>
                   </a:txBody>
-                  <a:tcPr marT="91425" marB="91425" marR="91425" marL="91425"/>
+                  <a:tcPr marL="91425" marR="91425" marT="91425" marB="91425"/>
                 </a:tc>
                 <a:tc>
                   <a:txBody>
                     <a:bodyPr/>
                     <a:lstStyle/>
                     <a:p>
-                      <a:pPr indent="0" lvl="0" marL="0" rtl="0" algn="ctr">
+                      <a:pPr marL="0" lvl="0" indent="0" algn="ctr" rtl="0">
                         <a:spcBef>
                           <a:spcPts val="0"/>
                         </a:spcBef>
@@ -10795,8 +11074,13 @@
                       </a:endParaRPr>
                     </a:p>
                   </a:txBody>
-                  <a:tcPr marT="91425" marB="91425" marR="91425" marL="91425"/>
+                  <a:tcPr marL="91425" marR="91425" marT="91425" marB="91425"/>
                 </a:tc>
+                <a:extLst>
+                  <a:ext uri="{0D108BD9-81ED-4DB2-BD59-A6C34878D82A}">
+                    <a16:rowId xmlns:a16="http://schemas.microsoft.com/office/drawing/2014/main" val="10003"/>
+                  </a:ext>
+                </a:extLst>
               </a:tr>
             </a:tbl>
           </a:graphicData>
@@ -10811,11 +11095,11 @@
 </file>
 
 <file path=ppt/slides/slide17.xml><?xml version="1.0" encoding="utf-8"?>
-<p:sld xmlns:a="http://schemas.openxmlformats.org/drawingml/2006/main" xmlns:r="http://schemas.openxmlformats.org/officeDocument/2006/relationships" xmlns:mc="http://schemas.openxmlformats.org/markup-compatibility/2006" xmlns:mv="urn:schemas-microsoft-com:mac:vml" xmlns:p="http://schemas.openxmlformats.org/presentationml/2006/main" xmlns:c="http://schemas.openxmlformats.org/drawingml/2006/chart" xmlns:dgm="http://schemas.openxmlformats.org/drawingml/2006/diagram" xmlns:o="urn:schemas-microsoft-com:office:office" xmlns:v="urn:schemas-microsoft-com:vml" xmlns:pvml="urn:schemas-microsoft-com:office:powerpoint" xmlns:com="http://schemas.openxmlformats.org/drawingml/2006/compatibility" xmlns:p14="http://schemas.microsoft.com/office/powerpoint/2010/main" xmlns:p15="http://schemas.microsoft.com/office/powerpoint/2012/main" xmlns:ahyp="http://schemas.microsoft.com/office/drawing/2018/hyperlinkcolor">
+<p:sld xmlns:a="http://schemas.openxmlformats.org/drawingml/2006/main" xmlns:r="http://schemas.openxmlformats.org/officeDocument/2006/relationships" xmlns:p="http://schemas.openxmlformats.org/presentationml/2006/main">
   <p:cSld>
     <p:spTree>
       <p:nvGrpSpPr>
-        <p:cNvPr id="189" name="Shape 189"/>
+        <p:cNvPr id="1" name="Shape 189"/>
         <p:cNvGrpSpPr/>
         <p:nvPr/>
       </p:nvGrpSpPr>
@@ -10830,7 +11114,9 @@
       <p:sp>
         <p:nvSpPr>
           <p:cNvPr id="190" name="Google Shape;190;p29"/>
-          <p:cNvSpPr txBox="1"/>
+          <p:cNvSpPr txBox="1">
+            <a:spLocks noGrp="1"/>
+          </p:cNvSpPr>
           <p:nvPr>
             <p:ph type="title"/>
           </p:nvPr>
@@ -10845,12 +11131,12 @@
           </a:prstGeom>
         </p:spPr>
         <p:txBody>
-          <a:bodyPr anchorCtr="0" anchor="b" bIns="91425" lIns="91425" spcFirstLastPara="1" rIns="91425" wrap="square" tIns="91425">
+          <a:bodyPr spcFirstLastPara="1" wrap="square" lIns="91425" tIns="91425" rIns="91425" bIns="91425" anchor="b" anchorCtr="0">
             <a:noAutofit/>
           </a:bodyPr>
           <a:lstStyle/>
           <a:p>
-            <a:pPr indent="0" lvl="0" marL="0" rtl="0" algn="ctr">
+            <a:pPr marL="0" lvl="0" indent="0" algn="ctr" rtl="0">
               <a:spcBef>
                 <a:spcPts val="0"/>
               </a:spcBef>
@@ -10870,9 +11156,11 @@
       <p:sp>
         <p:nvSpPr>
           <p:cNvPr id="191" name="Google Shape;191;p29"/>
-          <p:cNvSpPr txBox="1"/>
+          <p:cNvSpPr txBox="1">
+            <a:spLocks noGrp="1"/>
+          </p:cNvSpPr>
           <p:nvPr>
-            <p:ph idx="1" type="body"/>
+            <p:ph type="body" idx="1"/>
           </p:nvPr>
         </p:nvSpPr>
         <p:spPr>
@@ -10885,12 +11173,12 @@
           </a:prstGeom>
         </p:spPr>
         <p:txBody>
-          <a:bodyPr anchorCtr="0" anchor="t" bIns="91425" lIns="91425" spcFirstLastPara="1" rIns="91425" wrap="square" tIns="91425">
+          <a:bodyPr spcFirstLastPara="1" wrap="square" lIns="91425" tIns="91425" rIns="91425" bIns="91425" anchor="t" anchorCtr="0">
             <a:noAutofit/>
           </a:bodyPr>
           <a:lstStyle/>
           <a:p>
-            <a:pPr indent="0" lvl="0" marL="0" rtl="0" algn="l">
+            <a:pPr marL="0" lvl="0" indent="0" algn="l" rtl="0">
               <a:spcBef>
                 <a:spcPts val="0"/>
               </a:spcBef>
@@ -10972,11 +11260,11 @@
 </file>
 
 <file path=ppt/slides/slide18.xml><?xml version="1.0" encoding="utf-8"?>
-<p:sld xmlns:a="http://schemas.openxmlformats.org/drawingml/2006/main" xmlns:r="http://schemas.openxmlformats.org/officeDocument/2006/relationships" xmlns:mc="http://schemas.openxmlformats.org/markup-compatibility/2006" xmlns:mv="urn:schemas-microsoft-com:mac:vml" xmlns:p="http://schemas.openxmlformats.org/presentationml/2006/main" xmlns:c="http://schemas.openxmlformats.org/drawingml/2006/chart" xmlns:dgm="http://schemas.openxmlformats.org/drawingml/2006/diagram" xmlns:o="urn:schemas-microsoft-com:office:office" xmlns:v="urn:schemas-microsoft-com:vml" xmlns:pvml="urn:schemas-microsoft-com:office:powerpoint" xmlns:com="http://schemas.openxmlformats.org/drawingml/2006/compatibility" xmlns:p14="http://schemas.microsoft.com/office/powerpoint/2010/main" xmlns:p15="http://schemas.microsoft.com/office/powerpoint/2012/main" xmlns:ahyp="http://schemas.microsoft.com/office/drawing/2018/hyperlinkcolor">
+<p:sld xmlns:a="http://schemas.openxmlformats.org/drawingml/2006/main" xmlns:r="http://schemas.openxmlformats.org/officeDocument/2006/relationships" xmlns:p="http://schemas.openxmlformats.org/presentationml/2006/main">
   <p:cSld>
     <p:spTree>
       <p:nvGrpSpPr>
-        <p:cNvPr id="197" name="Shape 197"/>
+        <p:cNvPr id="1" name="Shape 197"/>
         <p:cNvGrpSpPr/>
         <p:nvPr/>
       </p:nvGrpSpPr>
@@ -10991,7 +11279,9 @@
       <p:sp>
         <p:nvSpPr>
           <p:cNvPr id="198" name="Google Shape;198;p30"/>
-          <p:cNvSpPr txBox="1"/>
+          <p:cNvSpPr txBox="1">
+            <a:spLocks noGrp="1"/>
+          </p:cNvSpPr>
           <p:nvPr>
             <p:ph type="title"/>
           </p:nvPr>
@@ -11006,12 +11296,12 @@
           </a:prstGeom>
         </p:spPr>
         <p:txBody>
-          <a:bodyPr anchorCtr="0" anchor="b" bIns="91425" lIns="91425" spcFirstLastPara="1" rIns="91425" wrap="square" tIns="91425">
+          <a:bodyPr spcFirstLastPara="1" wrap="square" lIns="91425" tIns="91425" rIns="91425" bIns="91425" anchor="b" anchorCtr="0">
             <a:noAutofit/>
           </a:bodyPr>
           <a:lstStyle/>
           <a:p>
-            <a:pPr indent="0" lvl="0" marL="0" rtl="0" algn="l">
+            <a:pPr marL="0" lvl="0" indent="0" algn="l" rtl="0">
               <a:spcBef>
                 <a:spcPts val="0"/>
               </a:spcBef>
@@ -11093,11 +11383,11 @@
 </file>
 
 <file path=ppt/slides/slide19.xml><?xml version="1.0" encoding="utf-8"?>
-<p:sld xmlns:a="http://schemas.openxmlformats.org/drawingml/2006/main" xmlns:r="http://schemas.openxmlformats.org/officeDocument/2006/relationships" xmlns:mc="http://schemas.openxmlformats.org/markup-compatibility/2006" xmlns:mv="urn:schemas-microsoft-com:mac:vml" xmlns:p="http://schemas.openxmlformats.org/presentationml/2006/main" xmlns:c="http://schemas.openxmlformats.org/drawingml/2006/chart" xmlns:dgm="http://schemas.openxmlformats.org/drawingml/2006/diagram" xmlns:o="urn:schemas-microsoft-com:office:office" xmlns:v="urn:schemas-microsoft-com:vml" xmlns:pvml="urn:schemas-microsoft-com:office:powerpoint" xmlns:com="http://schemas.openxmlformats.org/drawingml/2006/compatibility" xmlns:p14="http://schemas.microsoft.com/office/powerpoint/2010/main" xmlns:p15="http://schemas.microsoft.com/office/powerpoint/2012/main" xmlns:ahyp="http://schemas.microsoft.com/office/drawing/2018/hyperlinkcolor">
+<p:sld xmlns:a="http://schemas.openxmlformats.org/drawingml/2006/main" xmlns:r="http://schemas.openxmlformats.org/officeDocument/2006/relationships" xmlns:p="http://schemas.openxmlformats.org/presentationml/2006/main">
   <p:cSld>
     <p:spTree>
       <p:nvGrpSpPr>
-        <p:cNvPr id="204" name="Shape 204"/>
+        <p:cNvPr id="1" name="Shape 204"/>
         <p:cNvGrpSpPr/>
         <p:nvPr/>
       </p:nvGrpSpPr>
@@ -11112,7 +11402,9 @@
       <p:sp>
         <p:nvSpPr>
           <p:cNvPr id="205" name="Google Shape;205;p31"/>
-          <p:cNvSpPr txBox="1"/>
+          <p:cNvSpPr txBox="1">
+            <a:spLocks noGrp="1"/>
+          </p:cNvSpPr>
           <p:nvPr>
             <p:ph type="title"/>
           </p:nvPr>
@@ -11127,12 +11419,12 @@
           </a:prstGeom>
         </p:spPr>
         <p:txBody>
-          <a:bodyPr anchorCtr="0" anchor="b" bIns="91425" lIns="91425" spcFirstLastPara="1" rIns="91425" wrap="square" tIns="91425">
+          <a:bodyPr spcFirstLastPara="1" wrap="square" lIns="91425" tIns="91425" rIns="91425" bIns="91425" anchor="b" anchorCtr="0">
             <a:noAutofit/>
           </a:bodyPr>
           <a:lstStyle/>
           <a:p>
-            <a:pPr indent="0" lvl="0" marL="0" rtl="0" algn="l">
+            <a:pPr marL="0" lvl="0" indent="0" algn="l" rtl="0">
               <a:spcBef>
                 <a:spcPts val="0"/>
               </a:spcBef>
@@ -11187,7 +11479,7 @@
           <a:blip r:embed="rId4">
             <a:alphaModFix/>
           </a:blip>
-          <a:srcRect b="11047" l="0" r="0" t="0"/>
+          <a:srcRect b="11047"/>
           <a:stretch/>
         </p:blipFill>
         <p:spPr>
@@ -11252,12 +11544,12 @@
           </a:ln>
         </p:spPr>
         <p:txBody>
-          <a:bodyPr anchorCtr="0" anchor="t" bIns="91425" lIns="91425" spcFirstLastPara="1" rIns="91425" wrap="square" tIns="91425">
+          <a:bodyPr spcFirstLastPara="1" wrap="square" lIns="91425" tIns="91425" rIns="91425" bIns="91425" anchor="t" anchorCtr="0">
             <a:spAutoFit/>
           </a:bodyPr>
           <a:lstStyle/>
           <a:p>
-            <a:pPr indent="0" lvl="0" marL="0" rtl="0" algn="ctr">
+            <a:pPr marL="0" lvl="0" indent="0" algn="ctr" rtl="0">
               <a:spcBef>
                 <a:spcPts val="0"/>
               </a:spcBef>
@@ -11293,11 +11585,11 @@
 </file>
 
 <file path=ppt/slides/slide2.xml><?xml version="1.0" encoding="utf-8"?>
-<p:sld xmlns:a="http://schemas.openxmlformats.org/drawingml/2006/main" xmlns:r="http://schemas.openxmlformats.org/officeDocument/2006/relationships" xmlns:mc="http://schemas.openxmlformats.org/markup-compatibility/2006" xmlns:mv="urn:schemas-microsoft-com:mac:vml" xmlns:p="http://schemas.openxmlformats.org/presentationml/2006/main" xmlns:c="http://schemas.openxmlformats.org/drawingml/2006/chart" xmlns:dgm="http://schemas.openxmlformats.org/drawingml/2006/diagram" xmlns:o="urn:schemas-microsoft-com:office:office" xmlns:v="urn:schemas-microsoft-com:vml" xmlns:pvml="urn:schemas-microsoft-com:office:powerpoint" xmlns:com="http://schemas.openxmlformats.org/drawingml/2006/compatibility" xmlns:p14="http://schemas.microsoft.com/office/powerpoint/2010/main" xmlns:p15="http://schemas.microsoft.com/office/powerpoint/2012/main" xmlns:ahyp="http://schemas.microsoft.com/office/drawing/2018/hyperlinkcolor">
+<p:sld xmlns:a="http://schemas.openxmlformats.org/drawingml/2006/main" xmlns:r="http://schemas.openxmlformats.org/officeDocument/2006/relationships" xmlns:p="http://schemas.openxmlformats.org/presentationml/2006/main">
   <p:cSld>
     <p:spTree>
       <p:nvGrpSpPr>
-        <p:cNvPr id="72" name="Shape 72"/>
+        <p:cNvPr id="1" name="Shape 72"/>
         <p:cNvGrpSpPr/>
         <p:nvPr/>
       </p:nvGrpSpPr>
@@ -11312,7 +11604,9 @@
       <p:sp>
         <p:nvSpPr>
           <p:cNvPr id="73" name="Google Shape;73;p14"/>
-          <p:cNvSpPr txBox="1"/>
+          <p:cNvSpPr txBox="1">
+            <a:spLocks noGrp="1"/>
+          </p:cNvSpPr>
           <p:nvPr>
             <p:ph type="title"/>
           </p:nvPr>
@@ -11327,12 +11621,12 @@
           </a:prstGeom>
         </p:spPr>
         <p:txBody>
-          <a:bodyPr anchorCtr="0" anchor="b" bIns="91425" lIns="91425" spcFirstLastPara="1" rIns="91425" wrap="square" tIns="91425">
+          <a:bodyPr spcFirstLastPara="1" wrap="square" lIns="91425" tIns="91425" rIns="91425" bIns="91425" anchor="b" anchorCtr="0">
             <a:noAutofit/>
           </a:bodyPr>
           <a:lstStyle/>
           <a:p>
-            <a:pPr indent="0" lvl="0" marL="0" rtl="0" algn="ctr">
+            <a:pPr marL="0" lvl="0" indent="0" algn="ctr" rtl="0">
               <a:spcBef>
                 <a:spcPts val="0"/>
               </a:spcBef>
@@ -11352,9 +11646,11 @@
       <p:sp>
         <p:nvSpPr>
           <p:cNvPr id="74" name="Google Shape;74;p14"/>
-          <p:cNvSpPr txBox="1"/>
+          <p:cNvSpPr txBox="1">
+            <a:spLocks noGrp="1"/>
+          </p:cNvSpPr>
           <p:nvPr>
-            <p:ph idx="1" type="body"/>
+            <p:ph type="body" idx="1"/>
           </p:nvPr>
         </p:nvSpPr>
         <p:spPr>
@@ -11367,12 +11663,12 @@
           </a:prstGeom>
         </p:spPr>
         <p:txBody>
-          <a:bodyPr anchorCtr="0" anchor="t" bIns="91425" lIns="91425" spcFirstLastPara="1" rIns="91425" wrap="square" tIns="91425">
+          <a:bodyPr spcFirstLastPara="1" wrap="square" lIns="91425" tIns="91425" rIns="91425" bIns="91425" anchor="t" anchorCtr="0">
             <a:noAutofit/>
           </a:bodyPr>
           <a:lstStyle/>
           <a:p>
-            <a:pPr indent="0" lvl="0" marL="0" rtl="0" algn="l">
+            <a:pPr marL="0" lvl="0" indent="0" algn="l" rtl="0">
               <a:spcBef>
                 <a:spcPts val="0"/>
               </a:spcBef>
@@ -11388,7 +11684,7 @@
             <a:endParaRPr/>
           </a:p>
           <a:p>
-            <a:pPr indent="0" lvl="0" marL="0" rtl="0" algn="l">
+            <a:pPr marL="0" lvl="0" indent="0" algn="l" rtl="0">
               <a:spcBef>
                 <a:spcPts val="1600"/>
               </a:spcBef>
@@ -11404,7 +11700,7 @@
             <a:endParaRPr/>
           </a:p>
           <a:p>
-            <a:pPr indent="0" lvl="0" marL="0" rtl="0" algn="l">
+            <a:pPr marL="0" lvl="0" indent="0" algn="l" rtl="0">
               <a:spcBef>
                 <a:spcPts val="1600"/>
               </a:spcBef>
@@ -11420,7 +11716,7 @@
             <a:endParaRPr/>
           </a:p>
           <a:p>
-            <a:pPr indent="0" lvl="0" marL="0" rtl="0" algn="l">
+            <a:pPr marL="0" lvl="0" indent="0" algn="l" rtl="0">
               <a:spcBef>
                 <a:spcPts val="1600"/>
               </a:spcBef>
@@ -11436,7 +11732,7 @@
             <a:endParaRPr/>
           </a:p>
           <a:p>
-            <a:pPr indent="0" lvl="0" marL="0" rtl="0" algn="l">
+            <a:pPr marL="0" lvl="0" indent="0" algn="l" rtl="0">
               <a:spcBef>
                 <a:spcPts val="1600"/>
               </a:spcBef>
@@ -11462,11 +11758,11 @@
 </file>
 
 <file path=ppt/slides/slide20.xml><?xml version="1.0" encoding="utf-8"?>
-<p:sld xmlns:a="http://schemas.openxmlformats.org/drawingml/2006/main" xmlns:r="http://schemas.openxmlformats.org/officeDocument/2006/relationships" xmlns:mc="http://schemas.openxmlformats.org/markup-compatibility/2006" xmlns:mv="urn:schemas-microsoft-com:mac:vml" xmlns:p="http://schemas.openxmlformats.org/presentationml/2006/main" xmlns:c="http://schemas.openxmlformats.org/drawingml/2006/chart" xmlns:dgm="http://schemas.openxmlformats.org/drawingml/2006/diagram" xmlns:o="urn:schemas-microsoft-com:office:office" xmlns:v="urn:schemas-microsoft-com:vml" xmlns:pvml="urn:schemas-microsoft-com:office:powerpoint" xmlns:com="http://schemas.openxmlformats.org/drawingml/2006/compatibility" xmlns:p14="http://schemas.microsoft.com/office/powerpoint/2010/main" xmlns:p15="http://schemas.microsoft.com/office/powerpoint/2012/main" xmlns:ahyp="http://schemas.microsoft.com/office/drawing/2018/hyperlinkcolor">
+<p:sld xmlns:a="http://schemas.openxmlformats.org/drawingml/2006/main" xmlns:r="http://schemas.openxmlformats.org/officeDocument/2006/relationships" xmlns:p="http://schemas.openxmlformats.org/presentationml/2006/main">
   <p:cSld>
     <p:spTree>
       <p:nvGrpSpPr>
-        <p:cNvPr id="213" name="Shape 213"/>
+        <p:cNvPr id="1" name="Shape 213"/>
         <p:cNvGrpSpPr/>
         <p:nvPr/>
       </p:nvGrpSpPr>
@@ -11481,7 +11777,9 @@
       <p:sp>
         <p:nvSpPr>
           <p:cNvPr id="214" name="Google Shape;214;p32"/>
-          <p:cNvSpPr txBox="1"/>
+          <p:cNvSpPr txBox="1">
+            <a:spLocks noGrp="1"/>
+          </p:cNvSpPr>
           <p:nvPr>
             <p:ph type="title"/>
           </p:nvPr>
@@ -11496,12 +11794,12 @@
           </a:prstGeom>
         </p:spPr>
         <p:txBody>
-          <a:bodyPr anchorCtr="0" anchor="b" bIns="91425" lIns="91425" spcFirstLastPara="1" rIns="91425" wrap="square" tIns="91425">
+          <a:bodyPr spcFirstLastPara="1" wrap="square" lIns="91425" tIns="91425" rIns="91425" bIns="91425" anchor="b" anchorCtr="0">
             <a:noAutofit/>
           </a:bodyPr>
           <a:lstStyle/>
           <a:p>
-            <a:pPr indent="0" lvl="0" marL="0" rtl="0" algn="l">
+            <a:pPr marL="0" lvl="0" indent="0" algn="l" rtl="0">
               <a:spcBef>
                 <a:spcPts val="0"/>
               </a:spcBef>
@@ -11583,11 +11881,11 @@
 </file>
 
 <file path=ppt/slides/slide21.xml><?xml version="1.0" encoding="utf-8"?>
-<p:sld xmlns:a="http://schemas.openxmlformats.org/drawingml/2006/main" xmlns:r="http://schemas.openxmlformats.org/officeDocument/2006/relationships" xmlns:mc="http://schemas.openxmlformats.org/markup-compatibility/2006" xmlns:mv="urn:schemas-microsoft-com:mac:vml" xmlns:p="http://schemas.openxmlformats.org/presentationml/2006/main" xmlns:c="http://schemas.openxmlformats.org/drawingml/2006/chart" xmlns:dgm="http://schemas.openxmlformats.org/drawingml/2006/diagram" xmlns:o="urn:schemas-microsoft-com:office:office" xmlns:v="urn:schemas-microsoft-com:vml" xmlns:pvml="urn:schemas-microsoft-com:office:powerpoint" xmlns:com="http://schemas.openxmlformats.org/drawingml/2006/compatibility" xmlns:p14="http://schemas.microsoft.com/office/powerpoint/2010/main" xmlns:p15="http://schemas.microsoft.com/office/powerpoint/2012/main" xmlns:ahyp="http://schemas.microsoft.com/office/drawing/2018/hyperlinkcolor">
+<p:sld xmlns:a="http://schemas.openxmlformats.org/drawingml/2006/main" xmlns:r="http://schemas.openxmlformats.org/officeDocument/2006/relationships" xmlns:p="http://schemas.openxmlformats.org/presentationml/2006/main">
   <p:cSld>
     <p:spTree>
       <p:nvGrpSpPr>
-        <p:cNvPr id="220" name="Shape 220"/>
+        <p:cNvPr id="1" name="Shape 220"/>
         <p:cNvGrpSpPr/>
         <p:nvPr/>
       </p:nvGrpSpPr>
@@ -11602,7 +11900,9 @@
       <p:sp>
         <p:nvSpPr>
           <p:cNvPr id="221" name="Google Shape;221;p33"/>
-          <p:cNvSpPr txBox="1"/>
+          <p:cNvSpPr txBox="1">
+            <a:spLocks noGrp="1"/>
+          </p:cNvSpPr>
           <p:nvPr>
             <p:ph type="title"/>
           </p:nvPr>
@@ -11617,12 +11917,12 @@
           </a:prstGeom>
         </p:spPr>
         <p:txBody>
-          <a:bodyPr anchorCtr="0" anchor="b" bIns="91425" lIns="91425" spcFirstLastPara="1" rIns="91425" wrap="square" tIns="91425">
+          <a:bodyPr spcFirstLastPara="1" wrap="square" lIns="91425" tIns="91425" rIns="91425" bIns="91425" anchor="b" anchorCtr="0">
             <a:noAutofit/>
           </a:bodyPr>
           <a:lstStyle/>
           <a:p>
-            <a:pPr indent="0" lvl="0" marL="0" rtl="0" algn="ctr">
+            <a:pPr marL="0" lvl="0" indent="0" algn="ctr" rtl="0">
               <a:spcBef>
                 <a:spcPts val="0"/>
               </a:spcBef>
@@ -11642,9 +11942,11 @@
       <p:sp>
         <p:nvSpPr>
           <p:cNvPr id="222" name="Google Shape;222;p33"/>
-          <p:cNvSpPr txBox="1"/>
+          <p:cNvSpPr txBox="1">
+            <a:spLocks noGrp="1"/>
+          </p:cNvSpPr>
           <p:nvPr>
-            <p:ph idx="1" type="body"/>
+            <p:ph type="body" idx="1"/>
           </p:nvPr>
         </p:nvSpPr>
         <p:spPr>
@@ -11657,12 +11959,12 @@
           </a:prstGeom>
         </p:spPr>
         <p:txBody>
-          <a:bodyPr anchorCtr="0" anchor="t" bIns="91425" lIns="91425" spcFirstLastPara="1" rIns="91425" wrap="square" tIns="91425">
+          <a:bodyPr spcFirstLastPara="1" wrap="square" lIns="91425" tIns="91425" rIns="91425" bIns="91425" anchor="t" anchorCtr="0">
             <a:noAutofit/>
           </a:bodyPr>
           <a:lstStyle/>
           <a:p>
-            <a:pPr indent="0" lvl="0" marL="0" rtl="0" algn="ctr">
+            <a:pPr marL="0" lvl="0" indent="0" algn="ctr" rtl="0">
               <a:spcBef>
                 <a:spcPts val="0"/>
               </a:spcBef>
@@ -11682,9 +11984,11 @@
       <p:sp>
         <p:nvSpPr>
           <p:cNvPr id="223" name="Google Shape;223;p33"/>
-          <p:cNvSpPr txBox="1"/>
+          <p:cNvSpPr txBox="1">
+            <a:spLocks noGrp="1"/>
+          </p:cNvSpPr>
           <p:nvPr>
-            <p:ph idx="2" type="body"/>
+            <p:ph type="body" idx="2"/>
           </p:nvPr>
         </p:nvSpPr>
         <p:spPr>
@@ -11697,12 +12001,12 @@
           </a:prstGeom>
         </p:spPr>
         <p:txBody>
-          <a:bodyPr anchorCtr="0" anchor="t" bIns="91425" lIns="91425" spcFirstLastPara="1" rIns="91425" wrap="square" tIns="91425">
+          <a:bodyPr spcFirstLastPara="1" wrap="square" lIns="91425" tIns="91425" rIns="91425" bIns="91425" anchor="t" anchorCtr="0">
             <a:noAutofit/>
           </a:bodyPr>
           <a:lstStyle/>
           <a:p>
-            <a:pPr indent="0" lvl="0" marL="0" rtl="0" algn="ctr">
+            <a:pPr marL="0" lvl="0" indent="0" algn="ctr" rtl="0">
               <a:spcBef>
                 <a:spcPts val="0"/>
               </a:spcBef>
@@ -11718,7 +12022,7 @@
             <a:endParaRPr sz="1800"/>
           </a:p>
           <a:p>
-            <a:pPr indent="0" lvl="0" marL="0" rtl="0" algn="ctr">
+            <a:pPr marL="0" lvl="0" indent="0" algn="ctr" rtl="0">
               <a:spcBef>
                 <a:spcPts val="1600"/>
               </a:spcBef>
@@ -11739,7 +12043,7 @@
             <a:endParaRPr sz="1800"/>
           </a:p>
           <a:p>
-            <a:pPr indent="0" lvl="0" marL="0" rtl="0" algn="ctr">
+            <a:pPr marL="0" lvl="0" indent="0" algn="ctr" rtl="0">
               <a:spcBef>
                 <a:spcPts val="1600"/>
               </a:spcBef>
@@ -11760,7 +12064,7 @@
             <a:endParaRPr sz="1800"/>
           </a:p>
           <a:p>
-            <a:pPr indent="0" lvl="0" marL="0" rtl="0" algn="ctr">
+            <a:pPr marL="0" lvl="0" indent="0" algn="ctr" rtl="0">
               <a:spcBef>
                 <a:spcPts val="1600"/>
               </a:spcBef>
@@ -11769,9 +12073,6 @@
               </a:spcAft>
               <a:buNone/>
             </a:pPr>
-            <a:r>
-              <a:t/>
-            </a:r>
             <a:endParaRPr sz="1800"/>
           </a:p>
         </p:txBody>
@@ -11796,12 +12097,12 @@
           </a:ln>
         </p:spPr>
         <p:txBody>
-          <a:bodyPr anchorCtr="0" anchor="t" bIns="91425" lIns="91425" spcFirstLastPara="1" rIns="91425" wrap="square" tIns="91425">
+          <a:bodyPr spcFirstLastPara="1" wrap="square" lIns="91425" tIns="91425" rIns="91425" bIns="91425" anchor="t" anchorCtr="0">
             <a:spAutoFit/>
           </a:bodyPr>
           <a:lstStyle/>
           <a:p>
-            <a:pPr indent="0" lvl="0" marL="0" rtl="0" algn="l">
+            <a:pPr marL="0" lvl="0" indent="0" algn="l" rtl="0">
               <a:spcBef>
                 <a:spcPts val="0"/>
               </a:spcBef>
@@ -11831,18 +12132,15 @@
             </a:endParaRPr>
           </a:p>
           <a:p>
-            <a:pPr indent="0" lvl="0" marL="0" rtl="0" algn="l">
-              <a:spcBef>
-                <a:spcPts val="0"/>
-              </a:spcBef>
-              <a:spcAft>
-                <a:spcPts val="0"/>
-              </a:spcAft>
-              <a:buNone/>
-            </a:pPr>
-            <a:r>
-              <a:t/>
-            </a:r>
+            <a:pPr marL="0" lvl="0" indent="0" algn="l" rtl="0">
+              <a:spcBef>
+                <a:spcPts val="0"/>
+              </a:spcBef>
+              <a:spcAft>
+                <a:spcPts val="0"/>
+              </a:spcAft>
+              <a:buNone/>
+            </a:pPr>
             <a:endParaRPr>
               <a:latin typeface="Roboto"/>
               <a:ea typeface="Roboto"/>
@@ -11851,7 +12149,7 @@
             </a:endParaRPr>
           </a:p>
           <a:p>
-            <a:pPr indent="0" lvl="0" marL="0" rtl="0" algn="l">
+            <a:pPr marL="0" lvl="0" indent="0" algn="l" rtl="0">
               <a:spcBef>
                 <a:spcPts val="0"/>
               </a:spcBef>
@@ -11881,18 +12179,15 @@
             </a:endParaRPr>
           </a:p>
           <a:p>
-            <a:pPr indent="0" lvl="0" marL="0" rtl="0" algn="l">
-              <a:spcBef>
-                <a:spcPts val="0"/>
-              </a:spcBef>
-              <a:spcAft>
-                <a:spcPts val="0"/>
-              </a:spcAft>
-              <a:buNone/>
-            </a:pPr>
-            <a:r>
-              <a:t/>
-            </a:r>
+            <a:pPr marL="0" lvl="0" indent="0" algn="l" rtl="0">
+              <a:spcBef>
+                <a:spcPts val="0"/>
+              </a:spcBef>
+              <a:spcAft>
+                <a:spcPts val="0"/>
+              </a:spcAft>
+              <a:buNone/>
+            </a:pPr>
             <a:endParaRPr>
               <a:latin typeface="Roboto"/>
               <a:ea typeface="Roboto"/>
@@ -11901,7 +12196,7 @@
             </a:endParaRPr>
           </a:p>
           <a:p>
-            <a:pPr indent="0" lvl="0" marL="0" rtl="0" algn="l">
+            <a:pPr marL="0" lvl="0" indent="0" algn="l" rtl="0">
               <a:spcBef>
                 <a:spcPts val="0"/>
               </a:spcBef>
@@ -11922,7 +12217,7 @@
                 <a:hlinkClick r:id="rId7">
                   <a:extLst>
                     <a:ext uri="{A12FA001-AC4F-418D-AE19-62706E023703}">
-                      <ahyp:hlinkClr val="tx"/>
+                      <ahyp:hlinkClr xmlns:ahyp="http://schemas.microsoft.com/office/drawing/2018/hyperlinkcolor" val="tx"/>
                     </a:ext>
                   </a:extLst>
                 </a:hlinkClick>
@@ -11937,18 +12232,15 @@
             </a:endParaRPr>
           </a:p>
           <a:p>
-            <a:pPr indent="0" lvl="0" marL="0" rtl="0" algn="l">
-              <a:spcBef>
-                <a:spcPts val="0"/>
-              </a:spcBef>
-              <a:spcAft>
-                <a:spcPts val="0"/>
-              </a:spcAft>
-              <a:buNone/>
-            </a:pPr>
-            <a:r>
-              <a:t/>
-            </a:r>
+            <a:pPr marL="0" lvl="0" indent="0" algn="l" rtl="0">
+              <a:spcBef>
+                <a:spcPts val="0"/>
+              </a:spcBef>
+              <a:spcAft>
+                <a:spcPts val="0"/>
+              </a:spcAft>
+              <a:buNone/>
+            </a:pPr>
             <a:endParaRPr>
               <a:latin typeface="Roboto"/>
               <a:ea typeface="Roboto"/>
@@ -11957,7 +12249,7 @@
             </a:endParaRPr>
           </a:p>
           <a:p>
-            <a:pPr indent="0" lvl="0" marL="0" rtl="0" algn="l">
+            <a:pPr marL="0" lvl="0" indent="0" algn="l" rtl="0">
               <a:spcBef>
                 <a:spcPts val="0"/>
               </a:spcBef>
@@ -11978,7 +12270,7 @@
                 <a:hlinkClick r:id="rId8">
                   <a:extLst>
                     <a:ext uri="{A12FA001-AC4F-418D-AE19-62706E023703}">
-                      <ahyp:hlinkClr val="tx"/>
+                      <ahyp:hlinkClr xmlns:ahyp="http://schemas.microsoft.com/office/drawing/2018/hyperlinkcolor" val="tx"/>
                     </a:ext>
                   </a:extLst>
                 </a:hlinkClick>
@@ -11993,18 +12285,15 @@
             </a:endParaRPr>
           </a:p>
           <a:p>
-            <a:pPr indent="0" lvl="0" marL="0" rtl="0" algn="l">
-              <a:spcBef>
-                <a:spcPts val="0"/>
-              </a:spcBef>
-              <a:spcAft>
-                <a:spcPts val="0"/>
-              </a:spcAft>
-              <a:buNone/>
-            </a:pPr>
-            <a:r>
-              <a:t/>
-            </a:r>
+            <a:pPr marL="0" lvl="0" indent="0" algn="l" rtl="0">
+              <a:spcBef>
+                <a:spcPts val="0"/>
+              </a:spcBef>
+              <a:spcAft>
+                <a:spcPts val="0"/>
+              </a:spcAft>
+              <a:buNone/>
+            </a:pPr>
             <a:endParaRPr>
               <a:latin typeface="Roboto"/>
               <a:ea typeface="Roboto"/>
@@ -12013,7 +12302,7 @@
             </a:endParaRPr>
           </a:p>
           <a:p>
-            <a:pPr indent="0" lvl="0" marL="0" rtl="0" algn="l">
+            <a:pPr marL="0" lvl="0" indent="0" algn="l" rtl="0">
               <a:spcBef>
                 <a:spcPts val="0"/>
               </a:spcBef>
@@ -12034,7 +12323,7 @@
                 <a:hlinkClick r:id="rId9">
                   <a:extLst>
                     <a:ext uri="{A12FA001-AC4F-418D-AE19-62706E023703}">
-                      <ahyp:hlinkClr val="tx"/>
+                      <ahyp:hlinkClr xmlns:ahyp="http://schemas.microsoft.com/office/drawing/2018/hyperlinkcolor" val="tx"/>
                     </a:ext>
                   </a:extLst>
                 </a:hlinkClick>
@@ -12049,18 +12338,15 @@
             </a:endParaRPr>
           </a:p>
           <a:p>
-            <a:pPr indent="0" lvl="0" marL="0" rtl="0" algn="l">
-              <a:spcBef>
-                <a:spcPts val="0"/>
-              </a:spcBef>
-              <a:spcAft>
-                <a:spcPts val="0"/>
-              </a:spcAft>
-              <a:buNone/>
-            </a:pPr>
-            <a:r>
-              <a:t/>
-            </a:r>
+            <a:pPr marL="0" lvl="0" indent="0" algn="l" rtl="0">
+              <a:spcBef>
+                <a:spcPts val="0"/>
+              </a:spcBef>
+              <a:spcAft>
+                <a:spcPts val="0"/>
+              </a:spcAft>
+              <a:buNone/>
+            </a:pPr>
             <a:endParaRPr>
               <a:latin typeface="Roboto"/>
               <a:ea typeface="Roboto"/>
@@ -12069,18 +12355,15 @@
             </a:endParaRPr>
           </a:p>
           <a:p>
-            <a:pPr indent="0" lvl="0" marL="0" rtl="0" algn="l">
-              <a:spcBef>
-                <a:spcPts val="0"/>
-              </a:spcBef>
-              <a:spcAft>
-                <a:spcPts val="0"/>
-              </a:spcAft>
-              <a:buNone/>
-            </a:pPr>
-            <a:r>
-              <a:t/>
-            </a:r>
+            <a:pPr marL="0" lvl="0" indent="0" algn="l" rtl="0">
+              <a:spcBef>
+                <a:spcPts val="0"/>
+              </a:spcBef>
+              <a:spcAft>
+                <a:spcPts val="0"/>
+              </a:spcAft>
+              <a:buNone/>
+            </a:pPr>
             <a:endParaRPr>
               <a:latin typeface="Roboto"/>
               <a:ea typeface="Roboto"/>
@@ -12099,11 +12382,11 @@
 </file>
 
 <file path=ppt/slides/slide22.xml><?xml version="1.0" encoding="utf-8"?>
-<p:sld xmlns:a="http://schemas.openxmlformats.org/drawingml/2006/main" xmlns:r="http://schemas.openxmlformats.org/officeDocument/2006/relationships" xmlns:mc="http://schemas.openxmlformats.org/markup-compatibility/2006" xmlns:mv="urn:schemas-microsoft-com:mac:vml" xmlns:p="http://schemas.openxmlformats.org/presentationml/2006/main" xmlns:c="http://schemas.openxmlformats.org/drawingml/2006/chart" xmlns:dgm="http://schemas.openxmlformats.org/drawingml/2006/diagram" xmlns:o="urn:schemas-microsoft-com:office:office" xmlns:v="urn:schemas-microsoft-com:vml" xmlns:pvml="urn:schemas-microsoft-com:office:powerpoint" xmlns:com="http://schemas.openxmlformats.org/drawingml/2006/compatibility" xmlns:p14="http://schemas.microsoft.com/office/powerpoint/2010/main" xmlns:p15="http://schemas.microsoft.com/office/powerpoint/2012/main" xmlns:ahyp="http://schemas.microsoft.com/office/drawing/2018/hyperlinkcolor">
+<p:sld xmlns:a="http://schemas.openxmlformats.org/drawingml/2006/main" xmlns:r="http://schemas.openxmlformats.org/officeDocument/2006/relationships" xmlns:p="http://schemas.openxmlformats.org/presentationml/2006/main">
   <p:cSld>
     <p:spTree>
       <p:nvGrpSpPr>
-        <p:cNvPr id="228" name="Shape 228"/>
+        <p:cNvPr id="1" name="Shape 228"/>
         <p:cNvGrpSpPr/>
         <p:nvPr/>
       </p:nvGrpSpPr>
@@ -12118,7 +12401,9 @@
       <p:sp>
         <p:nvSpPr>
           <p:cNvPr id="229" name="Google Shape;229;p34"/>
-          <p:cNvSpPr txBox="1"/>
+          <p:cNvSpPr txBox="1">
+            <a:spLocks noGrp="1"/>
+          </p:cNvSpPr>
           <p:nvPr>
             <p:ph type="title"/>
           </p:nvPr>
@@ -12133,12 +12418,12 @@
           </a:prstGeom>
         </p:spPr>
         <p:txBody>
-          <a:bodyPr anchorCtr="0" anchor="b" bIns="91425" lIns="91425" spcFirstLastPara="1" rIns="91425" wrap="square" tIns="91425">
+          <a:bodyPr spcFirstLastPara="1" wrap="square" lIns="91425" tIns="91425" rIns="91425" bIns="91425" anchor="b" anchorCtr="0">
             <a:noAutofit/>
           </a:bodyPr>
           <a:lstStyle/>
           <a:p>
-            <a:pPr indent="0" lvl="0" marL="0" rtl="0" algn="l">
+            <a:pPr marL="0" lvl="0" indent="0" algn="l" rtl="0">
               <a:spcBef>
                 <a:spcPts val="0"/>
               </a:spcBef>
@@ -12158,9 +12443,11 @@
       <p:sp>
         <p:nvSpPr>
           <p:cNvPr id="230" name="Google Shape;230;p34"/>
-          <p:cNvSpPr txBox="1"/>
+          <p:cNvSpPr txBox="1">
+            <a:spLocks noGrp="1"/>
+          </p:cNvSpPr>
           <p:nvPr>
-            <p:ph idx="1" type="body"/>
+            <p:ph type="body" idx="1"/>
           </p:nvPr>
         </p:nvSpPr>
         <p:spPr>
@@ -12173,12 +12460,12 @@
           </a:prstGeom>
         </p:spPr>
         <p:txBody>
-          <a:bodyPr anchorCtr="0" anchor="t" bIns="91425" lIns="91425" spcFirstLastPara="1" rIns="91425" wrap="square" tIns="91425">
+          <a:bodyPr spcFirstLastPara="1" wrap="square" lIns="91425" tIns="91425" rIns="91425" bIns="91425" anchor="t" anchorCtr="0">
             <a:noAutofit/>
           </a:bodyPr>
           <a:lstStyle/>
           <a:p>
-            <a:pPr indent="0" lvl="0" marL="0" rtl="0" algn="l">
+            <a:pPr marL="0" lvl="0" indent="0" algn="l" rtl="0">
               <a:spcBef>
                 <a:spcPts val="0"/>
               </a:spcBef>
@@ -12188,13 +12475,25 @@
               <a:buNone/>
             </a:pPr>
             <a:r>
-              <a:rPr lang="en" sz="1400"/>
+              <a:rPr lang="en" sz="1400" dirty="0"/>
               <a:t>Questions?</a:t>
             </a:r>
-            <a:endParaRPr sz="1400"/>
-          </a:p>
-          <a:p>
-            <a:pPr indent="0" lvl="0" marL="0" rtl="0" algn="l">
+            <a:endParaRPr sz="1400" dirty="0"/>
+          </a:p>
+          <a:p>
+            <a:pPr marL="0" lvl="0" indent="0" algn="l" rtl="0">
+              <a:spcBef>
+                <a:spcPts val="0"/>
+              </a:spcBef>
+              <a:spcAft>
+                <a:spcPts val="0"/>
+              </a:spcAft>
+              <a:buNone/>
+            </a:pPr>
+            <a:endParaRPr sz="1400" dirty="0"/>
+          </a:p>
+          <a:p>
+            <a:pPr marL="0" lvl="0" indent="0" algn="l" rtl="0">
               <a:spcBef>
                 <a:spcPts val="0"/>
               </a:spcBef>
@@ -12204,28 +12503,12 @@
               <a:buNone/>
             </a:pPr>
             <a:r>
-              <a:t/>
-            </a:r>
-            <a:endParaRPr sz="1400"/>
-          </a:p>
-          <a:p>
-            <a:pPr indent="0" lvl="0" marL="0" rtl="0" algn="l">
-              <a:spcBef>
-                <a:spcPts val="0"/>
-              </a:spcBef>
-              <a:spcAft>
-                <a:spcPts val="0"/>
-              </a:spcAft>
-              <a:buNone/>
-            </a:pPr>
-            <a:r>
-              <a:rPr lang="en" sz="1400"/>
+              <a:rPr lang="en" sz="1400" dirty="0"/>
               <a:t>GitHub Link:</a:t>
             </a:r>
-            <a:endParaRPr sz="1400"/>
-          </a:p>
-          <a:p>
-            <a:pPr indent="0" lvl="0" marL="0" rtl="0" algn="l">
+          </a:p>
+          <a:p>
+            <a:pPr marL="0" lvl="0" indent="0" algn="l" rtl="0">
               <a:spcBef>
                 <a:spcPts val="0"/>
               </a:spcBef>
@@ -12235,12 +12518,39 @@
               <a:buNone/>
             </a:pPr>
             <a:r>
-              <a:t/>
+              <a:rPr lang="en-US" sz="1400" dirty="0">
+                <a:hlinkClick r:id="rId3"/>
+              </a:rPr>
+              <a:t>https://github.com/jhoffmanDEV10/LassoRidge</a:t>
             </a:r>
-            <a:endParaRPr sz="1400"/>
-          </a:p>
-          <a:p>
-            <a:pPr indent="0" lvl="0" marL="0" rtl="0" algn="l">
+            <a:endParaRPr lang="en" sz="1400" dirty="0"/>
+          </a:p>
+          <a:p>
+            <a:pPr marL="0" lvl="0" indent="0" algn="l" rtl="0">
+              <a:spcBef>
+                <a:spcPts val="0"/>
+              </a:spcBef>
+              <a:spcAft>
+                <a:spcPts val="0"/>
+              </a:spcAft>
+              <a:buNone/>
+            </a:pPr>
+            <a:endParaRPr sz="1400" dirty="0"/>
+          </a:p>
+          <a:p>
+            <a:pPr marL="0" lvl="0" indent="0" algn="l" rtl="0">
+              <a:spcBef>
+                <a:spcPts val="0"/>
+              </a:spcBef>
+              <a:spcAft>
+                <a:spcPts val="0"/>
+              </a:spcAft>
+              <a:buNone/>
+            </a:pPr>
+            <a:endParaRPr sz="1400" dirty="0"/>
+          </a:p>
+          <a:p>
+            <a:pPr marL="0" lvl="0" indent="0" algn="l" rtl="0">
               <a:spcBef>
                 <a:spcPts val="0"/>
               </a:spcBef>
@@ -12250,10 +12560,10 @@
               <a:buNone/>
             </a:pPr>
             <a:r>
-              <a:rPr lang="en" sz="1400"/>
+              <a:rPr lang="en" sz="1400" dirty="0"/>
               <a:t> </a:t>
             </a:r>
-            <a:endParaRPr sz="1400"/>
+            <a:endParaRPr sz="1400" dirty="0"/>
           </a:p>
         </p:txBody>
       </p:sp>
@@ -12264,7 +12574,7 @@
           <p:nvPr/>
         </p:nvPicPr>
         <p:blipFill>
-          <a:blip r:embed="rId3">
+          <a:blip r:embed="rId4">
             <a:alphaModFix/>
           </a:blip>
           <a:stretch>
@@ -12294,11 +12604,11 @@
 </file>
 
 <file path=ppt/slides/slide23.xml><?xml version="1.0" encoding="utf-8"?>
-<p:sld xmlns:a="http://schemas.openxmlformats.org/drawingml/2006/main" xmlns:r="http://schemas.openxmlformats.org/officeDocument/2006/relationships" xmlns:mc="http://schemas.openxmlformats.org/markup-compatibility/2006" xmlns:mv="urn:schemas-microsoft-com:mac:vml" xmlns:p="http://schemas.openxmlformats.org/presentationml/2006/main" xmlns:c="http://schemas.openxmlformats.org/drawingml/2006/chart" xmlns:dgm="http://schemas.openxmlformats.org/drawingml/2006/diagram" xmlns:o="urn:schemas-microsoft-com:office:office" xmlns:v="urn:schemas-microsoft-com:vml" xmlns:pvml="urn:schemas-microsoft-com:office:powerpoint" xmlns:com="http://schemas.openxmlformats.org/drawingml/2006/compatibility" xmlns:p14="http://schemas.microsoft.com/office/powerpoint/2010/main" xmlns:p15="http://schemas.microsoft.com/office/powerpoint/2012/main" xmlns:ahyp="http://schemas.microsoft.com/office/drawing/2018/hyperlinkcolor">
+<p:sld xmlns:a="http://schemas.openxmlformats.org/drawingml/2006/main" xmlns:r="http://schemas.openxmlformats.org/officeDocument/2006/relationships" xmlns:p="http://schemas.openxmlformats.org/presentationml/2006/main">
   <p:cSld>
     <p:spTree>
       <p:nvGrpSpPr>
-        <p:cNvPr id="235" name="Shape 235"/>
+        <p:cNvPr id="1" name="Shape 235"/>
         <p:cNvGrpSpPr/>
         <p:nvPr/>
       </p:nvGrpSpPr>
@@ -12313,7 +12623,9 @@
       <p:sp>
         <p:nvSpPr>
           <p:cNvPr id="236" name="Google Shape;236;p35"/>
-          <p:cNvSpPr txBox="1"/>
+          <p:cNvSpPr txBox="1">
+            <a:spLocks noGrp="1"/>
+          </p:cNvSpPr>
           <p:nvPr>
             <p:ph type="title"/>
           </p:nvPr>
@@ -12328,12 +12640,12 @@
           </a:prstGeom>
         </p:spPr>
         <p:txBody>
-          <a:bodyPr anchorCtr="0" anchor="b" bIns="91425" lIns="91425" spcFirstLastPara="1" rIns="91425" wrap="square" tIns="91425">
+          <a:bodyPr spcFirstLastPara="1" wrap="square" lIns="91425" tIns="91425" rIns="91425" bIns="91425" anchor="b" anchorCtr="0">
             <a:noAutofit/>
           </a:bodyPr>
           <a:lstStyle/>
           <a:p>
-            <a:pPr indent="0" lvl="0" marL="0" rtl="0" algn="ctr">
+            <a:pPr marL="0" lvl="0" indent="0" algn="ctr" rtl="0">
               <a:spcBef>
                 <a:spcPts val="0"/>
               </a:spcBef>
@@ -12353,9 +12665,11 @@
       <p:sp>
         <p:nvSpPr>
           <p:cNvPr id="237" name="Google Shape;237;p35"/>
-          <p:cNvSpPr txBox="1"/>
+          <p:cNvSpPr txBox="1">
+            <a:spLocks noGrp="1"/>
+          </p:cNvSpPr>
           <p:nvPr>
-            <p:ph idx="1" type="body"/>
+            <p:ph type="body" idx="1"/>
           </p:nvPr>
         </p:nvSpPr>
         <p:spPr>
@@ -12368,12 +12682,12 @@
           </a:prstGeom>
         </p:spPr>
         <p:txBody>
-          <a:bodyPr anchorCtr="0" anchor="t" bIns="91425" lIns="91425" spcFirstLastPara="1" rIns="91425" wrap="square" tIns="91425">
+          <a:bodyPr spcFirstLastPara="1" wrap="square" lIns="91425" tIns="91425" rIns="91425" bIns="91425" anchor="t" anchorCtr="0">
             <a:noAutofit/>
           </a:bodyPr>
           <a:lstStyle/>
           <a:p>
-            <a:pPr indent="-304800" lvl="0" marL="457200" rtl="0" algn="l">
+            <a:pPr marL="457200" lvl="0" indent="-304800" algn="l" rtl="0">
               <a:spcBef>
                 <a:spcPts val="0"/>
               </a:spcBef>
@@ -12395,7 +12709,7 @@
             <a:endParaRPr sz="1200"/>
           </a:p>
           <a:p>
-            <a:pPr indent="-304800" lvl="0" marL="457200" rtl="0" algn="l">
+            <a:pPr marL="457200" lvl="0" indent="-304800" algn="l" rtl="0">
               <a:spcBef>
                 <a:spcPts val="0"/>
               </a:spcBef>
@@ -12417,7 +12731,7 @@
             <a:endParaRPr sz="1200"/>
           </a:p>
           <a:p>
-            <a:pPr indent="-304800" lvl="0" marL="457200" rtl="0" algn="l">
+            <a:pPr marL="457200" lvl="0" indent="-304800" algn="l" rtl="0">
               <a:spcBef>
                 <a:spcPts val="0"/>
               </a:spcBef>
@@ -12439,7 +12753,7 @@
             <a:endParaRPr sz="1200"/>
           </a:p>
           <a:p>
-            <a:pPr indent="-304800" lvl="0" marL="457200" rtl="0" algn="l">
+            <a:pPr marL="457200" lvl="0" indent="-304800" algn="l" rtl="0">
               <a:spcBef>
                 <a:spcPts val="0"/>
               </a:spcBef>
@@ -12461,7 +12775,7 @@
             <a:endParaRPr sz="1200"/>
           </a:p>
           <a:p>
-            <a:pPr indent="-304800" lvl="0" marL="457200" rtl="0" algn="l">
+            <a:pPr marL="457200" lvl="0" indent="-304800" algn="l" rtl="0">
               <a:spcBef>
                 <a:spcPts val="0"/>
               </a:spcBef>
@@ -12483,7 +12797,7 @@
             <a:endParaRPr sz="1200"/>
           </a:p>
           <a:p>
-            <a:pPr indent="-304800" lvl="0" marL="457200" rtl="0" algn="l">
+            <a:pPr marL="457200" lvl="0" indent="-304800" algn="l" rtl="0">
               <a:spcBef>
                 <a:spcPts val="0"/>
               </a:spcBef>
@@ -12505,7 +12819,7 @@
             <a:endParaRPr sz="1200"/>
           </a:p>
           <a:p>
-            <a:pPr indent="-304800" lvl="0" marL="457200" rtl="0" algn="l">
+            <a:pPr marL="457200" lvl="0" indent="-304800" algn="l" rtl="0">
               <a:spcBef>
                 <a:spcPts val="0"/>
               </a:spcBef>
@@ -12515,13 +12829,10 @@
               <a:buSzPts val="1200"/>
               <a:buChar char="●"/>
             </a:pPr>
-            <a:r>
-              <a:t/>
-            </a:r>
             <a:endParaRPr sz="1200"/>
           </a:p>
           <a:p>
-            <a:pPr indent="0" lvl="0" marL="457200" rtl="0" algn="l">
+            <a:pPr marL="457200" lvl="0" indent="0" algn="l" rtl="0">
               <a:spcBef>
                 <a:spcPts val="1600"/>
               </a:spcBef>
@@ -12530,9 +12841,6 @@
               </a:spcAft>
               <a:buNone/>
             </a:pPr>
-            <a:r>
-              <a:t/>
-            </a:r>
             <a:endParaRPr/>
           </a:p>
         </p:txBody>
@@ -12546,11 +12854,11 @@
 </file>
 
 <file path=ppt/slides/slide24.xml><?xml version="1.0" encoding="utf-8"?>
-<p:sld xmlns:a="http://schemas.openxmlformats.org/drawingml/2006/main" xmlns:r="http://schemas.openxmlformats.org/officeDocument/2006/relationships" xmlns:mc="http://schemas.openxmlformats.org/markup-compatibility/2006" xmlns:mv="urn:schemas-microsoft-com:mac:vml" xmlns:p="http://schemas.openxmlformats.org/presentationml/2006/main" xmlns:c="http://schemas.openxmlformats.org/drawingml/2006/chart" xmlns:dgm="http://schemas.openxmlformats.org/drawingml/2006/diagram" xmlns:o="urn:schemas-microsoft-com:office:office" xmlns:v="urn:schemas-microsoft-com:vml" xmlns:pvml="urn:schemas-microsoft-com:office:powerpoint" xmlns:com="http://schemas.openxmlformats.org/drawingml/2006/compatibility" xmlns:p14="http://schemas.microsoft.com/office/powerpoint/2010/main" xmlns:p15="http://schemas.microsoft.com/office/powerpoint/2012/main" xmlns:ahyp="http://schemas.microsoft.com/office/drawing/2018/hyperlinkcolor" show="0">
+<p:sld xmlns:a="http://schemas.openxmlformats.org/drawingml/2006/main" xmlns:r="http://schemas.openxmlformats.org/officeDocument/2006/relationships" xmlns:p="http://schemas.openxmlformats.org/presentationml/2006/main" show="0">
   <p:cSld>
     <p:spTree>
       <p:nvGrpSpPr>
-        <p:cNvPr id="241" name="Shape 241"/>
+        <p:cNvPr id="1" name="Shape 241"/>
         <p:cNvGrpSpPr/>
         <p:nvPr/>
       </p:nvGrpSpPr>
@@ -12582,23 +12890,20 @@
           </a:ln>
         </p:spPr>
         <p:txBody>
-          <a:bodyPr anchorCtr="0" anchor="t" bIns="91425" lIns="91425" spcFirstLastPara="1" rIns="91425" wrap="square" tIns="91425">
+          <a:bodyPr spcFirstLastPara="1" wrap="square" lIns="91425" tIns="91425" rIns="91425" bIns="91425" anchor="t" anchorCtr="0">
             <a:spAutoFit/>
           </a:bodyPr>
           <a:lstStyle/>
           <a:p>
-            <a:pPr indent="0" lvl="0" marL="0" rtl="0" algn="l">
-              <a:spcBef>
-                <a:spcPts val="0"/>
-              </a:spcBef>
-              <a:spcAft>
-                <a:spcPts val="0"/>
-              </a:spcAft>
-              <a:buNone/>
-            </a:pPr>
-            <a:r>
-              <a:t/>
-            </a:r>
+            <a:pPr marL="0" lvl="0" indent="0" algn="l" rtl="0">
+              <a:spcBef>
+                <a:spcPts val="0"/>
+              </a:spcBef>
+              <a:spcAft>
+                <a:spcPts val="0"/>
+              </a:spcAft>
+              <a:buNone/>
+            </a:pPr>
             <a:endParaRPr>
               <a:latin typeface="Roboto"/>
               <a:ea typeface="Roboto"/>
@@ -12611,7 +12916,9 @@
       <p:sp>
         <p:nvSpPr>
           <p:cNvPr id="243" name="Google Shape;243;p36"/>
-          <p:cNvSpPr txBox="1"/>
+          <p:cNvSpPr txBox="1">
+            <a:spLocks noGrp="1"/>
+          </p:cNvSpPr>
           <p:nvPr>
             <p:ph type="title"/>
           </p:nvPr>
@@ -12626,12 +12933,12 @@
           </a:prstGeom>
         </p:spPr>
         <p:txBody>
-          <a:bodyPr anchorCtr="0" anchor="ctr" bIns="91425" lIns="91425" spcFirstLastPara="1" rIns="91425" wrap="square" tIns="91425">
+          <a:bodyPr spcFirstLastPara="1" wrap="square" lIns="91425" tIns="91425" rIns="91425" bIns="91425" anchor="ctr" anchorCtr="0">
             <a:noAutofit/>
           </a:bodyPr>
           <a:lstStyle/>
           <a:p>
-            <a:pPr indent="0" lvl="0" marL="0" rtl="0" algn="l">
+            <a:pPr marL="0" lvl="0" indent="0" algn="l" rtl="0">
               <a:spcBef>
                 <a:spcPts val="0"/>
               </a:spcBef>
@@ -12668,12 +12975,12 @@
           </a:ln>
         </p:spPr>
         <p:txBody>
-          <a:bodyPr anchorCtr="0" anchor="t" bIns="91425" lIns="91425" spcFirstLastPara="1" rIns="91425" wrap="square" tIns="91425">
+          <a:bodyPr spcFirstLastPara="1" wrap="square" lIns="91425" tIns="91425" rIns="91425" bIns="91425" anchor="t" anchorCtr="0">
             <a:spAutoFit/>
           </a:bodyPr>
           <a:lstStyle/>
           <a:p>
-            <a:pPr indent="0" lvl="0" marL="0" rtl="0" algn="l">
+            <a:pPr marL="0" lvl="0" indent="0" algn="l" rtl="0">
               <a:spcBef>
                 <a:spcPts val="0"/>
               </a:spcBef>
@@ -12683,7 +12990,7 @@
               <a:buNone/>
             </a:pPr>
             <a:r>
-              <a:rPr b="1" lang="en" sz="1000">
+              <a:rPr lang="en" sz="1000" b="1">
                 <a:latin typeface="Roboto"/>
                 <a:ea typeface="Roboto"/>
                 <a:cs typeface="Roboto"/>
@@ -12708,18 +13015,15 @@
             </a:endParaRPr>
           </a:p>
           <a:p>
-            <a:pPr indent="0" lvl="0" marL="0" rtl="0" algn="l">
-              <a:spcBef>
-                <a:spcPts val="0"/>
-              </a:spcBef>
-              <a:spcAft>
-                <a:spcPts val="0"/>
-              </a:spcAft>
-              <a:buNone/>
-            </a:pPr>
-            <a:r>
-              <a:t/>
-            </a:r>
+            <a:pPr marL="0" lvl="0" indent="0" algn="l" rtl="0">
+              <a:spcBef>
+                <a:spcPts val="0"/>
+              </a:spcBef>
+              <a:spcAft>
+                <a:spcPts val="0"/>
+              </a:spcAft>
+              <a:buNone/>
+            </a:pPr>
             <a:endParaRPr sz="1000">
               <a:latin typeface="Roboto"/>
               <a:ea typeface="Roboto"/>
@@ -12728,7 +13032,7 @@
             </a:endParaRPr>
           </a:p>
           <a:p>
-            <a:pPr indent="0" lvl="0" marL="0" rtl="0" algn="l">
+            <a:pPr marL="0" lvl="0" indent="0" algn="l" rtl="0">
               <a:spcBef>
                 <a:spcPts val="0"/>
               </a:spcBef>
@@ -12738,7 +13042,7 @@
               <a:buNone/>
             </a:pPr>
             <a:r>
-              <a:rPr b="1" lang="en" sz="1000">
+              <a:rPr lang="en" sz="1000" b="1">
                 <a:latin typeface="Roboto"/>
                 <a:ea typeface="Roboto"/>
                 <a:cs typeface="Roboto"/>
@@ -12784,12 +13088,12 @@
           </a:ln>
         </p:spPr>
         <p:txBody>
-          <a:bodyPr anchorCtr="0" anchor="t" bIns="91425" lIns="91425" spcFirstLastPara="1" rIns="91425" wrap="square" tIns="91425">
+          <a:bodyPr spcFirstLastPara="1" wrap="square" lIns="91425" tIns="91425" rIns="91425" bIns="91425" anchor="t" anchorCtr="0">
             <a:spAutoFit/>
           </a:bodyPr>
           <a:lstStyle/>
           <a:p>
-            <a:pPr indent="0" lvl="0" marL="0" rtl="0" algn="l">
+            <a:pPr marL="0" lvl="0" indent="0" algn="l" rtl="0">
               <a:spcBef>
                 <a:spcPts val="0"/>
               </a:spcBef>
@@ -12799,7 +13103,7 @@
               <a:buNone/>
             </a:pPr>
             <a:r>
-              <a:rPr b="1" lang="en" sz="1200">
+              <a:rPr lang="en" sz="1200" b="1">
                 <a:latin typeface="Roboto"/>
                 <a:ea typeface="Roboto"/>
                 <a:cs typeface="Roboto"/>
@@ -12807,7 +13111,7 @@
               </a:rPr>
               <a:t>Ridge and Lasso</a:t>
             </a:r>
-            <a:endParaRPr b="1" sz="1200">
+            <a:endParaRPr sz="1200" b="1">
               <a:latin typeface="Roboto"/>
               <a:ea typeface="Roboto"/>
               <a:cs typeface="Roboto"/>
@@ -12815,7 +13119,7 @@
             </a:endParaRPr>
           </a:p>
           <a:p>
-            <a:pPr indent="0" lvl="0" marL="0" rtl="0" algn="l">
+            <a:pPr marL="0" lvl="0" indent="0" algn="l" rtl="0">
               <a:spcBef>
                 <a:spcPts val="0"/>
               </a:spcBef>
@@ -12831,16 +13135,7 @@
                 <a:cs typeface="Roboto"/>
                 <a:sym typeface="Roboto"/>
               </a:rPr>
-              <a:t>Ridge and Lasso are both </a:t>
-            </a:r>
-            <a:r>
-              <a:rPr lang="en" sz="1000">
-                <a:latin typeface="Roboto"/>
-                <a:ea typeface="Roboto"/>
-                <a:cs typeface="Roboto"/>
-                <a:sym typeface="Roboto"/>
-              </a:rPr>
-              <a:t>shrinkage/regularization techniques used to prevent the overfitting of data</a:t>
+              <a:t>Ridge and Lasso are both shrinkage/regularization techniques used to prevent the overfitting of data</a:t>
             </a:r>
             <a:endParaRPr sz="1000">
               <a:latin typeface="Roboto"/>
@@ -12850,7 +13145,7 @@
             </a:endParaRPr>
           </a:p>
           <a:p>
-            <a:pPr indent="-292100" lvl="0" marL="457200" rtl="0" algn="l">
+            <a:pPr marL="457200" lvl="0" indent="-292100" algn="l" rtl="0">
               <a:spcBef>
                 <a:spcPts val="0"/>
               </a:spcBef>
@@ -12878,19 +13173,16 @@
             </a:endParaRPr>
           </a:p>
           <a:p>
-            <a:pPr indent="0" lvl="0" marL="0" rtl="0" algn="l">
-              <a:spcBef>
-                <a:spcPts val="0"/>
-              </a:spcBef>
-              <a:spcAft>
-                <a:spcPts val="0"/>
-              </a:spcAft>
-              <a:buNone/>
-            </a:pPr>
-            <a:r>
-              <a:t/>
-            </a:r>
-            <a:endParaRPr b="1" sz="1200">
+            <a:pPr marL="0" lvl="0" indent="0" algn="l" rtl="0">
+              <a:spcBef>
+                <a:spcPts val="0"/>
+              </a:spcBef>
+              <a:spcAft>
+                <a:spcPts val="0"/>
+              </a:spcAft>
+              <a:buNone/>
+            </a:pPr>
+            <a:endParaRPr sz="1200" b="1">
               <a:latin typeface="Roboto"/>
               <a:ea typeface="Roboto"/>
               <a:cs typeface="Roboto"/>
@@ -12898,7 +13190,7 @@
             </a:endParaRPr>
           </a:p>
           <a:p>
-            <a:pPr indent="0" lvl="0" marL="0" rtl="0" algn="l">
+            <a:pPr marL="0" lvl="0" indent="0" algn="l" rtl="0">
               <a:spcBef>
                 <a:spcPts val="0"/>
               </a:spcBef>
@@ -12924,7 +13216,7 @@
             </a:endParaRPr>
           </a:p>
           <a:p>
-            <a:pPr indent="0" lvl="0" marL="0" rtl="0" algn="l">
+            <a:pPr marL="0" lvl="0" indent="0" algn="l" rtl="0">
               <a:spcBef>
                 <a:spcPts val="0"/>
               </a:spcBef>
@@ -12943,7 +13235,7 @@
               <a:t>Great to use when predicting a </a:t>
             </a:r>
             <a:r>
-              <a:rPr i="1" lang="en" sz="1000">
+              <a:rPr lang="en" sz="1000" i="1">
                 <a:latin typeface="Roboto"/>
                 <a:ea typeface="Roboto"/>
                 <a:cs typeface="Roboto"/>
@@ -12959,19 +13251,16 @@
             </a:endParaRPr>
           </a:p>
           <a:p>
-            <a:pPr indent="0" lvl="0" marL="0" rtl="0" algn="l">
-              <a:spcBef>
-                <a:spcPts val="0"/>
-              </a:spcBef>
-              <a:spcAft>
-                <a:spcPts val="0"/>
-              </a:spcAft>
-              <a:buNone/>
-            </a:pPr>
-            <a:r>
-              <a:t/>
-            </a:r>
-            <a:endParaRPr b="1" sz="1200">
+            <a:pPr marL="0" lvl="0" indent="0" algn="l" rtl="0">
+              <a:spcBef>
+                <a:spcPts val="0"/>
+              </a:spcBef>
+              <a:spcAft>
+                <a:spcPts val="0"/>
+              </a:spcAft>
+              <a:buNone/>
+            </a:pPr>
+            <a:endParaRPr sz="1200" b="1">
               <a:latin typeface="Roboto"/>
               <a:ea typeface="Roboto"/>
               <a:cs typeface="Roboto"/>
@@ -12979,7 +13268,7 @@
             </a:endParaRPr>
           </a:p>
           <a:p>
-            <a:pPr indent="0" lvl="0" marL="0" rtl="0" algn="l">
+            <a:pPr marL="0" lvl="0" indent="0" algn="l" rtl="0">
               <a:spcBef>
                 <a:spcPts val="0"/>
               </a:spcBef>
@@ -12989,7 +13278,7 @@
               <a:buNone/>
             </a:pPr>
             <a:r>
-              <a:rPr b="1" lang="en" sz="1000">
+              <a:rPr lang="en" sz="1000" b="1">
                 <a:latin typeface="Roboto"/>
                 <a:ea typeface="Roboto"/>
                 <a:cs typeface="Roboto"/>
@@ -13014,18 +13303,15 @@
             </a:endParaRPr>
           </a:p>
           <a:p>
-            <a:pPr indent="0" lvl="0" marL="0" rtl="0" algn="l">
-              <a:spcBef>
-                <a:spcPts val="0"/>
-              </a:spcBef>
-              <a:spcAft>
-                <a:spcPts val="0"/>
-              </a:spcAft>
-              <a:buNone/>
-            </a:pPr>
-            <a:r>
-              <a:t/>
-            </a:r>
+            <a:pPr marL="0" lvl="0" indent="0" algn="l" rtl="0">
+              <a:spcBef>
+                <a:spcPts val="0"/>
+              </a:spcBef>
+              <a:spcAft>
+                <a:spcPts val="0"/>
+              </a:spcAft>
+              <a:buNone/>
+            </a:pPr>
             <a:endParaRPr sz="1000">
               <a:latin typeface="Roboto"/>
               <a:ea typeface="Roboto"/>
@@ -13034,7 +13320,7 @@
             </a:endParaRPr>
           </a:p>
           <a:p>
-            <a:pPr indent="0" lvl="0" marL="0" rtl="0" algn="l">
+            <a:pPr marL="0" lvl="0" indent="0" algn="l" rtl="0">
               <a:spcBef>
                 <a:spcPts val="0"/>
               </a:spcBef>
@@ -13044,7 +13330,7 @@
               <a:buNone/>
             </a:pPr>
             <a:r>
-              <a:rPr b="1" lang="en" sz="1000">
+              <a:rPr lang="en" sz="1000" b="1">
                 <a:latin typeface="Roboto"/>
                 <a:ea typeface="Roboto"/>
                 <a:cs typeface="Roboto"/>
@@ -13069,7 +13355,7 @@
             </a:endParaRPr>
           </a:p>
           <a:p>
-            <a:pPr indent="-292100" lvl="0" marL="457200" rtl="0" algn="l">
+            <a:pPr marL="457200" lvl="0" indent="-292100" algn="l" rtl="0">
               <a:spcBef>
                 <a:spcPts val="0"/>
               </a:spcBef>
@@ -13097,7 +13383,7 @@
             </a:endParaRPr>
           </a:p>
           <a:p>
-            <a:pPr indent="-292100" lvl="0" marL="457200" rtl="0" algn="l">
+            <a:pPr marL="457200" lvl="0" indent="-292100" algn="l" rtl="0">
               <a:spcBef>
                 <a:spcPts val="0"/>
               </a:spcBef>
@@ -13146,12 +13432,12 @@
           </a:ln>
         </p:spPr>
         <p:txBody>
-          <a:bodyPr anchorCtr="0" anchor="t" bIns="91425" lIns="91425" spcFirstLastPara="1" rIns="91425" wrap="square" tIns="91425">
+          <a:bodyPr spcFirstLastPara="1" wrap="square" lIns="91425" tIns="91425" rIns="91425" bIns="91425" anchor="t" anchorCtr="0">
             <a:spAutoFit/>
           </a:bodyPr>
           <a:lstStyle/>
           <a:p>
-            <a:pPr indent="0" lvl="0" marL="0" rtl="0" algn="l">
+            <a:pPr marL="0" lvl="0" indent="0" algn="l" rtl="0">
               <a:spcBef>
                 <a:spcPts val="0"/>
               </a:spcBef>
@@ -13161,7 +13447,7 @@
               <a:buNone/>
             </a:pPr>
             <a:r>
-              <a:rPr b="1" lang="en">
+              <a:rPr lang="en" b="1">
                 <a:latin typeface="Roboto"/>
                 <a:ea typeface="Roboto"/>
                 <a:cs typeface="Roboto"/>
@@ -13177,18 +13463,15 @@
             </a:endParaRPr>
           </a:p>
           <a:p>
-            <a:pPr indent="0" lvl="0" marL="0" rtl="0" algn="l">
-              <a:spcBef>
-                <a:spcPts val="0"/>
-              </a:spcBef>
-              <a:spcAft>
-                <a:spcPts val="0"/>
-              </a:spcAft>
-              <a:buNone/>
-            </a:pPr>
-            <a:r>
-              <a:t/>
-            </a:r>
+            <a:pPr marL="0" lvl="0" indent="0" algn="l" rtl="0">
+              <a:spcBef>
+                <a:spcPts val="0"/>
+              </a:spcBef>
+              <a:spcAft>
+                <a:spcPts val="0"/>
+              </a:spcAft>
+              <a:buNone/>
+            </a:pPr>
             <a:endParaRPr sz="1000">
               <a:latin typeface="Roboto"/>
               <a:ea typeface="Roboto"/>
@@ -13197,7 +13480,7 @@
             </a:endParaRPr>
           </a:p>
           <a:p>
-            <a:pPr indent="-292100" lvl="0" marL="457200" rtl="0" algn="l">
+            <a:pPr marL="457200" lvl="0" indent="-292100" algn="l" rtl="0">
               <a:spcBef>
                 <a:spcPts val="0"/>
               </a:spcBef>
@@ -13225,7 +13508,7 @@
             </a:endParaRPr>
           </a:p>
           <a:p>
-            <a:pPr indent="-292100" lvl="0" marL="457200" rtl="0" algn="l">
+            <a:pPr marL="457200" lvl="0" indent="-292100" algn="l" rtl="0">
               <a:spcBef>
                 <a:spcPts val="0"/>
               </a:spcBef>
@@ -13246,7 +13529,7 @@
               <a:t>Here, alpha is applied to the </a:t>
             </a:r>
             <a:r>
-              <a:rPr b="1" lang="en" sz="1000">
+              <a:rPr lang="en" sz="1000" b="1">
                 <a:latin typeface="Roboto"/>
                 <a:ea typeface="Roboto"/>
                 <a:cs typeface="Roboto"/>
@@ -13271,7 +13554,7 @@
             </a:endParaRPr>
           </a:p>
           <a:p>
-            <a:pPr indent="-292100" lvl="0" marL="457200" rtl="0" algn="l">
+            <a:pPr marL="457200" lvl="0" indent="-292100" algn="l" rtl="0">
               <a:spcBef>
                 <a:spcPts val="0"/>
               </a:spcBef>
@@ -13307,7 +13590,7 @@
             </a:endParaRPr>
           </a:p>
           <a:p>
-            <a:pPr indent="-292100" lvl="0" marL="457200" rtl="0" algn="l">
+            <a:pPr marL="457200" lvl="0" indent="-292100" algn="l" rtl="0">
               <a:spcBef>
                 <a:spcPts val="0"/>
               </a:spcBef>
@@ -13356,12 +13639,12 @@
           </a:ln>
         </p:spPr>
         <p:txBody>
-          <a:bodyPr anchorCtr="0" anchor="t" bIns="91425" lIns="91425" spcFirstLastPara="1" rIns="91425" wrap="square" tIns="91425">
+          <a:bodyPr spcFirstLastPara="1" wrap="square" lIns="91425" tIns="91425" rIns="91425" bIns="91425" anchor="t" anchorCtr="0">
             <a:spAutoFit/>
           </a:bodyPr>
           <a:lstStyle/>
           <a:p>
-            <a:pPr indent="0" lvl="0" marL="0" rtl="0" algn="l">
+            <a:pPr marL="0" lvl="0" indent="0" algn="l" rtl="0">
               <a:spcBef>
                 <a:spcPts val="0"/>
               </a:spcBef>
@@ -13371,7 +13654,7 @@
               <a:buNone/>
             </a:pPr>
             <a:r>
-              <a:rPr b="1" lang="en">
+              <a:rPr lang="en" b="1">
                 <a:latin typeface="Roboto"/>
                 <a:ea typeface="Roboto"/>
                 <a:cs typeface="Roboto"/>
@@ -13380,7 +13663,7 @@
               <a:t>LASSO </a:t>
             </a:r>
             <a:r>
-              <a:rPr b="1" lang="en" sz="1000">
+              <a:rPr lang="en" sz="1000" b="1">
                 <a:latin typeface="Roboto"/>
                 <a:ea typeface="Roboto"/>
                 <a:cs typeface="Roboto"/>
@@ -13388,7 +13671,7 @@
               </a:rPr>
               <a:t>(Least Absolute Shrinkage and Selection Operator)</a:t>
             </a:r>
-            <a:endParaRPr b="1" sz="1000">
+            <a:endParaRPr sz="1000" b="1">
               <a:latin typeface="Roboto"/>
               <a:ea typeface="Roboto"/>
               <a:cs typeface="Roboto"/>
@@ -13396,19 +13679,16 @@
             </a:endParaRPr>
           </a:p>
           <a:p>
-            <a:pPr indent="0" lvl="0" marL="0" rtl="0" algn="l">
-              <a:spcBef>
-                <a:spcPts val="0"/>
-              </a:spcBef>
-              <a:spcAft>
-                <a:spcPts val="0"/>
-              </a:spcAft>
-              <a:buNone/>
-            </a:pPr>
-            <a:r>
-              <a:t/>
-            </a:r>
-            <a:endParaRPr b="1" sz="1000">
+            <a:pPr marL="0" lvl="0" indent="0" algn="l" rtl="0">
+              <a:spcBef>
+                <a:spcPts val="0"/>
+              </a:spcBef>
+              <a:spcAft>
+                <a:spcPts val="0"/>
+              </a:spcAft>
+              <a:buNone/>
+            </a:pPr>
+            <a:endParaRPr sz="1000" b="1">
               <a:latin typeface="Roboto"/>
               <a:ea typeface="Roboto"/>
               <a:cs typeface="Roboto"/>
@@ -13416,7 +13696,7 @@
             </a:endParaRPr>
           </a:p>
           <a:p>
-            <a:pPr indent="-292100" lvl="0" marL="457200" rtl="0" algn="l">
+            <a:pPr marL="457200" lvl="0" indent="-292100" algn="l" rtl="0">
               <a:spcBef>
                 <a:spcPts val="0"/>
               </a:spcBef>
@@ -13437,7 +13717,7 @@
               <a:t>Here, alpha is applied to the </a:t>
             </a:r>
             <a:r>
-              <a:rPr b="1" lang="en" sz="1000">
+              <a:rPr lang="en" sz="1000" b="1">
                 <a:latin typeface="Roboto"/>
                 <a:ea typeface="Roboto"/>
                 <a:cs typeface="Roboto"/>
@@ -13462,7 +13742,7 @@
             </a:endParaRPr>
           </a:p>
           <a:p>
-            <a:pPr indent="-292100" lvl="0" marL="457200" rtl="0" algn="l">
+            <a:pPr marL="457200" lvl="0" indent="-292100" algn="l" rtl="0">
               <a:spcBef>
                 <a:spcPts val="0"/>
               </a:spcBef>
@@ -13483,7 +13763,7 @@
               <a:t>Shrinks coefficients to select the most important features: </a:t>
             </a:r>
             <a:r>
-              <a:rPr b="1" lang="en" sz="1000">
+              <a:rPr lang="en" sz="1000" b="1">
                 <a:latin typeface="Roboto"/>
                 <a:ea typeface="Roboto"/>
                 <a:cs typeface="Roboto"/>
@@ -13508,18 +13788,15 @@
             </a:endParaRPr>
           </a:p>
           <a:p>
-            <a:pPr indent="0" lvl="0" marL="0" rtl="0" algn="l">
-              <a:spcBef>
-                <a:spcPts val="0"/>
-              </a:spcBef>
-              <a:spcAft>
-                <a:spcPts val="0"/>
-              </a:spcAft>
-              <a:buNone/>
-            </a:pPr>
-            <a:r>
-              <a:t/>
-            </a:r>
+            <a:pPr marL="0" lvl="0" indent="0" algn="l" rtl="0">
+              <a:spcBef>
+                <a:spcPts val="0"/>
+              </a:spcBef>
+              <a:spcAft>
+                <a:spcPts val="0"/>
+              </a:spcAft>
+              <a:buNone/>
+            </a:pPr>
             <a:endParaRPr sz="1000">
               <a:latin typeface="Roboto"/>
               <a:ea typeface="Roboto"/>
@@ -13528,7 +13805,7 @@
             </a:endParaRPr>
           </a:p>
           <a:p>
-            <a:pPr indent="-292100" lvl="0" marL="457200" rtl="0" algn="l">
+            <a:pPr marL="457200" lvl="0" indent="-292100" algn="l" rtl="0">
               <a:spcBef>
                 <a:spcPts val="0"/>
               </a:spcBef>
@@ -13572,14 +13849,14 @@
             <a:avLst/>
           </a:prstGeom>
           <a:noFill/>
-          <a:ln cap="flat" cmpd="sng" w="9525">
+          <a:ln w="9525" cap="flat" cmpd="sng">
             <a:solidFill>
               <a:schemeClr val="dk2"/>
             </a:solidFill>
             <a:prstDash val="solid"/>
             <a:round/>
-            <a:headEnd len="med" w="med" type="none"/>
-            <a:tailEnd len="med" w="med" type="none"/>
+            <a:headEnd type="none" w="med" len="med"/>
+            <a:tailEnd type="none" w="med" len="med"/>
           </a:ln>
         </p:spPr>
       </p:cxnSp>
@@ -13592,11 +13869,11 @@
 </file>
 
 <file path=ppt/slides/slide3.xml><?xml version="1.0" encoding="utf-8"?>
-<p:sld xmlns:a="http://schemas.openxmlformats.org/drawingml/2006/main" xmlns:r="http://schemas.openxmlformats.org/officeDocument/2006/relationships" xmlns:mc="http://schemas.openxmlformats.org/markup-compatibility/2006" xmlns:mv="urn:schemas-microsoft-com:mac:vml" xmlns:p="http://schemas.openxmlformats.org/presentationml/2006/main" xmlns:c="http://schemas.openxmlformats.org/drawingml/2006/chart" xmlns:dgm="http://schemas.openxmlformats.org/drawingml/2006/diagram" xmlns:o="urn:schemas-microsoft-com:office:office" xmlns:v="urn:schemas-microsoft-com:vml" xmlns:pvml="urn:schemas-microsoft-com:office:powerpoint" xmlns:com="http://schemas.openxmlformats.org/drawingml/2006/compatibility" xmlns:p14="http://schemas.microsoft.com/office/powerpoint/2010/main" xmlns:p15="http://schemas.microsoft.com/office/powerpoint/2012/main" xmlns:ahyp="http://schemas.microsoft.com/office/drawing/2018/hyperlinkcolor">
+<p:sld xmlns:a="http://schemas.openxmlformats.org/drawingml/2006/main" xmlns:r="http://schemas.openxmlformats.org/officeDocument/2006/relationships" xmlns:p="http://schemas.openxmlformats.org/presentationml/2006/main">
   <p:cSld>
     <p:spTree>
       <p:nvGrpSpPr>
-        <p:cNvPr id="78" name="Shape 78"/>
+        <p:cNvPr id="1" name="Shape 78"/>
         <p:cNvGrpSpPr/>
         <p:nvPr/>
       </p:nvGrpSpPr>
@@ -13611,7 +13888,9 @@
       <p:sp>
         <p:nvSpPr>
           <p:cNvPr id="79" name="Google Shape;79;p15"/>
-          <p:cNvSpPr txBox="1"/>
+          <p:cNvSpPr txBox="1">
+            <a:spLocks noGrp="1"/>
+          </p:cNvSpPr>
           <p:nvPr>
             <p:ph type="title"/>
           </p:nvPr>
@@ -13626,12 +13905,12 @@
           </a:prstGeom>
         </p:spPr>
         <p:txBody>
-          <a:bodyPr anchorCtr="0" anchor="b" bIns="91425" lIns="91425" spcFirstLastPara="1" rIns="91425" wrap="square" tIns="91425">
+          <a:bodyPr spcFirstLastPara="1" wrap="square" lIns="91425" tIns="91425" rIns="91425" bIns="91425" anchor="b" anchorCtr="0">
             <a:noAutofit/>
           </a:bodyPr>
           <a:lstStyle/>
           <a:p>
-            <a:pPr indent="0" lvl="0" marL="0" rtl="0" algn="ctr">
+            <a:pPr marL="0" lvl="0" indent="0" algn="ctr" rtl="0">
               <a:spcBef>
                 <a:spcPts val="0"/>
               </a:spcBef>
@@ -13651,9 +13930,11 @@
       <p:sp>
         <p:nvSpPr>
           <p:cNvPr id="80" name="Google Shape;80;p15"/>
-          <p:cNvSpPr txBox="1"/>
+          <p:cNvSpPr txBox="1">
+            <a:spLocks noGrp="1"/>
+          </p:cNvSpPr>
           <p:nvPr>
-            <p:ph idx="1" type="body"/>
+            <p:ph type="body" idx="1"/>
           </p:nvPr>
         </p:nvSpPr>
         <p:spPr>
@@ -13666,12 +13947,12 @@
           </a:prstGeom>
         </p:spPr>
         <p:txBody>
-          <a:bodyPr anchorCtr="0" anchor="t" bIns="91425" lIns="91425" spcFirstLastPara="1" rIns="91425" wrap="square" tIns="91425">
+          <a:bodyPr spcFirstLastPara="1" wrap="square" lIns="91425" tIns="91425" rIns="91425" bIns="91425" anchor="t" anchorCtr="0">
             <a:noAutofit/>
           </a:bodyPr>
           <a:lstStyle/>
           <a:p>
-            <a:pPr indent="0" lvl="0" marL="0" rtl="0" algn="l">
+            <a:pPr marL="0" lvl="0" indent="0" algn="l" rtl="0">
               <a:spcBef>
                 <a:spcPts val="0"/>
               </a:spcBef>
@@ -13687,7 +13968,7 @@
             <a:endParaRPr/>
           </a:p>
           <a:p>
-            <a:pPr indent="0" lvl="0" marL="0" rtl="0" algn="l">
+            <a:pPr marL="0" lvl="0" indent="0" algn="l" rtl="0">
               <a:spcBef>
                 <a:spcPts val="1600"/>
               </a:spcBef>
@@ -13703,7 +13984,7 @@
             <a:endParaRPr/>
           </a:p>
           <a:p>
-            <a:pPr indent="0" lvl="0" marL="0" rtl="0" algn="l">
+            <a:pPr marL="0" lvl="0" indent="0" algn="l" rtl="0">
               <a:spcBef>
                 <a:spcPts val="1600"/>
               </a:spcBef>
@@ -13719,7 +14000,7 @@
             <a:endParaRPr/>
           </a:p>
           <a:p>
-            <a:pPr indent="0" lvl="0" marL="0" rtl="0" algn="l">
+            <a:pPr marL="0" lvl="0" indent="0" algn="l" rtl="0">
               <a:spcBef>
                 <a:spcPts val="1600"/>
               </a:spcBef>
@@ -13733,7 +14014,7 @@
               <a:t>Similar to Linear Regression, useful to predict </a:t>
             </a:r>
             <a:r>
-              <a:rPr b="1" i="1" lang="en"/>
+              <a:rPr lang="en" b="1" i="1"/>
               <a:t>quantities</a:t>
             </a:r>
             <a:r>
@@ -13753,11 +14034,11 @@
 </file>
 
 <file path=ppt/slides/slide4.xml><?xml version="1.0" encoding="utf-8"?>
-<p:sld xmlns:a="http://schemas.openxmlformats.org/drawingml/2006/main" xmlns:r="http://schemas.openxmlformats.org/officeDocument/2006/relationships" xmlns:mc="http://schemas.openxmlformats.org/markup-compatibility/2006" xmlns:mv="urn:schemas-microsoft-com:mac:vml" xmlns:p="http://schemas.openxmlformats.org/presentationml/2006/main" xmlns:c="http://schemas.openxmlformats.org/drawingml/2006/chart" xmlns:dgm="http://schemas.openxmlformats.org/drawingml/2006/diagram" xmlns:o="urn:schemas-microsoft-com:office:office" xmlns:v="urn:schemas-microsoft-com:vml" xmlns:pvml="urn:schemas-microsoft-com:office:powerpoint" xmlns:com="http://schemas.openxmlformats.org/drawingml/2006/compatibility" xmlns:p14="http://schemas.microsoft.com/office/powerpoint/2010/main" xmlns:p15="http://schemas.microsoft.com/office/powerpoint/2012/main" xmlns:ahyp="http://schemas.microsoft.com/office/drawing/2018/hyperlinkcolor">
+<p:sld xmlns:a="http://schemas.openxmlformats.org/drawingml/2006/main" xmlns:r="http://schemas.openxmlformats.org/officeDocument/2006/relationships" xmlns:p="http://schemas.openxmlformats.org/presentationml/2006/main">
   <p:cSld>
     <p:spTree>
       <p:nvGrpSpPr>
-        <p:cNvPr id="84" name="Shape 84"/>
+        <p:cNvPr id="1" name="Shape 84"/>
         <p:cNvGrpSpPr/>
         <p:nvPr/>
       </p:nvGrpSpPr>
@@ -13772,9 +14053,11 @@
       <p:sp>
         <p:nvSpPr>
           <p:cNvPr id="85" name="Google Shape;85;p16"/>
-          <p:cNvSpPr txBox="1"/>
+          <p:cNvSpPr txBox="1">
+            <a:spLocks noGrp="1"/>
+          </p:cNvSpPr>
           <p:nvPr>
-            <p:ph idx="1" type="body"/>
+            <p:ph type="body" idx="1"/>
           </p:nvPr>
         </p:nvSpPr>
         <p:spPr>
@@ -13787,12 +14070,12 @@
           </a:prstGeom>
         </p:spPr>
         <p:txBody>
-          <a:bodyPr anchorCtr="0" anchor="t" bIns="91425" lIns="91425" spcFirstLastPara="1" rIns="91425" wrap="square" tIns="91425">
+          <a:bodyPr spcFirstLastPara="1" wrap="square" lIns="91425" tIns="91425" rIns="91425" bIns="91425" anchor="t" anchorCtr="0">
             <a:noAutofit/>
           </a:bodyPr>
           <a:lstStyle/>
           <a:p>
-            <a:pPr indent="-317500" lvl="0" marL="457200" rtl="0" algn="l">
+            <a:pPr marL="457200" lvl="0" indent="-317500" algn="l" rtl="0">
               <a:spcBef>
                 <a:spcPts val="0"/>
               </a:spcBef>
@@ -13809,7 +14092,7 @@
             <a:endParaRPr/>
           </a:p>
           <a:p>
-            <a:pPr indent="-317500" lvl="0" marL="457200" rtl="0" algn="l">
+            <a:pPr marL="457200" lvl="0" indent="-317500" algn="l" rtl="0">
               <a:spcBef>
                 <a:spcPts val="0"/>
               </a:spcBef>
@@ -13826,7 +14109,7 @@
             <a:endParaRPr/>
           </a:p>
           <a:p>
-            <a:pPr indent="-317500" lvl="0" marL="457200" rtl="0" algn="l">
+            <a:pPr marL="457200" lvl="0" indent="-317500" algn="l" rtl="0">
               <a:spcBef>
                 <a:spcPts val="0"/>
               </a:spcBef>
@@ -13847,9 +14130,11 @@
       <p:sp>
         <p:nvSpPr>
           <p:cNvPr id="86" name="Google Shape;86;p16"/>
-          <p:cNvSpPr txBox="1"/>
+          <p:cNvSpPr txBox="1">
+            <a:spLocks noGrp="1"/>
+          </p:cNvSpPr>
           <p:nvPr>
-            <p:ph idx="2" type="body"/>
+            <p:ph type="body" idx="2"/>
           </p:nvPr>
         </p:nvSpPr>
         <p:spPr>
@@ -13862,12 +14147,12 @@
           </a:prstGeom>
         </p:spPr>
         <p:txBody>
-          <a:bodyPr anchorCtr="0" anchor="t" bIns="91425" lIns="91425" spcFirstLastPara="1" rIns="91425" wrap="square" tIns="91425">
+          <a:bodyPr spcFirstLastPara="1" wrap="square" lIns="91425" tIns="91425" rIns="91425" bIns="91425" anchor="t" anchorCtr="0">
             <a:noAutofit/>
           </a:bodyPr>
           <a:lstStyle/>
           <a:p>
-            <a:pPr indent="-317500" lvl="0" marL="457200" rtl="0" algn="l">
+            <a:pPr marL="457200" lvl="0" indent="-317500" algn="l" rtl="0">
               <a:spcBef>
                 <a:spcPts val="0"/>
               </a:spcBef>
@@ -13884,7 +14169,7 @@
             <a:endParaRPr/>
           </a:p>
           <a:p>
-            <a:pPr indent="-317500" lvl="0" marL="457200" rtl="0" algn="l">
+            <a:pPr marL="457200" lvl="0" indent="-317500" algn="l" rtl="0">
               <a:spcBef>
                 <a:spcPts val="0"/>
               </a:spcBef>
@@ -13896,20 +14181,12 @@
             </a:pPr>
             <a:r>
               <a:rPr lang="en"/>
-              <a:t>Lasso → you have to be careful to not </a:t>
-            </a:r>
-            <a:r>
-              <a:rPr lang="en"/>
-              <a:t>eliminate</a:t>
-            </a:r>
-            <a:r>
-              <a:rPr lang="en"/>
-              <a:t> features (X-values)</a:t>
+              <a:t>Lasso → you have to be careful to not eliminate features (X-values)</a:t>
             </a:r>
             <a:endParaRPr/>
           </a:p>
           <a:p>
-            <a:pPr indent="-317500" lvl="0" marL="457200" rtl="0" algn="l">
+            <a:pPr marL="457200" lvl="0" indent="-317500" algn="l" rtl="0">
               <a:spcBef>
                 <a:spcPts val="0"/>
               </a:spcBef>
@@ -13926,7 +14203,7 @@
             <a:endParaRPr/>
           </a:p>
           <a:p>
-            <a:pPr indent="0" lvl="0" marL="0" rtl="0" algn="l">
+            <a:pPr marL="0" lvl="0" indent="0" algn="l" rtl="0">
               <a:spcBef>
                 <a:spcPts val="1600"/>
               </a:spcBef>
@@ -13935,9 +14212,6 @@
               </a:spcAft>
               <a:buNone/>
             </a:pPr>
-            <a:r>
-              <a:t/>
-            </a:r>
             <a:endParaRPr/>
           </a:p>
         </p:txBody>
@@ -13962,12 +14236,12 @@
           </a:ln>
         </p:spPr>
         <p:txBody>
-          <a:bodyPr anchorCtr="0" anchor="t" bIns="91425" lIns="91425" spcFirstLastPara="1" rIns="91425" wrap="square" tIns="91425">
+          <a:bodyPr spcFirstLastPara="1" wrap="square" lIns="91425" tIns="91425" rIns="91425" bIns="91425" anchor="t" anchorCtr="0">
             <a:spAutoFit/>
           </a:bodyPr>
           <a:lstStyle/>
           <a:p>
-            <a:pPr indent="0" lvl="0" marL="0" rtl="0" algn="ctr">
+            <a:pPr marL="0" lvl="0" indent="0" algn="ctr" rtl="0">
               <a:spcBef>
                 <a:spcPts val="0"/>
               </a:spcBef>
@@ -14020,12 +14294,12 @@
           </a:ln>
         </p:spPr>
         <p:txBody>
-          <a:bodyPr anchorCtr="0" anchor="t" bIns="91425" lIns="91425" spcFirstLastPara="1" rIns="91425" wrap="square" tIns="91425">
+          <a:bodyPr spcFirstLastPara="1" wrap="square" lIns="91425" tIns="91425" rIns="91425" bIns="91425" anchor="t" anchorCtr="0">
             <a:spAutoFit/>
           </a:bodyPr>
           <a:lstStyle/>
           <a:p>
-            <a:pPr indent="0" lvl="0" marL="0" rtl="0" algn="ctr">
+            <a:pPr marL="0" lvl="0" indent="0" algn="ctr" rtl="0">
               <a:spcBef>
                 <a:spcPts val="0"/>
               </a:spcBef>
@@ -14044,19 +14318,7 @@
                 <a:cs typeface="Roboto"/>
                 <a:sym typeface="Roboto"/>
               </a:rPr>
-              <a:t>Disa</a:t>
-            </a:r>
-            <a:r>
-              <a:rPr lang="en" sz="3200">
-                <a:solidFill>
-                  <a:schemeClr val="lt1"/>
-                </a:solidFill>
-                <a:latin typeface="Roboto"/>
-                <a:ea typeface="Roboto"/>
-                <a:cs typeface="Roboto"/>
-                <a:sym typeface="Roboto"/>
-              </a:rPr>
-              <a:t>dvantages</a:t>
+              <a:t>Disadvantages</a:t>
             </a:r>
             <a:endParaRPr sz="3200">
               <a:solidFill>
@@ -14079,11 +14341,11 @@
 </file>
 
 <file path=ppt/slides/slide5.xml><?xml version="1.0" encoding="utf-8"?>
-<p:sld xmlns:a="http://schemas.openxmlformats.org/drawingml/2006/main" xmlns:r="http://schemas.openxmlformats.org/officeDocument/2006/relationships" xmlns:mc="http://schemas.openxmlformats.org/markup-compatibility/2006" xmlns:mv="urn:schemas-microsoft-com:mac:vml" xmlns:p="http://schemas.openxmlformats.org/presentationml/2006/main" xmlns:c="http://schemas.openxmlformats.org/drawingml/2006/chart" xmlns:dgm="http://schemas.openxmlformats.org/drawingml/2006/diagram" xmlns:o="urn:schemas-microsoft-com:office:office" xmlns:v="urn:schemas-microsoft-com:vml" xmlns:pvml="urn:schemas-microsoft-com:office:powerpoint" xmlns:com="http://schemas.openxmlformats.org/drawingml/2006/compatibility" xmlns:p14="http://schemas.microsoft.com/office/powerpoint/2010/main" xmlns:p15="http://schemas.microsoft.com/office/powerpoint/2012/main" xmlns:ahyp="http://schemas.microsoft.com/office/drawing/2018/hyperlinkcolor">
+<p:sld xmlns:a="http://schemas.openxmlformats.org/drawingml/2006/main" xmlns:r="http://schemas.openxmlformats.org/officeDocument/2006/relationships" xmlns:p="http://schemas.openxmlformats.org/presentationml/2006/main">
   <p:cSld>
     <p:spTree>
       <p:nvGrpSpPr>
-        <p:cNvPr id="92" name="Shape 92"/>
+        <p:cNvPr id="1" name="Shape 92"/>
         <p:cNvGrpSpPr/>
         <p:nvPr/>
       </p:nvGrpSpPr>
@@ -14098,7 +14360,9 @@
       <p:sp>
         <p:nvSpPr>
           <p:cNvPr id="93" name="Google Shape;93;p17"/>
-          <p:cNvSpPr txBox="1"/>
+          <p:cNvSpPr txBox="1">
+            <a:spLocks noGrp="1"/>
+          </p:cNvSpPr>
           <p:nvPr>
             <p:ph type="title"/>
           </p:nvPr>
@@ -14113,12 +14377,12 @@
           </a:prstGeom>
         </p:spPr>
         <p:txBody>
-          <a:bodyPr anchorCtr="0" anchor="b" bIns="91425" lIns="91425" spcFirstLastPara="1" rIns="91425" wrap="square" tIns="91425">
+          <a:bodyPr spcFirstLastPara="1" wrap="square" lIns="91425" tIns="91425" rIns="91425" bIns="91425" anchor="b" anchorCtr="0">
             <a:noAutofit/>
           </a:bodyPr>
           <a:lstStyle/>
           <a:p>
-            <a:pPr indent="0" lvl="0" marL="0" rtl="0" algn="l">
+            <a:pPr marL="0" lvl="0" indent="0" algn="l" rtl="0">
               <a:spcBef>
                 <a:spcPts val="0"/>
               </a:spcBef>
@@ -14200,11 +14464,11 @@
 </file>
 
 <file path=ppt/slides/slide6.xml><?xml version="1.0" encoding="utf-8"?>
-<p:sld xmlns:a="http://schemas.openxmlformats.org/drawingml/2006/main" xmlns:r="http://schemas.openxmlformats.org/officeDocument/2006/relationships" xmlns:mc="http://schemas.openxmlformats.org/markup-compatibility/2006" xmlns:mv="urn:schemas-microsoft-com:mac:vml" xmlns:p="http://schemas.openxmlformats.org/presentationml/2006/main" xmlns:c="http://schemas.openxmlformats.org/drawingml/2006/chart" xmlns:dgm="http://schemas.openxmlformats.org/drawingml/2006/diagram" xmlns:o="urn:schemas-microsoft-com:office:office" xmlns:v="urn:schemas-microsoft-com:vml" xmlns:pvml="urn:schemas-microsoft-com:office:powerpoint" xmlns:com="http://schemas.openxmlformats.org/drawingml/2006/compatibility" xmlns:p14="http://schemas.microsoft.com/office/powerpoint/2010/main" xmlns:p15="http://schemas.microsoft.com/office/powerpoint/2012/main" xmlns:ahyp="http://schemas.microsoft.com/office/drawing/2018/hyperlinkcolor">
+<p:sld xmlns:a="http://schemas.openxmlformats.org/drawingml/2006/main" xmlns:r="http://schemas.openxmlformats.org/officeDocument/2006/relationships" xmlns:p="http://schemas.openxmlformats.org/presentationml/2006/main">
   <p:cSld>
     <p:spTree>
       <p:nvGrpSpPr>
-        <p:cNvPr id="99" name="Shape 99"/>
+        <p:cNvPr id="1" name="Shape 99"/>
         <p:cNvGrpSpPr/>
         <p:nvPr/>
       </p:nvGrpSpPr>
@@ -14219,7 +14483,9 @@
       <p:sp>
         <p:nvSpPr>
           <p:cNvPr id="100" name="Google Shape;100;p18"/>
-          <p:cNvSpPr txBox="1"/>
+          <p:cNvSpPr txBox="1">
+            <a:spLocks noGrp="1"/>
+          </p:cNvSpPr>
           <p:nvPr>
             <p:ph type="title"/>
           </p:nvPr>
@@ -14234,12 +14500,12 @@
           </a:prstGeom>
         </p:spPr>
         <p:txBody>
-          <a:bodyPr anchorCtr="0" anchor="b" bIns="91425" lIns="91425" spcFirstLastPara="1" rIns="91425" wrap="square" tIns="91425">
+          <a:bodyPr spcFirstLastPara="1" wrap="square" lIns="91425" tIns="91425" rIns="91425" bIns="91425" anchor="b" anchorCtr="0">
             <a:noAutofit/>
           </a:bodyPr>
           <a:lstStyle/>
           <a:p>
-            <a:pPr indent="0" lvl="0" marL="0" rtl="0" algn="l">
+            <a:pPr marL="0" lvl="0" indent="0" algn="l" rtl="0">
               <a:spcBef>
                 <a:spcPts val="0"/>
               </a:spcBef>
@@ -14259,9 +14525,11 @@
       <p:sp>
         <p:nvSpPr>
           <p:cNvPr id="101" name="Google Shape;101;p18"/>
-          <p:cNvSpPr txBox="1"/>
+          <p:cNvSpPr txBox="1">
+            <a:spLocks noGrp="1"/>
+          </p:cNvSpPr>
           <p:nvPr>
-            <p:ph idx="1" type="body"/>
+            <p:ph type="body" idx="1"/>
           </p:nvPr>
         </p:nvSpPr>
         <p:spPr>
@@ -14274,12 +14542,12 @@
           </a:prstGeom>
         </p:spPr>
         <p:txBody>
-          <a:bodyPr anchorCtr="0" anchor="t" bIns="91425" lIns="91425" spcFirstLastPara="1" rIns="91425" wrap="square" tIns="91425">
+          <a:bodyPr spcFirstLastPara="1" wrap="square" lIns="91425" tIns="91425" rIns="91425" bIns="91425" anchor="t" anchorCtr="0">
             <a:noAutofit/>
           </a:bodyPr>
           <a:lstStyle/>
           <a:p>
-            <a:pPr indent="0" lvl="0" marL="0" rtl="0" algn="l">
+            <a:pPr marL="0" lvl="0" indent="0" algn="l" rtl="0">
               <a:spcBef>
                 <a:spcPts val="0"/>
               </a:spcBef>
@@ -14295,7 +14563,7 @@
             <a:endParaRPr/>
           </a:p>
           <a:p>
-            <a:pPr indent="0" lvl="0" marL="0" rtl="0" algn="l">
+            <a:pPr marL="0" lvl="0" indent="0" algn="l" rtl="0">
               <a:spcBef>
                 <a:spcPts val="1600"/>
               </a:spcBef>
@@ -14304,13 +14572,10 @@
               </a:spcAft>
               <a:buNone/>
             </a:pPr>
-            <a:r>
-              <a:t/>
-            </a:r>
             <a:endParaRPr/>
           </a:p>
           <a:p>
-            <a:pPr indent="0" lvl="0" marL="0" rtl="0" algn="l">
+            <a:pPr marL="0" lvl="0" indent="0" algn="l" rtl="0">
               <a:spcBef>
                 <a:spcPts val="1600"/>
               </a:spcBef>
@@ -14319,13 +14584,10 @@
               </a:spcAft>
               <a:buNone/>
             </a:pPr>
-            <a:r>
-              <a:t/>
-            </a:r>
             <a:endParaRPr/>
           </a:p>
           <a:p>
-            <a:pPr indent="0" lvl="0" marL="0" rtl="0" algn="l">
+            <a:pPr marL="0" lvl="0" indent="0" algn="l" rtl="0">
               <a:spcBef>
                 <a:spcPts val="1600"/>
               </a:spcBef>
@@ -14334,13 +14596,10 @@
               </a:spcAft>
               <a:buNone/>
             </a:pPr>
-            <a:r>
-              <a:t/>
-            </a:r>
             <a:endParaRPr/>
           </a:p>
           <a:p>
-            <a:pPr indent="0" lvl="0" marL="0" rtl="0" algn="l">
+            <a:pPr marL="0" lvl="0" indent="0" algn="l" rtl="0">
               <a:spcBef>
                 <a:spcPts val="1600"/>
               </a:spcBef>
@@ -14356,7 +14615,7 @@
             <a:endParaRPr/>
           </a:p>
           <a:p>
-            <a:pPr indent="0" lvl="0" marL="0" rtl="0" algn="l">
+            <a:pPr marL="0" lvl="0" indent="0" algn="l" rtl="0">
               <a:spcBef>
                 <a:spcPts val="1600"/>
               </a:spcBef>
@@ -14365,13 +14624,10 @@
               </a:spcAft>
               <a:buNone/>
             </a:pPr>
-            <a:r>
-              <a:t/>
-            </a:r>
             <a:endParaRPr/>
           </a:p>
           <a:p>
-            <a:pPr indent="0" lvl="0" marL="0" rtl="0" algn="l">
+            <a:pPr marL="0" lvl="0" indent="0" algn="l" rtl="0">
               <a:spcBef>
                 <a:spcPts val="1600"/>
               </a:spcBef>
@@ -14380,13 +14636,10 @@
               </a:spcAft>
               <a:buNone/>
             </a:pPr>
-            <a:r>
-              <a:t/>
-            </a:r>
             <a:endParaRPr/>
           </a:p>
           <a:p>
-            <a:pPr indent="0" lvl="0" marL="0" rtl="0" algn="l">
+            <a:pPr marL="0" lvl="0" indent="0" algn="l" rtl="0">
               <a:spcBef>
                 <a:spcPts val="1600"/>
               </a:spcBef>
@@ -14395,13 +14648,10 @@
               </a:spcAft>
               <a:buNone/>
             </a:pPr>
-            <a:r>
-              <a:t/>
-            </a:r>
             <a:endParaRPr/>
           </a:p>
           <a:p>
-            <a:pPr indent="0" lvl="0" marL="0" rtl="0" algn="l">
+            <a:pPr marL="0" lvl="0" indent="0" algn="l" rtl="0">
               <a:spcBef>
                 <a:spcPts val="1600"/>
               </a:spcBef>
@@ -14410,13 +14660,10 @@
               </a:spcAft>
               <a:buNone/>
             </a:pPr>
-            <a:r>
-              <a:t/>
-            </a:r>
             <a:endParaRPr/>
           </a:p>
           <a:p>
-            <a:pPr indent="0" lvl="0" marL="0" rtl="0" algn="l">
+            <a:pPr marL="0" lvl="0" indent="0" algn="l" rtl="0">
               <a:spcBef>
                 <a:spcPts val="1600"/>
               </a:spcBef>
@@ -14425,9 +14672,6 @@
               </a:spcAft>
               <a:buNone/>
             </a:pPr>
-            <a:r>
-              <a:t/>
-            </a:r>
             <a:endParaRPr/>
           </a:p>
         </p:txBody>
@@ -14435,9 +14679,11 @@
       <p:sp>
         <p:nvSpPr>
           <p:cNvPr id="102" name="Google Shape;102;p18"/>
-          <p:cNvSpPr txBox="1"/>
+          <p:cNvSpPr txBox="1">
+            <a:spLocks noGrp="1"/>
+          </p:cNvSpPr>
           <p:nvPr>
-            <p:ph idx="2" type="body"/>
+            <p:ph type="body" idx="2"/>
           </p:nvPr>
         </p:nvSpPr>
         <p:spPr>
@@ -14450,12 +14696,12 @@
           </a:prstGeom>
         </p:spPr>
         <p:txBody>
-          <a:bodyPr anchorCtr="0" anchor="t" bIns="91425" lIns="91425" spcFirstLastPara="1" rIns="91425" wrap="square" tIns="91425">
+          <a:bodyPr spcFirstLastPara="1" wrap="square" lIns="91425" tIns="91425" rIns="91425" bIns="91425" anchor="t" anchorCtr="0">
             <a:noAutofit/>
           </a:bodyPr>
           <a:lstStyle/>
           <a:p>
-            <a:pPr indent="0" lvl="0" marL="0" rtl="0" algn="l">
+            <a:pPr marL="0" lvl="0" indent="0" algn="l" rtl="0">
               <a:spcBef>
                 <a:spcPts val="0"/>
               </a:spcBef>
@@ -14471,7 +14717,7 @@
             <a:endParaRPr/>
           </a:p>
           <a:p>
-            <a:pPr indent="0" lvl="0" marL="0" rtl="0" algn="l">
+            <a:pPr marL="0" lvl="0" indent="0" algn="l" rtl="0">
               <a:spcBef>
                 <a:spcPts val="1600"/>
               </a:spcBef>
@@ -14480,13 +14726,10 @@
               </a:spcAft>
               <a:buNone/>
             </a:pPr>
-            <a:r>
-              <a:t/>
-            </a:r>
             <a:endParaRPr/>
           </a:p>
           <a:p>
-            <a:pPr indent="0" lvl="0" marL="0" rtl="0" algn="l">
+            <a:pPr marL="0" lvl="0" indent="0" algn="l" rtl="0">
               <a:spcBef>
                 <a:spcPts val="1600"/>
               </a:spcBef>
@@ -14495,13 +14738,10 @@
               </a:spcAft>
               <a:buNone/>
             </a:pPr>
-            <a:r>
-              <a:t/>
-            </a:r>
             <a:endParaRPr/>
           </a:p>
           <a:p>
-            <a:pPr indent="0" lvl="0" marL="0" rtl="0" algn="l">
+            <a:pPr marL="0" lvl="0" indent="0" algn="l" rtl="0">
               <a:spcBef>
                 <a:spcPts val="1600"/>
               </a:spcBef>
@@ -14517,7 +14757,7 @@
             <a:endParaRPr/>
           </a:p>
           <a:p>
-            <a:pPr indent="0" lvl="0" marL="0" rtl="0" algn="l">
+            <a:pPr marL="0" lvl="0" indent="0" algn="l" rtl="0">
               <a:spcBef>
                 <a:spcPts val="1600"/>
               </a:spcBef>
@@ -14526,13 +14766,10 @@
               </a:spcAft>
               <a:buNone/>
             </a:pPr>
-            <a:r>
-              <a:t/>
-            </a:r>
             <a:endParaRPr/>
           </a:p>
           <a:p>
-            <a:pPr indent="0" lvl="0" marL="0" rtl="0" algn="l">
+            <a:pPr marL="0" lvl="0" indent="0" algn="l" rtl="0">
               <a:spcBef>
                 <a:spcPts val="1600"/>
               </a:spcBef>
@@ -14548,7 +14785,7 @@
             <a:endParaRPr/>
           </a:p>
           <a:p>
-            <a:pPr indent="0" lvl="0" marL="0" rtl="0" algn="l">
+            <a:pPr marL="0" lvl="0" indent="0" algn="l" rtl="0">
               <a:spcBef>
                 <a:spcPts val="1600"/>
               </a:spcBef>
@@ -14557,9 +14794,6 @@
               </a:spcAft>
               <a:buNone/>
             </a:pPr>
-            <a:r>
-              <a:t/>
-            </a:r>
             <a:endParaRPr/>
           </a:p>
         </p:txBody>
@@ -14574,7 +14808,7 @@
           <a:blip r:embed="rId3">
             <a:alphaModFix/>
           </a:blip>
-          <a:srcRect b="23878" l="0" r="0" t="49317"/>
+          <a:srcRect t="49317" b="23878"/>
           <a:stretch/>
         </p:blipFill>
         <p:spPr>
@@ -14601,7 +14835,7 @@
           <a:blip r:embed="rId3">
             <a:alphaModFix/>
           </a:blip>
-          <a:srcRect b="0" l="0" r="0" t="75133"/>
+          <a:srcRect t="75133"/>
           <a:stretch/>
         </p:blipFill>
         <p:spPr>
@@ -14628,7 +14862,7 @@
           <a:blip r:embed="rId4">
             <a:alphaModFix/>
           </a:blip>
-          <a:srcRect b="37464" l="0" r="30143" t="47738"/>
+          <a:srcRect t="47738" r="30143" b="37464"/>
           <a:stretch/>
         </p:blipFill>
         <p:spPr>
@@ -14683,7 +14917,7 @@
           <a:blip r:embed="rId4">
             <a:alphaModFix/>
           </a:blip>
-          <a:srcRect b="52772" l="0" r="28109" t="33734"/>
+          <a:srcRect t="33734" r="28109" b="52772"/>
           <a:stretch/>
         </p:blipFill>
         <p:spPr>
@@ -14709,11 +14943,11 @@
 </file>
 
 <file path=ppt/slides/slide7.xml><?xml version="1.0" encoding="utf-8"?>
-<p:sld xmlns:a="http://schemas.openxmlformats.org/drawingml/2006/main" xmlns:r="http://schemas.openxmlformats.org/officeDocument/2006/relationships" xmlns:mc="http://schemas.openxmlformats.org/markup-compatibility/2006" xmlns:mv="urn:schemas-microsoft-com:mac:vml" xmlns:p="http://schemas.openxmlformats.org/presentationml/2006/main" xmlns:c="http://schemas.openxmlformats.org/drawingml/2006/chart" xmlns:dgm="http://schemas.openxmlformats.org/drawingml/2006/diagram" xmlns:o="urn:schemas-microsoft-com:office:office" xmlns:v="urn:schemas-microsoft-com:vml" xmlns:pvml="urn:schemas-microsoft-com:office:powerpoint" xmlns:com="http://schemas.openxmlformats.org/drawingml/2006/compatibility" xmlns:p14="http://schemas.microsoft.com/office/powerpoint/2010/main" xmlns:p15="http://schemas.microsoft.com/office/powerpoint/2012/main" xmlns:ahyp="http://schemas.microsoft.com/office/drawing/2018/hyperlinkcolor">
+<p:sld xmlns:a="http://schemas.openxmlformats.org/drawingml/2006/main" xmlns:r="http://schemas.openxmlformats.org/officeDocument/2006/relationships" xmlns:p="http://schemas.openxmlformats.org/presentationml/2006/main">
   <p:cSld>
     <p:spTree>
       <p:nvGrpSpPr>
-        <p:cNvPr id="111" name="Shape 111"/>
+        <p:cNvPr id="1" name="Shape 111"/>
         <p:cNvGrpSpPr/>
         <p:nvPr/>
       </p:nvGrpSpPr>
@@ -14728,7 +14962,9 @@
       <p:sp>
         <p:nvSpPr>
           <p:cNvPr id="112" name="Google Shape;112;p19"/>
-          <p:cNvSpPr txBox="1"/>
+          <p:cNvSpPr txBox="1">
+            <a:spLocks noGrp="1"/>
+          </p:cNvSpPr>
           <p:nvPr>
             <p:ph type="title"/>
           </p:nvPr>
@@ -14743,12 +14979,12 @@
           </a:prstGeom>
         </p:spPr>
         <p:txBody>
-          <a:bodyPr anchorCtr="0" anchor="b" bIns="91425" lIns="91425" spcFirstLastPara="1" rIns="91425" wrap="square" tIns="91425">
+          <a:bodyPr spcFirstLastPara="1" wrap="square" lIns="91425" tIns="91425" rIns="91425" bIns="91425" anchor="b" anchorCtr="0">
             <a:noAutofit/>
           </a:bodyPr>
           <a:lstStyle/>
           <a:p>
-            <a:pPr indent="0" lvl="0" marL="0" rtl="0" algn="l">
+            <a:pPr marL="0" lvl="0" indent="0" algn="l" rtl="0">
               <a:spcBef>
                 <a:spcPts val="0"/>
               </a:spcBef>
@@ -14803,7 +15039,7 @@
           <a:blip r:embed="rId4">
             <a:alphaModFix/>
           </a:blip>
-          <a:srcRect b="83187" l="0" r="0" t="6029"/>
+          <a:srcRect t="6029" b="83187"/>
           <a:stretch/>
         </p:blipFill>
         <p:spPr>
@@ -14830,7 +15066,7 @@
           <a:blip r:embed="rId4">
             <a:alphaModFix/>
           </a:blip>
-          <a:srcRect b="49683" l="0" r="0" t="30466"/>
+          <a:srcRect t="30466" b="49683"/>
           <a:stretch/>
         </p:blipFill>
         <p:spPr>
@@ -14867,12 +15103,12 @@
           </a:ln>
         </p:spPr>
         <p:txBody>
-          <a:bodyPr anchorCtr="0" anchor="t" bIns="91425" lIns="91425" spcFirstLastPara="1" rIns="91425" wrap="square" tIns="91425">
+          <a:bodyPr spcFirstLastPara="1" wrap="square" lIns="91425" tIns="91425" rIns="91425" bIns="91425" anchor="t" anchorCtr="0">
             <a:spAutoFit/>
           </a:bodyPr>
           <a:lstStyle/>
           <a:p>
-            <a:pPr indent="0" lvl="0" marL="0" rtl="0" algn="l">
+            <a:pPr marL="0" lvl="0" indent="0" algn="l" rtl="0">
               <a:spcBef>
                 <a:spcPts val="0"/>
               </a:spcBef>
@@ -14889,7 +15125,7 @@
                 <a:hlinkClick r:id="rId5">
                   <a:extLst>
                     <a:ext uri="{A12FA001-AC4F-418D-AE19-62706E023703}">
-                      <ahyp:hlinkClr val="tx"/>
+                      <ahyp:hlinkClr xmlns:ahyp="http://schemas.microsoft.com/office/drawing/2018/hyperlinkcolor" val="tx"/>
                     </a:ext>
                   </a:extLst>
                 </a:hlinkClick>
@@ -14913,11 +15149,11 @@
 </file>
 
 <file path=ppt/slides/slide8.xml><?xml version="1.0" encoding="utf-8"?>
-<p:sld xmlns:a="http://schemas.openxmlformats.org/drawingml/2006/main" xmlns:r="http://schemas.openxmlformats.org/officeDocument/2006/relationships" xmlns:mc="http://schemas.openxmlformats.org/markup-compatibility/2006" xmlns:mv="urn:schemas-microsoft-com:mac:vml" xmlns:p="http://schemas.openxmlformats.org/presentationml/2006/main" xmlns:c="http://schemas.openxmlformats.org/drawingml/2006/chart" xmlns:dgm="http://schemas.openxmlformats.org/drawingml/2006/diagram" xmlns:o="urn:schemas-microsoft-com:office:office" xmlns:v="urn:schemas-microsoft-com:vml" xmlns:pvml="urn:schemas-microsoft-com:office:powerpoint" xmlns:com="http://schemas.openxmlformats.org/drawingml/2006/compatibility" xmlns:p14="http://schemas.microsoft.com/office/powerpoint/2010/main" xmlns:p15="http://schemas.microsoft.com/office/powerpoint/2012/main" xmlns:ahyp="http://schemas.microsoft.com/office/drawing/2018/hyperlinkcolor">
+<p:sld xmlns:a="http://schemas.openxmlformats.org/drawingml/2006/main" xmlns:r="http://schemas.openxmlformats.org/officeDocument/2006/relationships" xmlns:p="http://schemas.openxmlformats.org/presentationml/2006/main">
   <p:cSld>
     <p:spTree>
       <p:nvGrpSpPr>
-        <p:cNvPr id="120" name="Shape 120"/>
+        <p:cNvPr id="1" name="Shape 120"/>
         <p:cNvGrpSpPr/>
         <p:nvPr/>
       </p:nvGrpSpPr>
@@ -14932,7 +15168,9 @@
       <p:sp>
         <p:nvSpPr>
           <p:cNvPr id="121" name="Google Shape;121;p20"/>
-          <p:cNvSpPr txBox="1"/>
+          <p:cNvSpPr txBox="1">
+            <a:spLocks noGrp="1"/>
+          </p:cNvSpPr>
           <p:nvPr>
             <p:ph type="title"/>
           </p:nvPr>
@@ -14947,12 +15185,12 @@
           </a:prstGeom>
         </p:spPr>
         <p:txBody>
-          <a:bodyPr anchorCtr="0" anchor="ctr" bIns="91425" lIns="91425" spcFirstLastPara="1" rIns="91425" wrap="square" tIns="91425">
+          <a:bodyPr spcFirstLastPara="1" wrap="square" lIns="91425" tIns="91425" rIns="91425" bIns="91425" anchor="ctr" anchorCtr="0">
             <a:noAutofit/>
           </a:bodyPr>
           <a:lstStyle/>
           <a:p>
-            <a:pPr indent="0" lvl="0" marL="0" rtl="0" algn="l">
+            <a:pPr marL="0" lvl="0" indent="0" algn="l" rtl="0">
               <a:spcBef>
                 <a:spcPts val="0"/>
               </a:spcBef>
@@ -14989,12 +15227,12 @@
           </a:ln>
         </p:spPr>
         <p:txBody>
-          <a:bodyPr anchorCtr="0" anchor="t" bIns="91425" lIns="91425" spcFirstLastPara="1" rIns="91425" wrap="square" tIns="91425">
+          <a:bodyPr spcFirstLastPara="1" wrap="square" lIns="91425" tIns="91425" rIns="91425" bIns="91425" anchor="t" anchorCtr="0">
             <a:spAutoFit/>
           </a:bodyPr>
           <a:lstStyle/>
           <a:p>
-            <a:pPr indent="0" lvl="0" marL="0" rtl="0" algn="ctr">
+            <a:pPr marL="0" lvl="0" indent="0" algn="ctr" rtl="0">
               <a:lnSpc>
                 <a:spcPct val="115000"/>
               </a:lnSpc>
@@ -15007,7 +15245,7 @@
               <a:buNone/>
             </a:pPr>
             <a:r>
-              <a:rPr b="1" lang="en" sz="1300">
+              <a:rPr lang="en" sz="1300" b="1">
                 <a:solidFill>
                   <a:schemeClr val="lt2"/>
                 </a:solidFill>
@@ -15018,7 +15256,7 @@
               </a:rPr>
               <a:t>Data must be standardized</a:t>
             </a:r>
-            <a:endParaRPr b="1" sz="900">
+            <a:endParaRPr sz="900" b="1">
               <a:latin typeface="Roboto"/>
               <a:ea typeface="Roboto"/>
               <a:cs typeface="Roboto"/>
@@ -15047,12 +15285,12 @@
           </a:ln>
         </p:spPr>
         <p:txBody>
-          <a:bodyPr anchorCtr="0" anchor="t" bIns="91425" lIns="91425" spcFirstLastPara="1" rIns="91425" wrap="square" tIns="91425">
+          <a:bodyPr spcFirstLastPara="1" wrap="square" lIns="91425" tIns="91425" rIns="91425" bIns="91425" anchor="t" anchorCtr="0">
             <a:spAutoFit/>
           </a:bodyPr>
           <a:lstStyle/>
           <a:p>
-            <a:pPr indent="0" lvl="0" marL="0" rtl="0" algn="ctr">
+            <a:pPr marL="0" lvl="0" indent="0" algn="ctr" rtl="0">
               <a:lnSpc>
                 <a:spcPct val="115000"/>
               </a:lnSpc>
@@ -15065,7 +15303,7 @@
               <a:buNone/>
             </a:pPr>
             <a:r>
-              <a:rPr b="1" lang="en" sz="1300">
+              <a:rPr lang="en" sz="1300" b="1">
                 <a:solidFill>
                   <a:schemeClr val="lt2"/>
                 </a:solidFill>
@@ -15076,7 +15314,7 @@
               </a:rPr>
               <a:t>Cross Validation is important in finding best alpha</a:t>
             </a:r>
-            <a:endParaRPr b="1" sz="900">
+            <a:endParaRPr sz="900" b="1">
               <a:latin typeface="Roboto"/>
               <a:ea typeface="Roboto"/>
               <a:cs typeface="Roboto"/>
@@ -15150,11 +15388,11 @@
 </file>
 
 <file path=ppt/slides/slide9.xml><?xml version="1.0" encoding="utf-8"?>
-<p:sld xmlns:a="http://schemas.openxmlformats.org/drawingml/2006/main" xmlns:r="http://schemas.openxmlformats.org/officeDocument/2006/relationships" xmlns:mc="http://schemas.openxmlformats.org/markup-compatibility/2006" xmlns:mv="urn:schemas-microsoft-com:mac:vml" xmlns:p="http://schemas.openxmlformats.org/presentationml/2006/main" xmlns:c="http://schemas.openxmlformats.org/drawingml/2006/chart" xmlns:dgm="http://schemas.openxmlformats.org/drawingml/2006/diagram" xmlns:o="urn:schemas-microsoft-com:office:office" xmlns:v="urn:schemas-microsoft-com:vml" xmlns:pvml="urn:schemas-microsoft-com:office:powerpoint" xmlns:com="http://schemas.openxmlformats.org/drawingml/2006/compatibility" xmlns:p14="http://schemas.microsoft.com/office/powerpoint/2010/main" xmlns:p15="http://schemas.microsoft.com/office/powerpoint/2012/main" xmlns:ahyp="http://schemas.microsoft.com/office/drawing/2018/hyperlinkcolor">
+<p:sld xmlns:a="http://schemas.openxmlformats.org/drawingml/2006/main" xmlns:r="http://schemas.openxmlformats.org/officeDocument/2006/relationships" xmlns:p="http://schemas.openxmlformats.org/presentationml/2006/main">
   <p:cSld>
     <p:spTree>
       <p:nvGrpSpPr>
-        <p:cNvPr id="129" name="Shape 129"/>
+        <p:cNvPr id="1" name="Shape 129"/>
         <p:cNvGrpSpPr/>
         <p:nvPr/>
       </p:nvGrpSpPr>
@@ -15169,7 +15407,9 @@
       <p:sp>
         <p:nvSpPr>
           <p:cNvPr id="130" name="Google Shape;130;p21"/>
-          <p:cNvSpPr txBox="1"/>
+          <p:cNvSpPr txBox="1">
+            <a:spLocks noGrp="1"/>
+          </p:cNvSpPr>
           <p:nvPr>
             <p:ph type="title"/>
           </p:nvPr>
@@ -15184,12 +15424,12 @@
           </a:prstGeom>
         </p:spPr>
         <p:txBody>
-          <a:bodyPr anchorCtr="0" anchor="b" bIns="91425" lIns="91425" spcFirstLastPara="1" rIns="91425" wrap="square" tIns="91425">
+          <a:bodyPr spcFirstLastPara="1" wrap="square" lIns="91425" tIns="91425" rIns="91425" bIns="91425" anchor="b" anchorCtr="0">
             <a:noAutofit/>
           </a:bodyPr>
           <a:lstStyle/>
           <a:p>
-            <a:pPr indent="0" lvl="0" marL="5486400" rtl="0" algn="l">
+            <a:pPr marL="5486400" lvl="0" indent="0" algn="l" rtl="0">
               <a:spcBef>
                 <a:spcPts val="0"/>
               </a:spcBef>
@@ -15271,7 +15511,7 @@
 </file>
 
 <file path=ppt/theme/theme1.xml><?xml version="1.0" encoding="utf-8"?>
-<a:theme xmlns:a="http://schemas.openxmlformats.org/drawingml/2006/main" xmlns:r="http://schemas.openxmlformats.org/officeDocument/2006/relationships" name="Material">
+<a:theme xmlns:a="http://schemas.openxmlformats.org/drawingml/2006/main" name="Material">
   <a:themeElements>
     <a:clrScheme name="Material">
       <a:dk1>
@@ -15546,11 +15786,13 @@
       </a:bgFillStyleLst>
     </a:fmtScheme>
   </a:themeElements>
+  <a:objectDefaults/>
+  <a:extraClrSchemeLst/>
 </a:theme>
 </file>
 
 <file path=ppt/theme/theme2.xml><?xml version="1.0" encoding="utf-8"?>
-<a:theme xmlns:a="http://schemas.openxmlformats.org/drawingml/2006/main" xmlns:r="http://schemas.openxmlformats.org/officeDocument/2006/relationships">
+<a:theme xmlns:a="http://schemas.openxmlformats.org/drawingml/2006/main">
   <a:themeElements>
     <a:clrScheme name="Default">
       <a:dk1>
@@ -15825,5 +16067,7 @@
       </a:bgFillStyleLst>
     </a:fmtScheme>
   </a:themeElements>
+  <a:objectDefaults/>
+  <a:extraClrSchemeLst/>
 </a:theme>
 </file>
--- a/Lasso_Ridge Regression.pptx
+++ b/Lasso_Ridge Regression.pptx
@@ -37,7 +37,7 @@
   <p:notesSz cx="6858000" cy="9144000"/>
   <p:embeddedFontLst>
     <p:embeddedFont>
-      <p:font typeface="Roboto" panose="020B0604020202020204" pitchFamily="2" charset="0"/>
+      <p:font typeface="Roboto" panose="02000000000000000000" pitchFamily="2" charset="0"/>
       <p:regular r:id="rId27"/>
       <p:bold r:id="rId28"/>
       <p:italic r:id="rId29"/>
@@ -2706,7 +2706,7 @@
         </p:nvSpPr>
         <p:spPr>
           <a:xfrm>
-            <a:off x="381300" y="685800"/>
+            <a:off x="381000" y="685800"/>
             <a:ext cx="6096000" cy="3429000"/>
           </a:xfrm>
           <a:custGeom>
@@ -14282,8 +14282,8 @@
         </p:nvSpPr>
         <p:spPr>
           <a:xfrm>
-            <a:off x="5267400" y="534525"/>
-            <a:ext cx="2853600" cy="677100"/>
+            <a:off x="5230091" y="534525"/>
+            <a:ext cx="2890909" cy="677100"/>
           </a:xfrm>
           <a:prstGeom prst="rect">
             <a:avLst/>
@@ -14309,7 +14309,7 @@
               <a:buNone/>
             </a:pPr>
             <a:r>
-              <a:rPr lang="en" sz="3200">
+              <a:rPr lang="en" sz="3200" dirty="0">
                 <a:solidFill>
                   <a:schemeClr val="lt1"/>
                 </a:solidFill>
@@ -14320,7 +14320,7 @@
               </a:rPr>
               <a:t>Disadvantages</a:t>
             </a:r>
-            <a:endParaRPr sz="3200">
+            <a:endParaRPr sz="3200" dirty="0">
               <a:solidFill>
                 <a:schemeClr val="lt1"/>
               </a:solidFill>
